--- a/Equip_B/results/S3_Presentacion_Finanzas.pptx
+++ b/Equip_B/results/S3_Presentacion_Finanzas.pptx
@@ -5,22 +5,21 @@
     <p:sldMasterId id="2147483648" r:id="rId4"/>
   </p:sldMasterIdLst>
   <p:notesMasterIdLst>
-    <p:notesMasterId r:id="rId15"/>
+    <p:notesMasterId r:id="rId14"/>
   </p:notesMasterIdLst>
   <p:handoutMasterIdLst>
-    <p:handoutMasterId r:id="rId16"/>
+    <p:handoutMasterId r:id="rId15"/>
   </p:handoutMasterIdLst>
   <p:sldIdLst>
     <p:sldId id="324" r:id="rId5"/>
     <p:sldId id="328" r:id="rId6"/>
     <p:sldId id="330" r:id="rId7"/>
-    <p:sldId id="351" r:id="rId8"/>
-    <p:sldId id="329" r:id="rId9"/>
-    <p:sldId id="332" r:id="rId10"/>
-    <p:sldId id="350" r:id="rId11"/>
+    <p:sldId id="329" r:id="rId8"/>
+    <p:sldId id="338" r:id="rId9"/>
+    <p:sldId id="336" r:id="rId10"/>
+    <p:sldId id="332" r:id="rId11"/>
     <p:sldId id="333" r:id="rId12"/>
-    <p:sldId id="353" r:id="rId13"/>
-    <p:sldId id="335" r:id="rId14"/>
+    <p:sldId id="335" r:id="rId13"/>
   </p:sldIdLst>
   <p:sldSz cx="12192000" cy="6858000"/>
   <p:notesSz cx="6858000" cy="9144000"/>
@@ -920,7 +919,7 @@
       </p:grpSpPr>
       <p:sp>
         <p:nvSpPr>
-          <p:cNvPr id="2" name="Contenidor d'imatge de diapositiva 1"/>
+          <p:cNvPr id="2" name="Marcador de imagen de diapositiva 1"/>
           <p:cNvSpPr>
             <a:spLocks noGrp="1" noRot="1" noChangeAspect="1"/>
           </p:cNvSpPr>
@@ -932,7 +931,7 @@
       </p:sp>
       <p:sp>
         <p:nvSpPr>
-          <p:cNvPr id="3" name="Contenidor de notes 2"/>
+          <p:cNvPr id="3" name="Marcador de notas 2"/>
           <p:cNvSpPr>
             <a:spLocks noGrp="1"/>
           </p:cNvSpPr>
@@ -945,13 +944,13 @@
           <a:bodyPr/>
           <a:lstStyle/>
           <a:p>
-            <a:endParaRPr lang="ca-ES" dirty="0"/>
-          </a:p>
-        </p:txBody>
-      </p:sp>
-      <p:sp>
-        <p:nvSpPr>
-          <p:cNvPr id="4" name="Contenidor de número de diapositiva 3"/>
+            <a:endParaRPr lang="es-ES" dirty="0"/>
+          </a:p>
+        </p:txBody>
+      </p:sp>
+      <p:sp>
+        <p:nvSpPr>
+          <p:cNvPr id="4" name="Marcador de número de diapositiva 3"/>
           <p:cNvSpPr>
             <a:spLocks noGrp="1"/>
           </p:cNvSpPr>
@@ -976,7 +975,7 @@
     </p:spTree>
     <p:extLst>
       <p:ext uri="{BB962C8B-B14F-4D97-AF65-F5344CB8AC3E}">
-        <p14:creationId xmlns:p14="http://schemas.microsoft.com/office/powerpoint/2010/main" val="3037289456"/>
+        <p14:creationId xmlns:p14="http://schemas.microsoft.com/office/powerpoint/2010/main" val="3770405997"/>
       </p:ext>
     </p:extLst>
   </p:cSld>
@@ -991,7 +990,13 @@
   <p:cSld>
     <p:spTree>
       <p:nvGrpSpPr>
-        <p:cNvPr id="1" name=""/>
+        <p:cNvPr id="1" name="">
+          <a:extLst>
+            <a:ext uri="{FF2B5EF4-FFF2-40B4-BE49-F238E27FC236}">
+              <a16:creationId xmlns:a16="http://schemas.microsoft.com/office/drawing/2014/main" id="{341305B4-C231-D39A-202B-17A25AB96942}"/>
+            </a:ext>
+          </a:extLst>
+        </p:cNvPr>
         <p:cNvGrpSpPr/>
         <p:nvPr/>
       </p:nvGrpSpPr>
@@ -1005,7 +1010,13 @@
       </p:grpSpPr>
       <p:sp>
         <p:nvSpPr>
-          <p:cNvPr id="2" name="Marcador de imagen de diapositiva 1"/>
+          <p:cNvPr id="2" name="Marcador de imagen de diapositiva 1">
+            <a:extLst>
+              <a:ext uri="{FF2B5EF4-FFF2-40B4-BE49-F238E27FC236}">
+                <a16:creationId xmlns:a16="http://schemas.microsoft.com/office/drawing/2014/main" id="{8352D6FF-0768-7DCB-5D95-44771B30E9BE}"/>
+              </a:ext>
+            </a:extLst>
+          </p:cNvPr>
           <p:cNvSpPr>
             <a:spLocks noGrp="1" noRot="1" noChangeAspect="1"/>
           </p:cNvSpPr>
@@ -1017,7 +1028,13 @@
       </p:sp>
       <p:sp>
         <p:nvSpPr>
-          <p:cNvPr id="3" name="Marcador de notas 2"/>
+          <p:cNvPr id="3" name="Marcador de notas 2">
+            <a:extLst>
+              <a:ext uri="{FF2B5EF4-FFF2-40B4-BE49-F238E27FC236}">
+                <a16:creationId xmlns:a16="http://schemas.microsoft.com/office/drawing/2014/main" id="{00893B6C-ECE4-AB5F-851D-796B8E1A2EFA}"/>
+              </a:ext>
+            </a:extLst>
+          </p:cNvPr>
           <p:cNvSpPr>
             <a:spLocks noGrp="1"/>
           </p:cNvSpPr>
@@ -1036,7 +1053,13 @@
       </p:sp>
       <p:sp>
         <p:nvSpPr>
-          <p:cNvPr id="4" name="Marcador de número de diapositiva 3"/>
+          <p:cNvPr id="4" name="Marcador de número de diapositiva 3">
+            <a:extLst>
+              <a:ext uri="{FF2B5EF4-FFF2-40B4-BE49-F238E27FC236}">
+                <a16:creationId xmlns:a16="http://schemas.microsoft.com/office/drawing/2014/main" id="{FAF864CC-86BA-5795-54BB-582097021609}"/>
+              </a:ext>
+            </a:extLst>
+          </p:cNvPr>
           <p:cNvSpPr>
             <a:spLocks noGrp="1"/>
           </p:cNvSpPr>
@@ -1061,7 +1084,7 @@
     </p:spTree>
     <p:extLst>
       <p:ext uri="{BB962C8B-B14F-4D97-AF65-F5344CB8AC3E}">
-        <p14:creationId xmlns:p14="http://schemas.microsoft.com/office/powerpoint/2010/main" val="3770405997"/>
+        <p14:creationId xmlns:p14="http://schemas.microsoft.com/office/powerpoint/2010/main" val="1401005387"/>
       </p:ext>
     </p:extLst>
   </p:cSld>
@@ -1161,7 +1184,7 @@
             <a:pPr rtl="0"/>
             <a:fld id="{8530193B-564F-4854-8A52-728F3FB19C85}" type="slidenum">
               <a:rPr lang="es-ES" noProof="0" smtClean="0"/>
-              <a:t>6</a:t>
+              <a:t>7</a:t>
             </a:fld>
             <a:endParaRPr lang="es-ES" noProof="0"/>
           </a:p>
@@ -1181,115 +1204,6 @@
 </file>
 
 <file path=ppt/notesSlides/notesSlide6.xml><?xml version="1.0" encoding="utf-8"?>
-<p:notes xmlns:a="http://schemas.openxmlformats.org/drawingml/2006/main" xmlns:r="http://schemas.openxmlformats.org/officeDocument/2006/relationships" xmlns:p="http://schemas.openxmlformats.org/presentationml/2006/main">
-  <p:cSld>
-    <p:spTree>
-      <p:nvGrpSpPr>
-        <p:cNvPr id="1" name="">
-          <a:extLst>
-            <a:ext uri="{FF2B5EF4-FFF2-40B4-BE49-F238E27FC236}">
-              <a16:creationId xmlns:a16="http://schemas.microsoft.com/office/drawing/2014/main" id="{2B09EA46-9462-B071-AED3-25764CFA7FCD}"/>
-            </a:ext>
-          </a:extLst>
-        </p:cNvPr>
-        <p:cNvGrpSpPr/>
-        <p:nvPr/>
-      </p:nvGrpSpPr>
-      <p:grpSpPr>
-        <a:xfrm>
-          <a:off x="0" y="0"/>
-          <a:ext cx="0" cy="0"/>
-          <a:chOff x="0" y="0"/>
-          <a:chExt cx="0" cy="0"/>
-        </a:xfrm>
-      </p:grpSpPr>
-      <p:sp>
-        <p:nvSpPr>
-          <p:cNvPr id="2" name="Marcador de imagen de diapositiva 1">
-            <a:extLst>
-              <a:ext uri="{FF2B5EF4-FFF2-40B4-BE49-F238E27FC236}">
-                <a16:creationId xmlns:a16="http://schemas.microsoft.com/office/drawing/2014/main" id="{2F08F31E-D37D-8C72-E287-CBB35A638442}"/>
-              </a:ext>
-            </a:extLst>
-          </p:cNvPr>
-          <p:cNvSpPr>
-            <a:spLocks noGrp="1" noRot="1" noChangeAspect="1"/>
-          </p:cNvSpPr>
-          <p:nvPr>
-            <p:ph type="sldImg"/>
-          </p:nvPr>
-        </p:nvSpPr>
-        <p:spPr/>
-      </p:sp>
-      <p:sp>
-        <p:nvSpPr>
-          <p:cNvPr id="3" name="Marcador de notas 2">
-            <a:extLst>
-              <a:ext uri="{FF2B5EF4-FFF2-40B4-BE49-F238E27FC236}">
-                <a16:creationId xmlns:a16="http://schemas.microsoft.com/office/drawing/2014/main" id="{3957BCDF-9FC8-D962-8DCF-A4D70FD1F20E}"/>
-              </a:ext>
-            </a:extLst>
-          </p:cNvPr>
-          <p:cNvSpPr>
-            <a:spLocks noGrp="1"/>
-          </p:cNvSpPr>
-          <p:nvPr>
-            <p:ph type="body" idx="1"/>
-          </p:nvPr>
-        </p:nvSpPr>
-        <p:spPr/>
-        <p:txBody>
-          <a:bodyPr/>
-          <a:lstStyle/>
-          <a:p>
-            <a:endParaRPr lang="es-ES" dirty="0"/>
-          </a:p>
-        </p:txBody>
-      </p:sp>
-      <p:sp>
-        <p:nvSpPr>
-          <p:cNvPr id="4" name="Marcador de número de diapositiva 3">
-            <a:extLst>
-              <a:ext uri="{FF2B5EF4-FFF2-40B4-BE49-F238E27FC236}">
-                <a16:creationId xmlns:a16="http://schemas.microsoft.com/office/drawing/2014/main" id="{AADDC00D-2B44-6888-881B-99EC9317C682}"/>
-              </a:ext>
-            </a:extLst>
-          </p:cNvPr>
-          <p:cNvSpPr>
-            <a:spLocks noGrp="1"/>
-          </p:cNvSpPr>
-          <p:nvPr>
-            <p:ph type="sldNum" sz="quarter" idx="5"/>
-          </p:nvPr>
-        </p:nvSpPr>
-        <p:spPr/>
-        <p:txBody>
-          <a:bodyPr/>
-          <a:lstStyle/>
-          <a:p>
-            <a:pPr rtl="0"/>
-            <a:fld id="{8530193B-564F-4854-8A52-728F3FB19C85}" type="slidenum">
-              <a:rPr lang="es-ES" noProof="0" smtClean="0"/>
-              <a:t>7</a:t>
-            </a:fld>
-            <a:endParaRPr lang="es-ES" noProof="0"/>
-          </a:p>
-        </p:txBody>
-      </p:sp>
-    </p:spTree>
-    <p:extLst>
-      <p:ext uri="{BB962C8B-B14F-4D97-AF65-F5344CB8AC3E}">
-        <p14:creationId xmlns:p14="http://schemas.microsoft.com/office/powerpoint/2010/main" val="2993063409"/>
-      </p:ext>
-    </p:extLst>
-  </p:cSld>
-  <p:clrMapOvr>
-    <a:masterClrMapping/>
-  </p:clrMapOvr>
-</p:notes>
-</file>
-
-<file path=ppt/notesSlides/notesSlide7.xml><?xml version="1.0" encoding="utf-8"?>
 <p:notes xmlns:a="http://schemas.openxmlformats.org/drawingml/2006/main" xmlns:r="http://schemas.openxmlformats.org/officeDocument/2006/relationships" xmlns:p="http://schemas.openxmlformats.org/presentationml/2006/main">
   <p:cSld>
     <p:spTree>
@@ -1398,116 +1312,7 @@
 </p:notes>
 </file>
 
-<file path=ppt/notesSlides/notesSlide8.xml><?xml version="1.0" encoding="utf-8"?>
-<p:notes xmlns:a="http://schemas.openxmlformats.org/drawingml/2006/main" xmlns:r="http://schemas.openxmlformats.org/officeDocument/2006/relationships" xmlns:p="http://schemas.openxmlformats.org/presentationml/2006/main">
-  <p:cSld>
-    <p:spTree>
-      <p:nvGrpSpPr>
-        <p:cNvPr id="1" name="">
-          <a:extLst>
-            <a:ext uri="{FF2B5EF4-FFF2-40B4-BE49-F238E27FC236}">
-              <a16:creationId xmlns:a16="http://schemas.microsoft.com/office/drawing/2014/main" id="{5DA7D38E-33F9-D49A-4C5B-F7F4AA3A60A3}"/>
-            </a:ext>
-          </a:extLst>
-        </p:cNvPr>
-        <p:cNvGrpSpPr/>
-        <p:nvPr/>
-      </p:nvGrpSpPr>
-      <p:grpSpPr>
-        <a:xfrm>
-          <a:off x="0" y="0"/>
-          <a:ext cx="0" cy="0"/>
-          <a:chOff x="0" y="0"/>
-          <a:chExt cx="0" cy="0"/>
-        </a:xfrm>
-      </p:grpSpPr>
-      <p:sp>
-        <p:nvSpPr>
-          <p:cNvPr id="2" name="Marcador de imagen de diapositiva 1">
-            <a:extLst>
-              <a:ext uri="{FF2B5EF4-FFF2-40B4-BE49-F238E27FC236}">
-                <a16:creationId xmlns:a16="http://schemas.microsoft.com/office/drawing/2014/main" id="{54781FF0-7926-B6A7-820F-74452805D43A}"/>
-              </a:ext>
-            </a:extLst>
-          </p:cNvPr>
-          <p:cNvSpPr>
-            <a:spLocks noGrp="1" noRot="1" noChangeAspect="1"/>
-          </p:cNvSpPr>
-          <p:nvPr>
-            <p:ph type="sldImg"/>
-          </p:nvPr>
-        </p:nvSpPr>
-        <p:spPr/>
-      </p:sp>
-      <p:sp>
-        <p:nvSpPr>
-          <p:cNvPr id="3" name="Marcador de notas 2">
-            <a:extLst>
-              <a:ext uri="{FF2B5EF4-FFF2-40B4-BE49-F238E27FC236}">
-                <a16:creationId xmlns:a16="http://schemas.microsoft.com/office/drawing/2014/main" id="{4CCA55E2-F3E4-D350-3FCD-595B858CB721}"/>
-              </a:ext>
-            </a:extLst>
-          </p:cNvPr>
-          <p:cNvSpPr>
-            <a:spLocks noGrp="1"/>
-          </p:cNvSpPr>
-          <p:nvPr>
-            <p:ph type="body" idx="1"/>
-          </p:nvPr>
-        </p:nvSpPr>
-        <p:spPr/>
-        <p:txBody>
-          <a:bodyPr/>
-          <a:lstStyle/>
-          <a:p>
-            <a:endParaRPr lang="es-ES" dirty="0"/>
-          </a:p>
-        </p:txBody>
-      </p:sp>
-      <p:sp>
-        <p:nvSpPr>
-          <p:cNvPr id="4" name="Marcador de número de diapositiva 3">
-            <a:extLst>
-              <a:ext uri="{FF2B5EF4-FFF2-40B4-BE49-F238E27FC236}">
-                <a16:creationId xmlns:a16="http://schemas.microsoft.com/office/drawing/2014/main" id="{020D89AD-27A1-4AF4-3B31-3F707F5DD491}"/>
-              </a:ext>
-            </a:extLst>
-          </p:cNvPr>
-          <p:cNvSpPr>
-            <a:spLocks noGrp="1"/>
-          </p:cNvSpPr>
-          <p:nvPr>
-            <p:ph type="sldNum" sz="quarter" idx="5"/>
-          </p:nvPr>
-        </p:nvSpPr>
-        <p:spPr/>
-        <p:txBody>
-          <a:bodyPr/>
-          <a:lstStyle/>
-          <a:p>
-            <a:pPr rtl="0"/>
-            <a:fld id="{8530193B-564F-4854-8A52-728F3FB19C85}" type="slidenum">
-              <a:rPr lang="es-ES" noProof="0" smtClean="0"/>
-              <a:t>9</a:t>
-            </a:fld>
-            <a:endParaRPr lang="es-ES" noProof="0"/>
-          </a:p>
-        </p:txBody>
-      </p:sp>
-    </p:spTree>
-    <p:extLst>
-      <p:ext uri="{BB962C8B-B14F-4D97-AF65-F5344CB8AC3E}">
-        <p14:creationId xmlns:p14="http://schemas.microsoft.com/office/powerpoint/2010/main" val="2605541255"/>
-      </p:ext>
-    </p:extLst>
-  </p:cSld>
-  <p:clrMapOvr>
-    <a:masterClrMapping/>
-  </p:clrMapOvr>
-</p:notes>
-</file>
-
-<file path=ppt/notesSlides/notesSlide9.xml><?xml version="1.0" encoding="utf-8"?>
+<file path=ppt/notesSlides/notesSlide7.xml><?xml version="1.0" encoding="utf-8"?>
 <p:notes xmlns:a="http://schemas.openxmlformats.org/drawingml/2006/main" xmlns:r="http://schemas.openxmlformats.org/officeDocument/2006/relationships" xmlns:p="http://schemas.openxmlformats.org/presentationml/2006/main">
   <p:cSld>
     <p:spTree>
@@ -1598,7 +1403,7 @@
             <a:pPr rtl="0"/>
             <a:fld id="{8530193B-564F-4854-8A52-728F3FB19C85}" type="slidenum">
               <a:rPr lang="es-ES" smtClean="0"/>
-              <a:t>10</a:t>
+              <a:t>9</a:t>
             </a:fld>
             <a:endParaRPr lang="es-ES"/>
           </a:p>
@@ -9163,7 +8968,7 @@
                   </a:outerShdw>
                 </a:effectLst>
               </a:rPr>
-              <a:t>RESULTADOS DESAFÍO 2</a:t>
+              <a:t>RESULTADOS DESAFÍO 3</a:t>
             </a:r>
           </a:p>
         </p:txBody>
@@ -9218,7 +9023,7 @@
                   </a:schemeClr>
                 </a:solidFill>
               </a:rPr>
-              <a:t>21 de octubre de 2024</a:t>
+              <a:t>25 de octubre de 2024</a:t>
             </a:r>
           </a:p>
         </p:txBody>
@@ -9447,579 +9252,6 @@
     <p:extLst>
       <p:ext uri="{BB962C8B-B14F-4D97-AF65-F5344CB8AC3E}">
         <p14:creationId xmlns:p14="http://schemas.microsoft.com/office/powerpoint/2010/main" val="3665993043"/>
-      </p:ext>
-    </p:extLst>
-  </p:cSld>
-  <p:clrMapOvr>
-    <a:masterClrMapping/>
-  </p:clrMapOvr>
-</p:sld>
-</file>
-
-<file path=ppt/slides/slide10.xml><?xml version="1.0" encoding="utf-8"?>
-<p:sld xmlns:a="http://schemas.openxmlformats.org/drawingml/2006/main" xmlns:r="http://schemas.openxmlformats.org/officeDocument/2006/relationships" xmlns:p="http://schemas.openxmlformats.org/presentationml/2006/main">
-  <p:cSld>
-    <p:bg>
-      <p:bgPr>
-        <a:blipFill dpi="0" rotWithShape="1">
-          <a:blip r:embed="rId3">
-            <a:alphaModFix amt="55000"/>
-            <a:lum/>
-          </a:blip>
-          <a:srcRect/>
-          <a:stretch>
-            <a:fillRect l="-1000" r="-1000"/>
-          </a:stretch>
-        </a:blipFill>
-        <a:effectLst/>
-      </p:bgPr>
-    </p:bg>
-    <p:spTree>
-      <p:nvGrpSpPr>
-        <p:cNvPr id="1" name="">
-          <a:extLst>
-            <a:ext uri="{FF2B5EF4-FFF2-40B4-BE49-F238E27FC236}">
-              <a16:creationId xmlns:a16="http://schemas.microsoft.com/office/drawing/2014/main" id="{6328BC4E-7759-9905-955A-26B25D46A5DA}"/>
-            </a:ext>
-          </a:extLst>
-        </p:cNvPr>
-        <p:cNvGrpSpPr/>
-        <p:nvPr/>
-      </p:nvGrpSpPr>
-      <p:grpSpPr>
-        <a:xfrm>
-          <a:off x="0" y="0"/>
-          <a:ext cx="0" cy="0"/>
-          <a:chOff x="0" y="0"/>
-          <a:chExt cx="0" cy="0"/>
-        </a:xfrm>
-      </p:grpSpPr>
-      <p:sp>
-        <p:nvSpPr>
-          <p:cNvPr id="4" name="Elipse 3">
-            <a:extLst>
-              <a:ext uri="{FF2B5EF4-FFF2-40B4-BE49-F238E27FC236}">
-                <a16:creationId xmlns:a16="http://schemas.microsoft.com/office/drawing/2014/main" id="{E3B3E10B-BE40-7FB4-64E3-01D4B99CC32F}"/>
-              </a:ext>
-              <a:ext uri="{C183D7F6-B498-43B3-948B-1728B52AA6E4}">
-                <adec:decorative xmlns:adec="http://schemas.microsoft.com/office/drawing/2017/decorative" val="1"/>
-              </a:ext>
-            </a:extLst>
-          </p:cNvPr>
-          <p:cNvSpPr/>
-          <p:nvPr/>
-        </p:nvSpPr>
-        <p:spPr>
-          <a:xfrm>
-            <a:off x="3338400" y="671564"/>
-            <a:ext cx="5515200" cy="5514872"/>
-          </a:xfrm>
-          <a:prstGeom prst="ellipse">
-            <a:avLst/>
-          </a:prstGeom>
-          <a:solidFill>
-            <a:schemeClr val="bg1">
-              <a:alpha val="87000"/>
-            </a:schemeClr>
-          </a:solidFill>
-          <a:ln w="63500">
-            <a:solidFill>
-              <a:schemeClr val="bg1">
-                <a:alpha val="95000"/>
-              </a:schemeClr>
-            </a:solidFill>
-          </a:ln>
-        </p:spPr>
-        <p:style>
-          <a:lnRef idx="2">
-            <a:schemeClr val="accent1">
-              <a:shade val="50000"/>
-            </a:schemeClr>
-          </a:lnRef>
-          <a:fillRef idx="1">
-            <a:schemeClr val="accent1"/>
-          </a:fillRef>
-          <a:effectRef idx="0">
-            <a:schemeClr val="accent1"/>
-          </a:effectRef>
-          <a:fontRef idx="minor">
-            <a:schemeClr val="lt1"/>
-          </a:fontRef>
-        </p:style>
-        <p:txBody>
-          <a:bodyPr rtlCol="0" anchor="ctr"/>
-          <a:lstStyle/>
-          <a:p>
-            <a:pPr algn="ctr" rtl="0"/>
-            <a:endParaRPr lang="es-ES" dirty="0"/>
-          </a:p>
-        </p:txBody>
-      </p:sp>
-      <p:sp>
-        <p:nvSpPr>
-          <p:cNvPr id="11" name="Marcador de texto 10">
-            <a:extLst>
-              <a:ext uri="{FF2B5EF4-FFF2-40B4-BE49-F238E27FC236}">
-                <a16:creationId xmlns:a16="http://schemas.microsoft.com/office/drawing/2014/main" id="{46718A37-9DF7-2026-66B5-3556F420B5AB}"/>
-              </a:ext>
-            </a:extLst>
-          </p:cNvPr>
-          <p:cNvSpPr>
-            <a:spLocks noGrp="1"/>
-          </p:cNvSpPr>
-          <p:nvPr>
-            <p:ph type="body" sz="quarter" idx="11"/>
-          </p:nvPr>
-        </p:nvSpPr>
-        <p:spPr>
-          <a:xfrm>
-            <a:off x="4503545" y="3433864"/>
-            <a:ext cx="3184910" cy="2411431"/>
-          </a:xfrm>
-        </p:spPr>
-        <p:txBody>
-          <a:bodyPr rtlCol="0"/>
-          <a:lstStyle/>
-          <a:p>
-            <a:pPr algn="ctr" rtl="0"/>
-            <a:r>
-              <a:rPr lang="es-ES" sz="2800" b="1" dirty="0">
-                <a:solidFill>
-                  <a:schemeClr val="accent4">
-                    <a:lumMod val="75000"/>
-                  </a:schemeClr>
-                </a:solidFill>
-                <a:latin typeface="Calibri" panose="020F0502020204030204" pitchFamily="34" charset="0"/>
-                <a:cs typeface="Calibri" panose="020F0502020204030204" pitchFamily="34" charset="0"/>
-              </a:rPr>
-              <a:t>Equipo B</a:t>
-            </a:r>
-          </a:p>
-          <a:p>
-            <a:pPr algn="ctr" rtl="0"/>
-            <a:r>
-              <a:rPr lang="es-ES" sz="1800" b="1" dirty="0">
-                <a:solidFill>
-                  <a:schemeClr val="accent4">
-                    <a:lumMod val="50000"/>
-                  </a:schemeClr>
-                </a:solidFill>
-              </a:rPr>
-              <a:t>Gorka </a:t>
-            </a:r>
-            <a:r>
-              <a:rPr lang="es-ES" sz="1800" b="1" dirty="0" err="1">
-                <a:solidFill>
-                  <a:schemeClr val="accent4">
-                    <a:lumMod val="50000"/>
-                  </a:schemeClr>
-                </a:solidFill>
-              </a:rPr>
-              <a:t>Bonals</a:t>
-            </a:r>
-            <a:r>
-              <a:rPr lang="es-ES" sz="1800" b="1" dirty="0">
-                <a:solidFill>
-                  <a:schemeClr val="accent4">
-                    <a:lumMod val="50000"/>
-                  </a:schemeClr>
-                </a:solidFill>
-              </a:rPr>
-              <a:t> Sastre</a:t>
-            </a:r>
-          </a:p>
-          <a:p>
-            <a:pPr algn="ctr" rtl="0"/>
-            <a:r>
-              <a:rPr lang="es-ES" sz="1800" b="1" dirty="0">
-                <a:solidFill>
-                  <a:schemeClr val="accent4">
-                    <a:lumMod val="50000"/>
-                  </a:schemeClr>
-                </a:solidFill>
-              </a:rPr>
-              <a:t>Pau Fernández Ripollès</a:t>
-            </a:r>
-          </a:p>
-          <a:p>
-            <a:pPr algn="ctr" rtl="0"/>
-            <a:r>
-              <a:rPr lang="es-ES" sz="1800" b="1" dirty="0">
-                <a:solidFill>
-                  <a:schemeClr val="accent4">
-                    <a:lumMod val="50000"/>
-                  </a:schemeClr>
-                </a:solidFill>
-              </a:rPr>
-              <a:t>German </a:t>
-            </a:r>
-            <a:r>
-              <a:rPr lang="es-ES" sz="1800" b="1" dirty="0" err="1">
-                <a:solidFill>
-                  <a:schemeClr val="accent4">
-                    <a:lumMod val="50000"/>
-                  </a:schemeClr>
-                </a:solidFill>
-              </a:rPr>
-              <a:t>Lizarraga</a:t>
-            </a:r>
-            <a:r>
-              <a:rPr lang="es-ES" sz="1800" b="1" dirty="0">
-                <a:solidFill>
-                  <a:schemeClr val="accent4">
-                    <a:lumMod val="50000"/>
-                  </a:schemeClr>
-                </a:solidFill>
-              </a:rPr>
-              <a:t> Pereira</a:t>
-            </a:r>
-          </a:p>
-          <a:p>
-            <a:pPr algn="ctr" rtl="0"/>
-            <a:r>
-              <a:rPr lang="es-ES" sz="1800" b="1" dirty="0">
-                <a:solidFill>
-                  <a:schemeClr val="accent4">
-                    <a:lumMod val="50000"/>
-                  </a:schemeClr>
-                </a:solidFill>
-              </a:rPr>
-              <a:t>Carla </a:t>
-            </a:r>
-            <a:r>
-              <a:rPr lang="es-ES" sz="1800" b="1" dirty="0" err="1">
-                <a:solidFill>
-                  <a:schemeClr val="accent4">
-                    <a:lumMod val="50000"/>
-                  </a:schemeClr>
-                </a:solidFill>
-              </a:rPr>
-              <a:t>Lupión</a:t>
-            </a:r>
-            <a:r>
-              <a:rPr lang="es-ES" sz="1800" b="1" dirty="0">
-                <a:solidFill>
-                  <a:schemeClr val="accent4">
-                    <a:lumMod val="50000"/>
-                  </a:schemeClr>
-                </a:solidFill>
-              </a:rPr>
-              <a:t> </a:t>
-            </a:r>
-            <a:r>
-              <a:rPr lang="es-ES" sz="1800" b="1" dirty="0" err="1">
-                <a:solidFill>
-                  <a:schemeClr val="accent4">
-                    <a:lumMod val="50000"/>
-                  </a:schemeClr>
-                </a:solidFill>
-              </a:rPr>
-              <a:t>Saez</a:t>
-            </a:r>
-            <a:endParaRPr lang="es-ES" sz="1800" b="1" dirty="0">
-              <a:solidFill>
-                <a:schemeClr val="accent4">
-                  <a:lumMod val="50000"/>
-                </a:schemeClr>
-              </a:solidFill>
-            </a:endParaRPr>
-          </a:p>
-          <a:p>
-            <a:pPr algn="ctr" rtl="0"/>
-            <a:r>
-              <a:rPr lang="es-ES" sz="1800" dirty="0">
-                <a:solidFill>
-                  <a:schemeClr val="accent4">
-                    <a:lumMod val="50000"/>
-                  </a:schemeClr>
-                </a:solidFill>
-              </a:rPr>
-              <a:t>Natalya Martyn</a:t>
-            </a:r>
-            <a:endParaRPr lang="es-ES" sz="1800" b="1" dirty="0">
-              <a:solidFill>
-                <a:schemeClr val="accent4">
-                  <a:lumMod val="50000"/>
-                </a:schemeClr>
-              </a:solidFill>
-            </a:endParaRPr>
-          </a:p>
-        </p:txBody>
-      </p:sp>
-      <p:sp>
-        <p:nvSpPr>
-          <p:cNvPr id="21" name="Hexágono 20">
-            <a:extLst>
-              <a:ext uri="{FF2B5EF4-FFF2-40B4-BE49-F238E27FC236}">
-                <a16:creationId xmlns:a16="http://schemas.microsoft.com/office/drawing/2014/main" id="{6F3DB436-FBEB-55AC-C5CC-9F7A17DC7191}"/>
-              </a:ext>
-              <a:ext uri="{C183D7F6-B498-43B3-948B-1728B52AA6E4}">
-                <adec:decorative xmlns:adec="http://schemas.microsoft.com/office/drawing/2017/decorative" val="1"/>
-              </a:ext>
-            </a:extLst>
-          </p:cNvPr>
-          <p:cNvSpPr/>
-          <p:nvPr/>
-        </p:nvSpPr>
-        <p:spPr>
-          <a:xfrm>
-            <a:off x="7974278" y="5753530"/>
-            <a:ext cx="651613" cy="561736"/>
-          </a:xfrm>
-          <a:prstGeom prst="hexagon">
-            <a:avLst/>
-          </a:prstGeom>
-          <a:solidFill>
-            <a:schemeClr val="accent2"/>
-          </a:solidFill>
-          <a:ln>
-            <a:noFill/>
-          </a:ln>
-        </p:spPr>
-        <p:style>
-          <a:lnRef idx="2">
-            <a:schemeClr val="accent1">
-              <a:shade val="50000"/>
-            </a:schemeClr>
-          </a:lnRef>
-          <a:fillRef idx="1">
-            <a:schemeClr val="accent1"/>
-          </a:fillRef>
-          <a:effectRef idx="0">
-            <a:schemeClr val="accent1"/>
-          </a:effectRef>
-          <a:fontRef idx="minor">
-            <a:schemeClr val="lt1"/>
-          </a:fontRef>
-        </p:style>
-        <p:txBody>
-          <a:bodyPr rtlCol="0" anchor="ctr"/>
-          <a:lstStyle/>
-          <a:p>
-            <a:pPr algn="ctr" rtl="0"/>
-            <a:endParaRPr lang="es-ES"/>
-          </a:p>
-        </p:txBody>
-      </p:sp>
-      <p:sp>
-        <p:nvSpPr>
-          <p:cNvPr id="16" name="Hexágono 15">
-            <a:extLst>
-              <a:ext uri="{FF2B5EF4-FFF2-40B4-BE49-F238E27FC236}">
-                <a16:creationId xmlns:a16="http://schemas.microsoft.com/office/drawing/2014/main" id="{17C8D1FA-2883-6EC6-566A-01779AB826C5}"/>
-              </a:ext>
-              <a:ext uri="{C183D7F6-B498-43B3-948B-1728B52AA6E4}">
-                <adec:decorative xmlns:adec="http://schemas.microsoft.com/office/drawing/2017/decorative" val="1"/>
-              </a:ext>
-            </a:extLst>
-          </p:cNvPr>
-          <p:cNvSpPr/>
-          <p:nvPr/>
-        </p:nvSpPr>
-        <p:spPr>
-          <a:xfrm>
-            <a:off x="2255521" y="2751804"/>
-            <a:ext cx="785546" cy="677196"/>
-          </a:xfrm>
-          <a:prstGeom prst="hexagon">
-            <a:avLst/>
-          </a:prstGeom>
-          <a:solidFill>
-            <a:schemeClr val="accent1"/>
-          </a:solidFill>
-          <a:ln>
-            <a:noFill/>
-          </a:ln>
-        </p:spPr>
-        <p:style>
-          <a:lnRef idx="2">
-            <a:schemeClr val="accent1">
-              <a:shade val="50000"/>
-            </a:schemeClr>
-          </a:lnRef>
-          <a:fillRef idx="1">
-            <a:schemeClr val="accent1"/>
-          </a:fillRef>
-          <a:effectRef idx="0">
-            <a:schemeClr val="accent1"/>
-          </a:effectRef>
-          <a:fontRef idx="minor">
-            <a:schemeClr val="lt1"/>
-          </a:fontRef>
-        </p:style>
-        <p:txBody>
-          <a:bodyPr rtlCol="0" anchor="ctr"/>
-          <a:lstStyle/>
-          <a:p>
-            <a:pPr algn="ctr" rtl="0"/>
-            <a:endParaRPr lang="es-ES"/>
-          </a:p>
-        </p:txBody>
-      </p:sp>
-      <p:sp>
-        <p:nvSpPr>
-          <p:cNvPr id="18" name="Hexágono 17">
-            <a:extLst>
-              <a:ext uri="{FF2B5EF4-FFF2-40B4-BE49-F238E27FC236}">
-                <a16:creationId xmlns:a16="http://schemas.microsoft.com/office/drawing/2014/main" id="{B185CD2A-E082-D884-4D39-49A4C37046A2}"/>
-              </a:ext>
-              <a:ext uri="{C183D7F6-B498-43B3-948B-1728B52AA6E4}">
-                <adec:decorative xmlns:adec="http://schemas.microsoft.com/office/drawing/2017/decorative" val="1"/>
-              </a:ext>
-            </a:extLst>
-          </p:cNvPr>
-          <p:cNvSpPr/>
-          <p:nvPr/>
-        </p:nvSpPr>
-        <p:spPr>
-          <a:xfrm>
-            <a:off x="8021783" y="671564"/>
-            <a:ext cx="392774" cy="338599"/>
-          </a:xfrm>
-          <a:prstGeom prst="hexagon">
-            <a:avLst/>
-          </a:prstGeom>
-          <a:solidFill>
-            <a:schemeClr val="bg2"/>
-          </a:solidFill>
-          <a:ln>
-            <a:noFill/>
-          </a:ln>
-        </p:spPr>
-        <p:style>
-          <a:lnRef idx="2">
-            <a:schemeClr val="accent1">
-              <a:shade val="50000"/>
-            </a:schemeClr>
-          </a:lnRef>
-          <a:fillRef idx="1">
-            <a:schemeClr val="accent1"/>
-          </a:fillRef>
-          <a:effectRef idx="0">
-            <a:schemeClr val="accent1"/>
-          </a:effectRef>
-          <a:fontRef idx="minor">
-            <a:schemeClr val="lt1"/>
-          </a:fontRef>
-        </p:style>
-        <p:txBody>
-          <a:bodyPr rtlCol="0" anchor="ctr"/>
-          <a:lstStyle/>
-          <a:p>
-            <a:pPr algn="ctr" rtl="0"/>
-            <a:endParaRPr lang="es-ES"/>
-          </a:p>
-        </p:txBody>
-      </p:sp>
-      <p:sp>
-        <p:nvSpPr>
-          <p:cNvPr id="2" name="Hexágono 1">
-            <a:extLst>
-              <a:ext uri="{FF2B5EF4-FFF2-40B4-BE49-F238E27FC236}">
-                <a16:creationId xmlns:a16="http://schemas.microsoft.com/office/drawing/2014/main" id="{0E86CC62-03FB-901F-2CF9-338DFBD20986}"/>
-              </a:ext>
-              <a:ext uri="{C183D7F6-B498-43B3-948B-1728B52AA6E4}">
-                <adec:decorative xmlns:adec="http://schemas.microsoft.com/office/drawing/2017/decorative" val="1"/>
-              </a:ext>
-            </a:extLst>
-          </p:cNvPr>
-          <p:cNvSpPr/>
-          <p:nvPr/>
-        </p:nvSpPr>
-        <p:spPr>
-          <a:xfrm>
-            <a:off x="2035398" y="3344350"/>
-            <a:ext cx="196388" cy="169300"/>
-          </a:xfrm>
-          <a:prstGeom prst="hexagon">
-            <a:avLst/>
-          </a:prstGeom>
-          <a:solidFill>
-            <a:schemeClr val="accent4"/>
-          </a:solidFill>
-          <a:ln>
-            <a:noFill/>
-          </a:ln>
-        </p:spPr>
-        <p:style>
-          <a:lnRef idx="2">
-            <a:schemeClr val="accent1">
-              <a:shade val="50000"/>
-            </a:schemeClr>
-          </a:lnRef>
-          <a:fillRef idx="1">
-            <a:schemeClr val="accent1"/>
-          </a:fillRef>
-          <a:effectRef idx="0">
-            <a:schemeClr val="accent1"/>
-          </a:effectRef>
-          <a:fontRef idx="minor">
-            <a:schemeClr val="lt1"/>
-          </a:fontRef>
-        </p:style>
-        <p:txBody>
-          <a:bodyPr rtlCol="0" anchor="ctr"/>
-          <a:lstStyle/>
-          <a:p>
-            <a:pPr algn="ctr" rtl="0"/>
-            <a:endParaRPr lang="es-ES"/>
-          </a:p>
-        </p:txBody>
-      </p:sp>
-      <p:sp>
-        <p:nvSpPr>
-          <p:cNvPr id="5" name="Título 6">
-            <a:extLst>
-              <a:ext uri="{FF2B5EF4-FFF2-40B4-BE49-F238E27FC236}">
-                <a16:creationId xmlns:a16="http://schemas.microsoft.com/office/drawing/2014/main" id="{CBB28900-0BB1-AA00-1977-8D9EF3376E65}"/>
-              </a:ext>
-            </a:extLst>
-          </p:cNvPr>
-          <p:cNvSpPr>
-            <a:spLocks noGrp="1"/>
-          </p:cNvSpPr>
-          <p:nvPr>
-            <p:ph type="title"/>
-          </p:nvPr>
-        </p:nvSpPr>
-        <p:spPr>
-          <a:xfrm>
-            <a:off x="3825528" y="1705316"/>
-            <a:ext cx="4540944" cy="1627235"/>
-          </a:xfrm>
-          <a:noFill/>
-        </p:spPr>
-        <p:txBody>
-          <a:bodyPr rtlCol="0"/>
-          <a:lstStyle/>
-          <a:p>
-            <a:pPr algn="ctr" rtl="0"/>
-            <a:r>
-              <a:rPr lang="es-ES" sz="5400" b="1" dirty="0">
-                <a:solidFill>
-                  <a:schemeClr val="accent5">
-                    <a:lumMod val="90000"/>
-                    <a:lumOff val="10000"/>
-                  </a:schemeClr>
-                </a:solidFill>
-                <a:effectLst>
-                  <a:outerShdw blurRad="38100" dist="38100" dir="2700000" algn="tl">
-                    <a:srgbClr val="000000">
-                      <a:alpha val="43137"/>
-                    </a:srgbClr>
-                  </a:outerShdw>
-                </a:effectLst>
-                <a:latin typeface="+mj-lt"/>
-              </a:rPr>
-              <a:t>¡MUCHAS GRACIAS!</a:t>
-            </a:r>
-          </a:p>
-        </p:txBody>
-      </p:sp>
-    </p:spTree>
-    <p:extLst>
-      <p:ext uri="{BB962C8B-B14F-4D97-AF65-F5344CB8AC3E}">
-        <p14:creationId xmlns:p14="http://schemas.microsoft.com/office/powerpoint/2010/main" val="2673088943"/>
       </p:ext>
     </p:extLst>
   </p:cSld>
@@ -10401,8 +9633,8 @@
         </p:nvSpPr>
         <p:spPr>
           <a:xfrm>
-            <a:off x="4964249" y="1100615"/>
-            <a:ext cx="6771920" cy="2807358"/>
+            <a:off x="5317086" y="1129703"/>
+            <a:ext cx="6532930" cy="2862527"/>
           </a:xfrm>
           <a:prstGeom prst="roundRect">
             <a:avLst/>
@@ -10507,8 +9739,8 @@
         </p:nvSpPr>
         <p:spPr>
           <a:xfrm>
-            <a:off x="6096000" y="4143017"/>
-            <a:ext cx="5640168" cy="2548069"/>
+            <a:off x="1554996" y="4149998"/>
+            <a:ext cx="8270928" cy="2457656"/>
           </a:xfrm>
           <a:prstGeom prst="roundRect">
             <a:avLst/>
@@ -10547,10 +9779,10 @@
       </p:sp>
       <p:sp>
         <p:nvSpPr>
-          <p:cNvPr id="41" name="Rectangle: cantonades arrodonides 40">
-            <a:extLst>
-              <a:ext uri="{FF2B5EF4-FFF2-40B4-BE49-F238E27FC236}">
-                <a16:creationId xmlns:a16="http://schemas.microsoft.com/office/drawing/2014/main" id="{E2A445D9-7651-2151-B535-ED30DD1CB4D5}"/>
+          <p:cNvPr id="40" name="Rectangle: cantonades arrodonides 39">
+            <a:extLst>
+              <a:ext uri="{FF2B5EF4-FFF2-40B4-BE49-F238E27FC236}">
+                <a16:creationId xmlns:a16="http://schemas.microsoft.com/office/drawing/2014/main" id="{1FC58542-1498-8858-9E1F-C81C7BA387FC}"/>
               </a:ext>
             </a:extLst>
           </p:cNvPr>
@@ -10559,8 +9791,8 @@
         </p:nvSpPr>
         <p:spPr>
           <a:xfrm>
-            <a:off x="199764" y="4121496"/>
-            <a:ext cx="5561939" cy="2637473"/>
+            <a:off x="278926" y="1129703"/>
+            <a:ext cx="4728573" cy="2860360"/>
           </a:xfrm>
           <a:prstGeom prst="roundRect">
             <a:avLst/>
@@ -10599,58 +9831,6 @@
       </p:sp>
       <p:sp>
         <p:nvSpPr>
-          <p:cNvPr id="40" name="Rectangle: cantonades arrodonides 39">
-            <a:extLst>
-              <a:ext uri="{FF2B5EF4-FFF2-40B4-BE49-F238E27FC236}">
-                <a16:creationId xmlns:a16="http://schemas.microsoft.com/office/drawing/2014/main" id="{1FC58542-1498-8858-9E1F-C81C7BA387FC}"/>
-              </a:ext>
-            </a:extLst>
-          </p:cNvPr>
-          <p:cNvSpPr/>
-          <p:nvPr/>
-        </p:nvSpPr>
-        <p:spPr>
-          <a:xfrm>
-            <a:off x="159637" y="1100614"/>
-            <a:ext cx="4557486" cy="2778270"/>
-          </a:xfrm>
-          <a:prstGeom prst="roundRect">
-            <a:avLst/>
-          </a:prstGeom>
-          <a:solidFill>
-            <a:schemeClr val="bg1"/>
-          </a:solidFill>
-          <a:ln>
-            <a:noFill/>
-          </a:ln>
-        </p:spPr>
-        <p:style>
-          <a:lnRef idx="2">
-            <a:schemeClr val="accent1">
-              <a:shade val="50000"/>
-            </a:schemeClr>
-          </a:lnRef>
-          <a:fillRef idx="1">
-            <a:schemeClr val="accent1"/>
-          </a:fillRef>
-          <a:effectRef idx="0">
-            <a:schemeClr val="accent1"/>
-          </a:effectRef>
-          <a:fontRef idx="minor">
-            <a:schemeClr val="lt1"/>
-          </a:fontRef>
-        </p:style>
-        <p:txBody>
-          <a:bodyPr rtlCol="0" anchor="ctr"/>
-          <a:lstStyle/>
-          <a:p>
-            <a:pPr algn="ctr"/>
-            <a:endParaRPr lang="ca-ES"/>
-          </a:p>
-        </p:txBody>
-      </p:sp>
-      <p:sp>
-        <p:nvSpPr>
           <p:cNvPr id="9" name="QuadreDeText 3">
             <a:extLst>
               <a:ext uri="{FF2B5EF4-FFF2-40B4-BE49-F238E27FC236}">
@@ -10731,12 +9911,42 @@
           </a:p>
         </p:txBody>
       </p:sp>
-      <p:sp>
-        <p:nvSpPr>
-          <p:cNvPr id="22" name="QuadreDeText 16">
-            <a:extLst>
-              <a:ext uri="{FF2B5EF4-FFF2-40B4-BE49-F238E27FC236}">
-                <a16:creationId xmlns:a16="http://schemas.microsoft.com/office/drawing/2014/main" id="{FEEEFDAB-1983-DF47-545A-7C120A15950F}"/>
+      <p:pic>
+        <p:nvPicPr>
+          <p:cNvPr id="5" name="Imatge 4">
+            <a:extLst>
+              <a:ext uri="{FF2B5EF4-FFF2-40B4-BE49-F238E27FC236}">
+                <a16:creationId xmlns:a16="http://schemas.microsoft.com/office/drawing/2014/main" id="{D4156451-8F48-F910-D608-AEB30B47554B}"/>
+              </a:ext>
+            </a:extLst>
+          </p:cNvPr>
+          <p:cNvPicPr>
+            <a:picLocks noChangeAspect="1"/>
+          </p:cNvPicPr>
+          <p:nvPr/>
+        </p:nvPicPr>
+        <p:blipFill>
+          <a:blip r:embed="rId2"/>
+          <a:stretch>
+            <a:fillRect/>
+          </a:stretch>
+        </p:blipFill>
+        <p:spPr>
+          <a:xfrm>
+            <a:off x="5672847" y="1269130"/>
+            <a:ext cx="5561939" cy="2638843"/>
+          </a:xfrm>
+          <a:prstGeom prst="rect">
+            <a:avLst/>
+          </a:prstGeom>
+        </p:spPr>
+      </p:pic>
+      <p:sp>
+        <p:nvSpPr>
+          <p:cNvPr id="32" name="QuadreDeText 16">
+            <a:extLst>
+              <a:ext uri="{FF2B5EF4-FFF2-40B4-BE49-F238E27FC236}">
+                <a16:creationId xmlns:a16="http://schemas.microsoft.com/office/drawing/2014/main" id="{1B834422-9FE5-8140-9C4E-E5E5CF16B4C3}"/>
               </a:ext>
             </a:extLst>
           </p:cNvPr>
@@ -10745,8 +9955,8 @@
         </p:nvSpPr>
         <p:spPr>
           <a:xfrm>
-            <a:off x="2729130" y="1422195"/>
-            <a:ext cx="1874335" cy="1208842"/>
+            <a:off x="8955443" y="1856144"/>
+            <a:ext cx="1862281" cy="1208842"/>
           </a:xfrm>
           <a:prstGeom prst="roundRect">
             <a:avLst/>
@@ -10779,7 +9989,11 @@
             </a:r>
             <a:r>
               <a:rPr lang="es-ES" sz="1300" b="1" dirty="0"/>
-              <a:t>muy asimétrica </a:t>
+              <a:t>asimétrica</a:t>
+            </a:r>
+            <a:r>
+              <a:rPr lang="es-ES" sz="1300" dirty="0"/>
+              <a:t> con cola a la derecha</a:t>
             </a:r>
           </a:p>
           <a:p>
@@ -10789,30 +10003,37 @@
             </a:pPr>
             <a:r>
               <a:rPr lang="es-ES" sz="1300" dirty="0"/>
-              <a:t>El </a:t>
+              <a:t>Con un gran </a:t>
             </a:r>
             <a:r>
               <a:rPr lang="es-ES" sz="1300" b="1" dirty="0"/>
-              <a:t>1,5%</a:t>
+              <a:t>pico</a:t>
             </a:r>
             <a:r>
               <a:rPr lang="es-ES" sz="1300" dirty="0"/>
-              <a:t> de los clientes en estado de </a:t>
+              <a:t> entre </a:t>
             </a:r>
             <a:r>
               <a:rPr lang="es-ES" sz="1300" b="1" dirty="0"/>
-              <a:t>morosidad</a:t>
-            </a:r>
-            <a:endParaRPr lang="es-ES" sz="1300" dirty="0"/>
-          </a:p>
-        </p:txBody>
-      </p:sp>
-      <p:sp>
-        <p:nvSpPr>
-          <p:cNvPr id="29" name="QuadreDeText 16">
-            <a:extLst>
-              <a:ext uri="{FF2B5EF4-FFF2-40B4-BE49-F238E27FC236}">
-                <a16:creationId xmlns:a16="http://schemas.microsoft.com/office/drawing/2014/main" id="{2A4AE940-CAEA-F640-4537-42F9EEC610C9}"/>
+              <a:t>0</a:t>
+            </a:r>
+            <a:r>
+              <a:rPr lang="es-ES" sz="1300" dirty="0"/>
+              <a:t> y </a:t>
+            </a:r>
+            <a:r>
+              <a:rPr lang="es-ES" sz="1300" b="1" dirty="0"/>
+              <a:t>1000</a:t>
+            </a:r>
+          </a:p>
+        </p:txBody>
+      </p:sp>
+      <p:sp>
+        <p:nvSpPr>
+          <p:cNvPr id="22" name="QuadreDeText 16">
+            <a:extLst>
+              <a:ext uri="{FF2B5EF4-FFF2-40B4-BE49-F238E27FC236}">
+                <a16:creationId xmlns:a16="http://schemas.microsoft.com/office/drawing/2014/main" id="{FEEEFDAB-1983-DF47-545A-7C120A15950F}"/>
               </a:ext>
             </a:extLst>
           </p:cNvPr>
@@ -10821,8 +10042,8 @@
         </p:nvSpPr>
         <p:spPr>
           <a:xfrm>
-            <a:off x="9576618" y="4701961"/>
-            <a:ext cx="1920561" cy="1430179"/>
+            <a:off x="3360680" y="1811203"/>
+            <a:ext cx="1471635" cy="1622643"/>
           </a:xfrm>
           <a:prstGeom prst="roundRect">
             <a:avLst/>
@@ -10851,11 +10072,11 @@
             </a:pPr>
             <a:r>
               <a:rPr lang="es-ES" sz="1300" dirty="0"/>
-              <a:t>Distribución</a:t>
+              <a:t>Distribución </a:t>
             </a:r>
             <a:r>
               <a:rPr lang="es-ES" sz="1300" b="1" dirty="0"/>
-              <a:t> simétrica </a:t>
+              <a:t>muy asimétrica </a:t>
             </a:r>
           </a:p>
           <a:p>
@@ -10865,59 +10086,30 @@
             </a:pPr>
             <a:r>
               <a:rPr lang="es-ES" sz="1300" dirty="0"/>
-              <a:t>Casi </a:t>
+              <a:t>El </a:t>
             </a:r>
             <a:r>
               <a:rPr lang="es-ES" sz="1300" b="1" dirty="0"/>
-              <a:t>la mitad </a:t>
+              <a:t>1,5%</a:t>
             </a:r>
             <a:r>
               <a:rPr lang="es-ES" sz="1300" dirty="0"/>
-              <a:t>de los clientes tienen contratada una </a:t>
+              <a:t> de los clientes en estado de </a:t>
             </a:r>
             <a:r>
               <a:rPr lang="es-ES" sz="1300" b="1" dirty="0"/>
-              <a:t>hipoteca</a:t>
-            </a:r>
+              <a:t>morosidad</a:t>
+            </a:r>
+            <a:endParaRPr lang="es-ES" sz="1300" dirty="0"/>
           </a:p>
         </p:txBody>
       </p:sp>
       <p:pic>
         <p:nvPicPr>
-          <p:cNvPr id="21" name="Imatge 20">
-            <a:extLst>
-              <a:ext uri="{FF2B5EF4-FFF2-40B4-BE49-F238E27FC236}">
-                <a16:creationId xmlns:a16="http://schemas.microsoft.com/office/drawing/2014/main" id="{24ACB22C-EE12-F5A8-7836-DC16296619D0}"/>
-              </a:ext>
-            </a:extLst>
-          </p:cNvPr>
-          <p:cNvPicPr>
-            <a:picLocks noChangeAspect="1"/>
-          </p:cNvPicPr>
-          <p:nvPr/>
-        </p:nvPicPr>
-        <p:blipFill>
-          <a:blip r:embed="rId2"/>
-          <a:stretch>
-            <a:fillRect/>
-          </a:stretch>
-        </p:blipFill>
-        <p:spPr>
-          <a:xfrm>
-            <a:off x="341984" y="4355202"/>
-            <a:ext cx="3085551" cy="2187389"/>
-          </a:xfrm>
-          <a:prstGeom prst="rect">
-            <a:avLst/>
-          </a:prstGeom>
-        </p:spPr>
-      </p:pic>
-      <p:pic>
-        <p:nvPicPr>
-          <p:cNvPr id="24" name="Imatge 23">
-            <a:extLst>
-              <a:ext uri="{FF2B5EF4-FFF2-40B4-BE49-F238E27FC236}">
-                <a16:creationId xmlns:a16="http://schemas.microsoft.com/office/drawing/2014/main" id="{83E3E9C1-16C8-63A4-BAF2-2D383A5E814A}"/>
+          <p:cNvPr id="10" name="Imatge 9">
+            <a:extLst>
+              <a:ext uri="{FF2B5EF4-FFF2-40B4-BE49-F238E27FC236}">
+                <a16:creationId xmlns:a16="http://schemas.microsoft.com/office/drawing/2014/main" id="{3443CA3C-5886-B045-96BB-8C961A23A586}"/>
               </a:ext>
             </a:extLst>
           </p:cNvPr>
@@ -10934,50 +10126,20 @@
         </p:blipFill>
         <p:spPr>
           <a:xfrm>
-            <a:off x="336416" y="1422195"/>
-            <a:ext cx="2118914" cy="2161293"/>
+            <a:off x="1895473" y="4371333"/>
+            <a:ext cx="5001271" cy="2206910"/>
           </a:xfrm>
           <a:prstGeom prst="rect">
             <a:avLst/>
           </a:prstGeom>
         </p:spPr>
       </p:pic>
-      <p:pic>
-        <p:nvPicPr>
-          <p:cNvPr id="27" name="Imatge 26">
-            <a:extLst>
-              <a:ext uri="{FF2B5EF4-FFF2-40B4-BE49-F238E27FC236}">
-                <a16:creationId xmlns:a16="http://schemas.microsoft.com/office/drawing/2014/main" id="{F455FC50-8417-A071-6191-854D12934891}"/>
-              </a:ext>
-            </a:extLst>
-          </p:cNvPr>
-          <p:cNvPicPr>
-            <a:picLocks noChangeAspect="1"/>
-          </p:cNvPicPr>
-          <p:nvPr/>
-        </p:nvPicPr>
-        <p:blipFill>
-          <a:blip r:embed="rId4"/>
-          <a:stretch>
-            <a:fillRect/>
-          </a:stretch>
-        </p:blipFill>
-        <p:spPr>
-          <a:xfrm>
-            <a:off x="6664638" y="4355202"/>
-            <a:ext cx="2063008" cy="2187389"/>
-          </a:xfrm>
-          <a:prstGeom prst="rect">
-            <a:avLst/>
-          </a:prstGeom>
-        </p:spPr>
-      </p:pic>
-      <p:sp>
-        <p:nvSpPr>
-          <p:cNvPr id="31" name="QuadreDeText 16">
-            <a:extLst>
-              <a:ext uri="{FF2B5EF4-FFF2-40B4-BE49-F238E27FC236}">
-                <a16:creationId xmlns:a16="http://schemas.microsoft.com/office/drawing/2014/main" id="{B9AC0A04-68BA-775D-CE8A-7765C264F07E}"/>
+      <p:sp>
+        <p:nvSpPr>
+          <p:cNvPr id="11" name="QuadreDeText 16">
+            <a:extLst>
+              <a:ext uri="{FF2B5EF4-FFF2-40B4-BE49-F238E27FC236}">
+                <a16:creationId xmlns:a16="http://schemas.microsoft.com/office/drawing/2014/main" id="{14118B62-8D9A-6FC4-0A23-1E59E1CA9D11}"/>
               </a:ext>
             </a:extLst>
           </p:cNvPr>
@@ -10986,8 +10148,8 @@
         </p:nvSpPr>
         <p:spPr>
           <a:xfrm>
-            <a:off x="3666298" y="4844475"/>
-            <a:ext cx="1856641" cy="1208842"/>
+            <a:off x="7600802" y="4548543"/>
+            <a:ext cx="1862281" cy="1208842"/>
           </a:xfrm>
           <a:prstGeom prst="roundRect">
             <a:avLst/>
@@ -11016,11 +10178,15 @@
             </a:pPr>
             <a:r>
               <a:rPr lang="es-ES" sz="1300" dirty="0"/>
-              <a:t>Distribución</a:t>
+              <a:t>Distribución </a:t>
             </a:r>
             <a:r>
               <a:rPr lang="es-ES" sz="1300" b="1" dirty="0"/>
-              <a:t> asimétrica </a:t>
+              <a:t>asimétrica</a:t>
+            </a:r>
+            <a:r>
+              <a:rPr lang="es-ES" sz="1300" dirty="0"/>
+              <a:t> con cola a la derecha</a:t>
             </a:r>
           </a:p>
           <a:p>
@@ -11030,106 +10196,61 @@
             </a:pPr>
             <a:r>
               <a:rPr lang="es-ES" sz="1300" dirty="0"/>
-              <a:t>Solo el </a:t>
+              <a:t>Con un gran </a:t>
             </a:r>
             <a:r>
               <a:rPr lang="es-ES" sz="1300" b="1" dirty="0"/>
-              <a:t>13,3%</a:t>
+              <a:t>pico</a:t>
             </a:r>
             <a:r>
               <a:rPr lang="es-ES" sz="1300" dirty="0"/>
-              <a:t> de los clientes tienen préstamo</a:t>
-            </a:r>
-          </a:p>
-        </p:txBody>
-      </p:sp>
-      <p:sp>
-        <p:nvSpPr>
-          <p:cNvPr id="32" name="QuadreDeText 16">
-            <a:extLst>
-              <a:ext uri="{FF2B5EF4-FFF2-40B4-BE49-F238E27FC236}">
-                <a16:creationId xmlns:a16="http://schemas.microsoft.com/office/drawing/2014/main" id="{1B834422-9FE5-8140-9C4E-E5E5CF16B4C3}"/>
-              </a:ext>
-            </a:extLst>
-          </p:cNvPr>
-          <p:cNvSpPr txBox="1"/>
+              <a:t> entre </a:t>
+            </a:r>
+            <a:r>
+              <a:rPr lang="es-ES" sz="1300" b="1" dirty="0"/>
+              <a:t>0</a:t>
+            </a:r>
+            <a:r>
+              <a:rPr lang="es-ES" sz="1300" dirty="0"/>
+              <a:t> y </a:t>
+            </a:r>
+            <a:r>
+              <a:rPr lang="es-ES" sz="1300" b="1" dirty="0"/>
+              <a:t>1000</a:t>
+            </a:r>
+          </a:p>
+        </p:txBody>
+      </p:sp>
+      <p:pic>
+        <p:nvPicPr>
+          <p:cNvPr id="13" name="Imatge 12">
+            <a:extLst>
+              <a:ext uri="{FF2B5EF4-FFF2-40B4-BE49-F238E27FC236}">
+                <a16:creationId xmlns:a16="http://schemas.microsoft.com/office/drawing/2014/main" id="{96A93D5D-51D2-533C-9E86-271514B1DDC8}"/>
+              </a:ext>
+            </a:extLst>
+          </p:cNvPr>
+          <p:cNvPicPr>
+            <a:picLocks noChangeAspect="1"/>
+          </p:cNvPicPr>
           <p:nvPr/>
-        </p:nvSpPr>
-        <p:spPr>
-          <a:xfrm>
-            <a:off x="9431706" y="1422195"/>
-            <a:ext cx="1862281" cy="1208842"/>
-          </a:xfrm>
-          <a:prstGeom prst="roundRect">
+        </p:nvPicPr>
+        <p:blipFill>
+          <a:blip r:embed="rId4"/>
+          <a:stretch>
+            <a:fillRect/>
+          </a:stretch>
+        </p:blipFill>
+        <p:spPr>
+          <a:xfrm>
+            <a:off x="341984" y="1439108"/>
+            <a:ext cx="2845705" cy="2290882"/>
+          </a:xfrm>
+          <a:prstGeom prst="rect">
             <a:avLst/>
           </a:prstGeom>
-          <a:solidFill>
-            <a:schemeClr val="accent5">
-              <a:lumMod val="25000"/>
-              <a:lumOff val="75000"/>
-            </a:schemeClr>
-          </a:solidFill>
-          <a:ln>
-            <a:solidFill>
-              <a:schemeClr val="bg1"/>
-            </a:solidFill>
-          </a:ln>
-        </p:spPr>
-        <p:txBody>
-          <a:bodyPr wrap="square">
-            <a:spAutoFit/>
-          </a:bodyPr>
-          <a:lstStyle/>
-          <a:p>
-            <a:pPr marL="285750" indent="-285750">
-              <a:buFont typeface="Wingdings" panose="05000000000000000000" pitchFamily="2" charset="2"/>
-              <a:buChar char="§"/>
-            </a:pPr>
-            <a:r>
-              <a:rPr lang="es-ES" sz="1300" dirty="0"/>
-              <a:t>Distribución </a:t>
-            </a:r>
-            <a:r>
-              <a:rPr lang="es-ES" sz="1300" b="1" dirty="0"/>
-              <a:t>asimétrica</a:t>
-            </a:r>
-            <a:r>
-              <a:rPr lang="es-ES" sz="1300" dirty="0"/>
-              <a:t> con cola a la derecha</a:t>
-            </a:r>
-          </a:p>
-          <a:p>
-            <a:pPr marL="285750" indent="-285750">
-              <a:buFont typeface="Wingdings" panose="05000000000000000000" pitchFamily="2" charset="2"/>
-              <a:buChar char="§"/>
-            </a:pPr>
-            <a:r>
-              <a:rPr lang="es-ES" sz="1300" dirty="0"/>
-              <a:t>Con un gran </a:t>
-            </a:r>
-            <a:r>
-              <a:rPr lang="es-ES" sz="1300" b="1" dirty="0"/>
-              <a:t>pico</a:t>
-            </a:r>
-            <a:r>
-              <a:rPr lang="es-ES" sz="1300" dirty="0"/>
-              <a:t> entre </a:t>
-            </a:r>
-            <a:r>
-              <a:rPr lang="es-ES" sz="1300" b="1" dirty="0"/>
-              <a:t>0</a:t>
-            </a:r>
-            <a:r>
-              <a:rPr lang="es-ES" sz="1300" dirty="0"/>
-              <a:t> y </a:t>
-            </a:r>
-            <a:r>
-              <a:rPr lang="es-ES" sz="1300" b="1" dirty="0"/>
-              <a:t>1000</a:t>
-            </a:r>
-          </a:p>
-        </p:txBody>
-      </p:sp>
+        </p:spPr>
+      </p:pic>
     </p:spTree>
     <p:extLst>
       <p:ext uri="{BB962C8B-B14F-4D97-AF65-F5344CB8AC3E}">
@@ -11162,10 +10283,10 @@
       </p:grpSpPr>
       <p:sp>
         <p:nvSpPr>
-          <p:cNvPr id="2" name="Rectángulo 1">
-            <a:extLst>
-              <a:ext uri="{FF2B5EF4-FFF2-40B4-BE49-F238E27FC236}">
-                <a16:creationId xmlns:a16="http://schemas.microsoft.com/office/drawing/2014/main" id="{8A5DC175-DF49-1548-D52D-E815D895A6D5}"/>
+          <p:cNvPr id="6" name="Rectángulo 5">
+            <a:extLst>
+              <a:ext uri="{FF2B5EF4-FFF2-40B4-BE49-F238E27FC236}">
+                <a16:creationId xmlns:a16="http://schemas.microsoft.com/office/drawing/2014/main" id="{38B9AF7B-C57C-9801-9EB9-A0412495DF23}"/>
               </a:ext>
             </a:extLst>
           </p:cNvPr>
@@ -11214,355 +10335,6 @@
           </a:p>
         </p:txBody>
       </p:sp>
-      <p:pic>
-        <p:nvPicPr>
-          <p:cNvPr id="11" name="Imatge 10">
-            <a:extLst>
-              <a:ext uri="{FF2B5EF4-FFF2-40B4-BE49-F238E27FC236}">
-                <a16:creationId xmlns:a16="http://schemas.microsoft.com/office/drawing/2014/main" id="{D7B93189-8F91-E8F7-9C13-DB5294834AF8}"/>
-              </a:ext>
-            </a:extLst>
-          </p:cNvPr>
-          <p:cNvPicPr>
-            <a:picLocks noChangeAspect="1"/>
-          </p:cNvPicPr>
-          <p:nvPr/>
-        </p:nvPicPr>
-        <p:blipFill>
-          <a:blip r:embed="rId3"/>
-          <a:stretch>
-            <a:fillRect/>
-          </a:stretch>
-        </p:blipFill>
-        <p:spPr>
-          <a:xfrm>
-            <a:off x="680130" y="1078451"/>
-            <a:ext cx="6127071" cy="2693966"/>
-          </a:xfrm>
-          <a:prstGeom prst="roundRect">
-            <a:avLst>
-              <a:gd name="adj" fmla="val 8544"/>
-            </a:avLst>
-          </a:prstGeom>
-        </p:spPr>
-      </p:pic>
-      <p:sp>
-        <p:nvSpPr>
-          <p:cNvPr id="9" name="QuadreDeText 16">
-            <a:extLst>
-              <a:ext uri="{FF2B5EF4-FFF2-40B4-BE49-F238E27FC236}">
-                <a16:creationId xmlns:a16="http://schemas.microsoft.com/office/drawing/2014/main" id="{D2813547-6674-7DF2-D117-20EF6DF6D976}"/>
-              </a:ext>
-            </a:extLst>
-          </p:cNvPr>
-          <p:cNvSpPr txBox="1"/>
-          <p:nvPr/>
-        </p:nvSpPr>
-        <p:spPr>
-          <a:xfrm>
-            <a:off x="7241152" y="1481959"/>
-            <a:ext cx="2309248" cy="766167"/>
-          </a:xfrm>
-          <a:prstGeom prst="roundRect">
-            <a:avLst/>
-          </a:prstGeom>
-          <a:solidFill>
-            <a:schemeClr val="accent5">
-              <a:lumMod val="25000"/>
-              <a:lumOff val="75000"/>
-            </a:schemeClr>
-          </a:solidFill>
-          <a:ln>
-            <a:solidFill>
-              <a:schemeClr val="bg1"/>
-            </a:solidFill>
-          </a:ln>
-        </p:spPr>
-        <p:txBody>
-          <a:bodyPr wrap="square">
-            <a:spAutoFit/>
-          </a:bodyPr>
-          <a:lstStyle/>
-          <a:p>
-            <a:pPr algn="ctr"/>
-            <a:r>
-              <a:rPr lang="es-ES" sz="1300" dirty="0"/>
-              <a:t>La distribución del </a:t>
-            </a:r>
-            <a:r>
-              <a:rPr lang="es-ES" sz="1300" b="1" dirty="0"/>
-              <a:t>Saldo</a:t>
-            </a:r>
-            <a:r>
-              <a:rPr lang="es-ES" sz="1300" dirty="0"/>
-              <a:t> </a:t>
-            </a:r>
-            <a:r>
-              <a:rPr lang="es-ES" sz="1300" b="1" dirty="0"/>
-              <a:t>no varía </a:t>
-            </a:r>
-            <a:r>
-              <a:rPr lang="es-ES" sz="1300" dirty="0"/>
-              <a:t>sustancialmente entre categorías de </a:t>
-            </a:r>
-            <a:r>
-              <a:rPr lang="es-ES" sz="1300" b="1" dirty="0"/>
-              <a:t>Crédito</a:t>
-            </a:r>
-          </a:p>
-        </p:txBody>
-      </p:sp>
-      <p:sp>
-        <p:nvSpPr>
-          <p:cNvPr id="12" name="QuadreDeText 3">
-            <a:extLst>
-              <a:ext uri="{FF2B5EF4-FFF2-40B4-BE49-F238E27FC236}">
-                <a16:creationId xmlns:a16="http://schemas.microsoft.com/office/drawing/2014/main" id="{7DAF1F8F-4CB6-2F1E-2E93-4A5517472364}"/>
-              </a:ext>
-            </a:extLst>
-          </p:cNvPr>
-          <p:cNvSpPr txBox="1"/>
-          <p:nvPr/>
-        </p:nvSpPr>
-        <p:spPr>
-          <a:xfrm>
-            <a:off x="505958" y="250347"/>
-            <a:ext cx="11230211" cy="677108"/>
-          </a:xfrm>
-          <a:prstGeom prst="rect">
-            <a:avLst/>
-          </a:prstGeom>
-          <a:noFill/>
-        </p:spPr>
-        <p:txBody>
-          <a:bodyPr wrap="square">
-            <a:spAutoFit/>
-          </a:bodyPr>
-          <a:lstStyle/>
-          <a:p>
-            <a:r>
-              <a:rPr lang="es-ES" sz="2400" b="1" dirty="0">
-                <a:solidFill>
-                  <a:schemeClr val="accent3">
-                    <a:lumMod val="50000"/>
-                  </a:schemeClr>
-                </a:solidFill>
-                <a:effectLst/>
-                <a:latin typeface="+mj-lt"/>
-              </a:rPr>
-              <a:t>ANÁLISIS EXPLORATORI</a:t>
-            </a:r>
-            <a:r>
-              <a:rPr lang="es-ES" sz="2400" b="1" dirty="0">
-                <a:solidFill>
-                  <a:schemeClr val="accent3">
-                    <a:lumMod val="50000"/>
-                  </a:schemeClr>
-                </a:solidFill>
-                <a:latin typeface="+mj-lt"/>
-              </a:rPr>
-              <a:t>O</a:t>
-            </a:r>
-            <a:endParaRPr lang="es-ES" sz="2400" b="1" i="1" dirty="0">
-              <a:solidFill>
-                <a:schemeClr val="accent3">
-                  <a:lumMod val="50000"/>
-                </a:schemeClr>
-              </a:solidFill>
-              <a:effectLst/>
-              <a:latin typeface="+mj-lt"/>
-            </a:endParaRPr>
-          </a:p>
-          <a:p>
-            <a:r>
-              <a:rPr lang="es-ES" sz="1400" b="1" dirty="0"/>
-              <a:t>Analizamos la distribución de “Balance” segmentado por categorías de préstamo e hipoteca</a:t>
-            </a:r>
-          </a:p>
-        </p:txBody>
-      </p:sp>
-      <p:sp>
-        <p:nvSpPr>
-          <p:cNvPr id="15" name="QuadreDeText 16">
-            <a:extLst>
-              <a:ext uri="{FF2B5EF4-FFF2-40B4-BE49-F238E27FC236}">
-                <a16:creationId xmlns:a16="http://schemas.microsoft.com/office/drawing/2014/main" id="{C77B49C0-780A-3ABE-9623-435FD3F63D0E}"/>
-              </a:ext>
-            </a:extLst>
-          </p:cNvPr>
-          <p:cNvSpPr txBox="1"/>
-          <p:nvPr/>
-        </p:nvSpPr>
-        <p:spPr>
-          <a:xfrm>
-            <a:off x="9190041" y="4424333"/>
-            <a:ext cx="2145616" cy="766167"/>
-          </a:xfrm>
-          <a:prstGeom prst="roundRect">
-            <a:avLst/>
-          </a:prstGeom>
-          <a:solidFill>
-            <a:schemeClr val="accent5">
-              <a:lumMod val="25000"/>
-              <a:lumOff val="75000"/>
-            </a:schemeClr>
-          </a:solidFill>
-          <a:ln>
-            <a:solidFill>
-              <a:schemeClr val="bg1"/>
-            </a:solidFill>
-          </a:ln>
-        </p:spPr>
-        <p:txBody>
-          <a:bodyPr wrap="square">
-            <a:spAutoFit/>
-          </a:bodyPr>
-          <a:lstStyle/>
-          <a:p>
-            <a:pPr algn="ctr"/>
-            <a:r>
-              <a:rPr lang="es-ES" sz="1300" dirty="0"/>
-              <a:t>La distribución del </a:t>
-            </a:r>
-            <a:r>
-              <a:rPr lang="es-ES" sz="1300" b="1" dirty="0"/>
-              <a:t>Saldo no</a:t>
-            </a:r>
-            <a:r>
-              <a:rPr lang="es-ES" sz="1300" dirty="0"/>
-              <a:t> </a:t>
-            </a:r>
-            <a:r>
-              <a:rPr lang="es-ES" sz="1300" b="1" dirty="0"/>
-              <a:t>varía</a:t>
-            </a:r>
-            <a:r>
-              <a:rPr lang="es-ES" sz="1300" dirty="0"/>
-              <a:t> sustancialmente entre categorías de </a:t>
-            </a:r>
-            <a:r>
-              <a:rPr lang="es-ES" sz="1300" b="1" dirty="0"/>
-              <a:t>Hipoteca</a:t>
-            </a:r>
-          </a:p>
-        </p:txBody>
-      </p:sp>
-      <p:pic>
-        <p:nvPicPr>
-          <p:cNvPr id="3" name="Imagen 2">
-            <a:extLst>
-              <a:ext uri="{FF2B5EF4-FFF2-40B4-BE49-F238E27FC236}">
-                <a16:creationId xmlns:a16="http://schemas.microsoft.com/office/drawing/2014/main" id="{E700ADE4-66EA-75EA-17E5-52F854682610}"/>
-              </a:ext>
-            </a:extLst>
-          </p:cNvPr>
-          <p:cNvPicPr>
-            <a:picLocks noChangeAspect="1"/>
-          </p:cNvPicPr>
-          <p:nvPr/>
-        </p:nvPicPr>
-        <p:blipFill>
-          <a:blip r:embed="rId4"/>
-          <a:stretch>
-            <a:fillRect/>
-          </a:stretch>
-        </p:blipFill>
-        <p:spPr>
-          <a:xfrm>
-            <a:off x="2682509" y="3923413"/>
-            <a:ext cx="6146609" cy="2692800"/>
-          </a:xfrm>
-          <a:prstGeom prst="roundRect">
-            <a:avLst>
-              <a:gd name="adj" fmla="val 7670"/>
-            </a:avLst>
-          </a:prstGeom>
-        </p:spPr>
-      </p:pic>
-    </p:spTree>
-    <p:extLst>
-      <p:ext uri="{BB962C8B-B14F-4D97-AF65-F5344CB8AC3E}">
-        <p14:creationId xmlns:p14="http://schemas.microsoft.com/office/powerpoint/2010/main" val="4231894271"/>
-      </p:ext>
-    </p:extLst>
-  </p:cSld>
-  <p:clrMapOvr>
-    <a:masterClrMapping/>
-  </p:clrMapOvr>
-</p:sld>
-</file>
-
-<file path=ppt/slides/slide5.xml><?xml version="1.0" encoding="utf-8"?>
-<p:sld xmlns:a="http://schemas.openxmlformats.org/drawingml/2006/main" xmlns:r="http://schemas.openxmlformats.org/officeDocument/2006/relationships" xmlns:p="http://schemas.openxmlformats.org/presentationml/2006/main">
-  <p:cSld>
-    <p:spTree>
-      <p:nvGrpSpPr>
-        <p:cNvPr id="1" name=""/>
-        <p:cNvGrpSpPr/>
-        <p:nvPr/>
-      </p:nvGrpSpPr>
-      <p:grpSpPr>
-        <a:xfrm>
-          <a:off x="0" y="0"/>
-          <a:ext cx="0" cy="0"/>
-          <a:chOff x="0" y="0"/>
-          <a:chExt cx="0" cy="0"/>
-        </a:xfrm>
-      </p:grpSpPr>
-      <p:sp>
-        <p:nvSpPr>
-          <p:cNvPr id="6" name="Rectángulo 5">
-            <a:extLst>
-              <a:ext uri="{FF2B5EF4-FFF2-40B4-BE49-F238E27FC236}">
-                <a16:creationId xmlns:a16="http://schemas.microsoft.com/office/drawing/2014/main" id="{38B9AF7B-C57C-9801-9EB9-A0412495DF23}"/>
-              </a:ext>
-            </a:extLst>
-          </p:cNvPr>
-          <p:cNvSpPr/>
-          <p:nvPr/>
-        </p:nvSpPr>
-        <p:spPr>
-          <a:xfrm>
-            <a:off x="0" y="6400800"/>
-            <a:ext cx="2557670" cy="457200"/>
-          </a:xfrm>
-          <a:prstGeom prst="rect">
-            <a:avLst/>
-          </a:prstGeom>
-          <a:solidFill>
-            <a:schemeClr val="bg1">
-              <a:lumMod val="95000"/>
-            </a:schemeClr>
-          </a:solidFill>
-          <a:ln>
-            <a:noFill/>
-          </a:ln>
-        </p:spPr>
-        <p:style>
-          <a:lnRef idx="2">
-            <a:schemeClr val="accent1">
-              <a:shade val="50000"/>
-            </a:schemeClr>
-          </a:lnRef>
-          <a:fillRef idx="1">
-            <a:schemeClr val="accent1"/>
-          </a:fillRef>
-          <a:effectRef idx="0">
-            <a:schemeClr val="accent1"/>
-          </a:effectRef>
-          <a:fontRef idx="minor">
-            <a:schemeClr val="lt1"/>
-          </a:fontRef>
-        </p:style>
-        <p:txBody>
-          <a:bodyPr rtlCol="0" anchor="ctr"/>
-          <a:lstStyle/>
-          <a:p>
-            <a:pPr algn="ctr"/>
-            <a:endParaRPr lang="es-ES"/>
-          </a:p>
-        </p:txBody>
-      </p:sp>
       <p:sp>
         <p:nvSpPr>
           <p:cNvPr id="8" name="QuadreDeText 3">
@@ -11615,42 +10387,11 @@
           <a:p>
             <a:r>
               <a:rPr lang="es-ES" sz="1400" b="1" dirty="0"/>
-              <a:t>Definimos 4 categorías para clasificar los clientes</a:t>
-            </a:r>
-          </a:p>
-        </p:txBody>
-      </p:sp>
-      <p:pic>
-        <p:nvPicPr>
-          <p:cNvPr id="4" name="Imagen 3">
-            <a:extLst>
-              <a:ext uri="{FF2B5EF4-FFF2-40B4-BE49-F238E27FC236}">
-                <a16:creationId xmlns:a16="http://schemas.microsoft.com/office/drawing/2014/main" id="{9CA62B71-F395-3312-6D5C-46A2DF79F7FD}"/>
-              </a:ext>
-            </a:extLst>
-          </p:cNvPr>
-          <p:cNvPicPr>
-            <a:picLocks noChangeAspect="1"/>
-          </p:cNvPicPr>
-          <p:nvPr/>
-        </p:nvPicPr>
-        <p:blipFill>
-          <a:blip r:embed="rId3"/>
-          <a:srcRect l="50000"/>
-          <a:stretch/>
-        </p:blipFill>
-        <p:spPr>
-          <a:xfrm>
-            <a:off x="6096000" y="1621080"/>
-            <a:ext cx="5308456" cy="4086095"/>
-          </a:xfrm>
-          <a:prstGeom prst="roundRect">
-            <a:avLst>
-              <a:gd name="adj" fmla="val 18905"/>
-            </a:avLst>
-          </a:prstGeom>
-        </p:spPr>
-      </p:pic>
+              <a:t>Categorizamos por Saldo para ver como varia la tasa de morosidad en cada una.</a:t>
+            </a:r>
+          </a:p>
+        </p:txBody>
+      </p:sp>
       <p:graphicFrame>
         <p:nvGraphicFramePr>
           <p:cNvPr id="2" name="Tabla 1">
@@ -11666,14 +10407,14 @@
           <p:nvPr>
             <p:extLst>
               <p:ext uri="{D42A27DB-BD31-4B8C-83A1-F6EECF244321}">
-                <p14:modId xmlns:p14="http://schemas.microsoft.com/office/powerpoint/2010/main" val="1280608759"/>
+                <p14:modId xmlns:p14="http://schemas.microsoft.com/office/powerpoint/2010/main" val="2479491379"/>
               </p:ext>
             </p:extLst>
           </p:nvPr>
         </p:nvGraphicFramePr>
         <p:xfrm>
-          <a:off x="1596302" y="1796616"/>
-          <a:ext cx="3672006" cy="2485200"/>
+          <a:off x="1596302" y="1796619"/>
+          <a:ext cx="2929204" cy="3087276"/>
         </p:xfrm>
         <a:graphic>
           <a:graphicData uri="http://schemas.openxmlformats.org/drawingml/2006/table">
@@ -11682,14 +10423,21 @@
                 <a:tableStyleId>{3B4B98B0-60AC-42C2-AFA5-B58CD77FA1E5}</a:tableStyleId>
               </a:tblPr>
               <a:tblGrid>
-                <a:gridCol w="1731098">
+                <a:gridCol w="903406">
                   <a:extLst>
                     <a:ext uri="{9D8B030D-6E8A-4147-A177-3AD203B41FA5}">
                       <a16:colId xmlns:a16="http://schemas.microsoft.com/office/drawing/2014/main" val="1156508243"/>
                     </a:ext>
                   </a:extLst>
                 </a:gridCol>
-                <a:gridCol w="1940908">
+                <a:gridCol w="1012899">
+                  <a:extLst>
+                    <a:ext uri="{9D8B030D-6E8A-4147-A177-3AD203B41FA5}">
+                      <a16:colId xmlns:a16="http://schemas.microsoft.com/office/drawing/2014/main" val="3152485650"/>
+                    </a:ext>
+                  </a:extLst>
+                </a:gridCol>
+                <a:gridCol w="1012899">
                   <a:extLst>
                     <a:ext uri="{9D8B030D-6E8A-4147-A177-3AD203B41FA5}">
                       <a16:colId xmlns:a16="http://schemas.microsoft.com/office/drawing/2014/main" val="588162770"/>
@@ -11697,7 +10445,7 @@
                   </a:extLst>
                 </a:gridCol>
               </a:tblGrid>
-              <a:tr h="482960">
+              <a:tr h="383199">
                 <a:tc>
                   <a:txBody>
                     <a:bodyPr/>
@@ -11728,6 +10476,24 @@
                             <a:schemeClr val="tx1"/>
                           </a:solidFill>
                         </a:rPr>
+                        <a:t>Saldo mínimo</a:t>
+                      </a:r>
+                    </a:p>
+                  </a:txBody>
+                  <a:tcPr anchor="ctr"/>
+                </a:tc>
+                <a:tc>
+                  <a:txBody>
+                    <a:bodyPr/>
+                    <a:lstStyle/>
+                    <a:p>
+                      <a:pPr algn="ctr"/>
+                      <a:r>
+                        <a:rPr lang="es-ES" sz="1400" b="1" dirty="0">
+                          <a:solidFill>
+                            <a:schemeClr val="tx1"/>
+                          </a:solidFill>
+                        </a:rPr>
                         <a:t>Cantidad de Clientes</a:t>
                       </a:r>
                     </a:p>
@@ -11740,7 +10506,7 @@
                   </a:ext>
                 </a:extLst>
               </a:tr>
-              <a:tr h="482960">
+              <a:tr h="383199">
                 <a:tc>
                   <a:txBody>
                     <a:bodyPr/>
@@ -11749,14 +10515,7 @@
                       <a:pPr algn="ctr"/>
                       <a:r>
                         <a:rPr lang="es-ES" sz="1400" b="0" dirty="0"/>
-                        <a:t>SIN Préstamo, </a:t>
-                      </a:r>
-                    </a:p>
-                    <a:p>
-                      <a:pPr algn="ctr"/>
-                      <a:r>
-                        <a:rPr lang="es-ES" sz="1400" b="0" dirty="0"/>
-                        <a:t>SIN Hipoteca</a:t>
+                        <a:t>Muy Bajo</a:t>
                       </a:r>
                     </a:p>
                   </a:txBody>
@@ -11766,6 +10525,19 @@
                         <a:alpha val="20000"/>
                       </a:srgbClr>
                     </a:solidFill>
+                  </a:tcPr>
+                </a:tc>
+                <a:tc>
+                  <a:txBody>
+                    <a:bodyPr/>
+                    <a:lstStyle/>
+                    <a:p>
+                      <a:pPr algn="ctr"/>
+                      <a:endParaRPr lang="es-ES" sz="1400" b="1" dirty="0"/>
+                    </a:p>
+                  </a:txBody>
+                  <a:tcPr anchor="ctr">
+                    <a:noFill/>
                   </a:tcPr>
                 </a:tc>
                 <a:tc>
@@ -11790,7 +10562,7 @@
                   </a:ext>
                 </a:extLst>
               </a:tr>
-              <a:tr h="482960">
+              <a:tr h="383199">
                 <a:tc>
                   <a:txBody>
                     <a:bodyPr/>
@@ -11799,7 +10571,7 @@
                       <a:pPr algn="ctr"/>
                       <a:r>
                         <a:rPr lang="es-ES" sz="1400" dirty="0"/>
-                        <a:t>CON Hipoteca</a:t>
+                        <a:t>Bajo</a:t>
                       </a:r>
                     </a:p>
                   </a:txBody>
@@ -11810,6 +10582,19 @@
                         <a:lumOff val="75000"/>
                       </a:schemeClr>
                     </a:solidFill>
+                  </a:tcPr>
+                </a:tc>
+                <a:tc>
+                  <a:txBody>
+                    <a:bodyPr/>
+                    <a:lstStyle/>
+                    <a:p>
+                      <a:pPr algn="ctr"/>
+                      <a:endParaRPr lang="es-ES" sz="1400" b="1" dirty="0"/>
+                    </a:p>
+                  </a:txBody>
+                  <a:tcPr anchor="ctr">
+                    <a:noFill/>
                   </a:tcPr>
                 </a:tc>
                 <a:tc>
@@ -11834,7 +10619,7 @@
                   </a:ext>
                 </a:extLst>
               </a:tr>
-              <a:tr h="482960">
+              <a:tr h="383199">
                 <a:tc>
                   <a:txBody>
                     <a:bodyPr/>
@@ -11843,14 +10628,7 @@
                       <a:pPr algn="ctr"/>
                       <a:r>
                         <a:rPr lang="es-ES" sz="1400" b="0" dirty="0"/>
-                        <a:t>CON Préstamo,</a:t>
-                      </a:r>
-                    </a:p>
-                    <a:p>
-                      <a:pPr algn="ctr"/>
-                      <a:r>
-                        <a:rPr lang="es-ES" sz="1400" b="0" dirty="0"/>
-                        <a:t>CON Hipoteca</a:t>
+                        <a:t>Medio Bajo</a:t>
                       </a:r>
                     </a:p>
                   </a:txBody>
@@ -11858,6 +10636,19 @@
                     <a:solidFill>
                       <a:srgbClr val="FFB7B7"/>
                     </a:solidFill>
+                  </a:tcPr>
+                </a:tc>
+                <a:tc>
+                  <a:txBody>
+                    <a:bodyPr/>
+                    <a:lstStyle/>
+                    <a:p>
+                      <a:pPr algn="ctr"/>
+                      <a:endParaRPr lang="es-ES" sz="1400" b="1" dirty="0"/>
+                    </a:p>
+                  </a:txBody>
+                  <a:tcPr anchor="ctr">
+                    <a:noFill/>
                   </a:tcPr>
                 </a:tc>
                 <a:tc>
@@ -11882,7 +10673,7 @@
                   </a:ext>
                 </a:extLst>
               </a:tr>
-              <a:tr h="482960">
+              <a:tr h="383199">
                 <a:tc>
                   <a:txBody>
                     <a:bodyPr/>
@@ -11891,7 +10682,7 @@
                       <a:pPr algn="ctr"/>
                       <a:r>
                         <a:rPr lang="es-ES" sz="1400" dirty="0"/>
-                        <a:t>CON Préstamo</a:t>
+                        <a:t>Medio Alto</a:t>
                       </a:r>
                     </a:p>
                   </a:txBody>
@@ -11899,6 +10690,19 @@
                     <a:solidFill>
                       <a:srgbClr val="CFAFE7"/>
                     </a:solidFill>
+                  </a:tcPr>
+                </a:tc>
+                <a:tc>
+                  <a:txBody>
+                    <a:bodyPr/>
+                    <a:lstStyle/>
+                    <a:p>
+                      <a:pPr algn="ctr"/>
+                      <a:endParaRPr lang="es-ES" sz="1400" b="1" dirty="0"/>
+                    </a:p>
+                  </a:txBody>
+                  <a:tcPr anchor="ctr">
+                    <a:noFill/>
                   </a:tcPr>
                 </a:tc>
                 <a:tc>
@@ -11923,6 +10727,108 @@
                   </a:ext>
                 </a:extLst>
               </a:tr>
+              <a:tr h="383199">
+                <a:tc>
+                  <a:txBody>
+                    <a:bodyPr/>
+                    <a:lstStyle/>
+                    <a:p>
+                      <a:pPr algn="ctr"/>
+                      <a:r>
+                        <a:rPr lang="es-ES" sz="1400" dirty="0"/>
+                        <a:t>Alto</a:t>
+                      </a:r>
+                    </a:p>
+                  </a:txBody>
+                  <a:tcPr anchor="ctr">
+                    <a:solidFill>
+                      <a:srgbClr val="CFAFE7"/>
+                    </a:solidFill>
+                  </a:tcPr>
+                </a:tc>
+                <a:tc>
+                  <a:txBody>
+                    <a:bodyPr/>
+                    <a:lstStyle/>
+                    <a:p>
+                      <a:pPr algn="ctr"/>
+                      <a:endParaRPr lang="es-ES" sz="1400" b="1" dirty="0"/>
+                    </a:p>
+                  </a:txBody>
+                  <a:tcPr anchor="ctr">
+                    <a:noFill/>
+                  </a:tcPr>
+                </a:tc>
+                <a:tc>
+                  <a:txBody>
+                    <a:bodyPr/>
+                    <a:lstStyle/>
+                    <a:p>
+                      <a:pPr algn="ctr"/>
+                      <a:endParaRPr lang="es-ES" sz="1400" b="1" dirty="0"/>
+                    </a:p>
+                  </a:txBody>
+                  <a:tcPr anchor="ctr">
+                    <a:noFill/>
+                  </a:tcPr>
+                </a:tc>
+                <a:extLst>
+                  <a:ext uri="{0D108BD9-81ED-4DB2-BD59-A6C34878D82A}">
+                    <a16:rowId xmlns:a16="http://schemas.microsoft.com/office/drawing/2014/main" val="2367593083"/>
+                  </a:ext>
+                </a:extLst>
+              </a:tr>
+              <a:tr h="383199">
+                <a:tc>
+                  <a:txBody>
+                    <a:bodyPr/>
+                    <a:lstStyle/>
+                    <a:p>
+                      <a:pPr algn="ctr"/>
+                      <a:r>
+                        <a:rPr lang="es-ES" sz="1400" dirty="0"/>
+                        <a:t>Muy Alto</a:t>
+                      </a:r>
+                    </a:p>
+                  </a:txBody>
+                  <a:tcPr anchor="ctr">
+                    <a:solidFill>
+                      <a:srgbClr val="CFAFE7"/>
+                    </a:solidFill>
+                  </a:tcPr>
+                </a:tc>
+                <a:tc>
+                  <a:txBody>
+                    <a:bodyPr/>
+                    <a:lstStyle/>
+                    <a:p>
+                      <a:pPr algn="ctr"/>
+                      <a:endParaRPr lang="es-ES" sz="1400" b="1" dirty="0"/>
+                    </a:p>
+                  </a:txBody>
+                  <a:tcPr anchor="ctr">
+                    <a:noFill/>
+                  </a:tcPr>
+                </a:tc>
+                <a:tc>
+                  <a:txBody>
+                    <a:bodyPr/>
+                    <a:lstStyle/>
+                    <a:p>
+                      <a:pPr algn="ctr"/>
+                      <a:endParaRPr lang="es-ES" sz="1400" b="1" dirty="0"/>
+                    </a:p>
+                  </a:txBody>
+                  <a:tcPr anchor="ctr">
+                    <a:noFill/>
+                  </a:tcPr>
+                </a:tc>
+                <a:extLst>
+                  <a:ext uri="{0D108BD9-81ED-4DB2-BD59-A6C34878D82A}">
+                    <a16:rowId xmlns:a16="http://schemas.microsoft.com/office/drawing/2014/main" val="3538914143"/>
+                  </a:ext>
+                </a:extLst>
+              </a:tr>
             </a:tbl>
           </a:graphicData>
         </a:graphic>
@@ -11941,8 +10847,8 @@
         </p:nvSpPr>
         <p:spPr>
           <a:xfrm>
-            <a:off x="1712631" y="4847556"/>
-            <a:ext cx="3439348" cy="987504"/>
+            <a:off x="1348141" y="5713422"/>
+            <a:ext cx="3439348" cy="323493"/>
           </a:xfrm>
           <a:prstGeom prst="roundRect">
             <a:avLst/>
@@ -11967,15 +10873,75 @@
           <a:p>
             <a:r>
               <a:rPr lang="es-ES" sz="1300" b="1" dirty="0"/>
-              <a:t>La mayoría de los clientes no tiene deudas pendientes</a:t>
+              <a:t>La mayoría de los clientes</a:t>
             </a:r>
             <a:r>
               <a:rPr lang="es-ES" sz="1300" dirty="0"/>
-              <a:t>, mientras que el resto mantiene algún compromiso con el banco en forma de hipoteca, préstamo personal o ambos.</a:t>
-            </a:r>
-          </a:p>
-        </p:txBody>
-      </p:sp>
+              <a:t>, mientras</a:t>
+            </a:r>
+          </a:p>
+        </p:txBody>
+      </p:sp>
+      <p:pic>
+        <p:nvPicPr>
+          <p:cNvPr id="7" name="Imatge 6">
+            <a:extLst>
+              <a:ext uri="{FF2B5EF4-FFF2-40B4-BE49-F238E27FC236}">
+                <a16:creationId xmlns:a16="http://schemas.microsoft.com/office/drawing/2014/main" id="{E8A72664-8AF5-2435-7508-5A91E746B80E}"/>
+              </a:ext>
+            </a:extLst>
+          </p:cNvPr>
+          <p:cNvPicPr>
+            <a:picLocks noChangeAspect="1"/>
+          </p:cNvPicPr>
+          <p:nvPr/>
+        </p:nvPicPr>
+        <p:blipFill>
+          <a:blip r:embed="rId3"/>
+          <a:stretch>
+            <a:fillRect/>
+          </a:stretch>
+        </p:blipFill>
+        <p:spPr>
+          <a:xfrm>
+            <a:off x="6260831" y="1174890"/>
+            <a:ext cx="5145922" cy="3576670"/>
+          </a:xfrm>
+          <a:prstGeom prst="rect">
+            <a:avLst/>
+          </a:prstGeom>
+        </p:spPr>
+      </p:pic>
+      <p:pic>
+        <p:nvPicPr>
+          <p:cNvPr id="10" name="Imatge 9">
+            <a:extLst>
+              <a:ext uri="{FF2B5EF4-FFF2-40B4-BE49-F238E27FC236}">
+                <a16:creationId xmlns:a16="http://schemas.microsoft.com/office/drawing/2014/main" id="{193D7860-3CCA-1D3D-E48B-65FE453AE0C0}"/>
+              </a:ext>
+            </a:extLst>
+          </p:cNvPr>
+          <p:cNvPicPr>
+            <a:picLocks noChangeAspect="1"/>
+          </p:cNvPicPr>
+          <p:nvPr/>
+        </p:nvPicPr>
+        <p:blipFill>
+          <a:blip r:embed="rId4"/>
+          <a:stretch>
+            <a:fillRect/>
+          </a:stretch>
+        </p:blipFill>
+        <p:spPr>
+          <a:xfrm>
+            <a:off x="4957971" y="5074628"/>
+            <a:ext cx="5692767" cy="1473422"/>
+          </a:xfrm>
+          <a:prstGeom prst="rect">
+            <a:avLst/>
+          </a:prstGeom>
+        </p:spPr>
+      </p:pic>
     </p:spTree>
     <p:extLst>
       <p:ext uri="{BB962C8B-B14F-4D97-AF65-F5344CB8AC3E}">
@@ -11989,7 +10955,514 @@
 </p:sld>
 </file>
 
+<file path=ppt/slides/slide5.xml><?xml version="1.0" encoding="utf-8"?>
+<p:sld xmlns:a="http://schemas.openxmlformats.org/drawingml/2006/main" xmlns:r="http://schemas.openxmlformats.org/officeDocument/2006/relationships" xmlns:p="http://schemas.openxmlformats.org/presentationml/2006/main">
+  <p:cSld>
+    <p:spTree>
+      <p:nvGrpSpPr>
+        <p:cNvPr id="1" name="">
+          <a:extLst>
+            <a:ext uri="{FF2B5EF4-FFF2-40B4-BE49-F238E27FC236}">
+              <a16:creationId xmlns:a16="http://schemas.microsoft.com/office/drawing/2014/main" id="{78729820-2065-0316-C218-4C7274E65EDF}"/>
+            </a:ext>
+          </a:extLst>
+        </p:cNvPr>
+        <p:cNvGrpSpPr/>
+        <p:nvPr/>
+      </p:nvGrpSpPr>
+      <p:grpSpPr>
+        <a:xfrm>
+          <a:off x="0" y="0"/>
+          <a:ext cx="0" cy="0"/>
+          <a:chOff x="0" y="0"/>
+          <a:chExt cx="0" cy="0"/>
+        </a:xfrm>
+      </p:grpSpPr>
+      <p:sp>
+        <p:nvSpPr>
+          <p:cNvPr id="6" name="Rectángulo 5">
+            <a:extLst>
+              <a:ext uri="{FF2B5EF4-FFF2-40B4-BE49-F238E27FC236}">
+                <a16:creationId xmlns:a16="http://schemas.microsoft.com/office/drawing/2014/main" id="{917ADD46-A016-FFE0-10D7-4EDAD5F2BB79}"/>
+              </a:ext>
+            </a:extLst>
+          </p:cNvPr>
+          <p:cNvSpPr/>
+          <p:nvPr/>
+        </p:nvSpPr>
+        <p:spPr>
+          <a:xfrm>
+            <a:off x="0" y="6400800"/>
+            <a:ext cx="2557670" cy="457200"/>
+          </a:xfrm>
+          <a:prstGeom prst="rect">
+            <a:avLst/>
+          </a:prstGeom>
+          <a:solidFill>
+            <a:schemeClr val="bg1">
+              <a:lumMod val="95000"/>
+            </a:schemeClr>
+          </a:solidFill>
+          <a:ln>
+            <a:noFill/>
+          </a:ln>
+        </p:spPr>
+        <p:style>
+          <a:lnRef idx="2">
+            <a:schemeClr val="accent1">
+              <a:shade val="50000"/>
+            </a:schemeClr>
+          </a:lnRef>
+          <a:fillRef idx="1">
+            <a:schemeClr val="accent1"/>
+          </a:fillRef>
+          <a:effectRef idx="0">
+            <a:schemeClr val="accent1"/>
+          </a:effectRef>
+          <a:fontRef idx="minor">
+            <a:schemeClr val="lt1"/>
+          </a:fontRef>
+        </p:style>
+        <p:txBody>
+          <a:bodyPr rtlCol="0" anchor="ctr"/>
+          <a:lstStyle/>
+          <a:p>
+            <a:pPr algn="ctr"/>
+            <a:endParaRPr lang="es-ES"/>
+          </a:p>
+        </p:txBody>
+      </p:sp>
+      <p:sp>
+        <p:nvSpPr>
+          <p:cNvPr id="8" name="QuadreDeText 3">
+            <a:extLst>
+              <a:ext uri="{FF2B5EF4-FFF2-40B4-BE49-F238E27FC236}">
+                <a16:creationId xmlns:a16="http://schemas.microsoft.com/office/drawing/2014/main" id="{BEC25430-F701-0B72-7996-8AF5F4833448}"/>
+              </a:ext>
+            </a:extLst>
+          </p:cNvPr>
+          <p:cNvSpPr txBox="1"/>
+          <p:nvPr/>
+        </p:nvSpPr>
+        <p:spPr>
+          <a:xfrm>
+            <a:off x="505958" y="250347"/>
+            <a:ext cx="11230211" cy="1046440"/>
+          </a:xfrm>
+          <a:prstGeom prst="rect">
+            <a:avLst/>
+          </a:prstGeom>
+          <a:noFill/>
+        </p:spPr>
+        <p:txBody>
+          <a:bodyPr wrap="square">
+            <a:spAutoFit/>
+          </a:bodyPr>
+          <a:lstStyle/>
+          <a:p>
+            <a:r>
+              <a:rPr lang="es-ES" sz="2400" b="1" dirty="0">
+                <a:solidFill>
+                  <a:schemeClr val="accent3">
+                    <a:lumMod val="50000"/>
+                  </a:schemeClr>
+                </a:solidFill>
+                <a:effectLst/>
+                <a:latin typeface="+mj-lt"/>
+              </a:rPr>
+              <a:t>RELACIÓN ENTRE VARIABLES:  </a:t>
+            </a:r>
+          </a:p>
+          <a:p>
+            <a:r>
+              <a:rPr lang="es-ES" sz="2400" b="1" dirty="0">
+                <a:solidFill>
+                  <a:schemeClr val="accent3">
+                    <a:lumMod val="50000"/>
+                  </a:schemeClr>
+                </a:solidFill>
+                <a:effectLst/>
+                <a:latin typeface="+mj-lt"/>
+              </a:rPr>
+              <a:t>ÁRBOL DE DECISIONES</a:t>
+            </a:r>
+          </a:p>
+          <a:p>
+            <a:r>
+              <a:rPr lang="es-ES" sz="1400" b="1" dirty="0"/>
+              <a:t>XXXXX</a:t>
+            </a:r>
+          </a:p>
+        </p:txBody>
+      </p:sp>
+      <p:sp>
+        <p:nvSpPr>
+          <p:cNvPr id="3" name="QuadreDeText 16">
+            <a:extLst>
+              <a:ext uri="{FF2B5EF4-FFF2-40B4-BE49-F238E27FC236}">
+                <a16:creationId xmlns:a16="http://schemas.microsoft.com/office/drawing/2014/main" id="{70F1B2F1-3B26-0F02-9068-8E0689E2DA88}"/>
+              </a:ext>
+            </a:extLst>
+          </p:cNvPr>
+          <p:cNvSpPr txBox="1"/>
+          <p:nvPr/>
+        </p:nvSpPr>
+        <p:spPr>
+          <a:xfrm>
+            <a:off x="8074406" y="1637368"/>
+            <a:ext cx="3439348" cy="323493"/>
+          </a:xfrm>
+          <a:prstGeom prst="roundRect">
+            <a:avLst/>
+          </a:prstGeom>
+          <a:solidFill>
+            <a:schemeClr val="accent5">
+              <a:lumMod val="25000"/>
+              <a:lumOff val="75000"/>
+            </a:schemeClr>
+          </a:solidFill>
+          <a:ln>
+            <a:solidFill>
+              <a:schemeClr val="bg1"/>
+            </a:solidFill>
+          </a:ln>
+        </p:spPr>
+        <p:txBody>
+          <a:bodyPr wrap="square">
+            <a:spAutoFit/>
+          </a:bodyPr>
+          <a:lstStyle/>
+          <a:p>
+            <a:r>
+              <a:rPr lang="es-ES" sz="1300" b="1" dirty="0"/>
+              <a:t>La mayoría de los clientes</a:t>
+            </a:r>
+            <a:r>
+              <a:rPr lang="es-ES" sz="1300" dirty="0"/>
+              <a:t>, mientras</a:t>
+            </a:r>
+          </a:p>
+        </p:txBody>
+      </p:sp>
+      <p:pic>
+        <p:nvPicPr>
+          <p:cNvPr id="5" name="Imatge 4">
+            <a:extLst>
+              <a:ext uri="{FF2B5EF4-FFF2-40B4-BE49-F238E27FC236}">
+                <a16:creationId xmlns:a16="http://schemas.microsoft.com/office/drawing/2014/main" id="{25600A4F-BCA2-6B76-8E3D-B551CA795E43}"/>
+              </a:ext>
+            </a:extLst>
+          </p:cNvPr>
+          <p:cNvPicPr>
+            <a:picLocks noChangeAspect="1"/>
+          </p:cNvPicPr>
+          <p:nvPr/>
+        </p:nvPicPr>
+        <p:blipFill>
+          <a:blip r:embed="rId3"/>
+          <a:stretch>
+            <a:fillRect/>
+          </a:stretch>
+        </p:blipFill>
+        <p:spPr>
+          <a:xfrm>
+            <a:off x="505958" y="1361176"/>
+            <a:ext cx="6879887" cy="4605903"/>
+          </a:xfrm>
+          <a:prstGeom prst="rect">
+            <a:avLst/>
+          </a:prstGeom>
+        </p:spPr>
+      </p:pic>
+    </p:spTree>
+    <p:extLst>
+      <p:ext uri="{BB962C8B-B14F-4D97-AF65-F5344CB8AC3E}">
+        <p14:creationId xmlns:p14="http://schemas.microsoft.com/office/powerpoint/2010/main" val="4229177134"/>
+      </p:ext>
+    </p:extLst>
+  </p:cSld>
+  <p:clrMapOvr>
+    <a:masterClrMapping/>
+  </p:clrMapOvr>
+</p:sld>
+</file>
+
 <file path=ppt/slides/slide6.xml><?xml version="1.0" encoding="utf-8"?>
+<p:sld xmlns:a="http://schemas.openxmlformats.org/drawingml/2006/main" xmlns:r="http://schemas.openxmlformats.org/officeDocument/2006/relationships" xmlns:p="http://schemas.openxmlformats.org/presentationml/2006/main">
+  <p:cSld>
+    <p:spTree>
+      <p:nvGrpSpPr>
+        <p:cNvPr id="1" name=""/>
+        <p:cNvGrpSpPr/>
+        <p:nvPr/>
+      </p:nvGrpSpPr>
+      <p:grpSpPr>
+        <a:xfrm>
+          <a:off x="0" y="0"/>
+          <a:ext cx="0" cy="0"/>
+          <a:chOff x="0" y="0"/>
+          <a:chExt cx="0" cy="0"/>
+        </a:xfrm>
+      </p:grpSpPr>
+      <p:sp>
+        <p:nvSpPr>
+          <p:cNvPr id="6" name="QuadreDeText 5">
+            <a:extLst>
+              <a:ext uri="{FF2B5EF4-FFF2-40B4-BE49-F238E27FC236}">
+                <a16:creationId xmlns:a16="http://schemas.microsoft.com/office/drawing/2014/main" id="{1FAA1BBE-1ED7-BC58-0BB0-077EE24BA683}"/>
+              </a:ext>
+            </a:extLst>
+          </p:cNvPr>
+          <p:cNvSpPr txBox="1"/>
+          <p:nvPr/>
+        </p:nvSpPr>
+        <p:spPr>
+          <a:xfrm>
+            <a:off x="3049292" y="2417212"/>
+            <a:ext cx="6098582" cy="2031325"/>
+          </a:xfrm>
+          <a:prstGeom prst="rect">
+            <a:avLst/>
+          </a:prstGeom>
+          <a:noFill/>
+        </p:spPr>
+        <p:txBody>
+          <a:bodyPr wrap="square">
+            <a:spAutoFit/>
+          </a:bodyPr>
+          <a:lstStyle/>
+          <a:p>
+            <a:r>
+              <a:rPr lang="es-ES" b="1" dirty="0">
+                <a:solidFill>
+                  <a:srgbClr val="569CD6"/>
+                </a:solidFill>
+                <a:effectLst/>
+                <a:latin typeface="Consolas" panose="020B0609020204030204" pitchFamily="49" charset="0"/>
+              </a:rPr>
+              <a:t>Decidimos hacer tratamiento de </a:t>
+            </a:r>
+            <a:r>
+              <a:rPr lang="es-ES" b="1" dirty="0" err="1">
+                <a:solidFill>
+                  <a:srgbClr val="569CD6"/>
+                </a:solidFill>
+                <a:effectLst/>
+                <a:latin typeface="Consolas" panose="020B0609020204030204" pitchFamily="49" charset="0"/>
+              </a:rPr>
+              <a:t>Outliers</a:t>
+            </a:r>
+            <a:r>
+              <a:rPr lang="es-ES" b="1" dirty="0">
+                <a:solidFill>
+                  <a:srgbClr val="569CD6"/>
+                </a:solidFill>
+                <a:effectLst/>
+                <a:latin typeface="Consolas" panose="020B0609020204030204" pitchFamily="49" charset="0"/>
+              </a:rPr>
+              <a:t> y centrar-nos en la </a:t>
+            </a:r>
+            <a:r>
+              <a:rPr lang="es-ES" b="1" dirty="0" err="1">
+                <a:solidFill>
+                  <a:srgbClr val="569CD6"/>
+                </a:solidFill>
+                <a:effectLst/>
+                <a:latin typeface="Consolas" panose="020B0609020204030204" pitchFamily="49" charset="0"/>
+              </a:rPr>
+              <a:t>prte</a:t>
+            </a:r>
+            <a:r>
+              <a:rPr lang="es-ES" b="1" dirty="0">
+                <a:solidFill>
+                  <a:srgbClr val="569CD6"/>
+                </a:solidFill>
+                <a:effectLst/>
+                <a:latin typeface="Consolas" panose="020B0609020204030204" pitchFamily="49" charset="0"/>
+              </a:rPr>
+              <a:t> del </a:t>
+            </a:r>
+            <a:r>
+              <a:rPr lang="es-ES" b="1" dirty="0" err="1">
+                <a:solidFill>
+                  <a:srgbClr val="569CD6"/>
+                </a:solidFill>
+                <a:effectLst/>
+                <a:latin typeface="Consolas" panose="020B0609020204030204" pitchFamily="49" charset="0"/>
+              </a:rPr>
+              <a:t>dataset</a:t>
+            </a:r>
+            <a:r>
+              <a:rPr lang="es-ES" b="1" dirty="0">
+                <a:solidFill>
+                  <a:srgbClr val="569CD6"/>
+                </a:solidFill>
+                <a:effectLst/>
+                <a:latin typeface="Consolas" panose="020B0609020204030204" pitchFamily="49" charset="0"/>
+              </a:rPr>
+              <a:t> donde </a:t>
+            </a:r>
+            <a:r>
+              <a:rPr lang="es-ES" b="1" dirty="0" err="1">
+                <a:solidFill>
+                  <a:srgbClr val="569CD6"/>
+                </a:solidFill>
+                <a:effectLst/>
+                <a:latin typeface="Consolas" panose="020B0609020204030204" pitchFamily="49" charset="0"/>
+              </a:rPr>
+              <a:t>estan</a:t>
+            </a:r>
+            <a:r>
+              <a:rPr lang="es-ES" b="1" dirty="0">
+                <a:solidFill>
+                  <a:srgbClr val="569CD6"/>
+                </a:solidFill>
+                <a:effectLst/>
+                <a:latin typeface="Consolas" panose="020B0609020204030204" pitchFamily="49" charset="0"/>
+              </a:rPr>
+              <a:t> la inmensa </a:t>
+            </a:r>
+            <a:r>
+              <a:rPr lang="es-ES" b="1" dirty="0" err="1">
+                <a:solidFill>
+                  <a:srgbClr val="569CD6"/>
+                </a:solidFill>
+                <a:effectLst/>
+                <a:latin typeface="Consolas" panose="020B0609020204030204" pitchFamily="49" charset="0"/>
+              </a:rPr>
+              <a:t>mayoria</a:t>
+            </a:r>
+            <a:r>
+              <a:rPr lang="es-ES" b="1" dirty="0">
+                <a:solidFill>
+                  <a:srgbClr val="569CD6"/>
+                </a:solidFill>
+                <a:effectLst/>
+                <a:latin typeface="Consolas" panose="020B0609020204030204" pitchFamily="49" charset="0"/>
+              </a:rPr>
+              <a:t> de clientes y donde tiene lugar el cambio del </a:t>
+            </a:r>
+            <a:r>
+              <a:rPr lang="es-ES" b="1" dirty="0" err="1">
+                <a:solidFill>
+                  <a:srgbClr val="569CD6"/>
+                </a:solidFill>
+                <a:effectLst/>
+                <a:latin typeface="Consolas" panose="020B0609020204030204" pitchFamily="49" charset="0"/>
+              </a:rPr>
+              <a:t>queal</a:t>
+            </a:r>
+            <a:r>
+              <a:rPr lang="es-ES" b="1" dirty="0">
+                <a:solidFill>
+                  <a:srgbClr val="569CD6"/>
+                </a:solidFill>
+                <a:effectLst/>
+                <a:latin typeface="Consolas" panose="020B0609020204030204" pitchFamily="49" charset="0"/>
+              </a:rPr>
+              <a:t> tenemos que buscar el umbral. Así hacemos zoom en el análisis visual y ayudamos a los modelos de </a:t>
+            </a:r>
+            <a:r>
+              <a:rPr lang="es-ES" b="1" dirty="0" err="1">
+                <a:solidFill>
+                  <a:srgbClr val="569CD6"/>
+                </a:solidFill>
+                <a:effectLst/>
+                <a:latin typeface="Consolas" panose="020B0609020204030204" pitchFamily="49" charset="0"/>
+              </a:rPr>
+              <a:t>classificación</a:t>
+            </a:r>
+            <a:r>
+              <a:rPr lang="es-ES" b="1" dirty="0">
+                <a:solidFill>
+                  <a:srgbClr val="569CD6"/>
+                </a:solidFill>
+                <a:effectLst/>
+                <a:latin typeface="Consolas" panose="020B0609020204030204" pitchFamily="49" charset="0"/>
+              </a:rPr>
+              <a:t> a ser más precisos y relevantes.</a:t>
+            </a:r>
+            <a:endParaRPr lang="es-ES" b="0" dirty="0">
+              <a:solidFill>
+                <a:srgbClr val="CCCCCC"/>
+              </a:solidFill>
+              <a:effectLst/>
+              <a:latin typeface="Consolas" panose="020B0609020204030204" pitchFamily="49" charset="0"/>
+            </a:endParaRPr>
+          </a:p>
+        </p:txBody>
+      </p:sp>
+      <p:sp>
+        <p:nvSpPr>
+          <p:cNvPr id="7" name="QuadreDeText 3">
+            <a:extLst>
+              <a:ext uri="{FF2B5EF4-FFF2-40B4-BE49-F238E27FC236}">
+                <a16:creationId xmlns:a16="http://schemas.microsoft.com/office/drawing/2014/main" id="{DC7D52EA-F4BB-8EEB-25D3-8854084829EA}"/>
+              </a:ext>
+            </a:extLst>
+          </p:cNvPr>
+          <p:cNvSpPr txBox="1"/>
+          <p:nvPr/>
+        </p:nvSpPr>
+        <p:spPr>
+          <a:xfrm>
+            <a:off x="505958" y="250347"/>
+            <a:ext cx="11230211" cy="830997"/>
+          </a:xfrm>
+          <a:prstGeom prst="rect">
+            <a:avLst/>
+          </a:prstGeom>
+          <a:noFill/>
+        </p:spPr>
+        <p:txBody>
+          <a:bodyPr wrap="square">
+            <a:spAutoFit/>
+          </a:bodyPr>
+          <a:lstStyle/>
+          <a:p>
+            <a:r>
+              <a:rPr lang="es-ES" sz="2400" b="1" dirty="0">
+                <a:solidFill>
+                  <a:schemeClr val="accent3">
+                    <a:lumMod val="50000"/>
+                  </a:schemeClr>
+                </a:solidFill>
+                <a:effectLst/>
+                <a:latin typeface="+mj-lt"/>
+              </a:rPr>
+              <a:t>RELACIÓN ENTRE VARIABLES:  </a:t>
+            </a:r>
+          </a:p>
+          <a:p>
+            <a:r>
+              <a:rPr lang="es-ES" sz="2400" b="1" dirty="0">
+                <a:solidFill>
+                  <a:schemeClr val="accent3">
+                    <a:lumMod val="50000"/>
+                  </a:schemeClr>
+                </a:solidFill>
+                <a:effectLst/>
+                <a:latin typeface="+mj-lt"/>
+              </a:rPr>
+              <a:t>ÁRBOL DE DECISIONES</a:t>
+            </a:r>
+          </a:p>
+        </p:txBody>
+      </p:sp>
+    </p:spTree>
+    <p:extLst>
+      <p:ext uri="{BB962C8B-B14F-4D97-AF65-F5344CB8AC3E}">
+        <p14:creationId xmlns:p14="http://schemas.microsoft.com/office/powerpoint/2010/main" val="772479104"/>
+      </p:ext>
+    </p:extLst>
+  </p:cSld>
+  <p:clrMapOvr>
+    <a:masterClrMapping/>
+  </p:clrMapOvr>
+</p:sld>
+</file>
+
+<file path=ppt/slides/slide7.xml><?xml version="1.0" encoding="utf-8"?>
 <p:sld xmlns:a="http://schemas.openxmlformats.org/drawingml/2006/main" xmlns:r="http://schemas.openxmlformats.org/officeDocument/2006/relationships" xmlns:p="http://schemas.openxmlformats.org/presentationml/2006/main">
   <p:cSld>
     <p:spTree>
@@ -12172,76 +11645,17 @@
                 <a:effectLst/>
                 <a:latin typeface="+mj-lt"/>
               </a:rPr>
-              <a:t>SALDO vs CATEGORIAS DE PRÉSTAMO/HIPOTECA</a:t>
+              <a:t>SALDO A PARTIR DEL CUAL AUMENTA EL RIESGO </a:t>
             </a:r>
           </a:p>
           <a:p>
             <a:r>
               <a:rPr lang="es-ES" sz="1400" b="1" dirty="0"/>
-              <a:t>Tras categorizar a los clientes, relacionamos las dos variables</a:t>
-            </a:r>
-          </a:p>
-        </p:txBody>
-      </p:sp>
-      <p:pic>
-        <p:nvPicPr>
-          <p:cNvPr id="5" name="Imagen 4">
-            <a:extLst>
-              <a:ext uri="{FF2B5EF4-FFF2-40B4-BE49-F238E27FC236}">
-                <a16:creationId xmlns:a16="http://schemas.microsoft.com/office/drawing/2014/main" id="{2F18ABCD-8170-67F6-9D19-2180F5B023CF}"/>
-              </a:ext>
-            </a:extLst>
-          </p:cNvPr>
-          <p:cNvPicPr>
-            <a:picLocks noChangeAspect="1"/>
-          </p:cNvPicPr>
-          <p:nvPr/>
-        </p:nvPicPr>
-        <p:blipFill>
-          <a:blip r:embed="rId3"/>
-          <a:stretch>
-            <a:fillRect/>
-          </a:stretch>
-        </p:blipFill>
-        <p:spPr>
-          <a:xfrm>
-            <a:off x="804832" y="1617142"/>
-            <a:ext cx="6231460" cy="3429104"/>
-          </a:xfrm>
-          <a:prstGeom prst="rect">
-            <a:avLst/>
-          </a:prstGeom>
-        </p:spPr>
-      </p:pic>
-      <p:pic>
-        <p:nvPicPr>
-          <p:cNvPr id="11" name="Imagen 10">
-            <a:extLst>
-              <a:ext uri="{FF2B5EF4-FFF2-40B4-BE49-F238E27FC236}">
-                <a16:creationId xmlns:a16="http://schemas.microsoft.com/office/drawing/2014/main" id="{A53D4C21-8E97-4FA3-295B-421558433F00}"/>
-              </a:ext>
-            </a:extLst>
-          </p:cNvPr>
-          <p:cNvPicPr>
-            <a:picLocks noChangeAspect="1"/>
-          </p:cNvPicPr>
-          <p:nvPr/>
-        </p:nvPicPr>
-        <p:blipFill>
-          <a:blip r:embed="rId4"/>
-          <a:srcRect t="4863"/>
-          <a:stretch/>
-        </p:blipFill>
-        <p:spPr>
-          <a:xfrm>
-            <a:off x="7335165" y="1799814"/>
-            <a:ext cx="4052003" cy="4417461"/>
-          </a:xfrm>
-          <a:prstGeom prst="rect">
-            <a:avLst/>
-          </a:prstGeom>
-        </p:spPr>
-      </p:pic>
+              <a:t>XXXXXXX</a:t>
+            </a:r>
+          </a:p>
+        </p:txBody>
+      </p:sp>
       <p:sp>
         <p:nvSpPr>
           <p:cNvPr id="6" name="QuadreDeText 16">
@@ -12257,7 +11671,7 @@
         <p:spPr>
           <a:xfrm>
             <a:off x="804832" y="5229771"/>
-            <a:ext cx="6231460" cy="987504"/>
+            <a:ext cx="6231460" cy="323493"/>
           </a:xfrm>
           <a:prstGeom prst="roundRect">
             <a:avLst/>
@@ -12284,711 +11698,14 @@
               <a:buFont typeface="Wingdings" panose="05000000000000000000" pitchFamily="2" charset="2"/>
               <a:buChar char="§"/>
             </a:pPr>
-            <a:r>
-              <a:rPr lang="es-ES" sz="1300" b="1" dirty="0"/>
-              <a:t>Clientes sin deudas tienen el saldo promedio más alto</a:t>
-            </a:r>
-            <a:r>
-              <a:rPr lang="es-ES" sz="1300" dirty="0"/>
-              <a:t>, reflejando mayor estabilidad financiera. </a:t>
-            </a:r>
-          </a:p>
-          <a:p>
-            <a:pPr marL="285750" indent="-285750" algn="just">
-              <a:buFont typeface="Wingdings" panose="05000000000000000000" pitchFamily="2" charset="2"/>
-              <a:buChar char="§"/>
-            </a:pPr>
-            <a:r>
-              <a:rPr lang="es-ES" sz="1300" b="1" dirty="0"/>
-              <a:t>Clientes con algún tipo de deuda</a:t>
-            </a:r>
-            <a:r>
-              <a:rPr lang="es-ES" sz="1300" dirty="0"/>
-              <a:t>, ya sea préstamo, hipoteca o ambos, </a:t>
-            </a:r>
-            <a:r>
-              <a:rPr lang="es-ES" sz="1300" b="1" dirty="0"/>
-              <a:t>presentan saldos más bajos</a:t>
-            </a:r>
-            <a:r>
-              <a:rPr lang="es-ES" sz="1300" dirty="0"/>
-              <a:t>, indicando una mayor presión financiera. </a:t>
-            </a:r>
-          </a:p>
-        </p:txBody>
-      </p:sp>
-      <p:cxnSp>
-        <p:nvCxnSpPr>
-          <p:cNvPr id="13" name="Conector recto 12">
-            <a:extLst>
-              <a:ext uri="{FF2B5EF4-FFF2-40B4-BE49-F238E27FC236}">
-                <a16:creationId xmlns:a16="http://schemas.microsoft.com/office/drawing/2014/main" id="{D7DBE600-7D97-1A5D-689F-357252C109C2}"/>
-              </a:ext>
-            </a:extLst>
-          </p:cNvPr>
-          <p:cNvCxnSpPr/>
-          <p:nvPr/>
-        </p:nvCxnSpPr>
-        <p:spPr>
-          <a:xfrm>
-            <a:off x="7541110" y="2436608"/>
-            <a:ext cx="1516828" cy="0"/>
-          </a:xfrm>
-          <a:prstGeom prst="line">
-            <a:avLst/>
-          </a:prstGeom>
-          <a:ln w="19050">
-            <a:solidFill>
-              <a:srgbClr val="009900"/>
-            </a:solidFill>
-          </a:ln>
-        </p:spPr>
-        <p:style>
-          <a:lnRef idx="1">
-            <a:schemeClr val="accent1"/>
-          </a:lnRef>
-          <a:fillRef idx="0">
-            <a:schemeClr val="accent1"/>
-          </a:fillRef>
-          <a:effectRef idx="0">
-            <a:schemeClr val="accent1"/>
-          </a:effectRef>
-          <a:fontRef idx="minor">
-            <a:schemeClr val="tx1"/>
-          </a:fontRef>
-        </p:style>
-      </p:cxnSp>
-      <p:cxnSp>
-        <p:nvCxnSpPr>
-          <p:cNvPr id="14" name="Conector recto 13">
-            <a:extLst>
-              <a:ext uri="{FF2B5EF4-FFF2-40B4-BE49-F238E27FC236}">
-                <a16:creationId xmlns:a16="http://schemas.microsoft.com/office/drawing/2014/main" id="{231555E5-FF4B-B83B-7F44-781EDA96A77B}"/>
-              </a:ext>
-            </a:extLst>
-          </p:cNvPr>
-          <p:cNvCxnSpPr>
-            <a:cxnSpLocks/>
-          </p:cNvCxnSpPr>
-          <p:nvPr/>
-        </p:nvCxnSpPr>
-        <p:spPr>
-          <a:xfrm>
-            <a:off x="8283388" y="4520006"/>
-            <a:ext cx="774550" cy="0"/>
-          </a:xfrm>
-          <a:prstGeom prst="line">
-            <a:avLst/>
-          </a:prstGeom>
-          <a:ln w="19050"/>
-        </p:spPr>
-        <p:style>
-          <a:lnRef idx="1">
-            <a:schemeClr val="accent1"/>
-          </a:lnRef>
-          <a:fillRef idx="0">
-            <a:schemeClr val="accent1"/>
-          </a:fillRef>
-          <a:effectRef idx="0">
-            <a:schemeClr val="accent1"/>
-          </a:effectRef>
-          <a:fontRef idx="minor">
-            <a:schemeClr val="tx1"/>
-          </a:fontRef>
-        </p:style>
-      </p:cxnSp>
-      <p:cxnSp>
-        <p:nvCxnSpPr>
-          <p:cNvPr id="15" name="Conector recto 14">
-            <a:extLst>
-              <a:ext uri="{FF2B5EF4-FFF2-40B4-BE49-F238E27FC236}">
-                <a16:creationId xmlns:a16="http://schemas.microsoft.com/office/drawing/2014/main" id="{4908429C-531B-C98A-C0F9-BB4278BE20DD}"/>
-              </a:ext>
-            </a:extLst>
-          </p:cNvPr>
-          <p:cNvCxnSpPr>
-            <a:cxnSpLocks/>
-          </p:cNvCxnSpPr>
-          <p:nvPr/>
-        </p:nvCxnSpPr>
-        <p:spPr>
-          <a:xfrm>
-            <a:off x="7415604" y="5548385"/>
-            <a:ext cx="1642334" cy="0"/>
-          </a:xfrm>
-          <a:prstGeom prst="line">
-            <a:avLst/>
-          </a:prstGeom>
-          <a:ln w="19050"/>
-        </p:spPr>
-        <p:style>
-          <a:lnRef idx="1">
-            <a:schemeClr val="accent1"/>
-          </a:lnRef>
-          <a:fillRef idx="0">
-            <a:schemeClr val="accent1"/>
-          </a:fillRef>
-          <a:effectRef idx="0">
-            <a:schemeClr val="accent1"/>
-          </a:effectRef>
-          <a:fontRef idx="minor">
-            <a:schemeClr val="tx1"/>
-          </a:fontRef>
-        </p:style>
-      </p:cxnSp>
-      <p:cxnSp>
-        <p:nvCxnSpPr>
-          <p:cNvPr id="18" name="Conector recto 17">
-            <a:extLst>
-              <a:ext uri="{FF2B5EF4-FFF2-40B4-BE49-F238E27FC236}">
-                <a16:creationId xmlns:a16="http://schemas.microsoft.com/office/drawing/2014/main" id="{9C330646-1500-FEC9-5B70-033C6C3603C0}"/>
-              </a:ext>
-            </a:extLst>
-          </p:cNvPr>
-          <p:cNvCxnSpPr>
-            <a:cxnSpLocks/>
-          </p:cNvCxnSpPr>
-          <p:nvPr/>
-        </p:nvCxnSpPr>
-        <p:spPr>
-          <a:xfrm>
-            <a:off x="8234979" y="3483686"/>
-            <a:ext cx="822959" cy="0"/>
-          </a:xfrm>
-          <a:prstGeom prst="line">
-            <a:avLst/>
-          </a:prstGeom>
-          <a:ln w="19050"/>
-        </p:spPr>
-        <p:style>
-          <a:lnRef idx="1">
-            <a:schemeClr val="accent1"/>
-          </a:lnRef>
-          <a:fillRef idx="0">
-            <a:schemeClr val="accent1"/>
-          </a:fillRef>
-          <a:effectRef idx="0">
-            <a:schemeClr val="accent1"/>
-          </a:effectRef>
-          <a:fontRef idx="minor">
-            <a:schemeClr val="tx1"/>
-          </a:fontRef>
-        </p:style>
-      </p:cxnSp>
+            <a:endParaRPr lang="es-ES" sz="1300" dirty="0"/>
+          </a:p>
+        </p:txBody>
+      </p:sp>
     </p:spTree>
     <p:extLst>
       <p:ext uri="{BB962C8B-B14F-4D97-AF65-F5344CB8AC3E}">
         <p14:creationId xmlns:p14="http://schemas.microsoft.com/office/powerpoint/2010/main" val="2926737237"/>
-      </p:ext>
-    </p:extLst>
-  </p:cSld>
-  <p:clrMapOvr>
-    <a:masterClrMapping/>
-  </p:clrMapOvr>
-</p:sld>
-</file>
-
-<file path=ppt/slides/slide7.xml><?xml version="1.0" encoding="utf-8"?>
-<p:sld xmlns:a="http://schemas.openxmlformats.org/drawingml/2006/main" xmlns:r="http://schemas.openxmlformats.org/officeDocument/2006/relationships" xmlns:p="http://schemas.openxmlformats.org/presentationml/2006/main">
-  <p:cSld>
-    <p:spTree>
-      <p:nvGrpSpPr>
-        <p:cNvPr id="1" name="">
-          <a:extLst>
-            <a:ext uri="{FF2B5EF4-FFF2-40B4-BE49-F238E27FC236}">
-              <a16:creationId xmlns:a16="http://schemas.microsoft.com/office/drawing/2014/main" id="{072FEC47-BBC4-E00E-94A8-A030AC2D1A82}"/>
-            </a:ext>
-          </a:extLst>
-        </p:cNvPr>
-        <p:cNvGrpSpPr/>
-        <p:nvPr/>
-      </p:nvGrpSpPr>
-      <p:grpSpPr>
-        <a:xfrm>
-          <a:off x="0" y="0"/>
-          <a:ext cx="0" cy="0"/>
-          <a:chOff x="0" y="0"/>
-          <a:chExt cx="0" cy="0"/>
-        </a:xfrm>
-      </p:grpSpPr>
-      <p:sp>
-        <p:nvSpPr>
-          <p:cNvPr id="2" name="Rectángulo 1">
-            <a:extLst>
-              <a:ext uri="{FF2B5EF4-FFF2-40B4-BE49-F238E27FC236}">
-                <a16:creationId xmlns:a16="http://schemas.microsoft.com/office/drawing/2014/main" id="{ECF82D00-1CE3-D38C-B1F1-F735E1902DAD}"/>
-              </a:ext>
-            </a:extLst>
-          </p:cNvPr>
-          <p:cNvSpPr/>
-          <p:nvPr/>
-        </p:nvSpPr>
-        <p:spPr>
-          <a:xfrm>
-            <a:off x="0" y="6400800"/>
-            <a:ext cx="2557670" cy="457200"/>
-          </a:xfrm>
-          <a:prstGeom prst="rect">
-            <a:avLst/>
-          </a:prstGeom>
-          <a:solidFill>
-            <a:schemeClr val="bg1">
-              <a:lumMod val="95000"/>
-            </a:schemeClr>
-          </a:solidFill>
-          <a:ln>
-            <a:noFill/>
-          </a:ln>
-        </p:spPr>
-        <p:style>
-          <a:lnRef idx="2">
-            <a:schemeClr val="accent1">
-              <a:shade val="50000"/>
-            </a:schemeClr>
-          </a:lnRef>
-          <a:fillRef idx="1">
-            <a:schemeClr val="accent1"/>
-          </a:fillRef>
-          <a:effectRef idx="0">
-            <a:schemeClr val="accent1"/>
-          </a:effectRef>
-          <a:fontRef idx="minor">
-            <a:schemeClr val="lt1"/>
-          </a:fontRef>
-        </p:style>
-        <p:txBody>
-          <a:bodyPr rtlCol="0" anchor="ctr"/>
-          <a:lstStyle/>
-          <a:p>
-            <a:pPr algn="ctr"/>
-            <a:endParaRPr lang="es-ES"/>
-          </a:p>
-        </p:txBody>
-      </p:sp>
-      <p:sp>
-        <p:nvSpPr>
-          <p:cNvPr id="4" name="Rectángulo: esquinas redondeadas 3">
-            <a:extLst>
-              <a:ext uri="{FF2B5EF4-FFF2-40B4-BE49-F238E27FC236}">
-                <a16:creationId xmlns:a16="http://schemas.microsoft.com/office/drawing/2014/main" id="{A75F9B45-3A77-61A7-D6BA-82347D99EA30}"/>
-              </a:ext>
-            </a:extLst>
-          </p:cNvPr>
-          <p:cNvSpPr/>
-          <p:nvPr/>
-        </p:nvSpPr>
-        <p:spPr>
-          <a:xfrm>
-            <a:off x="505959" y="1411111"/>
-            <a:ext cx="11230210" cy="5017966"/>
-          </a:xfrm>
-          <a:prstGeom prst="roundRect">
-            <a:avLst>
-              <a:gd name="adj" fmla="val 7845"/>
-            </a:avLst>
-          </a:prstGeom>
-          <a:solidFill>
-            <a:schemeClr val="bg1"/>
-          </a:solidFill>
-          <a:ln>
-            <a:noFill/>
-          </a:ln>
-        </p:spPr>
-        <p:style>
-          <a:lnRef idx="2">
-            <a:schemeClr val="accent1">
-              <a:shade val="50000"/>
-            </a:schemeClr>
-          </a:lnRef>
-          <a:fillRef idx="1">
-            <a:schemeClr val="accent1"/>
-          </a:fillRef>
-          <a:effectRef idx="0">
-            <a:schemeClr val="accent1"/>
-          </a:effectRef>
-          <a:fontRef idx="minor">
-            <a:schemeClr val="lt1"/>
-          </a:fontRef>
-        </p:style>
-        <p:txBody>
-          <a:bodyPr rtlCol="0" anchor="ctr"/>
-          <a:lstStyle/>
-          <a:p>
-            <a:pPr algn="ctr"/>
-            <a:endParaRPr lang="es-ES"/>
-          </a:p>
-        </p:txBody>
-      </p:sp>
-      <p:sp>
-        <p:nvSpPr>
-          <p:cNvPr id="8" name="QuadreDeText 3">
-            <a:extLst>
-              <a:ext uri="{FF2B5EF4-FFF2-40B4-BE49-F238E27FC236}">
-                <a16:creationId xmlns:a16="http://schemas.microsoft.com/office/drawing/2014/main" id="{0B9963A2-303C-C0E0-3B8A-E49DF8308095}"/>
-              </a:ext>
-            </a:extLst>
-          </p:cNvPr>
-          <p:cNvSpPr txBox="1"/>
-          <p:nvPr/>
-        </p:nvSpPr>
-        <p:spPr>
-          <a:xfrm>
-            <a:off x="466166" y="250347"/>
-            <a:ext cx="11270004" cy="1046440"/>
-          </a:xfrm>
-          <a:prstGeom prst="rect">
-            <a:avLst/>
-          </a:prstGeom>
-          <a:noFill/>
-        </p:spPr>
-        <p:txBody>
-          <a:bodyPr wrap="square">
-            <a:spAutoFit/>
-          </a:bodyPr>
-          <a:lstStyle/>
-          <a:p>
-            <a:r>
-              <a:rPr lang="es-ES" sz="2400" b="1" dirty="0">
-                <a:solidFill>
-                  <a:schemeClr val="accent3">
-                    <a:lumMod val="50000"/>
-                  </a:schemeClr>
-                </a:solidFill>
-                <a:effectLst/>
-                <a:latin typeface="+mj-lt"/>
-              </a:rPr>
-              <a:t>RELACIÓN ENTRE VARIABLES: </a:t>
-            </a:r>
-          </a:p>
-          <a:p>
-            <a:r>
-              <a:rPr lang="es-ES" sz="2400" b="1" dirty="0">
-                <a:solidFill>
-                  <a:schemeClr val="accent3">
-                    <a:lumMod val="50000"/>
-                  </a:schemeClr>
-                </a:solidFill>
-                <a:latin typeface="+mj-lt"/>
-              </a:rPr>
-              <a:t>INCUMPLIMIENTO</a:t>
-            </a:r>
-            <a:r>
-              <a:rPr lang="es-ES" sz="2400" b="1" dirty="0">
-                <a:solidFill>
-                  <a:schemeClr val="accent3">
-                    <a:lumMod val="50000"/>
-                  </a:schemeClr>
-                </a:solidFill>
-                <a:effectLst/>
-                <a:latin typeface="+mj-lt"/>
-              </a:rPr>
-              <a:t> vs CATEGORIAS DE PRÉSTAMO/HIPOTECA</a:t>
-            </a:r>
-          </a:p>
-          <a:p>
-            <a:r>
-              <a:rPr lang="es-ES" sz="1400" b="1" dirty="0"/>
-              <a:t>Tras categorizar a los clientes, relacionamos las dos variables</a:t>
-            </a:r>
-          </a:p>
-        </p:txBody>
-      </p:sp>
-      <p:pic>
-        <p:nvPicPr>
-          <p:cNvPr id="5" name="Imagen 4">
-            <a:extLst>
-              <a:ext uri="{FF2B5EF4-FFF2-40B4-BE49-F238E27FC236}">
-                <a16:creationId xmlns:a16="http://schemas.microsoft.com/office/drawing/2014/main" id="{0ED755C1-4DB6-C380-337C-9C4DDC73D677}"/>
-              </a:ext>
-            </a:extLst>
-          </p:cNvPr>
-          <p:cNvPicPr>
-            <a:picLocks noChangeAspect="1"/>
-          </p:cNvPicPr>
-          <p:nvPr/>
-        </p:nvPicPr>
-        <p:blipFill>
-          <a:blip r:embed="rId3"/>
-          <a:stretch>
-            <a:fillRect/>
-          </a:stretch>
-        </p:blipFill>
-        <p:spPr>
-          <a:xfrm>
-            <a:off x="896989" y="1615446"/>
-            <a:ext cx="6047145" cy="3430800"/>
-          </a:xfrm>
-          <a:prstGeom prst="rect">
-            <a:avLst/>
-          </a:prstGeom>
-        </p:spPr>
-      </p:pic>
-      <p:pic>
-        <p:nvPicPr>
-          <p:cNvPr id="7" name="Imagen 6">
-            <a:extLst>
-              <a:ext uri="{FF2B5EF4-FFF2-40B4-BE49-F238E27FC236}">
-                <a16:creationId xmlns:a16="http://schemas.microsoft.com/office/drawing/2014/main" id="{DADD356F-BE36-8AA1-B099-C46BF0352360}"/>
-              </a:ext>
-            </a:extLst>
-          </p:cNvPr>
-          <p:cNvPicPr>
-            <a:picLocks noChangeAspect="1"/>
-          </p:cNvPicPr>
-          <p:nvPr/>
-        </p:nvPicPr>
-        <p:blipFill>
-          <a:blip r:embed="rId4"/>
-          <a:srcRect t="5008"/>
-          <a:stretch/>
-        </p:blipFill>
-        <p:spPr>
-          <a:xfrm>
-            <a:off x="7308529" y="1806637"/>
-            <a:ext cx="4444979" cy="4401759"/>
-          </a:xfrm>
-          <a:prstGeom prst="rect">
-            <a:avLst/>
-          </a:prstGeom>
-        </p:spPr>
-      </p:pic>
-      <p:sp>
-        <p:nvSpPr>
-          <p:cNvPr id="6" name="QuadreDeText 16">
-            <a:extLst>
-              <a:ext uri="{FF2B5EF4-FFF2-40B4-BE49-F238E27FC236}">
-                <a16:creationId xmlns:a16="http://schemas.microsoft.com/office/drawing/2014/main" id="{F64AB401-A83A-CF05-16C7-1B43F325C485}"/>
-              </a:ext>
-            </a:extLst>
-          </p:cNvPr>
-          <p:cNvSpPr txBox="1"/>
-          <p:nvPr/>
-        </p:nvSpPr>
-        <p:spPr>
-          <a:xfrm>
-            <a:off x="804831" y="5229771"/>
-            <a:ext cx="6231460" cy="987504"/>
-          </a:xfrm>
-          <a:prstGeom prst="roundRect">
-            <a:avLst/>
-          </a:prstGeom>
-          <a:solidFill>
-            <a:schemeClr val="accent5">
-              <a:lumMod val="25000"/>
-              <a:lumOff val="75000"/>
-            </a:schemeClr>
-          </a:solidFill>
-          <a:ln>
-            <a:solidFill>
-              <a:schemeClr val="bg1"/>
-            </a:solidFill>
-          </a:ln>
-        </p:spPr>
-        <p:txBody>
-          <a:bodyPr wrap="square">
-            <a:spAutoFit/>
-          </a:bodyPr>
-          <a:lstStyle/>
-          <a:p>
-            <a:pPr marL="285750" indent="-285750" algn="just">
-              <a:buFont typeface="Wingdings" panose="05000000000000000000" pitchFamily="2" charset="2"/>
-              <a:buChar char="§"/>
-            </a:pPr>
-            <a:r>
-              <a:rPr lang="es-ES" sz="1300" b="1" dirty="0"/>
-              <a:t>Clientes sin deudas tienen el porcentaje de incumplimiento más bajo</a:t>
-            </a:r>
-            <a:r>
-              <a:rPr lang="es-ES" sz="1300" dirty="0"/>
-              <a:t>, reflejando mayor estabilidad financiera.</a:t>
-            </a:r>
-          </a:p>
-          <a:p>
-            <a:pPr marL="285750" indent="-285750" algn="just">
-              <a:buFont typeface="Wingdings" panose="05000000000000000000" pitchFamily="2" charset="2"/>
-              <a:buChar char="§"/>
-            </a:pPr>
-            <a:r>
-              <a:rPr lang="es-ES" sz="1300" b="1" dirty="0"/>
-              <a:t>Clientes con algún tipo de deuda</a:t>
-            </a:r>
-            <a:r>
-              <a:rPr lang="es-ES" sz="1300" dirty="0"/>
-              <a:t>, ya sea préstamo, hipoteca o ambos, </a:t>
-            </a:r>
-            <a:r>
-              <a:rPr lang="es-ES" sz="1300" b="1" dirty="0"/>
-              <a:t>muestran porcentajes de incumplimiento más altos</a:t>
-            </a:r>
-            <a:r>
-              <a:rPr lang="es-ES" sz="1300" dirty="0"/>
-              <a:t>, lo que indica un mayor riesgo financiero.</a:t>
-            </a:r>
-          </a:p>
-        </p:txBody>
-      </p:sp>
-      <p:cxnSp>
-        <p:nvCxnSpPr>
-          <p:cNvPr id="16" name="Conector recto 15">
-            <a:extLst>
-              <a:ext uri="{FF2B5EF4-FFF2-40B4-BE49-F238E27FC236}">
-                <a16:creationId xmlns:a16="http://schemas.microsoft.com/office/drawing/2014/main" id="{57F0A2FD-A337-C538-5EE1-745407BE6E08}"/>
-              </a:ext>
-            </a:extLst>
-          </p:cNvPr>
-          <p:cNvCxnSpPr/>
-          <p:nvPr/>
-        </p:nvCxnSpPr>
-        <p:spPr>
-          <a:xfrm>
-            <a:off x="7541110" y="2436608"/>
-            <a:ext cx="1516828" cy="0"/>
-          </a:xfrm>
-          <a:prstGeom prst="line">
-            <a:avLst/>
-          </a:prstGeom>
-          <a:ln w="19050">
-            <a:solidFill>
-              <a:srgbClr val="009900"/>
-            </a:solidFill>
-          </a:ln>
-        </p:spPr>
-        <p:style>
-          <a:lnRef idx="1">
-            <a:schemeClr val="accent1"/>
-          </a:lnRef>
-          <a:fillRef idx="0">
-            <a:schemeClr val="accent1"/>
-          </a:fillRef>
-          <a:effectRef idx="0">
-            <a:schemeClr val="accent1"/>
-          </a:effectRef>
-          <a:fontRef idx="minor">
-            <a:schemeClr val="tx1"/>
-          </a:fontRef>
-        </p:style>
-      </p:cxnSp>
-      <p:cxnSp>
-        <p:nvCxnSpPr>
-          <p:cNvPr id="17" name="Conector recto 16">
-            <a:extLst>
-              <a:ext uri="{FF2B5EF4-FFF2-40B4-BE49-F238E27FC236}">
-                <a16:creationId xmlns:a16="http://schemas.microsoft.com/office/drawing/2014/main" id="{B1BCBD78-0DB0-B35A-EB86-8A2F4950308B}"/>
-              </a:ext>
-            </a:extLst>
-          </p:cNvPr>
-          <p:cNvCxnSpPr>
-            <a:cxnSpLocks/>
-          </p:cNvCxnSpPr>
-          <p:nvPr/>
-        </p:nvCxnSpPr>
-        <p:spPr>
-          <a:xfrm>
-            <a:off x="8283388" y="4520006"/>
-            <a:ext cx="774550" cy="0"/>
-          </a:xfrm>
-          <a:prstGeom prst="line">
-            <a:avLst/>
-          </a:prstGeom>
-          <a:ln w="19050"/>
-        </p:spPr>
-        <p:style>
-          <a:lnRef idx="1">
-            <a:schemeClr val="accent1"/>
-          </a:lnRef>
-          <a:fillRef idx="0">
-            <a:schemeClr val="accent1"/>
-          </a:fillRef>
-          <a:effectRef idx="0">
-            <a:schemeClr val="accent1"/>
-          </a:effectRef>
-          <a:fontRef idx="minor">
-            <a:schemeClr val="tx1"/>
-          </a:fontRef>
-        </p:style>
-      </p:cxnSp>
-      <p:cxnSp>
-        <p:nvCxnSpPr>
-          <p:cNvPr id="18" name="Conector recto 17">
-            <a:extLst>
-              <a:ext uri="{FF2B5EF4-FFF2-40B4-BE49-F238E27FC236}">
-                <a16:creationId xmlns:a16="http://schemas.microsoft.com/office/drawing/2014/main" id="{C5A6D88B-F91C-2952-8EBE-12D14535957D}"/>
-              </a:ext>
-            </a:extLst>
-          </p:cNvPr>
-          <p:cNvCxnSpPr>
-            <a:cxnSpLocks/>
-          </p:cNvCxnSpPr>
-          <p:nvPr/>
-        </p:nvCxnSpPr>
-        <p:spPr>
-          <a:xfrm>
-            <a:off x="7415604" y="5548385"/>
-            <a:ext cx="1642334" cy="0"/>
-          </a:xfrm>
-          <a:prstGeom prst="line">
-            <a:avLst/>
-          </a:prstGeom>
-          <a:ln w="19050"/>
-        </p:spPr>
-        <p:style>
-          <a:lnRef idx="1">
-            <a:schemeClr val="accent1"/>
-          </a:lnRef>
-          <a:fillRef idx="0">
-            <a:schemeClr val="accent1"/>
-          </a:fillRef>
-          <a:effectRef idx="0">
-            <a:schemeClr val="accent1"/>
-          </a:effectRef>
-          <a:fontRef idx="minor">
-            <a:schemeClr val="tx1"/>
-          </a:fontRef>
-        </p:style>
-      </p:cxnSp>
-      <p:cxnSp>
-        <p:nvCxnSpPr>
-          <p:cNvPr id="19" name="Conector recto 18">
-            <a:extLst>
-              <a:ext uri="{FF2B5EF4-FFF2-40B4-BE49-F238E27FC236}">
-                <a16:creationId xmlns:a16="http://schemas.microsoft.com/office/drawing/2014/main" id="{D3D9F57E-6671-45CA-487D-E036B00A3F1A}"/>
-              </a:ext>
-            </a:extLst>
-          </p:cNvPr>
-          <p:cNvCxnSpPr>
-            <a:cxnSpLocks/>
-          </p:cNvCxnSpPr>
-          <p:nvPr/>
-        </p:nvCxnSpPr>
-        <p:spPr>
-          <a:xfrm>
-            <a:off x="8234979" y="3483686"/>
-            <a:ext cx="822959" cy="0"/>
-          </a:xfrm>
-          <a:prstGeom prst="line">
-            <a:avLst/>
-          </a:prstGeom>
-          <a:ln w="19050"/>
-        </p:spPr>
-        <p:style>
-          <a:lnRef idx="1">
-            <a:schemeClr val="accent1"/>
-          </a:lnRef>
-          <a:fillRef idx="0">
-            <a:schemeClr val="accent1"/>
-          </a:fillRef>
-          <a:effectRef idx="0">
-            <a:schemeClr val="accent1"/>
-          </a:effectRef>
-          <a:fontRef idx="minor">
-            <a:schemeClr val="tx1"/>
-          </a:fontRef>
-        </p:style>
-      </p:cxnSp>
-    </p:spTree>
-    <p:extLst>
-      <p:ext uri="{BB962C8B-B14F-4D97-AF65-F5344CB8AC3E}">
-        <p14:creationId xmlns:p14="http://schemas.microsoft.com/office/powerpoint/2010/main" val="2242814331"/>
       </p:ext>
     </p:extLst>
   </p:cSld>
@@ -15129,12 +13846,27 @@
 <file path=ppt/slides/slide9.xml><?xml version="1.0" encoding="utf-8"?>
 <p:sld xmlns:a="http://schemas.openxmlformats.org/drawingml/2006/main" xmlns:r="http://schemas.openxmlformats.org/officeDocument/2006/relationships" xmlns:p="http://schemas.openxmlformats.org/presentationml/2006/main">
   <p:cSld>
+    <p:bg>
+      <p:bgPr>
+        <a:blipFill dpi="0" rotWithShape="1">
+          <a:blip r:embed="rId3">
+            <a:alphaModFix amt="55000"/>
+            <a:lum/>
+          </a:blip>
+          <a:srcRect/>
+          <a:stretch>
+            <a:fillRect l="-1000" r="-1000"/>
+          </a:stretch>
+        </a:blipFill>
+        <a:effectLst/>
+      </p:bgPr>
+    </p:bg>
     <p:spTree>
       <p:nvGrpSpPr>
         <p:cNvPr id="1" name="">
           <a:extLst>
             <a:ext uri="{FF2B5EF4-FFF2-40B4-BE49-F238E27FC236}">
-              <a16:creationId xmlns:a16="http://schemas.microsoft.com/office/drawing/2014/main" id="{812C789B-ED9E-6552-3C89-2A37E2185E24}"/>
+              <a16:creationId xmlns:a16="http://schemas.microsoft.com/office/drawing/2014/main" id="{6328BC4E-7759-9905-955A-26B25D46A5DA}"/>
             </a:ext>
           </a:extLst>
         </p:cNvPr>
@@ -15151,10 +13883,13 @@
       </p:grpSpPr>
       <p:sp>
         <p:nvSpPr>
-          <p:cNvPr id="6" name="Rectángulo 5">
-            <a:extLst>
-              <a:ext uri="{FF2B5EF4-FFF2-40B4-BE49-F238E27FC236}">
-                <a16:creationId xmlns:a16="http://schemas.microsoft.com/office/drawing/2014/main" id="{DBABB88C-863F-A051-B92B-419C48D98DF8}"/>
+          <p:cNvPr id="4" name="Elipse 3">
+            <a:extLst>
+              <a:ext uri="{FF2B5EF4-FFF2-40B4-BE49-F238E27FC236}">
+                <a16:creationId xmlns:a16="http://schemas.microsoft.com/office/drawing/2014/main" id="{E3B3E10B-BE40-7FB4-64E3-01D4B99CC32F}"/>
+              </a:ext>
+              <a:ext uri="{C183D7F6-B498-43B3-948B-1728B52AA6E4}">
+                <adec:decorative xmlns:adec="http://schemas.microsoft.com/office/drawing/2017/decorative" val="1"/>
               </a:ext>
             </a:extLst>
           </p:cNvPr>
@@ -15163,19 +13898,23 @@
         </p:nvSpPr>
         <p:spPr>
           <a:xfrm>
-            <a:off x="0" y="6400800"/>
-            <a:ext cx="2557670" cy="457200"/>
-          </a:xfrm>
-          <a:prstGeom prst="rect">
+            <a:off x="3338400" y="671564"/>
+            <a:ext cx="5515200" cy="5514872"/>
+          </a:xfrm>
+          <a:prstGeom prst="ellipse">
             <a:avLst/>
           </a:prstGeom>
           <a:solidFill>
             <a:schemeClr val="bg1">
-              <a:lumMod val="95000"/>
+              <a:alpha val="87000"/>
             </a:schemeClr>
           </a:solidFill>
-          <a:ln>
-            <a:noFill/>
+          <a:ln w="63500">
+            <a:solidFill>
+              <a:schemeClr val="bg1">
+                <a:alpha val="95000"/>
+              </a:schemeClr>
+            </a:solidFill>
           </a:ln>
         </p:spPr>
         <p:style>
@@ -15198,17 +13937,211 @@
           <a:bodyPr rtlCol="0" anchor="ctr"/>
           <a:lstStyle/>
           <a:p>
-            <a:pPr algn="ctr"/>
-            <a:endParaRPr lang="es-ES"/>
-          </a:p>
-        </p:txBody>
-      </p:sp>
-      <p:sp>
-        <p:nvSpPr>
-          <p:cNvPr id="4" name="Rectángulo: esquinas redondeadas 3">
-            <a:extLst>
-              <a:ext uri="{FF2B5EF4-FFF2-40B4-BE49-F238E27FC236}">
-                <a16:creationId xmlns:a16="http://schemas.microsoft.com/office/drawing/2014/main" id="{1832CEF4-4A09-C457-448E-CAD422E89525}"/>
+            <a:pPr algn="ctr" rtl="0"/>
+            <a:endParaRPr lang="es-ES" dirty="0"/>
+          </a:p>
+        </p:txBody>
+      </p:sp>
+      <p:sp>
+        <p:nvSpPr>
+          <p:cNvPr id="11" name="Marcador de texto 10">
+            <a:extLst>
+              <a:ext uri="{FF2B5EF4-FFF2-40B4-BE49-F238E27FC236}">
+                <a16:creationId xmlns:a16="http://schemas.microsoft.com/office/drawing/2014/main" id="{46718A37-9DF7-2026-66B5-3556F420B5AB}"/>
+              </a:ext>
+            </a:extLst>
+          </p:cNvPr>
+          <p:cNvSpPr>
+            <a:spLocks noGrp="1"/>
+          </p:cNvSpPr>
+          <p:nvPr>
+            <p:ph type="body" sz="quarter" idx="11"/>
+          </p:nvPr>
+        </p:nvSpPr>
+        <p:spPr>
+          <a:xfrm>
+            <a:off x="4503545" y="3433864"/>
+            <a:ext cx="3184910" cy="2411431"/>
+          </a:xfrm>
+        </p:spPr>
+        <p:txBody>
+          <a:bodyPr rtlCol="0"/>
+          <a:lstStyle/>
+          <a:p>
+            <a:pPr algn="ctr" rtl="0"/>
+            <a:r>
+              <a:rPr lang="es-ES" sz="2800" b="1" dirty="0">
+                <a:solidFill>
+                  <a:schemeClr val="accent4">
+                    <a:lumMod val="75000"/>
+                  </a:schemeClr>
+                </a:solidFill>
+                <a:latin typeface="Calibri" panose="020F0502020204030204" pitchFamily="34" charset="0"/>
+                <a:cs typeface="Calibri" panose="020F0502020204030204" pitchFamily="34" charset="0"/>
+              </a:rPr>
+              <a:t>Equipo B</a:t>
+            </a:r>
+          </a:p>
+          <a:p>
+            <a:pPr algn="ctr" rtl="0"/>
+            <a:r>
+              <a:rPr lang="es-ES" sz="1800" b="1" dirty="0">
+                <a:solidFill>
+                  <a:schemeClr val="accent4">
+                    <a:lumMod val="50000"/>
+                  </a:schemeClr>
+                </a:solidFill>
+              </a:rPr>
+              <a:t>Gorka </a:t>
+            </a:r>
+            <a:r>
+              <a:rPr lang="es-ES" sz="1800" b="1" dirty="0" err="1">
+                <a:solidFill>
+                  <a:schemeClr val="accent4">
+                    <a:lumMod val="50000"/>
+                  </a:schemeClr>
+                </a:solidFill>
+              </a:rPr>
+              <a:t>Bonals</a:t>
+            </a:r>
+            <a:r>
+              <a:rPr lang="es-ES" sz="1800" b="1" dirty="0">
+                <a:solidFill>
+                  <a:schemeClr val="accent4">
+                    <a:lumMod val="50000"/>
+                  </a:schemeClr>
+                </a:solidFill>
+              </a:rPr>
+              <a:t> Sastre</a:t>
+            </a:r>
+          </a:p>
+          <a:p>
+            <a:pPr algn="ctr" rtl="0"/>
+            <a:r>
+              <a:rPr lang="es-ES" sz="1800" b="1" dirty="0">
+                <a:solidFill>
+                  <a:schemeClr val="accent4">
+                    <a:lumMod val="50000"/>
+                  </a:schemeClr>
+                </a:solidFill>
+              </a:rPr>
+              <a:t>Pau Fernández Ripollès</a:t>
+            </a:r>
+          </a:p>
+          <a:p>
+            <a:pPr algn="ctr" rtl="0"/>
+            <a:r>
+              <a:rPr lang="es-ES" sz="1800" b="1" dirty="0">
+                <a:solidFill>
+                  <a:schemeClr val="accent4">
+                    <a:lumMod val="50000"/>
+                  </a:schemeClr>
+                </a:solidFill>
+              </a:rPr>
+              <a:t>German </a:t>
+            </a:r>
+            <a:r>
+              <a:rPr lang="es-ES" sz="1800" b="1" dirty="0" err="1">
+                <a:solidFill>
+                  <a:schemeClr val="accent4">
+                    <a:lumMod val="50000"/>
+                  </a:schemeClr>
+                </a:solidFill>
+              </a:rPr>
+              <a:t>Lizarraga</a:t>
+            </a:r>
+            <a:r>
+              <a:rPr lang="es-ES" sz="1800" b="1" dirty="0">
+                <a:solidFill>
+                  <a:schemeClr val="accent4">
+                    <a:lumMod val="50000"/>
+                  </a:schemeClr>
+                </a:solidFill>
+              </a:rPr>
+              <a:t> Pereira</a:t>
+            </a:r>
+          </a:p>
+          <a:p>
+            <a:pPr algn="ctr" rtl="0"/>
+            <a:r>
+              <a:rPr lang="es-ES" sz="1800" b="1" dirty="0">
+                <a:solidFill>
+                  <a:schemeClr val="accent4">
+                    <a:lumMod val="50000"/>
+                  </a:schemeClr>
+                </a:solidFill>
+              </a:rPr>
+              <a:t>Carla </a:t>
+            </a:r>
+            <a:r>
+              <a:rPr lang="es-ES" sz="1800" b="1" dirty="0" err="1">
+                <a:solidFill>
+                  <a:schemeClr val="accent4">
+                    <a:lumMod val="50000"/>
+                  </a:schemeClr>
+                </a:solidFill>
+              </a:rPr>
+              <a:t>Lupión</a:t>
+            </a:r>
+            <a:r>
+              <a:rPr lang="es-ES" sz="1800" b="1" dirty="0">
+                <a:solidFill>
+                  <a:schemeClr val="accent4">
+                    <a:lumMod val="50000"/>
+                  </a:schemeClr>
+                </a:solidFill>
+              </a:rPr>
+              <a:t> </a:t>
+            </a:r>
+            <a:r>
+              <a:rPr lang="es-ES" sz="1800" b="1" dirty="0" err="1">
+                <a:solidFill>
+                  <a:schemeClr val="accent4">
+                    <a:lumMod val="50000"/>
+                  </a:schemeClr>
+                </a:solidFill>
+              </a:rPr>
+              <a:t>Saez</a:t>
+            </a:r>
+            <a:endParaRPr lang="es-ES" sz="1800" b="1" dirty="0">
+              <a:solidFill>
+                <a:schemeClr val="accent4">
+                  <a:lumMod val="50000"/>
+                </a:schemeClr>
+              </a:solidFill>
+            </a:endParaRPr>
+          </a:p>
+          <a:p>
+            <a:pPr algn="ctr" rtl="0"/>
+            <a:r>
+              <a:rPr lang="es-ES" sz="1800" dirty="0">
+                <a:solidFill>
+                  <a:schemeClr val="accent4">
+                    <a:lumMod val="50000"/>
+                  </a:schemeClr>
+                </a:solidFill>
+              </a:rPr>
+              <a:t>Natalya Martyn</a:t>
+            </a:r>
+            <a:endParaRPr lang="es-ES" sz="1800" b="1" dirty="0">
+              <a:solidFill>
+                <a:schemeClr val="accent4">
+                  <a:lumMod val="50000"/>
+                </a:schemeClr>
+              </a:solidFill>
+            </a:endParaRPr>
+          </a:p>
+        </p:txBody>
+      </p:sp>
+      <p:sp>
+        <p:nvSpPr>
+          <p:cNvPr id="21" name="Hexágono 20">
+            <a:extLst>
+              <a:ext uri="{FF2B5EF4-FFF2-40B4-BE49-F238E27FC236}">
+                <a16:creationId xmlns:a16="http://schemas.microsoft.com/office/drawing/2014/main" id="{6F3DB436-FBEB-55AC-C5CC-9F7A17DC7191}"/>
+              </a:ext>
+              <a:ext uri="{C183D7F6-B498-43B3-948B-1728B52AA6E4}">
+                <adec:decorative xmlns:adec="http://schemas.microsoft.com/office/drawing/2017/decorative" val="1"/>
               </a:ext>
             </a:extLst>
           </p:cNvPr>
@@ -15217,16 +14150,14 @@
         </p:nvSpPr>
         <p:spPr>
           <a:xfrm>
-            <a:off x="505958" y="1104371"/>
-            <a:ext cx="5508000" cy="5324706"/>
-          </a:xfrm>
-          <a:prstGeom prst="roundRect">
-            <a:avLst>
-              <a:gd name="adj" fmla="val 7845"/>
-            </a:avLst>
+            <a:off x="7974278" y="5753530"/>
+            <a:ext cx="651613" cy="561736"/>
+          </a:xfrm>
+          <a:prstGeom prst="hexagon">
+            <a:avLst/>
           </a:prstGeom>
           <a:solidFill>
-            <a:schemeClr val="bg1"/>
+            <a:schemeClr val="accent2"/>
           </a:solidFill>
           <a:ln>
             <a:noFill/>
@@ -15252,231 +14183,36 @@
           <a:bodyPr rtlCol="0" anchor="ctr"/>
           <a:lstStyle/>
           <a:p>
-            <a:pPr algn="ctr"/>
+            <a:pPr algn="ctr" rtl="0"/>
             <a:endParaRPr lang="es-ES"/>
           </a:p>
         </p:txBody>
       </p:sp>
       <p:sp>
         <p:nvSpPr>
-          <p:cNvPr id="5" name="QuadreDeText 3">
-            <a:extLst>
-              <a:ext uri="{FF2B5EF4-FFF2-40B4-BE49-F238E27FC236}">
-                <a16:creationId xmlns:a16="http://schemas.microsoft.com/office/drawing/2014/main" id="{88BB37F3-E934-9179-5238-8C55B40B1B06}"/>
-              </a:ext>
-            </a:extLst>
-          </p:cNvPr>
-          <p:cNvSpPr txBox="1"/>
+          <p:cNvPr id="16" name="Hexágono 15">
+            <a:extLst>
+              <a:ext uri="{FF2B5EF4-FFF2-40B4-BE49-F238E27FC236}">
+                <a16:creationId xmlns:a16="http://schemas.microsoft.com/office/drawing/2014/main" id="{17C8D1FA-2883-6EC6-566A-01779AB826C5}"/>
+              </a:ext>
+              <a:ext uri="{C183D7F6-B498-43B3-948B-1728B52AA6E4}">
+                <adec:decorative xmlns:adec="http://schemas.microsoft.com/office/drawing/2017/decorative" val="1"/>
+              </a:ext>
+            </a:extLst>
+          </p:cNvPr>
+          <p:cNvSpPr/>
           <p:nvPr/>
         </p:nvSpPr>
         <p:spPr>
           <a:xfrm>
-            <a:off x="505958" y="250347"/>
-            <a:ext cx="11230211" cy="923330"/>
-          </a:xfrm>
-          <a:prstGeom prst="rect">
+            <a:off x="2255521" y="2751804"/>
+            <a:ext cx="785546" cy="677196"/>
+          </a:xfrm>
+          <a:prstGeom prst="hexagon">
             <a:avLst/>
           </a:prstGeom>
-          <a:noFill/>
-        </p:spPr>
-        <p:txBody>
-          <a:bodyPr wrap="square">
-            <a:spAutoFit/>
-          </a:bodyPr>
-          <a:lstStyle/>
-          <a:p>
-            <a:r>
-              <a:rPr lang="es-ES" sz="2400" b="1" dirty="0">
-                <a:solidFill>
-                  <a:schemeClr val="accent3">
-                    <a:lumMod val="50000"/>
-                  </a:schemeClr>
-                </a:solidFill>
-                <a:effectLst/>
-                <a:latin typeface="+mj-lt"/>
-              </a:rPr>
-              <a:t>PROPUESTAS DE AJUSTES DE GESTIÓN DE RIESGOS</a:t>
-            </a:r>
-          </a:p>
-          <a:p>
-            <a:r>
-              <a:rPr lang="es-ES" altLang="es-ES" sz="1400" b="1" dirty="0"/>
-              <a:t>¿Cómo deberíamos ajustar nuestras ofertas y estrategias de gestión de riesgos en función de estos hallazgos? </a:t>
-            </a:r>
-          </a:p>
-          <a:p>
-            <a:endParaRPr lang="es-ES" sz="1400" b="1" dirty="0"/>
-          </a:p>
-        </p:txBody>
-      </p:sp>
-      <p:sp>
-        <p:nvSpPr>
-          <p:cNvPr id="20" name="CuadroTexto 19">
-            <a:extLst>
-              <a:ext uri="{FF2B5EF4-FFF2-40B4-BE49-F238E27FC236}">
-                <a16:creationId xmlns:a16="http://schemas.microsoft.com/office/drawing/2014/main" id="{8D4C4ABA-8C4D-3D1B-ADF0-41CF01169476}"/>
-              </a:ext>
-            </a:extLst>
-          </p:cNvPr>
-          <p:cNvSpPr txBox="1"/>
-          <p:nvPr/>
-        </p:nvSpPr>
-        <p:spPr>
-          <a:xfrm>
-            <a:off x="1977738" y="2935451"/>
-            <a:ext cx="3874361" cy="1208842"/>
-          </a:xfrm>
-          <a:prstGeom prst="roundRect">
-            <a:avLst/>
-          </a:prstGeom>
-          <a:noFill/>
-          <a:ln w="19050">
-            <a:solidFill>
-              <a:srgbClr val="FF8181"/>
-            </a:solidFill>
-            <a:prstDash val="sysDash"/>
-          </a:ln>
-        </p:spPr>
-        <p:txBody>
-          <a:bodyPr wrap="square">
-            <a:spAutoFit/>
-          </a:bodyPr>
-          <a:lstStyle/>
-          <a:p>
-            <a:pPr marL="171450" indent="-171450" algn="just">
-              <a:spcBef>
-                <a:spcPts val="300"/>
-              </a:spcBef>
-              <a:buFont typeface="Arial" panose="020B0604020202020204" pitchFamily="34" charset="0"/>
-              <a:buChar char="•"/>
-            </a:pPr>
-            <a:r>
-              <a:rPr lang="es-ES" sz="1200" dirty="0"/>
-              <a:t>Se piden más préstamos por necesidad que para artículos de lujo o para emprender.</a:t>
-            </a:r>
-          </a:p>
-          <a:p>
-            <a:pPr algn="just">
-              <a:spcBef>
-                <a:spcPts val="300"/>
-              </a:spcBef>
-            </a:pPr>
-            <a:endParaRPr lang="es-ES" sz="1200" dirty="0"/>
-          </a:p>
-          <a:p>
-            <a:pPr marL="171450" indent="-171450" algn="just">
-              <a:spcBef>
-                <a:spcPts val="300"/>
-              </a:spcBef>
-              <a:buFont typeface="Arial" panose="020B0604020202020204" pitchFamily="34" charset="0"/>
-              <a:buChar char="•"/>
-            </a:pPr>
-            <a:r>
-              <a:rPr lang="es-ES" sz="1200" dirty="0"/>
-              <a:t>Su flujo de efectivo es más frágil; al no tener mayor saldo, pueden incumplir con facilidad.</a:t>
-            </a:r>
-          </a:p>
-        </p:txBody>
-      </p:sp>
-      <p:sp>
-        <p:nvSpPr>
-          <p:cNvPr id="30" name="CuadroTexto 29">
-            <a:extLst>
-              <a:ext uri="{FF2B5EF4-FFF2-40B4-BE49-F238E27FC236}">
-                <a16:creationId xmlns:a16="http://schemas.microsoft.com/office/drawing/2014/main" id="{402A32AE-3750-DF58-DF17-E9552C34F130}"/>
-              </a:ext>
-            </a:extLst>
-          </p:cNvPr>
-          <p:cNvSpPr txBox="1"/>
-          <p:nvPr/>
-        </p:nvSpPr>
-        <p:spPr>
-          <a:xfrm>
-            <a:off x="1977738" y="4615143"/>
-            <a:ext cx="3874360" cy="1821775"/>
-          </a:xfrm>
-          <a:prstGeom prst="roundRect">
-            <a:avLst/>
-          </a:prstGeom>
-          <a:noFill/>
-          <a:ln w="19050">
-            <a:solidFill>
-              <a:srgbClr val="92D050"/>
-            </a:solidFill>
-            <a:prstDash val="sysDash"/>
-          </a:ln>
-        </p:spPr>
-        <p:txBody>
-          <a:bodyPr wrap="square">
-            <a:spAutoFit/>
-          </a:bodyPr>
-          <a:lstStyle/>
-          <a:p>
-            <a:pPr marL="171450" indent="-171450" algn="just">
-              <a:spcBef>
-                <a:spcPts val="300"/>
-              </a:spcBef>
-              <a:buFont typeface="Arial" panose="020B0604020202020204" pitchFamily="34" charset="0"/>
-              <a:buChar char="•"/>
-            </a:pPr>
-            <a:r>
-              <a:rPr lang="es-ES" sz="1200" dirty="0"/>
-              <a:t>Incentivar los préstamos para coches, etc. entre los que tienen mayor saldo con intereses menores.</a:t>
-            </a:r>
-          </a:p>
-          <a:p>
-            <a:pPr marL="171450" indent="-171450" algn="just">
-              <a:spcBef>
-                <a:spcPts val="300"/>
-              </a:spcBef>
-              <a:buFont typeface="Arial" panose="020B0604020202020204" pitchFamily="34" charset="0"/>
-              <a:buChar char="•"/>
-            </a:pPr>
-            <a:r>
-              <a:rPr lang="es-ES" sz="1200" b="0" dirty="0"/>
-              <a:t>Mejorar las condiciones puntualmente en caso de necesidad para que no caigan en impago: Bajar las cuotas por un tiempo o alargar el periodo de pago.</a:t>
-            </a:r>
-            <a:endParaRPr lang="es-ES" sz="1200" dirty="0"/>
-          </a:p>
-          <a:p>
-            <a:pPr marL="171450" indent="-171450" algn="just">
-              <a:spcBef>
-                <a:spcPts val="300"/>
-              </a:spcBef>
-              <a:buFont typeface="Arial" panose="020B0604020202020204" pitchFamily="34" charset="0"/>
-              <a:buChar char="•"/>
-            </a:pPr>
-            <a:r>
-              <a:rPr lang="es-ES" sz="1200" dirty="0"/>
-              <a:t>Revisar las condiciones de acceso a los préstamos:  Revisar el histórico de saldo del cliente y darle más o menos préstamo en función de eso.</a:t>
-            </a:r>
-          </a:p>
-        </p:txBody>
-      </p:sp>
-      <p:sp>
-        <p:nvSpPr>
-          <p:cNvPr id="31" name="Rectángulo: esquinas redondeadas 30">
-            <a:extLst>
-              <a:ext uri="{FF2B5EF4-FFF2-40B4-BE49-F238E27FC236}">
-                <a16:creationId xmlns:a16="http://schemas.microsoft.com/office/drawing/2014/main" id="{D6B14624-1CAA-6254-8320-9749CAB8ED3F}"/>
-              </a:ext>
-            </a:extLst>
-          </p:cNvPr>
-          <p:cNvSpPr/>
-          <p:nvPr/>
-        </p:nvSpPr>
-        <p:spPr>
-          <a:xfrm>
-            <a:off x="6178044" y="1104371"/>
-            <a:ext cx="5508000" cy="5324706"/>
-          </a:xfrm>
-          <a:prstGeom prst="roundRect">
-            <a:avLst>
-              <a:gd name="adj" fmla="val 7845"/>
-            </a:avLst>
-          </a:prstGeom>
           <a:solidFill>
-            <a:schemeClr val="bg1"/>
+            <a:schemeClr val="accent1"/>
           </a:solidFill>
           <a:ln>
             <a:noFill/>
@@ -15502,188 +14238,20 @@
           <a:bodyPr rtlCol="0" anchor="ctr"/>
           <a:lstStyle/>
           <a:p>
-            <a:pPr algn="ctr"/>
+            <a:pPr algn="ctr" rtl="0"/>
             <a:endParaRPr lang="es-ES"/>
           </a:p>
         </p:txBody>
       </p:sp>
       <p:sp>
         <p:nvSpPr>
-          <p:cNvPr id="36" name="CuadroTexto 35">
-            <a:extLst>
-              <a:ext uri="{FF2B5EF4-FFF2-40B4-BE49-F238E27FC236}">
-                <a16:creationId xmlns:a16="http://schemas.microsoft.com/office/drawing/2014/main" id="{12B785AF-6D8C-51D9-4FE5-2410EE4A9C56}"/>
-              </a:ext>
-            </a:extLst>
-          </p:cNvPr>
-          <p:cNvSpPr txBox="1"/>
-          <p:nvPr/>
-        </p:nvSpPr>
-        <p:spPr>
-          <a:xfrm>
-            <a:off x="7696039" y="2662833"/>
-            <a:ext cx="3873600" cy="1532334"/>
-          </a:xfrm>
-          <a:prstGeom prst="roundRect">
-            <a:avLst/>
-          </a:prstGeom>
-          <a:noFill/>
-          <a:ln w="19050">
-            <a:solidFill>
-              <a:srgbClr val="FF8181"/>
-            </a:solidFill>
-            <a:prstDash val="sysDash"/>
-          </a:ln>
-        </p:spPr>
-        <p:txBody>
-          <a:bodyPr wrap="square">
-            <a:spAutoFit/>
-          </a:bodyPr>
-          <a:lstStyle>
-            <a:defPPr rtl="0">
-              <a:defRPr lang="es-es"/>
-            </a:defPPr>
-            <a:lvl1pPr algn="just">
-              <a:spcBef>
-                <a:spcPts val="300"/>
-              </a:spcBef>
-              <a:defRPr sz="1200" b="1"/>
-            </a:lvl1pPr>
-          </a:lstStyle>
-          <a:p>
-            <a:pPr marL="171450" indent="-171450">
-              <a:spcBef>
-                <a:spcPts val="0"/>
-              </a:spcBef>
-              <a:buFont typeface="Arial" panose="020B0604020202020204" pitchFamily="34" charset="0"/>
-              <a:buChar char="•"/>
-            </a:pPr>
-            <a:r>
-              <a:rPr lang="es-ES" b="0" dirty="0"/>
-              <a:t>Los clientes con hipotecas destinan gran parte de sus ingresos a éstas y, por ello, su saldo es menor y tienen mayor peligro de incumplimiento.</a:t>
-            </a:r>
-          </a:p>
-          <a:p>
-            <a:pPr>
-              <a:spcBef>
-                <a:spcPts val="0"/>
-              </a:spcBef>
-            </a:pPr>
-            <a:endParaRPr lang="es-ES" b="0" dirty="0"/>
-          </a:p>
-          <a:p>
-            <a:pPr marL="171450" indent="-171450">
-              <a:spcBef>
-                <a:spcPts val="0"/>
-              </a:spcBef>
-              <a:buFont typeface="Arial" panose="020B0604020202020204" pitchFamily="34" charset="0"/>
-              <a:buChar char="•"/>
-            </a:pPr>
-            <a:r>
-              <a:rPr lang="es-ES" b="0" dirty="0"/>
-              <a:t>Los que también tienen préstamo es porque tienen más ingresos y mayor salud financiera. Sino no se les hubiera concedido préstamo + hipoteca.</a:t>
-            </a:r>
-          </a:p>
-        </p:txBody>
-      </p:sp>
-      <p:sp>
-        <p:nvSpPr>
-          <p:cNvPr id="38" name="CuadroTexto 37">
-            <a:extLst>
-              <a:ext uri="{FF2B5EF4-FFF2-40B4-BE49-F238E27FC236}">
-                <a16:creationId xmlns:a16="http://schemas.microsoft.com/office/drawing/2014/main" id="{69CA13D8-495C-9FBC-E443-F90156725376}"/>
-              </a:ext>
-            </a:extLst>
-          </p:cNvPr>
-          <p:cNvSpPr txBox="1"/>
-          <p:nvPr/>
-        </p:nvSpPr>
-        <p:spPr>
-          <a:xfrm>
-            <a:off x="7696039" y="4335996"/>
-            <a:ext cx="3873600" cy="1940957"/>
-          </a:xfrm>
-          <a:prstGeom prst="roundRect">
-            <a:avLst/>
-          </a:prstGeom>
-          <a:noFill/>
-          <a:ln w="19050">
-            <a:solidFill>
-              <a:srgbClr val="92D050"/>
-            </a:solidFill>
-            <a:prstDash val="sysDash"/>
-          </a:ln>
-        </p:spPr>
-        <p:txBody>
-          <a:bodyPr wrap="square">
-            <a:spAutoFit/>
-          </a:bodyPr>
-          <a:lstStyle>
-            <a:defPPr rtl="0">
-              <a:defRPr lang="es-es"/>
-            </a:defPPr>
-            <a:lvl1pPr algn="just">
-              <a:spcBef>
-                <a:spcPts val="300"/>
-              </a:spcBef>
-              <a:defRPr sz="1200" b="1"/>
-            </a:lvl1pPr>
-          </a:lstStyle>
-          <a:p>
-            <a:pPr marL="171450" indent="-171450">
-              <a:spcBef>
-                <a:spcPts val="0"/>
-              </a:spcBef>
-              <a:buFont typeface="Arial" panose="020B0604020202020204" pitchFamily="34" charset="0"/>
-              <a:buChar char="•"/>
-            </a:pPr>
-            <a:r>
-              <a:rPr lang="es-ES" b="0" dirty="0"/>
-              <a:t>Ajustar las condiciones de las hipotecas a los ingresos reales de los clientes.</a:t>
-            </a:r>
-          </a:p>
-          <a:p>
-            <a:pPr marL="171450" indent="-171450">
-              <a:spcBef>
-                <a:spcPts val="0"/>
-              </a:spcBef>
-              <a:buFont typeface="Arial" panose="020B0604020202020204" pitchFamily="34" charset="0"/>
-              <a:buChar char="•"/>
-            </a:pPr>
-            <a:r>
-              <a:rPr lang="es-ES" b="0" dirty="0"/>
-              <a:t>Poder suavizar las condiciones puntualmente en caso de necesidad para que no caigan en impago: Bajar las cuotas por </a:t>
-            </a:r>
-            <a:r>
-              <a:rPr lang="es-ES" b="0"/>
-              <a:t>un tiempo </a:t>
-            </a:r>
-            <a:r>
-              <a:rPr lang="es-ES" b="0" dirty="0"/>
-              <a:t>o alargar el periodo de pago.</a:t>
-            </a:r>
-          </a:p>
-          <a:p>
-            <a:pPr marL="171450" indent="-171450">
-              <a:spcBef>
-                <a:spcPts val="0"/>
-              </a:spcBef>
-              <a:buFont typeface="Arial" panose="020B0604020202020204" pitchFamily="34" charset="0"/>
-              <a:buChar char="•"/>
-            </a:pPr>
-            <a:r>
-              <a:rPr lang="es-ES" b="0" dirty="0"/>
-              <a:t>Para aquellos con hipotecas, ofrecer líneas de crédito adicionales respaldadas por la propiedad que puedan ser utilizadas para la consolidación de deudas o la realización de mejoras en su situación financiera.</a:t>
-            </a:r>
-          </a:p>
-        </p:txBody>
-      </p:sp>
-      <p:sp>
-        <p:nvSpPr>
-          <p:cNvPr id="41" name="Elipse 40">
-            <a:extLst>
-              <a:ext uri="{FF2B5EF4-FFF2-40B4-BE49-F238E27FC236}">
-                <a16:creationId xmlns:a16="http://schemas.microsoft.com/office/drawing/2014/main" id="{726B6686-6E30-955D-B112-5001E3992DB0}"/>
+          <p:cNvPr id="18" name="Hexágono 17">
+            <a:extLst>
+              <a:ext uri="{FF2B5EF4-FFF2-40B4-BE49-F238E27FC236}">
+                <a16:creationId xmlns:a16="http://schemas.microsoft.com/office/drawing/2014/main" id="{B185CD2A-E082-D884-4D39-49A4C37046A2}"/>
+              </a:ext>
+              <a:ext uri="{C183D7F6-B498-43B3-948B-1728B52AA6E4}">
+                <adec:decorative xmlns:adec="http://schemas.microsoft.com/office/drawing/2017/decorative" val="1"/>
               </a:ext>
             </a:extLst>
           </p:cNvPr>
@@ -15692,19 +14260,17 @@
         </p:nvSpPr>
         <p:spPr>
           <a:xfrm>
-            <a:off x="6373870" y="2843134"/>
-            <a:ext cx="1173600" cy="1171731"/>
-          </a:xfrm>
-          <a:prstGeom prst="ellipse">
+            <a:off x="8021783" y="671564"/>
+            <a:ext cx="392774" cy="338599"/>
+          </a:xfrm>
+          <a:prstGeom prst="hexagon">
             <a:avLst/>
           </a:prstGeom>
           <a:solidFill>
-            <a:srgbClr val="FFB7B7"/>
+            <a:schemeClr val="bg2"/>
           </a:solidFill>
           <a:ln>
-            <a:solidFill>
-              <a:srgbClr val="FF8181"/>
-            </a:solidFill>
+            <a:noFill/>
           </a:ln>
         </p:spPr>
         <p:style>
@@ -15727,32 +14293,20 @@
           <a:bodyPr rtlCol="0" anchor="ctr"/>
           <a:lstStyle/>
           <a:p>
-            <a:pPr algn="ctr"/>
-            <a:r>
-              <a:rPr lang="es-ES" sz="1400" dirty="0">
-                <a:solidFill>
-                  <a:schemeClr val="tx1"/>
-                </a:solidFill>
-              </a:rPr>
-              <a:t>Posibles </a:t>
-            </a:r>
-            <a:r>
-              <a:rPr lang="es-ES" sz="1400" b="1" dirty="0">
-                <a:solidFill>
-                  <a:schemeClr val="tx1"/>
-                </a:solidFill>
-              </a:rPr>
-              <a:t>CAUSAS</a:t>
-            </a:r>
-          </a:p>
-        </p:txBody>
-      </p:sp>
-      <p:sp>
-        <p:nvSpPr>
-          <p:cNvPr id="42" name="Elipse 41">
-            <a:extLst>
-              <a:ext uri="{FF2B5EF4-FFF2-40B4-BE49-F238E27FC236}">
-                <a16:creationId xmlns:a16="http://schemas.microsoft.com/office/drawing/2014/main" id="{AEF366BB-8534-D16B-88EC-C0A8213619CC}"/>
+            <a:pPr algn="ctr" rtl="0"/>
+            <a:endParaRPr lang="es-ES"/>
+          </a:p>
+        </p:txBody>
+      </p:sp>
+      <p:sp>
+        <p:nvSpPr>
+          <p:cNvPr id="2" name="Hexágono 1">
+            <a:extLst>
+              <a:ext uri="{FF2B5EF4-FFF2-40B4-BE49-F238E27FC236}">
+                <a16:creationId xmlns:a16="http://schemas.microsoft.com/office/drawing/2014/main" id="{0E86CC62-03FB-901F-2CF9-338DFBD20986}"/>
+              </a:ext>
+              <a:ext uri="{C183D7F6-B498-43B3-948B-1728B52AA6E4}">
+                <adec:decorative xmlns:adec="http://schemas.microsoft.com/office/drawing/2017/decorative" val="1"/>
               </a:ext>
             </a:extLst>
           </p:cNvPr>
@@ -15761,19 +14315,17 @@
         </p:nvSpPr>
         <p:spPr>
           <a:xfrm>
-            <a:off x="6371770" y="4735858"/>
-            <a:ext cx="1173600" cy="1171731"/>
-          </a:xfrm>
-          <a:prstGeom prst="ellipse">
+            <a:off x="2035398" y="3344350"/>
+            <a:ext cx="196388" cy="169300"/>
+          </a:xfrm>
+          <a:prstGeom prst="hexagon">
             <a:avLst/>
           </a:prstGeom>
           <a:solidFill>
-            <a:srgbClr val="D2ECB6"/>
+            <a:schemeClr val="accent4"/>
           </a:solidFill>
           <a:ln>
-            <a:solidFill>
-              <a:srgbClr val="92D050"/>
-            </a:solidFill>
+            <a:noFill/>
           </a:ln>
         </p:spPr>
         <p:style>
@@ -15796,401 +14348,57 @@
           <a:bodyPr rtlCol="0" anchor="ctr"/>
           <a:lstStyle/>
           <a:p>
-            <a:pPr algn="ctr"/>
-            <a:r>
-              <a:rPr lang="es-ES" sz="1400" b="1" dirty="0">
+            <a:pPr algn="ctr" rtl="0"/>
+            <a:endParaRPr lang="es-ES"/>
+          </a:p>
+        </p:txBody>
+      </p:sp>
+      <p:sp>
+        <p:nvSpPr>
+          <p:cNvPr id="5" name="Título 6">
+            <a:extLst>
+              <a:ext uri="{FF2B5EF4-FFF2-40B4-BE49-F238E27FC236}">
+                <a16:creationId xmlns:a16="http://schemas.microsoft.com/office/drawing/2014/main" id="{CBB28900-0BB1-AA00-1977-8D9EF3376E65}"/>
+              </a:ext>
+            </a:extLst>
+          </p:cNvPr>
+          <p:cNvSpPr>
+            <a:spLocks noGrp="1"/>
+          </p:cNvSpPr>
+          <p:nvPr>
+            <p:ph type="title"/>
+          </p:nvPr>
+        </p:nvSpPr>
+        <p:spPr>
+          <a:xfrm>
+            <a:off x="3825528" y="1705316"/>
+            <a:ext cx="4540944" cy="1627235"/>
+          </a:xfrm>
+          <a:noFill/>
+        </p:spPr>
+        <p:txBody>
+          <a:bodyPr rtlCol="0"/>
+          <a:lstStyle/>
+          <a:p>
+            <a:pPr algn="ctr" rtl="0"/>
+            <a:r>
+              <a:rPr lang="es-ES" sz="5400" b="1" dirty="0">
                 <a:solidFill>
-                  <a:schemeClr val="tx1"/>
+                  <a:schemeClr val="accent5">
+                    <a:lumMod val="90000"/>
+                    <a:lumOff val="10000"/>
+                  </a:schemeClr>
                 </a:solidFill>
+                <a:effectLst>
+                  <a:outerShdw blurRad="38100" dist="38100" dir="2700000" algn="tl">
+                    <a:srgbClr val="000000">
+                      <a:alpha val="43137"/>
+                    </a:srgbClr>
+                  </a:outerShdw>
+                </a:effectLst>
+                <a:latin typeface="+mj-lt"/>
               </a:rPr>
-              <a:t>RECO-MENDA-CIONES</a:t>
-            </a:r>
-          </a:p>
-        </p:txBody>
-      </p:sp>
-      <p:sp>
-        <p:nvSpPr>
-          <p:cNvPr id="43" name="Elipse 42">
-            <a:extLst>
-              <a:ext uri="{FF2B5EF4-FFF2-40B4-BE49-F238E27FC236}">
-                <a16:creationId xmlns:a16="http://schemas.microsoft.com/office/drawing/2014/main" id="{4DA4281C-F29A-6A7D-C796-6AFA6C3869FF}"/>
-              </a:ext>
-            </a:extLst>
-          </p:cNvPr>
-          <p:cNvSpPr/>
-          <p:nvPr/>
-        </p:nvSpPr>
-        <p:spPr>
-          <a:xfrm>
-            <a:off x="622361" y="4735856"/>
-            <a:ext cx="1173600" cy="1171731"/>
-          </a:xfrm>
-          <a:prstGeom prst="ellipse">
-            <a:avLst/>
-          </a:prstGeom>
-          <a:solidFill>
-            <a:srgbClr val="D2ECB6"/>
-          </a:solidFill>
-          <a:ln>
-            <a:solidFill>
-              <a:srgbClr val="92D050"/>
-            </a:solidFill>
-          </a:ln>
-        </p:spPr>
-        <p:style>
-          <a:lnRef idx="2">
-            <a:schemeClr val="accent1">
-              <a:shade val="50000"/>
-            </a:schemeClr>
-          </a:lnRef>
-          <a:fillRef idx="1">
-            <a:schemeClr val="accent1"/>
-          </a:fillRef>
-          <a:effectRef idx="0">
-            <a:schemeClr val="accent1"/>
-          </a:effectRef>
-          <a:fontRef idx="minor">
-            <a:schemeClr val="lt1"/>
-          </a:fontRef>
-        </p:style>
-        <p:txBody>
-          <a:bodyPr rtlCol="0" anchor="ctr"/>
-          <a:lstStyle/>
-          <a:p>
-            <a:pPr algn="ctr"/>
-            <a:r>
-              <a:rPr lang="es-ES" sz="1400" b="1" dirty="0">
-                <a:solidFill>
-                  <a:schemeClr val="tx1"/>
-                </a:solidFill>
-              </a:rPr>
-              <a:t>RECO-MENDA-CIONES</a:t>
-            </a:r>
-          </a:p>
-        </p:txBody>
-      </p:sp>
-      <p:sp>
-        <p:nvSpPr>
-          <p:cNvPr id="44" name="Elipse 43">
-            <a:extLst>
-              <a:ext uri="{FF2B5EF4-FFF2-40B4-BE49-F238E27FC236}">
-                <a16:creationId xmlns:a16="http://schemas.microsoft.com/office/drawing/2014/main" id="{B3D7F275-3643-5356-F0BB-4663C892B949}"/>
-              </a:ext>
-            </a:extLst>
-          </p:cNvPr>
-          <p:cNvSpPr/>
-          <p:nvPr/>
-        </p:nvSpPr>
-        <p:spPr>
-          <a:xfrm>
-            <a:off x="618011" y="2954006"/>
-            <a:ext cx="1173600" cy="1171731"/>
-          </a:xfrm>
-          <a:prstGeom prst="ellipse">
-            <a:avLst/>
-          </a:prstGeom>
-          <a:solidFill>
-            <a:srgbClr val="FFB7B7"/>
-          </a:solidFill>
-          <a:ln>
-            <a:solidFill>
-              <a:srgbClr val="FF8181"/>
-            </a:solidFill>
-          </a:ln>
-        </p:spPr>
-        <p:style>
-          <a:lnRef idx="2">
-            <a:schemeClr val="accent1">
-              <a:shade val="50000"/>
-            </a:schemeClr>
-          </a:lnRef>
-          <a:fillRef idx="1">
-            <a:schemeClr val="accent1"/>
-          </a:fillRef>
-          <a:effectRef idx="0">
-            <a:schemeClr val="accent1"/>
-          </a:effectRef>
-          <a:fontRef idx="minor">
-            <a:schemeClr val="lt1"/>
-          </a:fontRef>
-        </p:style>
-        <p:txBody>
-          <a:bodyPr rtlCol="0" anchor="ctr"/>
-          <a:lstStyle/>
-          <a:p>
-            <a:pPr algn="ctr"/>
-            <a:r>
-              <a:rPr lang="es-ES" sz="1400" dirty="0">
-                <a:solidFill>
-                  <a:schemeClr val="tx1"/>
-                </a:solidFill>
-              </a:rPr>
-              <a:t>Posibles </a:t>
-            </a:r>
-            <a:r>
-              <a:rPr lang="es-ES" sz="1400" b="1" dirty="0">
-                <a:solidFill>
-                  <a:schemeClr val="tx1"/>
-                </a:solidFill>
-              </a:rPr>
-              <a:t>CAUSAS</a:t>
-            </a:r>
-          </a:p>
-        </p:txBody>
-      </p:sp>
-      <p:sp>
-        <p:nvSpPr>
-          <p:cNvPr id="2" name="QuadreDeText 1">
-            <a:extLst>
-              <a:ext uri="{FF2B5EF4-FFF2-40B4-BE49-F238E27FC236}">
-                <a16:creationId xmlns:a16="http://schemas.microsoft.com/office/drawing/2014/main" id="{80D1F29C-338D-A3A0-399C-DA986318401D}"/>
-              </a:ext>
-            </a:extLst>
-          </p:cNvPr>
-          <p:cNvSpPr txBox="1"/>
-          <p:nvPr/>
-        </p:nvSpPr>
-        <p:spPr>
-          <a:xfrm>
-            <a:off x="1977738" y="1546180"/>
-            <a:ext cx="3874361" cy="617733"/>
-          </a:xfrm>
-          <a:prstGeom prst="rect">
-            <a:avLst/>
-          </a:prstGeom>
-          <a:noFill/>
-        </p:spPr>
-        <p:txBody>
-          <a:bodyPr wrap="square">
-            <a:spAutoFit/>
-          </a:bodyPr>
-          <a:lstStyle>
-            <a:defPPr rtl="0">
-              <a:defRPr lang="es-es"/>
-            </a:defPPr>
-            <a:lvl1pPr>
-              <a:lnSpc>
-                <a:spcPct val="150000"/>
-              </a:lnSpc>
-              <a:defRPr/>
-            </a:lvl1pPr>
-          </a:lstStyle>
-          <a:p>
-            <a:r>
-              <a:rPr lang="es-ES" altLang="es-ES" sz="1200" b="1" dirty="0"/>
-              <a:t>Tienden a tener mucho menor saldo</a:t>
-            </a:r>
-          </a:p>
-          <a:p>
-            <a:r>
-              <a:rPr lang="es-ES" altLang="es-ES" sz="1200" b="1" dirty="0"/>
-              <a:t>Tienden a tener mucho más riesgo de incumplimiento</a:t>
-            </a:r>
-          </a:p>
-        </p:txBody>
-      </p:sp>
-      <p:sp>
-        <p:nvSpPr>
-          <p:cNvPr id="3" name="Elipse 2">
-            <a:extLst>
-              <a:ext uri="{FF2B5EF4-FFF2-40B4-BE49-F238E27FC236}">
-                <a16:creationId xmlns:a16="http://schemas.microsoft.com/office/drawing/2014/main" id="{2CAA5F33-D214-CC8B-A2D4-F415FAD0B231}"/>
-              </a:ext>
-            </a:extLst>
-          </p:cNvPr>
-          <p:cNvSpPr/>
-          <p:nvPr/>
-        </p:nvSpPr>
-        <p:spPr>
-          <a:xfrm>
-            <a:off x="618011" y="1296922"/>
-            <a:ext cx="1173600" cy="1120646"/>
-          </a:xfrm>
-          <a:prstGeom prst="ellipse">
-            <a:avLst/>
-          </a:prstGeom>
-          <a:solidFill>
-            <a:schemeClr val="accent5">
-              <a:lumMod val="25000"/>
-              <a:lumOff val="75000"/>
-            </a:schemeClr>
-          </a:solidFill>
-          <a:ln>
-            <a:solidFill>
-              <a:schemeClr val="accent5">
-                <a:lumMod val="50000"/>
-                <a:lumOff val="50000"/>
-              </a:schemeClr>
-            </a:solidFill>
-          </a:ln>
-        </p:spPr>
-        <p:style>
-          <a:lnRef idx="2">
-            <a:schemeClr val="accent1">
-              <a:shade val="50000"/>
-            </a:schemeClr>
-          </a:lnRef>
-          <a:fillRef idx="1">
-            <a:schemeClr val="accent1"/>
-          </a:fillRef>
-          <a:effectRef idx="0">
-            <a:schemeClr val="accent1"/>
-          </a:effectRef>
-          <a:fontRef idx="minor">
-            <a:schemeClr val="lt1"/>
-          </a:fontRef>
-        </p:style>
-        <p:txBody>
-          <a:bodyPr rtlCol="0" anchor="ctr"/>
-          <a:lstStyle/>
-          <a:p>
-            <a:pPr algn="ctr"/>
-            <a:r>
-              <a:rPr lang="es-ES" sz="1400" dirty="0">
-                <a:solidFill>
-                  <a:schemeClr val="tx1"/>
-                </a:solidFill>
-              </a:rPr>
-              <a:t>Clientes con</a:t>
-            </a:r>
-          </a:p>
-          <a:p>
-            <a:pPr algn="ctr"/>
-            <a:r>
-              <a:rPr lang="es-ES" sz="1400" b="1" dirty="0">
-                <a:solidFill>
-                  <a:schemeClr val="tx1"/>
-                </a:solidFill>
-              </a:rPr>
-              <a:t>PRÉSTA-MOS</a:t>
-            </a:r>
-          </a:p>
-        </p:txBody>
-      </p:sp>
-      <p:sp>
-        <p:nvSpPr>
-          <p:cNvPr id="7" name="Elipse 3">
-            <a:extLst>
-              <a:ext uri="{FF2B5EF4-FFF2-40B4-BE49-F238E27FC236}">
-                <a16:creationId xmlns:a16="http://schemas.microsoft.com/office/drawing/2014/main" id="{B2B7A681-6DC4-190D-D9BA-75D280946319}"/>
-              </a:ext>
-            </a:extLst>
-          </p:cNvPr>
-          <p:cNvSpPr/>
-          <p:nvPr/>
-        </p:nvSpPr>
-        <p:spPr>
-          <a:xfrm>
-            <a:off x="6352873" y="1270070"/>
-            <a:ext cx="1186198" cy="1171731"/>
-          </a:xfrm>
-          <a:prstGeom prst="ellipse">
-            <a:avLst/>
-          </a:prstGeom>
-          <a:solidFill>
-            <a:schemeClr val="accent5">
-              <a:lumMod val="25000"/>
-              <a:lumOff val="75000"/>
-            </a:schemeClr>
-          </a:solidFill>
-          <a:ln>
-            <a:solidFill>
-              <a:schemeClr val="accent5">
-                <a:lumMod val="50000"/>
-                <a:lumOff val="50000"/>
-              </a:schemeClr>
-            </a:solidFill>
-          </a:ln>
-        </p:spPr>
-        <p:style>
-          <a:lnRef idx="2">
-            <a:schemeClr val="accent1">
-              <a:shade val="50000"/>
-            </a:schemeClr>
-          </a:lnRef>
-          <a:fillRef idx="1">
-            <a:schemeClr val="accent1"/>
-          </a:fillRef>
-          <a:effectRef idx="0">
-            <a:schemeClr val="accent1"/>
-          </a:effectRef>
-          <a:fontRef idx="minor">
-            <a:schemeClr val="lt1"/>
-          </a:fontRef>
-        </p:style>
-        <p:txBody>
-          <a:bodyPr rtlCol="0" anchor="ctr"/>
-          <a:lstStyle/>
-          <a:p>
-            <a:pPr algn="ctr"/>
-            <a:r>
-              <a:rPr lang="es-ES" sz="1400" dirty="0">
-                <a:solidFill>
-                  <a:schemeClr val="tx1"/>
-                </a:solidFill>
-              </a:rPr>
-              <a:t>Clientes con</a:t>
-            </a:r>
-          </a:p>
-          <a:p>
-            <a:pPr algn="ctr"/>
-            <a:r>
-              <a:rPr lang="es-ES" sz="1400" b="1" dirty="0">
-                <a:solidFill>
-                  <a:schemeClr val="tx1"/>
-                </a:solidFill>
-              </a:rPr>
-              <a:t>HIPOTE-CAS</a:t>
-            </a:r>
-          </a:p>
-        </p:txBody>
-      </p:sp>
-      <p:sp>
-        <p:nvSpPr>
-          <p:cNvPr id="8" name="CuadroTexto 6">
-            <a:extLst>
-              <a:ext uri="{FF2B5EF4-FFF2-40B4-BE49-F238E27FC236}">
-                <a16:creationId xmlns:a16="http://schemas.microsoft.com/office/drawing/2014/main" id="{153DFE94-1372-87D5-0DA0-DA5787B5D984}"/>
-              </a:ext>
-            </a:extLst>
-          </p:cNvPr>
-          <p:cNvSpPr txBox="1"/>
-          <p:nvPr/>
-        </p:nvSpPr>
-        <p:spPr>
-          <a:xfrm>
-            <a:off x="7713900" y="1347214"/>
-            <a:ext cx="3873600" cy="1015663"/>
-          </a:xfrm>
-          <a:prstGeom prst="rect">
-            <a:avLst/>
-          </a:prstGeom>
-          <a:noFill/>
-        </p:spPr>
-        <p:txBody>
-          <a:bodyPr wrap="square">
-            <a:spAutoFit/>
-          </a:bodyPr>
-          <a:lstStyle/>
-          <a:p>
-            <a:pPr algn="just"/>
-            <a:r>
-              <a:rPr lang="es-ES" altLang="es-ES" sz="1200" b="1" dirty="0"/>
-              <a:t>Tienden a tener un saldo un poco menor</a:t>
-            </a:r>
-          </a:p>
-          <a:p>
-            <a:pPr algn="just"/>
-            <a:r>
-              <a:rPr lang="es-ES" altLang="es-ES" sz="1200" b="1" dirty="0"/>
-              <a:t>Tienden a tener un poco más de riesgo que los que no tienen préstamo</a:t>
-            </a:r>
-          </a:p>
-          <a:p>
-            <a:pPr algn="just"/>
-            <a:r>
-              <a:rPr lang="es-ES" altLang="es-ES" sz="1200" b="1" dirty="0"/>
-              <a:t>Tienden a tener menor riesgo en los que tienen también préstamo</a:t>
+              <a:t>¡MUCHAS GRACIAS!</a:t>
             </a:r>
           </a:p>
         </p:txBody>
@@ -16198,7 +14406,7 @@
     </p:spTree>
     <p:extLst>
       <p:ext uri="{BB962C8B-B14F-4D97-AF65-F5344CB8AC3E}">
-        <p14:creationId xmlns:p14="http://schemas.microsoft.com/office/powerpoint/2010/main" val="3460482030"/>
+        <p14:creationId xmlns:p14="http://schemas.microsoft.com/office/powerpoint/2010/main" val="2673088943"/>
       </p:ext>
     </p:extLst>
   </p:cSld>
@@ -17030,15 +15238,6 @@
 </file>
 
 <file path=customXml/item1.xml><?xml version="1.0" encoding="utf-8"?>
-<p:properties xmlns:p="http://schemas.microsoft.com/office/2006/metadata/properties" xmlns:xsi="http://www.w3.org/2001/XMLSchema-instance" xmlns:pc="http://schemas.microsoft.com/office/infopath/2007/PartnerControls">
-  <documentManagement>
-    <Status xmlns="71af3243-3dd4-4a8d-8c0d-dd76da1f02a5">Not started</Status>
-    <MediaServiceKeyPoints xmlns="71af3243-3dd4-4a8d-8c0d-dd76da1f02a5" xsi:nil="true"/>
-  </documentManagement>
-</p:properties>
-</file>
-
-<file path=customXml/item2.xml><?xml version="1.0" encoding="utf-8"?>
 <ct:contentTypeSchema xmlns:ct="http://schemas.microsoft.com/office/2006/metadata/contentType" xmlns:ma="http://schemas.microsoft.com/office/2006/metadata/properties/metaAttributes" ct:_="" ma:_="" ma:contentTypeName="Document" ma:contentTypeID="0x01010079F111ED35F8CC479449609E8A0923A6" ma:contentTypeVersion="12" ma:contentTypeDescription="Create a new document." ma:contentTypeScope="" ma:versionID="426e97fa315356fffbdcd9876fe988c2">
   <xsd:schema xmlns:xsd="http://www.w3.org/2001/XMLSchema" xmlns:xs="http://www.w3.org/2001/XMLSchema" xmlns:p="http://schemas.microsoft.com/office/2006/metadata/properties" xmlns:ns2="71af3243-3dd4-4a8d-8c0d-dd76da1f02a5" xmlns:ns3="16c05727-aa75-4e4a-9b5f-8a80a1165891" targetNamespace="http://schemas.microsoft.com/office/2006/metadata/properties" ma:root="true" ma:fieldsID="14b8f0def80e6d70ce3def20c90759ae" ns2:_="" ns3:_="">
     <xsd:import namespace="71af3243-3dd4-4a8d-8c0d-dd76da1f02a5"/>
@@ -17259,6 +15458,15 @@
 </ct:contentTypeSchema>
 </file>
 
+<file path=customXml/item2.xml><?xml version="1.0" encoding="utf-8"?>
+<p:properties xmlns:p="http://schemas.microsoft.com/office/2006/metadata/properties" xmlns:xsi="http://www.w3.org/2001/XMLSchema-instance" xmlns:pc="http://schemas.microsoft.com/office/infopath/2007/PartnerControls">
+  <documentManagement>
+    <Status xmlns="71af3243-3dd4-4a8d-8c0d-dd76da1f02a5">Not started</Status>
+    <MediaServiceKeyPoints xmlns="71af3243-3dd4-4a8d-8c0d-dd76da1f02a5" xsi:nil="true"/>
+  </documentManagement>
+</p:properties>
+</file>
+
 <file path=customXml/item3.xml><?xml version="1.0" encoding="utf-8"?>
 <?mso-contentType ?>
 <FormTemplates xmlns="http://schemas.microsoft.com/sharepoint/v3/contenttype/forms">
@@ -17269,16 +15477,6 @@
 </file>
 
 <file path=customXml/itemProps1.xml><?xml version="1.0" encoding="utf-8"?>
-<ds:datastoreItem xmlns:ds="http://schemas.openxmlformats.org/officeDocument/2006/customXml" ds:itemID="{4DEA9014-ED64-4558-B1E1-D03F0EE32BEB}">
-  <ds:schemaRefs>
-    <ds:schemaRef ds:uri="http://schemas.microsoft.com/office/2006/metadata/properties"/>
-    <ds:schemaRef ds:uri="http://schemas.microsoft.com/office/infopath/2007/PartnerControls"/>
-    <ds:schemaRef ds:uri="71af3243-3dd4-4a8d-8c0d-dd76da1f02a5"/>
-  </ds:schemaRefs>
-</ds:datastoreItem>
-</file>
-
-<file path=customXml/itemProps2.xml><?xml version="1.0" encoding="utf-8"?>
 <ds:datastoreItem xmlns:ds="http://schemas.openxmlformats.org/officeDocument/2006/customXml" ds:itemID="{B19EB750-A6DA-4BE8-B87B-FC499FE73360}">
   <ds:schemaRefs>
     <ds:schemaRef ds:uri="http://schemas.microsoft.com/office/2006/metadata/contentType"/>
@@ -17297,6 +15495,16 @@
 </ds:datastoreItem>
 </file>
 
+<file path=customXml/itemProps2.xml><?xml version="1.0" encoding="utf-8"?>
+<ds:datastoreItem xmlns:ds="http://schemas.openxmlformats.org/officeDocument/2006/customXml" ds:itemID="{4DEA9014-ED64-4558-B1E1-D03F0EE32BEB}">
+  <ds:schemaRefs>
+    <ds:schemaRef ds:uri="http://schemas.microsoft.com/office/2006/metadata/properties"/>
+    <ds:schemaRef ds:uri="http://schemas.microsoft.com/office/infopath/2007/PartnerControls"/>
+    <ds:schemaRef ds:uri="71af3243-3dd4-4a8d-8c0d-dd76da1f02a5"/>
+  </ds:schemaRefs>
+</ds:datastoreItem>
+</file>
+
 <file path=customXml/itemProps3.xml><?xml version="1.0" encoding="utf-8"?>
 <ds:datastoreItem xmlns:ds="http://schemas.openxmlformats.org/officeDocument/2006/customXml" ds:itemID="{05D99ABA-76CE-4A8E-B5F0-C051B96628DE}">
   <ds:schemaRefs>

--- a/Equip_B/results/S3_Presentacion_Finanzas.pptx
+++ b/Equip_B/results/S3_Presentacion_Finanzas.pptx
@@ -5,21 +5,22 @@
     <p:sldMasterId id="2147483648" r:id="rId4"/>
   </p:sldMasterIdLst>
   <p:notesMasterIdLst>
-    <p:notesMasterId r:id="rId14"/>
+    <p:notesMasterId r:id="rId15"/>
   </p:notesMasterIdLst>
   <p:handoutMasterIdLst>
-    <p:handoutMasterId r:id="rId15"/>
+    <p:handoutMasterId r:id="rId16"/>
   </p:handoutMasterIdLst>
   <p:sldIdLst>
     <p:sldId id="324" r:id="rId5"/>
     <p:sldId id="328" r:id="rId6"/>
     <p:sldId id="330" r:id="rId7"/>
     <p:sldId id="329" r:id="rId8"/>
-    <p:sldId id="338" r:id="rId9"/>
-    <p:sldId id="336" r:id="rId10"/>
-    <p:sldId id="332" r:id="rId11"/>
-    <p:sldId id="333" r:id="rId12"/>
-    <p:sldId id="335" r:id="rId13"/>
+    <p:sldId id="339" r:id="rId9"/>
+    <p:sldId id="338" r:id="rId10"/>
+    <p:sldId id="336" r:id="rId11"/>
+    <p:sldId id="332" r:id="rId12"/>
+    <p:sldId id="340" r:id="rId13"/>
+    <p:sldId id="335" r:id="rId14"/>
   </p:sldIdLst>
   <p:sldSz cx="12192000" cy="6858000"/>
   <p:notesSz cx="6858000" cy="9144000"/>
@@ -993,6 +994,115 @@
         <p:cNvPr id="1" name="">
           <a:extLst>
             <a:ext uri="{FF2B5EF4-FFF2-40B4-BE49-F238E27FC236}">
+              <a16:creationId xmlns:a16="http://schemas.microsoft.com/office/drawing/2014/main" id="{EFB62B09-6EAD-0128-BC40-B15CC2F94DE5}"/>
+            </a:ext>
+          </a:extLst>
+        </p:cNvPr>
+        <p:cNvGrpSpPr/>
+        <p:nvPr/>
+      </p:nvGrpSpPr>
+      <p:grpSpPr>
+        <a:xfrm>
+          <a:off x="0" y="0"/>
+          <a:ext cx="0" cy="0"/>
+          <a:chOff x="0" y="0"/>
+          <a:chExt cx="0" cy="0"/>
+        </a:xfrm>
+      </p:grpSpPr>
+      <p:sp>
+        <p:nvSpPr>
+          <p:cNvPr id="2" name="Marcador de imagen de diapositiva 1">
+            <a:extLst>
+              <a:ext uri="{FF2B5EF4-FFF2-40B4-BE49-F238E27FC236}">
+                <a16:creationId xmlns:a16="http://schemas.microsoft.com/office/drawing/2014/main" id="{FC43D383-88D5-5B71-6BE9-05BEBB4E029D}"/>
+              </a:ext>
+            </a:extLst>
+          </p:cNvPr>
+          <p:cNvSpPr>
+            <a:spLocks noGrp="1" noRot="1" noChangeAspect="1"/>
+          </p:cNvSpPr>
+          <p:nvPr>
+            <p:ph type="sldImg"/>
+          </p:nvPr>
+        </p:nvSpPr>
+        <p:spPr/>
+      </p:sp>
+      <p:sp>
+        <p:nvSpPr>
+          <p:cNvPr id="3" name="Marcador de notas 2">
+            <a:extLst>
+              <a:ext uri="{FF2B5EF4-FFF2-40B4-BE49-F238E27FC236}">
+                <a16:creationId xmlns:a16="http://schemas.microsoft.com/office/drawing/2014/main" id="{B8660A48-7F55-2E76-8659-BDA0027E79F1}"/>
+              </a:ext>
+            </a:extLst>
+          </p:cNvPr>
+          <p:cNvSpPr>
+            <a:spLocks noGrp="1"/>
+          </p:cNvSpPr>
+          <p:nvPr>
+            <p:ph type="body" idx="1"/>
+          </p:nvPr>
+        </p:nvSpPr>
+        <p:spPr/>
+        <p:txBody>
+          <a:bodyPr/>
+          <a:lstStyle/>
+          <a:p>
+            <a:endParaRPr lang="es-ES" dirty="0"/>
+          </a:p>
+        </p:txBody>
+      </p:sp>
+      <p:sp>
+        <p:nvSpPr>
+          <p:cNvPr id="4" name="Marcador de número de diapositiva 3">
+            <a:extLst>
+              <a:ext uri="{FF2B5EF4-FFF2-40B4-BE49-F238E27FC236}">
+                <a16:creationId xmlns:a16="http://schemas.microsoft.com/office/drawing/2014/main" id="{276093CA-8BFF-F79F-75A7-512E1107940E}"/>
+              </a:ext>
+            </a:extLst>
+          </p:cNvPr>
+          <p:cNvSpPr>
+            <a:spLocks noGrp="1"/>
+          </p:cNvSpPr>
+          <p:nvPr>
+            <p:ph type="sldNum" sz="quarter" idx="5"/>
+          </p:nvPr>
+        </p:nvSpPr>
+        <p:spPr/>
+        <p:txBody>
+          <a:bodyPr/>
+          <a:lstStyle/>
+          <a:p>
+            <a:pPr rtl="0"/>
+            <a:fld id="{8530193B-564F-4854-8A52-728F3FB19C85}" type="slidenum">
+              <a:rPr lang="es-ES" noProof="0" smtClean="0"/>
+              <a:t>5</a:t>
+            </a:fld>
+            <a:endParaRPr lang="es-ES" noProof="0"/>
+          </a:p>
+        </p:txBody>
+      </p:sp>
+    </p:spTree>
+    <p:extLst>
+      <p:ext uri="{BB962C8B-B14F-4D97-AF65-F5344CB8AC3E}">
+        <p14:creationId xmlns:p14="http://schemas.microsoft.com/office/powerpoint/2010/main" val="1404789451"/>
+      </p:ext>
+    </p:extLst>
+  </p:cSld>
+  <p:clrMapOvr>
+    <a:masterClrMapping/>
+  </p:clrMapOvr>
+</p:notes>
+</file>
+
+<file path=ppt/notesSlides/notesSlide5.xml><?xml version="1.0" encoding="utf-8"?>
+<p:notes xmlns:a="http://schemas.openxmlformats.org/drawingml/2006/main" xmlns:r="http://schemas.openxmlformats.org/officeDocument/2006/relationships" xmlns:p="http://schemas.openxmlformats.org/presentationml/2006/main">
+  <p:cSld>
+    <p:spTree>
+      <p:nvGrpSpPr>
+        <p:cNvPr id="1" name="">
+          <a:extLst>
+            <a:ext uri="{FF2B5EF4-FFF2-40B4-BE49-F238E27FC236}">
               <a16:creationId xmlns:a16="http://schemas.microsoft.com/office/drawing/2014/main" id="{341305B4-C231-D39A-202B-17A25AB96942}"/>
             </a:ext>
           </a:extLst>
@@ -1075,7 +1185,7 @@
             <a:pPr rtl="0"/>
             <a:fld id="{8530193B-564F-4854-8A52-728F3FB19C85}" type="slidenum">
               <a:rPr lang="es-ES" noProof="0" smtClean="0"/>
-              <a:t>5</a:t>
+              <a:t>6</a:t>
             </a:fld>
             <a:endParaRPr lang="es-ES" noProof="0"/>
           </a:p>
@@ -1094,7 +1204,7 @@
 </p:notes>
 </file>
 
-<file path=ppt/notesSlides/notesSlide5.xml><?xml version="1.0" encoding="utf-8"?>
+<file path=ppt/notesSlides/notesSlide6.xml><?xml version="1.0" encoding="utf-8"?>
 <p:notes xmlns:a="http://schemas.openxmlformats.org/drawingml/2006/main" xmlns:r="http://schemas.openxmlformats.org/officeDocument/2006/relationships" xmlns:p="http://schemas.openxmlformats.org/presentationml/2006/main">
   <p:cSld>
     <p:spTree>
@@ -1184,7 +1294,7 @@
             <a:pPr rtl="0"/>
             <a:fld id="{8530193B-564F-4854-8A52-728F3FB19C85}" type="slidenum">
               <a:rPr lang="es-ES" noProof="0" smtClean="0"/>
-              <a:t>7</a:t>
+              <a:t>8</a:t>
             </a:fld>
             <a:endParaRPr lang="es-ES" noProof="0"/>
           </a:p>
@@ -1203,7 +1313,7 @@
 </p:notes>
 </file>
 
-<file path=ppt/notesSlides/notesSlide6.xml><?xml version="1.0" encoding="utf-8"?>
+<file path=ppt/notesSlides/notesSlide7.xml><?xml version="1.0" encoding="utf-8"?>
 <p:notes xmlns:a="http://schemas.openxmlformats.org/drawingml/2006/main" xmlns:r="http://schemas.openxmlformats.org/officeDocument/2006/relationships" xmlns:p="http://schemas.openxmlformats.org/presentationml/2006/main">
   <p:cSld>
     <p:spTree>
@@ -1211,7 +1321,7 @@
         <p:cNvPr id="1" name="">
           <a:extLst>
             <a:ext uri="{FF2B5EF4-FFF2-40B4-BE49-F238E27FC236}">
-              <a16:creationId xmlns:a16="http://schemas.microsoft.com/office/drawing/2014/main" id="{246A2E04-9098-256E-0AEF-45FD09FAF858}"/>
+              <a16:creationId xmlns:a16="http://schemas.microsoft.com/office/drawing/2014/main" id="{53F87F8E-208E-B79A-014B-B7B8F09DDBBA}"/>
             </a:ext>
           </a:extLst>
         </p:cNvPr>
@@ -1231,7 +1341,7 @@
           <p:cNvPr id="2" name="Marcador de imagen de diapositiva 1">
             <a:extLst>
               <a:ext uri="{FF2B5EF4-FFF2-40B4-BE49-F238E27FC236}">
-                <a16:creationId xmlns:a16="http://schemas.microsoft.com/office/drawing/2014/main" id="{75803E53-BAE5-92A8-23C3-9060C5D6D10B}"/>
+                <a16:creationId xmlns:a16="http://schemas.microsoft.com/office/drawing/2014/main" id="{6F77DD6B-0550-874E-9F64-666E12A41D62}"/>
               </a:ext>
             </a:extLst>
           </p:cNvPr>
@@ -1249,7 +1359,7 @@
           <p:cNvPr id="3" name="Marcador de notas 2">
             <a:extLst>
               <a:ext uri="{FF2B5EF4-FFF2-40B4-BE49-F238E27FC236}">
-                <a16:creationId xmlns:a16="http://schemas.microsoft.com/office/drawing/2014/main" id="{B09468F9-3F2C-E6B1-EFE6-C2AC2BF0C1B1}"/>
+                <a16:creationId xmlns:a16="http://schemas.microsoft.com/office/drawing/2014/main" id="{A4D78EB2-20FF-CBB2-23B0-8B40155EB8BC}"/>
               </a:ext>
             </a:extLst>
           </p:cNvPr>
@@ -1274,7 +1384,7 @@
           <p:cNvPr id="4" name="Marcador de número de diapositiva 3">
             <a:extLst>
               <a:ext uri="{FF2B5EF4-FFF2-40B4-BE49-F238E27FC236}">
-                <a16:creationId xmlns:a16="http://schemas.microsoft.com/office/drawing/2014/main" id="{061FBE25-B251-38E9-FDEE-80F929DCD046}"/>
+                <a16:creationId xmlns:a16="http://schemas.microsoft.com/office/drawing/2014/main" id="{912D5C78-601C-6EAF-81C1-106788E0DC41}"/>
               </a:ext>
             </a:extLst>
           </p:cNvPr>
@@ -1293,7 +1403,7 @@
             <a:pPr rtl="0"/>
             <a:fld id="{8530193B-564F-4854-8A52-728F3FB19C85}" type="slidenum">
               <a:rPr lang="es-ES" noProof="0" smtClean="0"/>
-              <a:t>8</a:t>
+              <a:t>9</a:t>
             </a:fld>
             <a:endParaRPr lang="es-ES" noProof="0"/>
           </a:p>
@@ -1302,7 +1412,7 @@
     </p:spTree>
     <p:extLst>
       <p:ext uri="{BB962C8B-B14F-4D97-AF65-F5344CB8AC3E}">
-        <p14:creationId xmlns:p14="http://schemas.microsoft.com/office/powerpoint/2010/main" val="3486366538"/>
+        <p14:creationId xmlns:p14="http://schemas.microsoft.com/office/powerpoint/2010/main" val="425112095"/>
       </p:ext>
     </p:extLst>
   </p:cSld>
@@ -1312,7 +1422,7 @@
 </p:notes>
 </file>
 
-<file path=ppt/notesSlides/notesSlide7.xml><?xml version="1.0" encoding="utf-8"?>
+<file path=ppt/notesSlides/notesSlide8.xml><?xml version="1.0" encoding="utf-8"?>
 <p:notes xmlns:a="http://schemas.openxmlformats.org/drawingml/2006/main" xmlns:r="http://schemas.openxmlformats.org/officeDocument/2006/relationships" xmlns:p="http://schemas.openxmlformats.org/presentationml/2006/main">
   <p:cSld>
     <p:spTree>
@@ -1403,7 +1513,7 @@
             <a:pPr rtl="0"/>
             <a:fld id="{8530193B-564F-4854-8A52-728F3FB19C85}" type="slidenum">
               <a:rPr lang="es-ES" smtClean="0"/>
-              <a:t>9</a:t>
+              <a:t>10</a:t>
             </a:fld>
             <a:endParaRPr lang="es-ES"/>
           </a:p>
@@ -9261,6 +9371,579 @@
 </p:sld>
 </file>
 
+<file path=ppt/slides/slide10.xml><?xml version="1.0" encoding="utf-8"?>
+<p:sld xmlns:a="http://schemas.openxmlformats.org/drawingml/2006/main" xmlns:r="http://schemas.openxmlformats.org/officeDocument/2006/relationships" xmlns:p="http://schemas.openxmlformats.org/presentationml/2006/main">
+  <p:cSld>
+    <p:bg>
+      <p:bgPr>
+        <a:blipFill dpi="0" rotWithShape="1">
+          <a:blip r:embed="rId3">
+            <a:alphaModFix amt="55000"/>
+            <a:lum/>
+          </a:blip>
+          <a:srcRect/>
+          <a:stretch>
+            <a:fillRect l="-1000" r="-1000"/>
+          </a:stretch>
+        </a:blipFill>
+        <a:effectLst/>
+      </p:bgPr>
+    </p:bg>
+    <p:spTree>
+      <p:nvGrpSpPr>
+        <p:cNvPr id="1" name="">
+          <a:extLst>
+            <a:ext uri="{FF2B5EF4-FFF2-40B4-BE49-F238E27FC236}">
+              <a16:creationId xmlns:a16="http://schemas.microsoft.com/office/drawing/2014/main" id="{6328BC4E-7759-9905-955A-26B25D46A5DA}"/>
+            </a:ext>
+          </a:extLst>
+        </p:cNvPr>
+        <p:cNvGrpSpPr/>
+        <p:nvPr/>
+      </p:nvGrpSpPr>
+      <p:grpSpPr>
+        <a:xfrm>
+          <a:off x="0" y="0"/>
+          <a:ext cx="0" cy="0"/>
+          <a:chOff x="0" y="0"/>
+          <a:chExt cx="0" cy="0"/>
+        </a:xfrm>
+      </p:grpSpPr>
+      <p:sp>
+        <p:nvSpPr>
+          <p:cNvPr id="4" name="Elipse 3">
+            <a:extLst>
+              <a:ext uri="{FF2B5EF4-FFF2-40B4-BE49-F238E27FC236}">
+                <a16:creationId xmlns:a16="http://schemas.microsoft.com/office/drawing/2014/main" id="{E3B3E10B-BE40-7FB4-64E3-01D4B99CC32F}"/>
+              </a:ext>
+              <a:ext uri="{C183D7F6-B498-43B3-948B-1728B52AA6E4}">
+                <adec:decorative xmlns:adec="http://schemas.microsoft.com/office/drawing/2017/decorative" val="1"/>
+              </a:ext>
+            </a:extLst>
+          </p:cNvPr>
+          <p:cNvSpPr/>
+          <p:nvPr/>
+        </p:nvSpPr>
+        <p:spPr>
+          <a:xfrm>
+            <a:off x="3338400" y="671564"/>
+            <a:ext cx="5515200" cy="5514872"/>
+          </a:xfrm>
+          <a:prstGeom prst="ellipse">
+            <a:avLst/>
+          </a:prstGeom>
+          <a:solidFill>
+            <a:schemeClr val="bg1">
+              <a:alpha val="87000"/>
+            </a:schemeClr>
+          </a:solidFill>
+          <a:ln w="63500">
+            <a:solidFill>
+              <a:schemeClr val="bg1">
+                <a:alpha val="95000"/>
+              </a:schemeClr>
+            </a:solidFill>
+          </a:ln>
+        </p:spPr>
+        <p:style>
+          <a:lnRef idx="2">
+            <a:schemeClr val="accent1">
+              <a:shade val="50000"/>
+            </a:schemeClr>
+          </a:lnRef>
+          <a:fillRef idx="1">
+            <a:schemeClr val="accent1"/>
+          </a:fillRef>
+          <a:effectRef idx="0">
+            <a:schemeClr val="accent1"/>
+          </a:effectRef>
+          <a:fontRef idx="minor">
+            <a:schemeClr val="lt1"/>
+          </a:fontRef>
+        </p:style>
+        <p:txBody>
+          <a:bodyPr rtlCol="0" anchor="ctr"/>
+          <a:lstStyle/>
+          <a:p>
+            <a:pPr algn="ctr" rtl="0"/>
+            <a:endParaRPr lang="es-ES" dirty="0"/>
+          </a:p>
+        </p:txBody>
+      </p:sp>
+      <p:sp>
+        <p:nvSpPr>
+          <p:cNvPr id="11" name="Marcador de texto 10">
+            <a:extLst>
+              <a:ext uri="{FF2B5EF4-FFF2-40B4-BE49-F238E27FC236}">
+                <a16:creationId xmlns:a16="http://schemas.microsoft.com/office/drawing/2014/main" id="{46718A37-9DF7-2026-66B5-3556F420B5AB}"/>
+              </a:ext>
+            </a:extLst>
+          </p:cNvPr>
+          <p:cNvSpPr>
+            <a:spLocks noGrp="1"/>
+          </p:cNvSpPr>
+          <p:nvPr>
+            <p:ph type="body" sz="quarter" idx="11"/>
+          </p:nvPr>
+        </p:nvSpPr>
+        <p:spPr>
+          <a:xfrm>
+            <a:off x="4503545" y="3433864"/>
+            <a:ext cx="3184910" cy="2411431"/>
+          </a:xfrm>
+        </p:spPr>
+        <p:txBody>
+          <a:bodyPr rtlCol="0"/>
+          <a:lstStyle/>
+          <a:p>
+            <a:pPr algn="ctr" rtl="0"/>
+            <a:r>
+              <a:rPr lang="es-ES" sz="2800" b="1" dirty="0">
+                <a:solidFill>
+                  <a:schemeClr val="accent4">
+                    <a:lumMod val="75000"/>
+                  </a:schemeClr>
+                </a:solidFill>
+                <a:latin typeface="Calibri" panose="020F0502020204030204" pitchFamily="34" charset="0"/>
+                <a:cs typeface="Calibri" panose="020F0502020204030204" pitchFamily="34" charset="0"/>
+              </a:rPr>
+              <a:t>Equipo B</a:t>
+            </a:r>
+          </a:p>
+          <a:p>
+            <a:pPr algn="ctr" rtl="0"/>
+            <a:r>
+              <a:rPr lang="es-ES" sz="1800" b="1" dirty="0">
+                <a:solidFill>
+                  <a:schemeClr val="accent4">
+                    <a:lumMod val="50000"/>
+                  </a:schemeClr>
+                </a:solidFill>
+              </a:rPr>
+              <a:t>Gorka </a:t>
+            </a:r>
+            <a:r>
+              <a:rPr lang="es-ES" sz="1800" b="1" dirty="0" err="1">
+                <a:solidFill>
+                  <a:schemeClr val="accent4">
+                    <a:lumMod val="50000"/>
+                  </a:schemeClr>
+                </a:solidFill>
+              </a:rPr>
+              <a:t>Bonals</a:t>
+            </a:r>
+            <a:r>
+              <a:rPr lang="es-ES" sz="1800" b="1" dirty="0">
+                <a:solidFill>
+                  <a:schemeClr val="accent4">
+                    <a:lumMod val="50000"/>
+                  </a:schemeClr>
+                </a:solidFill>
+              </a:rPr>
+              <a:t> Sastre</a:t>
+            </a:r>
+          </a:p>
+          <a:p>
+            <a:pPr algn="ctr" rtl="0"/>
+            <a:r>
+              <a:rPr lang="es-ES" sz="1800" b="1" dirty="0">
+                <a:solidFill>
+                  <a:schemeClr val="accent4">
+                    <a:lumMod val="50000"/>
+                  </a:schemeClr>
+                </a:solidFill>
+              </a:rPr>
+              <a:t>Pau Fernández Ripollès</a:t>
+            </a:r>
+          </a:p>
+          <a:p>
+            <a:pPr algn="ctr" rtl="0"/>
+            <a:r>
+              <a:rPr lang="es-ES" sz="1800" b="1" dirty="0">
+                <a:solidFill>
+                  <a:schemeClr val="accent4">
+                    <a:lumMod val="50000"/>
+                  </a:schemeClr>
+                </a:solidFill>
+              </a:rPr>
+              <a:t>German </a:t>
+            </a:r>
+            <a:r>
+              <a:rPr lang="es-ES" sz="1800" b="1" dirty="0" err="1">
+                <a:solidFill>
+                  <a:schemeClr val="accent4">
+                    <a:lumMod val="50000"/>
+                  </a:schemeClr>
+                </a:solidFill>
+              </a:rPr>
+              <a:t>Lizarraga</a:t>
+            </a:r>
+            <a:r>
+              <a:rPr lang="es-ES" sz="1800" b="1" dirty="0">
+                <a:solidFill>
+                  <a:schemeClr val="accent4">
+                    <a:lumMod val="50000"/>
+                  </a:schemeClr>
+                </a:solidFill>
+              </a:rPr>
+              <a:t> Pereira</a:t>
+            </a:r>
+          </a:p>
+          <a:p>
+            <a:pPr algn="ctr" rtl="0"/>
+            <a:r>
+              <a:rPr lang="es-ES" sz="1800" b="1" dirty="0">
+                <a:solidFill>
+                  <a:schemeClr val="accent4">
+                    <a:lumMod val="50000"/>
+                  </a:schemeClr>
+                </a:solidFill>
+              </a:rPr>
+              <a:t>Carla </a:t>
+            </a:r>
+            <a:r>
+              <a:rPr lang="es-ES" sz="1800" b="1" dirty="0" err="1">
+                <a:solidFill>
+                  <a:schemeClr val="accent4">
+                    <a:lumMod val="50000"/>
+                  </a:schemeClr>
+                </a:solidFill>
+              </a:rPr>
+              <a:t>Lupión</a:t>
+            </a:r>
+            <a:r>
+              <a:rPr lang="es-ES" sz="1800" b="1" dirty="0">
+                <a:solidFill>
+                  <a:schemeClr val="accent4">
+                    <a:lumMod val="50000"/>
+                  </a:schemeClr>
+                </a:solidFill>
+              </a:rPr>
+              <a:t> </a:t>
+            </a:r>
+            <a:r>
+              <a:rPr lang="es-ES" sz="1800" b="1" dirty="0" err="1">
+                <a:solidFill>
+                  <a:schemeClr val="accent4">
+                    <a:lumMod val="50000"/>
+                  </a:schemeClr>
+                </a:solidFill>
+              </a:rPr>
+              <a:t>Saez</a:t>
+            </a:r>
+            <a:endParaRPr lang="es-ES" sz="1800" b="1" dirty="0">
+              <a:solidFill>
+                <a:schemeClr val="accent4">
+                  <a:lumMod val="50000"/>
+                </a:schemeClr>
+              </a:solidFill>
+            </a:endParaRPr>
+          </a:p>
+          <a:p>
+            <a:pPr algn="ctr" rtl="0"/>
+            <a:r>
+              <a:rPr lang="es-ES" sz="1800" dirty="0">
+                <a:solidFill>
+                  <a:schemeClr val="accent4">
+                    <a:lumMod val="50000"/>
+                  </a:schemeClr>
+                </a:solidFill>
+              </a:rPr>
+              <a:t>Natalya Martyn</a:t>
+            </a:r>
+            <a:endParaRPr lang="es-ES" sz="1800" b="1" dirty="0">
+              <a:solidFill>
+                <a:schemeClr val="accent4">
+                  <a:lumMod val="50000"/>
+                </a:schemeClr>
+              </a:solidFill>
+            </a:endParaRPr>
+          </a:p>
+        </p:txBody>
+      </p:sp>
+      <p:sp>
+        <p:nvSpPr>
+          <p:cNvPr id="21" name="Hexágono 20">
+            <a:extLst>
+              <a:ext uri="{FF2B5EF4-FFF2-40B4-BE49-F238E27FC236}">
+                <a16:creationId xmlns:a16="http://schemas.microsoft.com/office/drawing/2014/main" id="{6F3DB436-FBEB-55AC-C5CC-9F7A17DC7191}"/>
+              </a:ext>
+              <a:ext uri="{C183D7F6-B498-43B3-948B-1728B52AA6E4}">
+                <adec:decorative xmlns:adec="http://schemas.microsoft.com/office/drawing/2017/decorative" val="1"/>
+              </a:ext>
+            </a:extLst>
+          </p:cNvPr>
+          <p:cNvSpPr/>
+          <p:nvPr/>
+        </p:nvSpPr>
+        <p:spPr>
+          <a:xfrm>
+            <a:off x="7974278" y="5753530"/>
+            <a:ext cx="651613" cy="561736"/>
+          </a:xfrm>
+          <a:prstGeom prst="hexagon">
+            <a:avLst/>
+          </a:prstGeom>
+          <a:solidFill>
+            <a:schemeClr val="accent2"/>
+          </a:solidFill>
+          <a:ln>
+            <a:noFill/>
+          </a:ln>
+        </p:spPr>
+        <p:style>
+          <a:lnRef idx="2">
+            <a:schemeClr val="accent1">
+              <a:shade val="50000"/>
+            </a:schemeClr>
+          </a:lnRef>
+          <a:fillRef idx="1">
+            <a:schemeClr val="accent1"/>
+          </a:fillRef>
+          <a:effectRef idx="0">
+            <a:schemeClr val="accent1"/>
+          </a:effectRef>
+          <a:fontRef idx="minor">
+            <a:schemeClr val="lt1"/>
+          </a:fontRef>
+        </p:style>
+        <p:txBody>
+          <a:bodyPr rtlCol="0" anchor="ctr"/>
+          <a:lstStyle/>
+          <a:p>
+            <a:pPr algn="ctr" rtl="0"/>
+            <a:endParaRPr lang="es-ES"/>
+          </a:p>
+        </p:txBody>
+      </p:sp>
+      <p:sp>
+        <p:nvSpPr>
+          <p:cNvPr id="16" name="Hexágono 15">
+            <a:extLst>
+              <a:ext uri="{FF2B5EF4-FFF2-40B4-BE49-F238E27FC236}">
+                <a16:creationId xmlns:a16="http://schemas.microsoft.com/office/drawing/2014/main" id="{17C8D1FA-2883-6EC6-566A-01779AB826C5}"/>
+              </a:ext>
+              <a:ext uri="{C183D7F6-B498-43B3-948B-1728B52AA6E4}">
+                <adec:decorative xmlns:adec="http://schemas.microsoft.com/office/drawing/2017/decorative" val="1"/>
+              </a:ext>
+            </a:extLst>
+          </p:cNvPr>
+          <p:cNvSpPr/>
+          <p:nvPr/>
+        </p:nvSpPr>
+        <p:spPr>
+          <a:xfrm>
+            <a:off x="2255521" y="2751804"/>
+            <a:ext cx="785546" cy="677196"/>
+          </a:xfrm>
+          <a:prstGeom prst="hexagon">
+            <a:avLst/>
+          </a:prstGeom>
+          <a:solidFill>
+            <a:schemeClr val="accent1"/>
+          </a:solidFill>
+          <a:ln>
+            <a:noFill/>
+          </a:ln>
+        </p:spPr>
+        <p:style>
+          <a:lnRef idx="2">
+            <a:schemeClr val="accent1">
+              <a:shade val="50000"/>
+            </a:schemeClr>
+          </a:lnRef>
+          <a:fillRef idx="1">
+            <a:schemeClr val="accent1"/>
+          </a:fillRef>
+          <a:effectRef idx="0">
+            <a:schemeClr val="accent1"/>
+          </a:effectRef>
+          <a:fontRef idx="minor">
+            <a:schemeClr val="lt1"/>
+          </a:fontRef>
+        </p:style>
+        <p:txBody>
+          <a:bodyPr rtlCol="0" anchor="ctr"/>
+          <a:lstStyle/>
+          <a:p>
+            <a:pPr algn="ctr" rtl="0"/>
+            <a:endParaRPr lang="es-ES"/>
+          </a:p>
+        </p:txBody>
+      </p:sp>
+      <p:sp>
+        <p:nvSpPr>
+          <p:cNvPr id="18" name="Hexágono 17">
+            <a:extLst>
+              <a:ext uri="{FF2B5EF4-FFF2-40B4-BE49-F238E27FC236}">
+                <a16:creationId xmlns:a16="http://schemas.microsoft.com/office/drawing/2014/main" id="{B185CD2A-E082-D884-4D39-49A4C37046A2}"/>
+              </a:ext>
+              <a:ext uri="{C183D7F6-B498-43B3-948B-1728B52AA6E4}">
+                <adec:decorative xmlns:adec="http://schemas.microsoft.com/office/drawing/2017/decorative" val="1"/>
+              </a:ext>
+            </a:extLst>
+          </p:cNvPr>
+          <p:cNvSpPr/>
+          <p:nvPr/>
+        </p:nvSpPr>
+        <p:spPr>
+          <a:xfrm>
+            <a:off x="8021783" y="671564"/>
+            <a:ext cx="392774" cy="338599"/>
+          </a:xfrm>
+          <a:prstGeom prst="hexagon">
+            <a:avLst/>
+          </a:prstGeom>
+          <a:solidFill>
+            <a:schemeClr val="bg2"/>
+          </a:solidFill>
+          <a:ln>
+            <a:noFill/>
+          </a:ln>
+        </p:spPr>
+        <p:style>
+          <a:lnRef idx="2">
+            <a:schemeClr val="accent1">
+              <a:shade val="50000"/>
+            </a:schemeClr>
+          </a:lnRef>
+          <a:fillRef idx="1">
+            <a:schemeClr val="accent1"/>
+          </a:fillRef>
+          <a:effectRef idx="0">
+            <a:schemeClr val="accent1"/>
+          </a:effectRef>
+          <a:fontRef idx="minor">
+            <a:schemeClr val="lt1"/>
+          </a:fontRef>
+        </p:style>
+        <p:txBody>
+          <a:bodyPr rtlCol="0" anchor="ctr"/>
+          <a:lstStyle/>
+          <a:p>
+            <a:pPr algn="ctr" rtl="0"/>
+            <a:endParaRPr lang="es-ES"/>
+          </a:p>
+        </p:txBody>
+      </p:sp>
+      <p:sp>
+        <p:nvSpPr>
+          <p:cNvPr id="2" name="Hexágono 1">
+            <a:extLst>
+              <a:ext uri="{FF2B5EF4-FFF2-40B4-BE49-F238E27FC236}">
+                <a16:creationId xmlns:a16="http://schemas.microsoft.com/office/drawing/2014/main" id="{0E86CC62-03FB-901F-2CF9-338DFBD20986}"/>
+              </a:ext>
+              <a:ext uri="{C183D7F6-B498-43B3-948B-1728B52AA6E4}">
+                <adec:decorative xmlns:adec="http://schemas.microsoft.com/office/drawing/2017/decorative" val="1"/>
+              </a:ext>
+            </a:extLst>
+          </p:cNvPr>
+          <p:cNvSpPr/>
+          <p:nvPr/>
+        </p:nvSpPr>
+        <p:spPr>
+          <a:xfrm>
+            <a:off x="2035398" y="3344350"/>
+            <a:ext cx="196388" cy="169300"/>
+          </a:xfrm>
+          <a:prstGeom prst="hexagon">
+            <a:avLst/>
+          </a:prstGeom>
+          <a:solidFill>
+            <a:schemeClr val="accent4"/>
+          </a:solidFill>
+          <a:ln>
+            <a:noFill/>
+          </a:ln>
+        </p:spPr>
+        <p:style>
+          <a:lnRef idx="2">
+            <a:schemeClr val="accent1">
+              <a:shade val="50000"/>
+            </a:schemeClr>
+          </a:lnRef>
+          <a:fillRef idx="1">
+            <a:schemeClr val="accent1"/>
+          </a:fillRef>
+          <a:effectRef idx="0">
+            <a:schemeClr val="accent1"/>
+          </a:effectRef>
+          <a:fontRef idx="minor">
+            <a:schemeClr val="lt1"/>
+          </a:fontRef>
+        </p:style>
+        <p:txBody>
+          <a:bodyPr rtlCol="0" anchor="ctr"/>
+          <a:lstStyle/>
+          <a:p>
+            <a:pPr algn="ctr" rtl="0"/>
+            <a:endParaRPr lang="es-ES"/>
+          </a:p>
+        </p:txBody>
+      </p:sp>
+      <p:sp>
+        <p:nvSpPr>
+          <p:cNvPr id="5" name="Título 6">
+            <a:extLst>
+              <a:ext uri="{FF2B5EF4-FFF2-40B4-BE49-F238E27FC236}">
+                <a16:creationId xmlns:a16="http://schemas.microsoft.com/office/drawing/2014/main" id="{CBB28900-0BB1-AA00-1977-8D9EF3376E65}"/>
+              </a:ext>
+            </a:extLst>
+          </p:cNvPr>
+          <p:cNvSpPr>
+            <a:spLocks noGrp="1"/>
+          </p:cNvSpPr>
+          <p:nvPr>
+            <p:ph type="title"/>
+          </p:nvPr>
+        </p:nvSpPr>
+        <p:spPr>
+          <a:xfrm>
+            <a:off x="3825528" y="1705316"/>
+            <a:ext cx="4540944" cy="1627235"/>
+          </a:xfrm>
+          <a:noFill/>
+        </p:spPr>
+        <p:txBody>
+          <a:bodyPr rtlCol="0"/>
+          <a:lstStyle/>
+          <a:p>
+            <a:pPr algn="ctr" rtl="0"/>
+            <a:r>
+              <a:rPr lang="es-ES" sz="5400" b="1" dirty="0">
+                <a:solidFill>
+                  <a:schemeClr val="accent5">
+                    <a:lumMod val="90000"/>
+                    <a:lumOff val="10000"/>
+                  </a:schemeClr>
+                </a:solidFill>
+                <a:effectLst>
+                  <a:outerShdw blurRad="38100" dist="38100" dir="2700000" algn="tl">
+                    <a:srgbClr val="000000">
+                      <a:alpha val="43137"/>
+                    </a:srgbClr>
+                  </a:outerShdw>
+                </a:effectLst>
+                <a:latin typeface="+mj-lt"/>
+              </a:rPr>
+              <a:t>¡MUCHAS GRACIAS!</a:t>
+            </a:r>
+          </a:p>
+        </p:txBody>
+      </p:sp>
+    </p:spTree>
+    <p:extLst>
+      <p:ext uri="{BB962C8B-B14F-4D97-AF65-F5344CB8AC3E}">
+        <p14:creationId xmlns:p14="http://schemas.microsoft.com/office/powerpoint/2010/main" val="2673088943"/>
+      </p:ext>
+    </p:extLst>
+  </p:cSld>
+  <p:clrMapOvr>
+    <a:masterClrMapping/>
+  </p:clrMapOvr>
+</p:sld>
+</file>
+
 <file path=ppt/slides/slide2.xml><?xml version="1.0" encoding="utf-8"?>
 <p:sld xmlns:a="http://schemas.openxmlformats.org/drawingml/2006/main" xmlns:r="http://schemas.openxmlformats.org/officeDocument/2006/relationships" xmlns:p="http://schemas.openxmlformats.org/presentationml/2006/main">
   <p:cSld>
@@ -10337,6 +11020,58 @@
       </p:sp>
       <p:sp>
         <p:nvSpPr>
+          <p:cNvPr id="9" name="Rectangle: cantonades arrodonides 40">
+            <a:extLst>
+              <a:ext uri="{FF2B5EF4-FFF2-40B4-BE49-F238E27FC236}">
+                <a16:creationId xmlns:a16="http://schemas.microsoft.com/office/drawing/2014/main" id="{0C920C04-3172-0F26-0B23-94FFCA56392C}"/>
+              </a:ext>
+            </a:extLst>
+          </p:cNvPr>
+          <p:cNvSpPr/>
+          <p:nvPr/>
+        </p:nvSpPr>
+        <p:spPr>
+          <a:xfrm>
+            <a:off x="327876" y="1145526"/>
+            <a:ext cx="4459587" cy="4442893"/>
+          </a:xfrm>
+          <a:prstGeom prst="roundRect">
+            <a:avLst/>
+          </a:prstGeom>
+          <a:solidFill>
+            <a:schemeClr val="bg1"/>
+          </a:solidFill>
+          <a:ln>
+            <a:noFill/>
+          </a:ln>
+        </p:spPr>
+        <p:style>
+          <a:lnRef idx="2">
+            <a:schemeClr val="accent1">
+              <a:shade val="50000"/>
+            </a:schemeClr>
+          </a:lnRef>
+          <a:fillRef idx="1">
+            <a:schemeClr val="accent1"/>
+          </a:fillRef>
+          <a:effectRef idx="0">
+            <a:schemeClr val="accent1"/>
+          </a:effectRef>
+          <a:fontRef idx="minor">
+            <a:schemeClr val="lt1"/>
+          </a:fontRef>
+        </p:style>
+        <p:txBody>
+          <a:bodyPr rtlCol="0" anchor="ctr"/>
+          <a:lstStyle/>
+          <a:p>
+            <a:pPr algn="ctr"/>
+            <a:endParaRPr lang="ca-ES" dirty="0"/>
+          </a:p>
+        </p:txBody>
+      </p:sp>
+      <p:sp>
+        <p:nvSpPr>
           <p:cNvPr id="8" name="QuadreDeText 3">
             <a:extLst>
               <a:ext uri="{FF2B5EF4-FFF2-40B4-BE49-F238E27FC236}">
@@ -10392,6 +11127,58 @@
           </a:p>
         </p:txBody>
       </p:sp>
+      <p:sp>
+        <p:nvSpPr>
+          <p:cNvPr id="11" name="Rectangle: cantonades arrodonides 40">
+            <a:extLst>
+              <a:ext uri="{FF2B5EF4-FFF2-40B4-BE49-F238E27FC236}">
+                <a16:creationId xmlns:a16="http://schemas.microsoft.com/office/drawing/2014/main" id="{433595E8-8679-2A52-768F-BB8EED492E6D}"/>
+              </a:ext>
+            </a:extLst>
+          </p:cNvPr>
+          <p:cNvSpPr/>
+          <p:nvPr/>
+        </p:nvSpPr>
+        <p:spPr>
+          <a:xfrm>
+            <a:off x="4895265" y="1145525"/>
+            <a:ext cx="6681969" cy="4442893"/>
+          </a:xfrm>
+          <a:prstGeom prst="roundRect">
+            <a:avLst/>
+          </a:prstGeom>
+          <a:solidFill>
+            <a:schemeClr val="bg1"/>
+          </a:solidFill>
+          <a:ln>
+            <a:noFill/>
+          </a:ln>
+        </p:spPr>
+        <p:style>
+          <a:lnRef idx="2">
+            <a:schemeClr val="accent1">
+              <a:shade val="50000"/>
+            </a:schemeClr>
+          </a:lnRef>
+          <a:fillRef idx="1">
+            <a:schemeClr val="accent1"/>
+          </a:fillRef>
+          <a:effectRef idx="0">
+            <a:schemeClr val="accent1"/>
+          </a:effectRef>
+          <a:fontRef idx="minor">
+            <a:schemeClr val="lt1"/>
+          </a:fontRef>
+        </p:style>
+        <p:txBody>
+          <a:bodyPr rtlCol="0" anchor="ctr"/>
+          <a:lstStyle/>
+          <a:p>
+            <a:pPr algn="ctr"/>
+            <a:endParaRPr lang="ca-ES" dirty="0"/>
+          </a:p>
+        </p:txBody>
+      </p:sp>
       <p:graphicFrame>
         <p:nvGraphicFramePr>
           <p:cNvPr id="2" name="Tabla 1">
@@ -10407,13 +11194,13 @@
           <p:nvPr>
             <p:extLst>
               <p:ext uri="{D42A27DB-BD31-4B8C-83A1-F6EECF244321}">
-                <p14:modId xmlns:p14="http://schemas.microsoft.com/office/powerpoint/2010/main" val="2479491379"/>
+                <p14:modId xmlns:p14="http://schemas.microsoft.com/office/powerpoint/2010/main" val="2607330171"/>
               </p:ext>
             </p:extLst>
           </p:nvPr>
         </p:nvGraphicFramePr>
         <p:xfrm>
-          <a:off x="1596302" y="1796619"/>
+          <a:off x="1093068" y="1461148"/>
           <a:ext cx="2929204" cy="3087276"/>
         </p:xfrm>
         <a:graphic>
@@ -10533,7 +11320,10 @@
                     <a:lstStyle/>
                     <a:p>
                       <a:pPr algn="ctr"/>
-                      <a:endParaRPr lang="es-ES" sz="1400" b="1" dirty="0"/>
+                      <a:r>
+                        <a:rPr lang="es-ES" sz="1400" b="1" dirty="0"/>
+                        <a:t>-6847</a:t>
+                      </a:r>
                     </a:p>
                   </a:txBody>
                   <a:tcPr anchor="ctr">
@@ -10548,7 +11338,7 @@
                       <a:pPr algn="ctr"/>
                       <a:r>
                         <a:rPr lang="es-ES" sz="1400" b="1" dirty="0"/>
-                        <a:t>7590</a:t>
+                        <a:t>11</a:t>
                       </a:r>
                     </a:p>
                   </a:txBody>
@@ -10590,7 +11380,10 @@
                     <a:lstStyle/>
                     <a:p>
                       <a:pPr algn="ctr"/>
-                      <a:endParaRPr lang="es-ES" sz="1400" b="1" dirty="0"/>
+                      <a:r>
+                        <a:rPr lang="es-ES" sz="1400" b="1" dirty="0"/>
+                        <a:t>-2049</a:t>
+                      </a:r>
                     </a:p>
                   </a:txBody>
                   <a:tcPr anchor="ctr">
@@ -10605,7 +11398,7 @@
                       <a:pPr algn="ctr"/>
                       <a:r>
                         <a:rPr lang="es-ES" sz="1400" b="1" dirty="0"/>
-                        <a:t>6427</a:t>
+                        <a:t>6506</a:t>
                       </a:r>
                     </a:p>
                   </a:txBody>
@@ -10634,7 +11427,7 @@
                   </a:txBody>
                   <a:tcPr anchor="ctr">
                     <a:solidFill>
-                      <a:srgbClr val="FFB7B7"/>
+                      <a:srgbClr val="C39BE1"/>
                     </a:solidFill>
                   </a:tcPr>
                 </a:tc>
@@ -10644,7 +11437,10 @@
                     <a:lstStyle/>
                     <a:p>
                       <a:pPr algn="ctr"/>
-                      <a:endParaRPr lang="es-ES" sz="1400" b="1" dirty="0"/>
+                      <a:r>
+                        <a:rPr lang="es-ES" sz="1400" b="1" dirty="0"/>
+                        <a:t>123</a:t>
+                      </a:r>
                     </a:p>
                   </a:txBody>
                   <a:tcPr anchor="ctr">
@@ -10659,7 +11455,7 @@
                       <a:pPr algn="ctr"/>
                       <a:r>
                         <a:rPr lang="es-ES" sz="1400" b="1" dirty="0"/>
-                        <a:t>1217</a:t>
+                        <a:t>6564</a:t>
                       </a:r>
                     </a:p>
                   </a:txBody>
@@ -10688,7 +11484,7 @@
                   </a:txBody>
                   <a:tcPr anchor="ctr">
                     <a:solidFill>
-                      <a:srgbClr val="CFAFE7"/>
+                      <a:srgbClr val="FFB7B7"/>
                     </a:solidFill>
                   </a:tcPr>
                 </a:tc>
@@ -10698,7 +11494,10 @@
                     <a:lstStyle/>
                     <a:p>
                       <a:pPr algn="ctr"/>
-                      <a:endParaRPr lang="es-ES" sz="1400" b="1" dirty="0"/>
+                      <a:r>
+                        <a:rPr lang="es-ES" sz="1400" b="1" dirty="0"/>
+                        <a:t>543</a:t>
+                      </a:r>
                     </a:p>
                   </a:txBody>
                   <a:tcPr anchor="ctr">
@@ -10713,7 +11512,7 @@
                       <a:pPr algn="ctr"/>
                       <a:r>
                         <a:rPr lang="es-ES" sz="1400" b="1" dirty="0"/>
-                        <a:t>929</a:t>
+                        <a:t>6535</a:t>
                       </a:r>
                     </a:p>
                   </a:txBody>
@@ -10742,7 +11541,10 @@
                   </a:txBody>
                   <a:tcPr anchor="ctr">
                     <a:solidFill>
-                      <a:srgbClr val="CFAFE7"/>
+                      <a:schemeClr val="accent4">
+                        <a:lumMod val="60000"/>
+                        <a:lumOff val="40000"/>
+                      </a:schemeClr>
                     </a:solidFill>
                   </a:tcPr>
                 </a:tc>
@@ -10752,7 +11554,10 @@
                     <a:lstStyle/>
                     <a:p>
                       <a:pPr algn="ctr"/>
-                      <a:endParaRPr lang="es-ES" sz="1400" b="1" dirty="0"/>
+                      <a:r>
+                        <a:rPr lang="es-ES" sz="1400" b="1" dirty="0"/>
+                        <a:t>1704</a:t>
+                      </a:r>
                     </a:p>
                   </a:txBody>
                   <a:tcPr anchor="ctr">
@@ -10765,7 +11570,10 @@
                     <a:lstStyle/>
                     <a:p>
                       <a:pPr algn="ctr"/>
-                      <a:endParaRPr lang="es-ES" sz="1400" b="1" dirty="0"/>
+                      <a:r>
+                        <a:rPr lang="es-ES" sz="1400" b="1" dirty="0"/>
+                        <a:t>4081</a:t>
+                      </a:r>
                     </a:p>
                   </a:txBody>
                   <a:tcPr anchor="ctr">
@@ -10793,7 +11601,7 @@
                   </a:txBody>
                   <a:tcPr anchor="ctr">
                     <a:solidFill>
-                      <a:srgbClr val="CFAFE7"/>
+                      <a:srgbClr val="FC593E"/>
                     </a:solidFill>
                   </a:tcPr>
                 </a:tc>
@@ -10803,7 +11611,10 @@
                     <a:lstStyle/>
                     <a:p>
                       <a:pPr algn="ctr"/>
-                      <a:endParaRPr lang="es-ES" sz="1400" b="1" dirty="0"/>
+                      <a:r>
+                        <a:rPr lang="es-ES" sz="1400" b="1" dirty="0"/>
+                        <a:t>4079</a:t>
+                      </a:r>
                     </a:p>
                   </a:txBody>
                   <a:tcPr anchor="ctr">
@@ -10816,7 +11627,10 @@
                     <a:lstStyle/>
                     <a:p>
                       <a:pPr algn="ctr"/>
-                      <a:endParaRPr lang="es-ES" sz="1400" b="1" dirty="0"/>
+                      <a:r>
+                        <a:rPr lang="es-ES" sz="1400" b="1" dirty="0"/>
+                        <a:t>2466</a:t>
+                      </a:r>
                     </a:p>
                   </a:txBody>
                   <a:tcPr anchor="ctr">
@@ -10847,8 +11661,8 @@
         </p:nvSpPr>
         <p:spPr>
           <a:xfrm>
-            <a:off x="1348141" y="5713422"/>
-            <a:ext cx="3439348" cy="323493"/>
+            <a:off x="982231" y="4843774"/>
+            <a:ext cx="3040041" cy="544830"/>
           </a:xfrm>
           <a:prstGeom prst="roundRect">
             <a:avLst/>
@@ -10873,11 +11687,11 @@
           <a:p>
             <a:r>
               <a:rPr lang="es-ES" sz="1300" b="1" dirty="0"/>
-              <a:t>La mayoría de los clientes</a:t>
+              <a:t>La gran mayoría de los clientes </a:t>
             </a:r>
             <a:r>
               <a:rPr lang="es-ES" sz="1300" dirty="0"/>
-              <a:t>, mientras</a:t>
+              <a:t>están en las 4 categorías centrales</a:t>
             </a:r>
           </a:p>
         </p:txBody>
@@ -10904,44 +11718,131 @@
         </p:blipFill>
         <p:spPr>
           <a:xfrm>
-            <a:off x="6260831" y="1174890"/>
-            <a:ext cx="5145922" cy="3576670"/>
+            <a:off x="5298853" y="1304664"/>
+            <a:ext cx="5910916" cy="4108379"/>
           </a:xfrm>
           <a:prstGeom prst="rect">
             <a:avLst/>
           </a:prstGeom>
         </p:spPr>
       </p:pic>
-      <p:pic>
-        <p:nvPicPr>
-          <p:cNvPr id="10" name="Imatge 9">
-            <a:extLst>
-              <a:ext uri="{FF2B5EF4-FFF2-40B4-BE49-F238E27FC236}">
-                <a16:creationId xmlns:a16="http://schemas.microsoft.com/office/drawing/2014/main" id="{193D7860-3CCA-1D3D-E48B-65FE453AE0C0}"/>
-              </a:ext>
-            </a:extLst>
-          </p:cNvPr>
-          <p:cNvPicPr>
-            <a:picLocks noChangeAspect="1"/>
-          </p:cNvPicPr>
+      <p:sp>
+        <p:nvSpPr>
+          <p:cNvPr id="4" name="QuadreDeText 16">
+            <a:extLst>
+              <a:ext uri="{FF2B5EF4-FFF2-40B4-BE49-F238E27FC236}">
+                <a16:creationId xmlns:a16="http://schemas.microsoft.com/office/drawing/2014/main" id="{78CFF43C-7438-F071-9EC8-223D9EB3AEC5}"/>
+              </a:ext>
+            </a:extLst>
+          </p:cNvPr>
+          <p:cNvSpPr txBox="1"/>
           <p:nvPr/>
-        </p:nvPicPr>
-        <p:blipFill>
-          <a:blip r:embed="rId4"/>
-          <a:stretch>
-            <a:fillRect/>
-          </a:stretch>
-        </p:blipFill>
-        <p:spPr>
-          <a:xfrm>
-            <a:off x="4957971" y="5074628"/>
-            <a:ext cx="5692767" cy="1473422"/>
-          </a:xfrm>
-          <a:prstGeom prst="rect">
-            <a:avLst/>
-          </a:prstGeom>
-        </p:spPr>
-      </p:pic>
+        </p:nvSpPr>
+        <p:spPr>
+          <a:xfrm>
+            <a:off x="7772453" y="2384263"/>
+            <a:ext cx="3040041" cy="987504"/>
+          </a:xfrm>
+          <a:prstGeom prst="roundRect">
+            <a:avLst/>
+          </a:prstGeom>
+          <a:solidFill>
+            <a:schemeClr val="accent5">
+              <a:lumMod val="25000"/>
+              <a:lumOff val="75000"/>
+            </a:schemeClr>
+          </a:solidFill>
+          <a:ln>
+            <a:solidFill>
+              <a:schemeClr val="bg1"/>
+            </a:solidFill>
+          </a:ln>
+        </p:spPr>
+        <p:txBody>
+          <a:bodyPr wrap="square">
+            <a:spAutoFit/>
+          </a:bodyPr>
+          <a:lstStyle/>
+          <a:p>
+            <a:r>
+              <a:rPr lang="es-ES" sz="1300" b="1" dirty="0"/>
+              <a:t>El cambio más importante </a:t>
+            </a:r>
+            <a:r>
+              <a:rPr lang="es-ES" sz="1300" dirty="0"/>
+              <a:t>en las tasas de morosidad se produce </a:t>
+            </a:r>
+            <a:r>
+              <a:rPr lang="es-ES" sz="1300" b="1" dirty="0"/>
+              <a:t>entre </a:t>
+            </a:r>
+            <a:r>
+              <a:rPr lang="es-ES" sz="1300" dirty="0"/>
+              <a:t>las categorías</a:t>
+            </a:r>
+          </a:p>
+          <a:p>
+            <a:r>
+              <a:rPr lang="es-ES" sz="1300" b="1" dirty="0"/>
+              <a:t>Medio – Bajo y Bajo</a:t>
+            </a:r>
+            <a:endParaRPr lang="es-ES" sz="1300" dirty="0"/>
+          </a:p>
+        </p:txBody>
+      </p:sp>
+      <p:sp>
+        <p:nvSpPr>
+          <p:cNvPr id="5" name="QuadreDeText 16">
+            <a:extLst>
+              <a:ext uri="{FF2B5EF4-FFF2-40B4-BE49-F238E27FC236}">
+                <a16:creationId xmlns:a16="http://schemas.microsoft.com/office/drawing/2014/main" id="{40D562CE-E038-C625-3BEB-6520FE6F056E}"/>
+              </a:ext>
+            </a:extLst>
+          </p:cNvPr>
+          <p:cNvSpPr txBox="1"/>
+          <p:nvPr/>
+        </p:nvSpPr>
+        <p:spPr>
+          <a:xfrm>
+            <a:off x="327876" y="5855969"/>
+            <a:ext cx="10187874" cy="544830"/>
+          </a:xfrm>
+          <a:prstGeom prst="roundRect">
+            <a:avLst/>
+          </a:prstGeom>
+          <a:solidFill>
+            <a:schemeClr val="accent5">
+              <a:lumMod val="25000"/>
+              <a:lumOff val="75000"/>
+            </a:schemeClr>
+          </a:solidFill>
+          <a:ln>
+            <a:solidFill>
+              <a:schemeClr val="bg1"/>
+            </a:solidFill>
+          </a:ln>
+        </p:spPr>
+        <p:txBody>
+          <a:bodyPr wrap="square">
+            <a:spAutoFit/>
+          </a:bodyPr>
+          <a:lstStyle/>
+          <a:p>
+            <a:r>
+              <a:rPr lang="es-ES" sz="1300" dirty="0"/>
+              <a:t>También observamos un pequeño número de valores muy extremos que dificultan el análisis por lo que decidimos continuar sin estos </a:t>
+            </a:r>
+            <a:r>
+              <a:rPr lang="es-ES" sz="1300" b="1" dirty="0" err="1"/>
+              <a:t>Outliers</a:t>
+            </a:r>
+            <a:r>
+              <a:rPr lang="es-ES" sz="1300" dirty="0"/>
+              <a:t> aplicando el método  IQR*1.5. Así podremos centrarnos en la parte de la muestra donde se producen los cambios de tendencia para buscar el umbral.</a:t>
+            </a:r>
+          </a:p>
+        </p:txBody>
+      </p:sp>
     </p:spTree>
     <p:extLst>
       <p:ext uri="{BB962C8B-B14F-4D97-AF65-F5344CB8AC3E}">
@@ -10956,6 +11857,414 @@
 </file>
 
 <file path=ppt/slides/slide5.xml><?xml version="1.0" encoding="utf-8"?>
+<p:sld xmlns:a="http://schemas.openxmlformats.org/drawingml/2006/main" xmlns:r="http://schemas.openxmlformats.org/officeDocument/2006/relationships" xmlns:p="http://schemas.openxmlformats.org/presentationml/2006/main">
+  <p:cSld>
+    <p:spTree>
+      <p:nvGrpSpPr>
+        <p:cNvPr id="1" name="">
+          <a:extLst>
+            <a:ext uri="{FF2B5EF4-FFF2-40B4-BE49-F238E27FC236}">
+              <a16:creationId xmlns:a16="http://schemas.microsoft.com/office/drawing/2014/main" id="{9872F3A1-9E51-B7A2-C132-20BA2A52CD68}"/>
+            </a:ext>
+          </a:extLst>
+        </p:cNvPr>
+        <p:cNvGrpSpPr/>
+        <p:nvPr/>
+      </p:nvGrpSpPr>
+      <p:grpSpPr>
+        <a:xfrm>
+          <a:off x="0" y="0"/>
+          <a:ext cx="0" cy="0"/>
+          <a:chOff x="0" y="0"/>
+          <a:chExt cx="0" cy="0"/>
+        </a:xfrm>
+      </p:grpSpPr>
+      <p:sp>
+        <p:nvSpPr>
+          <p:cNvPr id="16" name="Rectangle: cantonades arrodonides 40">
+            <a:extLst>
+              <a:ext uri="{FF2B5EF4-FFF2-40B4-BE49-F238E27FC236}">
+                <a16:creationId xmlns:a16="http://schemas.microsoft.com/office/drawing/2014/main" id="{39C2D3A8-206A-5391-63DB-1547F747B377}"/>
+              </a:ext>
+            </a:extLst>
+          </p:cNvPr>
+          <p:cNvSpPr/>
+          <p:nvPr/>
+        </p:nvSpPr>
+        <p:spPr>
+          <a:xfrm>
+            <a:off x="3874578" y="1210323"/>
+            <a:ext cx="8090116" cy="4378095"/>
+          </a:xfrm>
+          <a:prstGeom prst="roundRect">
+            <a:avLst/>
+          </a:prstGeom>
+          <a:solidFill>
+            <a:schemeClr val="bg1"/>
+          </a:solidFill>
+          <a:ln>
+            <a:noFill/>
+          </a:ln>
+        </p:spPr>
+        <p:style>
+          <a:lnRef idx="2">
+            <a:schemeClr val="accent1">
+              <a:shade val="50000"/>
+            </a:schemeClr>
+          </a:lnRef>
+          <a:fillRef idx="1">
+            <a:schemeClr val="accent1"/>
+          </a:fillRef>
+          <a:effectRef idx="0">
+            <a:schemeClr val="accent1"/>
+          </a:effectRef>
+          <a:fontRef idx="minor">
+            <a:schemeClr val="lt1"/>
+          </a:fontRef>
+        </p:style>
+        <p:txBody>
+          <a:bodyPr rtlCol="0" anchor="ctr"/>
+          <a:lstStyle/>
+          <a:p>
+            <a:pPr algn="ctr"/>
+            <a:endParaRPr lang="ca-ES" dirty="0"/>
+          </a:p>
+        </p:txBody>
+      </p:sp>
+      <p:pic>
+        <p:nvPicPr>
+          <p:cNvPr id="11" name="Imatge 10">
+            <a:extLst>
+              <a:ext uri="{FF2B5EF4-FFF2-40B4-BE49-F238E27FC236}">
+                <a16:creationId xmlns:a16="http://schemas.microsoft.com/office/drawing/2014/main" id="{98EDCC24-910B-2C77-F18B-D182E8D240FE}"/>
+              </a:ext>
+            </a:extLst>
+          </p:cNvPr>
+          <p:cNvPicPr>
+            <a:picLocks noChangeAspect="1"/>
+          </p:cNvPicPr>
+          <p:nvPr/>
+        </p:nvPicPr>
+        <p:blipFill>
+          <a:blip r:embed="rId3"/>
+          <a:stretch>
+            <a:fillRect/>
+          </a:stretch>
+        </p:blipFill>
+        <p:spPr>
+          <a:xfrm>
+            <a:off x="507896" y="1272315"/>
+            <a:ext cx="3040041" cy="4405128"/>
+          </a:xfrm>
+          <a:prstGeom prst="rect">
+            <a:avLst/>
+          </a:prstGeom>
+        </p:spPr>
+      </p:pic>
+      <p:sp>
+        <p:nvSpPr>
+          <p:cNvPr id="6" name="Rectángulo 5">
+            <a:extLst>
+              <a:ext uri="{FF2B5EF4-FFF2-40B4-BE49-F238E27FC236}">
+                <a16:creationId xmlns:a16="http://schemas.microsoft.com/office/drawing/2014/main" id="{66AE8527-3FFF-8D9E-4476-9380AB6A8548}"/>
+              </a:ext>
+            </a:extLst>
+          </p:cNvPr>
+          <p:cNvSpPr/>
+          <p:nvPr/>
+        </p:nvSpPr>
+        <p:spPr>
+          <a:xfrm>
+            <a:off x="0" y="6400800"/>
+            <a:ext cx="2557670" cy="457200"/>
+          </a:xfrm>
+          <a:prstGeom prst="rect">
+            <a:avLst/>
+          </a:prstGeom>
+          <a:solidFill>
+            <a:schemeClr val="bg1">
+              <a:lumMod val="95000"/>
+            </a:schemeClr>
+          </a:solidFill>
+          <a:ln>
+            <a:noFill/>
+          </a:ln>
+        </p:spPr>
+        <p:style>
+          <a:lnRef idx="2">
+            <a:schemeClr val="accent1">
+              <a:shade val="50000"/>
+            </a:schemeClr>
+          </a:lnRef>
+          <a:fillRef idx="1">
+            <a:schemeClr val="accent1"/>
+          </a:fillRef>
+          <a:effectRef idx="0">
+            <a:schemeClr val="accent1"/>
+          </a:effectRef>
+          <a:fontRef idx="minor">
+            <a:schemeClr val="lt1"/>
+          </a:fontRef>
+        </p:style>
+        <p:txBody>
+          <a:bodyPr rtlCol="0" anchor="ctr"/>
+          <a:lstStyle/>
+          <a:p>
+            <a:pPr algn="ctr"/>
+            <a:endParaRPr lang="es-ES"/>
+          </a:p>
+        </p:txBody>
+      </p:sp>
+      <p:sp>
+        <p:nvSpPr>
+          <p:cNvPr id="8" name="QuadreDeText 3">
+            <a:extLst>
+              <a:ext uri="{FF2B5EF4-FFF2-40B4-BE49-F238E27FC236}">
+                <a16:creationId xmlns:a16="http://schemas.microsoft.com/office/drawing/2014/main" id="{A5905747-CDA7-FB92-1BFF-E78824C5F97F}"/>
+              </a:ext>
+            </a:extLst>
+          </p:cNvPr>
+          <p:cNvSpPr txBox="1"/>
+          <p:nvPr/>
+        </p:nvSpPr>
+        <p:spPr>
+          <a:xfrm>
+            <a:off x="505958" y="250347"/>
+            <a:ext cx="11230211" cy="677108"/>
+          </a:xfrm>
+          <a:prstGeom prst="rect">
+            <a:avLst/>
+          </a:prstGeom>
+          <a:noFill/>
+        </p:spPr>
+        <p:txBody>
+          <a:bodyPr wrap="square">
+            <a:spAutoFit/>
+          </a:bodyPr>
+          <a:lstStyle/>
+          <a:p>
+            <a:r>
+              <a:rPr lang="es-ES" sz="2400" b="1" dirty="0">
+                <a:solidFill>
+                  <a:schemeClr val="accent3">
+                    <a:lumMod val="50000"/>
+                  </a:schemeClr>
+                </a:solidFill>
+                <a:latin typeface="+mj-lt"/>
+              </a:rPr>
+              <a:t>CATEGORIZACIÓN DE LAS VARIABLES</a:t>
+            </a:r>
+            <a:endParaRPr lang="es-ES" sz="2400" b="1" dirty="0">
+              <a:solidFill>
+                <a:schemeClr val="accent3">
+                  <a:lumMod val="50000"/>
+                </a:schemeClr>
+              </a:solidFill>
+              <a:effectLst/>
+              <a:latin typeface="+mj-lt"/>
+            </a:endParaRPr>
+          </a:p>
+          <a:p>
+            <a:r>
+              <a:rPr lang="es-ES" sz="1400" b="1" dirty="0"/>
+              <a:t>Hacemos categorías más pequeñas y nos centramos en el rango de Saldo donde ocurren los cambios más significativos</a:t>
+            </a:r>
+          </a:p>
+        </p:txBody>
+      </p:sp>
+      <p:pic>
+        <p:nvPicPr>
+          <p:cNvPr id="9" name="Imatge 8">
+            <a:extLst>
+              <a:ext uri="{FF2B5EF4-FFF2-40B4-BE49-F238E27FC236}">
+                <a16:creationId xmlns:a16="http://schemas.microsoft.com/office/drawing/2014/main" id="{A90B111C-2126-2975-B808-3DE131EB7347}"/>
+              </a:ext>
+            </a:extLst>
+          </p:cNvPr>
+          <p:cNvPicPr>
+            <a:picLocks noChangeAspect="1"/>
+          </p:cNvPicPr>
+          <p:nvPr/>
+        </p:nvPicPr>
+        <p:blipFill>
+          <a:blip r:embed="rId4"/>
+          <a:stretch>
+            <a:fillRect/>
+          </a:stretch>
+        </p:blipFill>
+        <p:spPr>
+          <a:xfrm>
+            <a:off x="4174630" y="1568305"/>
+            <a:ext cx="7499547" cy="3721390"/>
+          </a:xfrm>
+          <a:prstGeom prst="rect">
+            <a:avLst/>
+          </a:prstGeom>
+        </p:spPr>
+      </p:pic>
+      <p:sp>
+        <p:nvSpPr>
+          <p:cNvPr id="2" name="Oval 1">
+            <a:extLst>
+              <a:ext uri="{FF2B5EF4-FFF2-40B4-BE49-F238E27FC236}">
+                <a16:creationId xmlns:a16="http://schemas.microsoft.com/office/drawing/2014/main" id="{17831BEC-5E87-EBE2-9B6D-B66F42087410}"/>
+              </a:ext>
+            </a:extLst>
+          </p:cNvPr>
+          <p:cNvSpPr/>
+          <p:nvPr/>
+        </p:nvSpPr>
+        <p:spPr>
+          <a:xfrm>
+            <a:off x="2835016" y="2234315"/>
+            <a:ext cx="681925" cy="205353"/>
+          </a:xfrm>
+          <a:prstGeom prst="ellipse">
+            <a:avLst/>
+          </a:prstGeom>
+          <a:noFill/>
+          <a:ln>
+            <a:solidFill>
+              <a:srgbClr val="C00000"/>
+            </a:solidFill>
+          </a:ln>
+        </p:spPr>
+        <p:style>
+          <a:lnRef idx="2">
+            <a:schemeClr val="accent1">
+              <a:shade val="50000"/>
+            </a:schemeClr>
+          </a:lnRef>
+          <a:fillRef idx="1">
+            <a:schemeClr val="accent1"/>
+          </a:fillRef>
+          <a:effectRef idx="0">
+            <a:schemeClr val="accent1"/>
+          </a:effectRef>
+          <a:fontRef idx="minor">
+            <a:schemeClr val="lt1"/>
+          </a:fontRef>
+        </p:style>
+        <p:txBody>
+          <a:bodyPr rtlCol="0" anchor="ctr"/>
+          <a:lstStyle/>
+          <a:p>
+            <a:pPr algn="ctr"/>
+            <a:endParaRPr lang="ca-ES"/>
+          </a:p>
+        </p:txBody>
+      </p:sp>
+      <p:sp>
+        <p:nvSpPr>
+          <p:cNvPr id="5" name="Oval 4">
+            <a:extLst>
+              <a:ext uri="{FF2B5EF4-FFF2-40B4-BE49-F238E27FC236}">
+                <a16:creationId xmlns:a16="http://schemas.microsoft.com/office/drawing/2014/main" id="{BB0DD971-2837-8142-A5D8-37CB7EAFF36C}"/>
+              </a:ext>
+            </a:extLst>
+          </p:cNvPr>
+          <p:cNvSpPr/>
+          <p:nvPr/>
+        </p:nvSpPr>
+        <p:spPr>
+          <a:xfrm>
+            <a:off x="2835015" y="3750526"/>
+            <a:ext cx="681925" cy="205353"/>
+          </a:xfrm>
+          <a:prstGeom prst="ellipse">
+            <a:avLst/>
+          </a:prstGeom>
+          <a:noFill/>
+          <a:ln>
+            <a:solidFill>
+              <a:srgbClr val="C00000"/>
+            </a:solidFill>
+          </a:ln>
+        </p:spPr>
+        <p:style>
+          <a:lnRef idx="2">
+            <a:schemeClr val="accent1">
+              <a:shade val="50000"/>
+            </a:schemeClr>
+          </a:lnRef>
+          <a:fillRef idx="1">
+            <a:schemeClr val="accent1"/>
+          </a:fillRef>
+          <a:effectRef idx="0">
+            <a:schemeClr val="accent1"/>
+          </a:effectRef>
+          <a:fontRef idx="minor">
+            <a:schemeClr val="lt1"/>
+          </a:fontRef>
+        </p:style>
+        <p:txBody>
+          <a:bodyPr rtlCol="0" anchor="ctr"/>
+          <a:lstStyle/>
+          <a:p>
+            <a:pPr algn="ctr"/>
+            <a:endParaRPr lang="ca-ES"/>
+          </a:p>
+        </p:txBody>
+      </p:sp>
+      <p:sp>
+        <p:nvSpPr>
+          <p:cNvPr id="15" name="QuadreDeText 16">
+            <a:extLst>
+              <a:ext uri="{FF2B5EF4-FFF2-40B4-BE49-F238E27FC236}">
+                <a16:creationId xmlns:a16="http://schemas.microsoft.com/office/drawing/2014/main" id="{72F1BED6-7A9F-6D06-214A-A8133C7B04E6}"/>
+              </a:ext>
+            </a:extLst>
+          </p:cNvPr>
+          <p:cNvSpPr txBox="1"/>
+          <p:nvPr/>
+        </p:nvSpPr>
+        <p:spPr>
+          <a:xfrm>
+            <a:off x="8126277" y="2220158"/>
+            <a:ext cx="3040041" cy="1208842"/>
+          </a:xfrm>
+          <a:prstGeom prst="roundRect">
+            <a:avLst/>
+          </a:prstGeom>
+          <a:solidFill>
+            <a:schemeClr val="accent5">
+              <a:lumMod val="25000"/>
+              <a:lumOff val="75000"/>
+            </a:schemeClr>
+          </a:solidFill>
+          <a:ln>
+            <a:solidFill>
+              <a:schemeClr val="bg1"/>
+            </a:solidFill>
+          </a:ln>
+        </p:spPr>
+        <p:txBody>
+          <a:bodyPr wrap="square">
+            <a:spAutoFit/>
+          </a:bodyPr>
+          <a:lstStyle/>
+          <a:p>
+            <a:r>
+              <a:rPr lang="es-ES" sz="1300" dirty="0"/>
+              <a:t>Vemos que la tendencia es bastante progresiva y que hay varios puntos susceptibles de ser considerados como un umbral a partir del que aumenta la morosidad</a:t>
+            </a:r>
+          </a:p>
+        </p:txBody>
+      </p:sp>
+    </p:spTree>
+    <p:extLst>
+      <p:ext uri="{BB962C8B-B14F-4D97-AF65-F5344CB8AC3E}">
+        <p14:creationId xmlns:p14="http://schemas.microsoft.com/office/powerpoint/2010/main" val="3337409023"/>
+      </p:ext>
+    </p:extLst>
+  </p:cSld>
+  <p:clrMapOvr>
+    <a:masterClrMapping/>
+  </p:clrMapOvr>
+</p:sld>
+</file>
+
+<file path=ppt/slides/slide6.xml><?xml version="1.0" encoding="utf-8"?>
 <p:sld xmlns:a="http://schemas.openxmlformats.org/drawingml/2006/main" xmlns:r="http://schemas.openxmlformats.org/officeDocument/2006/relationships" xmlns:p="http://schemas.openxmlformats.org/presentationml/2006/main">
   <p:cSld>
     <p:spTree>
@@ -10980,10 +12289,10 @@
       </p:grpSpPr>
       <p:sp>
         <p:nvSpPr>
-          <p:cNvPr id="6" name="Rectángulo 5">
-            <a:extLst>
-              <a:ext uri="{FF2B5EF4-FFF2-40B4-BE49-F238E27FC236}">
-                <a16:creationId xmlns:a16="http://schemas.microsoft.com/office/drawing/2014/main" id="{917ADD46-A016-FFE0-10D7-4EDAD5F2BB79}"/>
+          <p:cNvPr id="2" name="Rectangle: cantonades arrodonides 40">
+            <a:extLst>
+              <a:ext uri="{FF2B5EF4-FFF2-40B4-BE49-F238E27FC236}">
+                <a16:creationId xmlns:a16="http://schemas.microsoft.com/office/drawing/2014/main" id="{E1BA97EF-1D80-EF17-9D93-CB78767F45CB}"/>
               </a:ext>
             </a:extLst>
           </p:cNvPr>
@@ -10992,16 +12301,14 @@
         </p:nvSpPr>
         <p:spPr>
           <a:xfrm>
-            <a:off x="0" y="6400800"/>
-            <a:ext cx="2557670" cy="457200"/>
-          </a:xfrm>
-          <a:prstGeom prst="rect">
+            <a:off x="232475" y="1112340"/>
+            <a:ext cx="11503694" cy="4507075"/>
+          </a:xfrm>
+          <a:prstGeom prst="roundRect">
             <a:avLst/>
           </a:prstGeom>
           <a:solidFill>
-            <a:schemeClr val="bg1">
-              <a:lumMod val="95000"/>
-            </a:schemeClr>
+            <a:schemeClr val="bg1"/>
           </a:solidFill>
           <a:ln>
             <a:noFill/>
@@ -11028,6 +12335,60 @@
           <a:lstStyle/>
           <a:p>
             <a:pPr algn="ctr"/>
+            <a:endParaRPr lang="ca-ES" dirty="0"/>
+          </a:p>
+        </p:txBody>
+      </p:sp>
+      <p:sp>
+        <p:nvSpPr>
+          <p:cNvPr id="6" name="Rectángulo 5">
+            <a:extLst>
+              <a:ext uri="{FF2B5EF4-FFF2-40B4-BE49-F238E27FC236}">
+                <a16:creationId xmlns:a16="http://schemas.microsoft.com/office/drawing/2014/main" id="{917ADD46-A016-FFE0-10D7-4EDAD5F2BB79}"/>
+              </a:ext>
+            </a:extLst>
+          </p:cNvPr>
+          <p:cNvSpPr/>
+          <p:nvPr/>
+        </p:nvSpPr>
+        <p:spPr>
+          <a:xfrm>
+            <a:off x="0" y="6400800"/>
+            <a:ext cx="2557670" cy="457200"/>
+          </a:xfrm>
+          <a:prstGeom prst="rect">
+            <a:avLst/>
+          </a:prstGeom>
+          <a:solidFill>
+            <a:schemeClr val="bg1">
+              <a:lumMod val="95000"/>
+            </a:schemeClr>
+          </a:solidFill>
+          <a:ln>
+            <a:noFill/>
+          </a:ln>
+        </p:spPr>
+        <p:style>
+          <a:lnRef idx="2">
+            <a:schemeClr val="accent1">
+              <a:shade val="50000"/>
+            </a:schemeClr>
+          </a:lnRef>
+          <a:fillRef idx="1">
+            <a:schemeClr val="accent1"/>
+          </a:fillRef>
+          <a:effectRef idx="0">
+            <a:schemeClr val="accent1"/>
+          </a:effectRef>
+          <a:fontRef idx="minor">
+            <a:schemeClr val="lt1"/>
+          </a:fontRef>
+        </p:style>
+        <p:txBody>
+          <a:bodyPr rtlCol="0" anchor="ctr"/>
+          <a:lstStyle/>
+          <a:p>
+            <a:pPr algn="ctr"/>
             <a:endParaRPr lang="es-ES"/>
           </a:p>
         </p:txBody>
@@ -11047,7 +12408,7 @@
         <p:spPr>
           <a:xfrm>
             <a:off x="505958" y="250347"/>
-            <a:ext cx="11230211" cy="1046440"/>
+            <a:ext cx="11230211" cy="830997"/>
           </a:xfrm>
           <a:prstGeom prst="rect">
             <a:avLst/>
@@ -11070,7 +12431,7 @@
                 <a:effectLst/>
                 <a:latin typeface="+mj-lt"/>
               </a:rPr>
-              <a:t>RELACIÓN ENTRE VARIABLES:  </a:t>
+              <a:t>RELACIÓN ENTRE VARIABLES:  MODELOS PREDICTIVOS</a:t>
             </a:r>
           </a:p>
           <a:p>
@@ -11087,12 +12448,6 @@
               <a:t>ÁRBOL DE DECISIONES</a:t>
             </a:r>
           </a:p>
-          <a:p>
-            <a:r>
-              <a:rPr lang="es-ES" sz="1400" b="1" dirty="0"/>
-              <a:t>XXXXX</a:t>
-            </a:r>
-          </a:p>
         </p:txBody>
       </p:sp>
       <p:sp>
@@ -11109,8 +12464,8 @@
         </p:nvSpPr>
         <p:spPr>
           <a:xfrm>
-            <a:off x="8074406" y="1637368"/>
-            <a:ext cx="3439348" cy="323493"/>
+            <a:off x="8693602" y="2099710"/>
+            <a:ext cx="1906502" cy="2470339"/>
           </a:xfrm>
           <a:prstGeom prst="roundRect">
             <a:avLst/>
@@ -11134,12 +12489,14 @@
           <a:lstStyle/>
           <a:p>
             <a:r>
-              <a:rPr lang="es-ES" sz="1300" b="1" dirty="0"/>
-              <a:t>La mayoría de los clientes</a:t>
-            </a:r>
-            <a:r>
               <a:rPr lang="es-ES" sz="1300" dirty="0"/>
-              <a:t>, mientras</a:t>
+              <a:t>Con este modelo de clasificación detectamos</a:t>
+            </a:r>
+          </a:p>
+          <a:p>
+            <a:r>
+              <a:rPr lang="es-ES" sz="1300" dirty="0"/>
+              <a:t>Que el punto donde más fácil es separar los clientes morosos de los que no lo son , mediante un modelo predictivo es en  los que tienen un saldo de &gt;= -364,5</a:t>
             </a:r>
           </a:p>
         </p:txBody>
@@ -11160,14 +12517,13 @@
         </p:nvPicPr>
         <p:blipFill>
           <a:blip r:embed="rId3"/>
-          <a:stretch>
-            <a:fillRect/>
-          </a:stretch>
+          <a:srcRect t="7182" b="8359"/>
+          <a:stretch/>
         </p:blipFill>
         <p:spPr>
           <a:xfrm>
-            <a:off x="505958" y="1361176"/>
-            <a:ext cx="6879887" cy="4605903"/>
+            <a:off x="677650" y="1394849"/>
+            <a:ext cx="6879887" cy="3890074"/>
           </a:xfrm>
           <a:prstGeom prst="rect">
             <a:avLst/>
@@ -11187,7 +12543,7 @@
 </p:sld>
 </file>
 
-<file path=ppt/slides/slide6.xml><?xml version="1.0" encoding="utf-8"?>
+<file path=ppt/slides/slide7.xml><?xml version="1.0" encoding="utf-8"?>
 <p:sld xmlns:a="http://schemas.openxmlformats.org/drawingml/2006/main" xmlns:r="http://schemas.openxmlformats.org/officeDocument/2006/relationships" xmlns:p="http://schemas.openxmlformats.org/presentationml/2006/main">
   <p:cSld>
     <p:spTree>
@@ -11206,189 +12562,53 @@
       </p:grpSpPr>
       <p:sp>
         <p:nvSpPr>
-          <p:cNvPr id="6" name="QuadreDeText 5">
-            <a:extLst>
-              <a:ext uri="{FF2B5EF4-FFF2-40B4-BE49-F238E27FC236}">
-                <a16:creationId xmlns:a16="http://schemas.microsoft.com/office/drawing/2014/main" id="{1FAA1BBE-1ED7-BC58-0BB0-077EE24BA683}"/>
-              </a:ext>
-            </a:extLst>
-          </p:cNvPr>
-          <p:cNvSpPr txBox="1"/>
+          <p:cNvPr id="10" name="Rectangle: cantonades arrodonides 40">
+            <a:extLst>
+              <a:ext uri="{FF2B5EF4-FFF2-40B4-BE49-F238E27FC236}">
+                <a16:creationId xmlns:a16="http://schemas.microsoft.com/office/drawing/2014/main" id="{F3F39A23-7A4A-6949-8801-C42F19C280E0}"/>
+              </a:ext>
+            </a:extLst>
+          </p:cNvPr>
+          <p:cNvSpPr/>
           <p:nvPr/>
         </p:nvSpPr>
         <p:spPr>
           <a:xfrm>
-            <a:off x="3049292" y="2417212"/>
-            <a:ext cx="6098582" cy="2031325"/>
-          </a:xfrm>
-          <a:prstGeom prst="rect">
-            <a:avLst/>
-          </a:prstGeom>
-          <a:noFill/>
-        </p:spPr>
-        <p:txBody>
-          <a:bodyPr wrap="square">
-            <a:spAutoFit/>
-          </a:bodyPr>
+            <a:off x="233877" y="1220826"/>
+            <a:ext cx="11746313" cy="4342961"/>
+          </a:xfrm>
+          <a:prstGeom prst="roundRect">
+            <a:avLst/>
+          </a:prstGeom>
+          <a:solidFill>
+            <a:schemeClr val="bg1"/>
+          </a:solidFill>
+          <a:ln>
+            <a:noFill/>
+          </a:ln>
+        </p:spPr>
+        <p:style>
+          <a:lnRef idx="2">
+            <a:schemeClr val="accent1">
+              <a:shade val="50000"/>
+            </a:schemeClr>
+          </a:lnRef>
+          <a:fillRef idx="1">
+            <a:schemeClr val="accent1"/>
+          </a:fillRef>
+          <a:effectRef idx="0">
+            <a:schemeClr val="accent1"/>
+          </a:effectRef>
+          <a:fontRef idx="minor">
+            <a:schemeClr val="lt1"/>
+          </a:fontRef>
+        </p:style>
+        <p:txBody>
+          <a:bodyPr rtlCol="0" anchor="ctr"/>
           <a:lstStyle/>
           <a:p>
-            <a:r>
-              <a:rPr lang="es-ES" b="1" dirty="0">
-                <a:solidFill>
-                  <a:srgbClr val="569CD6"/>
-                </a:solidFill>
-                <a:effectLst/>
-                <a:latin typeface="Consolas" panose="020B0609020204030204" pitchFamily="49" charset="0"/>
-              </a:rPr>
-              <a:t>Decidimos hacer tratamiento de </a:t>
-            </a:r>
-            <a:r>
-              <a:rPr lang="es-ES" b="1" dirty="0" err="1">
-                <a:solidFill>
-                  <a:srgbClr val="569CD6"/>
-                </a:solidFill>
-                <a:effectLst/>
-                <a:latin typeface="Consolas" panose="020B0609020204030204" pitchFamily="49" charset="0"/>
-              </a:rPr>
-              <a:t>Outliers</a:t>
-            </a:r>
-            <a:r>
-              <a:rPr lang="es-ES" b="1" dirty="0">
-                <a:solidFill>
-                  <a:srgbClr val="569CD6"/>
-                </a:solidFill>
-                <a:effectLst/>
-                <a:latin typeface="Consolas" panose="020B0609020204030204" pitchFamily="49" charset="0"/>
-              </a:rPr>
-              <a:t> y centrar-nos en la </a:t>
-            </a:r>
-            <a:r>
-              <a:rPr lang="es-ES" b="1" dirty="0" err="1">
-                <a:solidFill>
-                  <a:srgbClr val="569CD6"/>
-                </a:solidFill>
-                <a:effectLst/>
-                <a:latin typeface="Consolas" panose="020B0609020204030204" pitchFamily="49" charset="0"/>
-              </a:rPr>
-              <a:t>prte</a:t>
-            </a:r>
-            <a:r>
-              <a:rPr lang="es-ES" b="1" dirty="0">
-                <a:solidFill>
-                  <a:srgbClr val="569CD6"/>
-                </a:solidFill>
-                <a:effectLst/>
-                <a:latin typeface="Consolas" panose="020B0609020204030204" pitchFamily="49" charset="0"/>
-              </a:rPr>
-              <a:t> del </a:t>
-            </a:r>
-            <a:r>
-              <a:rPr lang="es-ES" b="1" dirty="0" err="1">
-                <a:solidFill>
-                  <a:srgbClr val="569CD6"/>
-                </a:solidFill>
-                <a:effectLst/>
-                <a:latin typeface="Consolas" panose="020B0609020204030204" pitchFamily="49" charset="0"/>
-              </a:rPr>
-              <a:t>dataset</a:t>
-            </a:r>
-            <a:r>
-              <a:rPr lang="es-ES" b="1" dirty="0">
-                <a:solidFill>
-                  <a:srgbClr val="569CD6"/>
-                </a:solidFill>
-                <a:effectLst/>
-                <a:latin typeface="Consolas" panose="020B0609020204030204" pitchFamily="49" charset="0"/>
-              </a:rPr>
-              <a:t> donde </a:t>
-            </a:r>
-            <a:r>
-              <a:rPr lang="es-ES" b="1" dirty="0" err="1">
-                <a:solidFill>
-                  <a:srgbClr val="569CD6"/>
-                </a:solidFill>
-                <a:effectLst/>
-                <a:latin typeface="Consolas" panose="020B0609020204030204" pitchFamily="49" charset="0"/>
-              </a:rPr>
-              <a:t>estan</a:t>
-            </a:r>
-            <a:r>
-              <a:rPr lang="es-ES" b="1" dirty="0">
-                <a:solidFill>
-                  <a:srgbClr val="569CD6"/>
-                </a:solidFill>
-                <a:effectLst/>
-                <a:latin typeface="Consolas" panose="020B0609020204030204" pitchFamily="49" charset="0"/>
-              </a:rPr>
-              <a:t> la inmensa </a:t>
-            </a:r>
-            <a:r>
-              <a:rPr lang="es-ES" b="1" dirty="0" err="1">
-                <a:solidFill>
-                  <a:srgbClr val="569CD6"/>
-                </a:solidFill>
-                <a:effectLst/>
-                <a:latin typeface="Consolas" panose="020B0609020204030204" pitchFamily="49" charset="0"/>
-              </a:rPr>
-              <a:t>mayoria</a:t>
-            </a:r>
-            <a:r>
-              <a:rPr lang="es-ES" b="1" dirty="0">
-                <a:solidFill>
-                  <a:srgbClr val="569CD6"/>
-                </a:solidFill>
-                <a:effectLst/>
-                <a:latin typeface="Consolas" panose="020B0609020204030204" pitchFamily="49" charset="0"/>
-              </a:rPr>
-              <a:t> de clientes y donde tiene lugar el cambio del </a:t>
-            </a:r>
-            <a:r>
-              <a:rPr lang="es-ES" b="1" dirty="0" err="1">
-                <a:solidFill>
-                  <a:srgbClr val="569CD6"/>
-                </a:solidFill>
-                <a:effectLst/>
-                <a:latin typeface="Consolas" panose="020B0609020204030204" pitchFamily="49" charset="0"/>
-              </a:rPr>
-              <a:t>queal</a:t>
-            </a:r>
-            <a:r>
-              <a:rPr lang="es-ES" b="1" dirty="0">
-                <a:solidFill>
-                  <a:srgbClr val="569CD6"/>
-                </a:solidFill>
-                <a:effectLst/>
-                <a:latin typeface="Consolas" panose="020B0609020204030204" pitchFamily="49" charset="0"/>
-              </a:rPr>
-              <a:t> tenemos que buscar el umbral. Así hacemos zoom en el análisis visual y ayudamos a los modelos de </a:t>
-            </a:r>
-            <a:r>
-              <a:rPr lang="es-ES" b="1" dirty="0" err="1">
-                <a:solidFill>
-                  <a:srgbClr val="569CD6"/>
-                </a:solidFill>
-                <a:effectLst/>
-                <a:latin typeface="Consolas" panose="020B0609020204030204" pitchFamily="49" charset="0"/>
-              </a:rPr>
-              <a:t>classificación</a:t>
-            </a:r>
-            <a:r>
-              <a:rPr lang="es-ES" b="1" dirty="0">
-                <a:solidFill>
-                  <a:srgbClr val="569CD6"/>
-                </a:solidFill>
-                <a:effectLst/>
-                <a:latin typeface="Consolas" panose="020B0609020204030204" pitchFamily="49" charset="0"/>
-              </a:rPr>
-              <a:t> a ser más precisos y relevantes.</a:t>
-            </a:r>
-            <a:endParaRPr lang="es-ES" b="0" dirty="0">
-              <a:solidFill>
-                <a:srgbClr val="CCCCCC"/>
-              </a:solidFill>
-              <a:effectLst/>
-              <a:latin typeface="Consolas" panose="020B0609020204030204" pitchFamily="49" charset="0"/>
-            </a:endParaRPr>
+            <a:pPr algn="ctr"/>
+            <a:endParaRPr lang="ca-ES" dirty="0"/>
           </a:p>
         </p:txBody>
       </p:sp>
@@ -11430,7 +12650,7 @@
                 <a:effectLst/>
                 <a:latin typeface="+mj-lt"/>
               </a:rPr>
-              <a:t>RELACIÓN ENTRE VARIABLES:  </a:t>
+              <a:t>RELACIÓN ENTRE VARIABLES: MODELOS PREDICTIVOS </a:t>
             </a:r>
           </a:p>
           <a:p>
@@ -11444,8 +12664,165 @@
                 <a:effectLst/>
                 <a:latin typeface="+mj-lt"/>
               </a:rPr>
-              <a:t>ÁRBOL DE DECISIONES</a:t>
-            </a:r>
+              <a:t>RANDOM FOREST</a:t>
+            </a:r>
+          </a:p>
+        </p:txBody>
+      </p:sp>
+      <p:pic>
+        <p:nvPicPr>
+          <p:cNvPr id="3" name="Imatge 2">
+            <a:extLst>
+              <a:ext uri="{FF2B5EF4-FFF2-40B4-BE49-F238E27FC236}">
+                <a16:creationId xmlns:a16="http://schemas.microsoft.com/office/drawing/2014/main" id="{D6DA8CD7-A06F-5BB2-9A09-852BB91AC607}"/>
+              </a:ext>
+            </a:extLst>
+          </p:cNvPr>
+          <p:cNvPicPr>
+            <a:picLocks noChangeAspect="1"/>
+          </p:cNvPicPr>
+          <p:nvPr/>
+        </p:nvPicPr>
+        <p:blipFill>
+          <a:blip r:embed="rId2"/>
+          <a:stretch>
+            <a:fillRect/>
+          </a:stretch>
+        </p:blipFill>
+        <p:spPr>
+          <a:xfrm>
+            <a:off x="505958" y="1573177"/>
+            <a:ext cx="9367431" cy="3711742"/>
+          </a:xfrm>
+          <a:prstGeom prst="rect">
+            <a:avLst/>
+          </a:prstGeom>
+        </p:spPr>
+      </p:pic>
+      <p:pic>
+        <p:nvPicPr>
+          <p:cNvPr id="5" name="Imatge 4">
+            <a:extLst>
+              <a:ext uri="{FF2B5EF4-FFF2-40B4-BE49-F238E27FC236}">
+                <a16:creationId xmlns:a16="http://schemas.microsoft.com/office/drawing/2014/main" id="{1400A51F-C8C8-922F-848B-46550FA5D8C7}"/>
+              </a:ext>
+            </a:extLst>
+          </p:cNvPr>
+          <p:cNvPicPr>
+            <a:picLocks noChangeAspect="1"/>
+          </p:cNvPicPr>
+          <p:nvPr/>
+        </p:nvPicPr>
+        <p:blipFill>
+          <a:blip r:embed="rId3"/>
+          <a:stretch>
+            <a:fillRect/>
+          </a:stretch>
+        </p:blipFill>
+        <p:spPr>
+          <a:xfrm>
+            <a:off x="5959264" y="2087765"/>
+            <a:ext cx="3579778" cy="1341235"/>
+          </a:xfrm>
+          <a:prstGeom prst="rect">
+            <a:avLst/>
+          </a:prstGeom>
+        </p:spPr>
+      </p:pic>
+      <p:sp>
+        <p:nvSpPr>
+          <p:cNvPr id="8" name="QuadreDeText 16">
+            <a:extLst>
+              <a:ext uri="{FF2B5EF4-FFF2-40B4-BE49-F238E27FC236}">
+                <a16:creationId xmlns:a16="http://schemas.microsoft.com/office/drawing/2014/main" id="{E5AE9C37-0447-385B-E955-09C0B43C111F}"/>
+              </a:ext>
+            </a:extLst>
+          </p:cNvPr>
+          <p:cNvSpPr txBox="1"/>
+          <p:nvPr/>
+        </p:nvSpPr>
+        <p:spPr>
+          <a:xfrm>
+            <a:off x="9935150" y="2126184"/>
+            <a:ext cx="1799236" cy="1856482"/>
+          </a:xfrm>
+          <a:prstGeom prst="roundRect">
+            <a:avLst/>
+          </a:prstGeom>
+          <a:solidFill>
+            <a:schemeClr val="accent5">
+              <a:lumMod val="25000"/>
+              <a:lumOff val="75000"/>
+            </a:schemeClr>
+          </a:solidFill>
+          <a:ln>
+            <a:solidFill>
+              <a:schemeClr val="bg1"/>
+            </a:solidFill>
+          </a:ln>
+        </p:spPr>
+        <p:txBody>
+          <a:bodyPr wrap="square">
+            <a:spAutoFit/>
+          </a:bodyPr>
+          <a:lstStyle/>
+          <a:p>
+            <a:r>
+              <a:rPr lang="es-ES" sz="1300" dirty="0"/>
+              <a:t>Este modelo muestra que el punto de inflexión en el que la probabilidad empieza a crecer y ya casi no dejará de hacerlo es la categoría entre 0 y 100</a:t>
+            </a:r>
+          </a:p>
+        </p:txBody>
+      </p:sp>
+      <p:sp>
+        <p:nvSpPr>
+          <p:cNvPr id="9" name="Fletxa: avall 8">
+            <a:extLst>
+              <a:ext uri="{FF2B5EF4-FFF2-40B4-BE49-F238E27FC236}">
+                <a16:creationId xmlns:a16="http://schemas.microsoft.com/office/drawing/2014/main" id="{7ACBCBB6-085E-23CF-4519-9BEE95183985}"/>
+              </a:ext>
+            </a:extLst>
+          </p:cNvPr>
+          <p:cNvSpPr/>
+          <p:nvPr/>
+        </p:nvSpPr>
+        <p:spPr>
+          <a:xfrm>
+            <a:off x="7749153" y="3887191"/>
+            <a:ext cx="201478" cy="375834"/>
+          </a:xfrm>
+          <a:prstGeom prst="downArrow">
+            <a:avLst/>
+          </a:prstGeom>
+          <a:solidFill>
+            <a:srgbClr val="C00000"/>
+          </a:solidFill>
+          <a:ln>
+            <a:noFill/>
+          </a:ln>
+        </p:spPr>
+        <p:style>
+          <a:lnRef idx="2">
+            <a:schemeClr val="accent1">
+              <a:shade val="50000"/>
+            </a:schemeClr>
+          </a:lnRef>
+          <a:fillRef idx="1">
+            <a:schemeClr val="accent1"/>
+          </a:fillRef>
+          <a:effectRef idx="0">
+            <a:schemeClr val="accent1"/>
+          </a:effectRef>
+          <a:fontRef idx="minor">
+            <a:schemeClr val="lt1"/>
+          </a:fontRef>
+        </p:style>
+        <p:txBody>
+          <a:bodyPr rtlCol="0" anchor="ctr"/>
+          <a:lstStyle/>
+          <a:p>
+            <a:pPr algn="ctr"/>
+            <a:endParaRPr lang="ca-ES"/>
           </a:p>
         </p:txBody>
       </p:sp>
@@ -11462,7 +12839,7 @@
 </p:sld>
 </file>
 
-<file path=ppt/slides/slide7.xml><?xml version="1.0" encoding="utf-8"?>
+<file path=ppt/slides/slide8.xml><?xml version="1.0" encoding="utf-8"?>
 <p:sld xmlns:a="http://schemas.openxmlformats.org/drawingml/2006/main" xmlns:r="http://schemas.openxmlformats.org/officeDocument/2006/relationships" xmlns:p="http://schemas.openxmlformats.org/presentationml/2006/main">
   <p:cSld>
     <p:spTree>
@@ -11588,8 +12965,13 @@
           <a:bodyPr rtlCol="0" anchor="ctr"/>
           <a:lstStyle/>
           <a:p>
-            <a:pPr algn="ctr"/>
-            <a:endParaRPr lang="es-ES"/>
+            <a:endParaRPr lang="es-ES" b="0" dirty="0">
+              <a:solidFill>
+                <a:srgbClr val="000000"/>
+              </a:solidFill>
+              <a:effectLst/>
+              <a:latin typeface="Consolas" panose="020B0609020204030204" pitchFamily="49" charset="0"/>
+            </a:endParaRPr>
           </a:p>
         </p:txBody>
       </p:sp>
@@ -11608,7 +12990,7 @@
         <p:spPr>
           <a:xfrm>
             <a:off x="466166" y="250347"/>
-            <a:ext cx="11270004" cy="1046440"/>
+            <a:ext cx="11270004" cy="830997"/>
           </a:xfrm>
           <a:prstGeom prst="rect">
             <a:avLst/>
@@ -11631,7 +13013,7 @@
                 <a:effectLst/>
                 <a:latin typeface="+mj-lt"/>
               </a:rPr>
-              <a:t>RELACIÓN ENTRE VARIABLES:  </a:t>
+              <a:t>RELACIÓN ENTRE VARIABLES:  MODELOS PREDICTIVOS</a:t>
             </a:r>
           </a:p>
           <a:p>
@@ -11645,13 +13027,7 @@
                 <a:effectLst/>
                 <a:latin typeface="+mj-lt"/>
               </a:rPr>
-              <a:t>SALDO A PARTIR DEL CUAL AUMENTA EL RIESGO </a:t>
-            </a:r>
-          </a:p>
-          <a:p>
-            <a:r>
-              <a:rPr lang="es-ES" sz="1400" b="1" dirty="0"/>
-              <a:t>XXXXXXX</a:t>
+              <a:t>PRUEBA DE PROPORCIONES Z-TEST</a:t>
             </a:r>
           </a:p>
         </p:txBody>
@@ -11670,8 +13046,8 @@
         </p:nvSpPr>
         <p:spPr>
           <a:xfrm>
-            <a:off x="804832" y="5229771"/>
-            <a:ext cx="6231460" cy="323493"/>
+            <a:off x="7575483" y="4470355"/>
+            <a:ext cx="3643328" cy="1208842"/>
           </a:xfrm>
           <a:prstGeom prst="roundRect">
             <a:avLst/>
@@ -11694,11 +13070,121 @@
           </a:bodyPr>
           <a:lstStyle/>
           <a:p>
-            <a:pPr marL="285750" indent="-285750" algn="just">
-              <a:buFont typeface="Wingdings" panose="05000000000000000000" pitchFamily="2" charset="2"/>
-              <a:buChar char="§"/>
-            </a:pPr>
-            <a:endParaRPr lang="es-ES" sz="1300" dirty="0"/>
+            <a:pPr algn="just"/>
+            <a:r>
+              <a:rPr lang="es-ES" sz="1300" dirty="0"/>
+              <a:t>Vemos  que los puntos donde se concentran  P-Valores más bajos de entre -100 y -100 y entre -500 y -200. Por tanto en estos rangos es donde la prueba indica que se producen mayores cambios de probabilidad.</a:t>
+            </a:r>
+          </a:p>
+        </p:txBody>
+      </p:sp>
+      <p:pic>
+        <p:nvPicPr>
+          <p:cNvPr id="5" name="Imatge 4">
+            <a:extLst>
+              <a:ext uri="{FF2B5EF4-FFF2-40B4-BE49-F238E27FC236}">
+                <a16:creationId xmlns:a16="http://schemas.microsoft.com/office/drawing/2014/main" id="{70036DE5-20DF-EC77-03F9-E62EC95DFB8D}"/>
+              </a:ext>
+            </a:extLst>
+          </p:cNvPr>
+          <p:cNvPicPr>
+            <a:picLocks noChangeAspect="1"/>
+          </p:cNvPicPr>
+          <p:nvPr/>
+        </p:nvPicPr>
+        <p:blipFill>
+          <a:blip r:embed="rId3"/>
+          <a:stretch>
+            <a:fillRect/>
+          </a:stretch>
+        </p:blipFill>
+        <p:spPr>
+          <a:xfrm>
+            <a:off x="967344" y="1682887"/>
+            <a:ext cx="5895217" cy="4553029"/>
+          </a:xfrm>
+          <a:prstGeom prst="rect">
+            <a:avLst/>
+          </a:prstGeom>
+        </p:spPr>
+      </p:pic>
+      <p:pic>
+        <p:nvPicPr>
+          <p:cNvPr id="9" name="Imatge 8">
+            <a:extLst>
+              <a:ext uri="{FF2B5EF4-FFF2-40B4-BE49-F238E27FC236}">
+                <a16:creationId xmlns:a16="http://schemas.microsoft.com/office/drawing/2014/main" id="{5BE5AA25-6B5B-C4C4-40A6-EB35014E0F07}"/>
+              </a:ext>
+            </a:extLst>
+          </p:cNvPr>
+          <p:cNvPicPr>
+            <a:picLocks noChangeAspect="1"/>
+          </p:cNvPicPr>
+          <p:nvPr/>
+        </p:nvPicPr>
+        <p:blipFill>
+          <a:blip r:embed="rId4"/>
+          <a:stretch>
+            <a:fillRect/>
+          </a:stretch>
+        </p:blipFill>
+        <p:spPr>
+          <a:xfrm>
+            <a:off x="7416697" y="1918699"/>
+            <a:ext cx="3643328" cy="638521"/>
+          </a:xfrm>
+          <a:prstGeom prst="rect">
+            <a:avLst/>
+          </a:prstGeom>
+        </p:spPr>
+      </p:pic>
+      <p:sp>
+        <p:nvSpPr>
+          <p:cNvPr id="10" name="QuadreDeText 16">
+            <a:extLst>
+              <a:ext uri="{FF2B5EF4-FFF2-40B4-BE49-F238E27FC236}">
+                <a16:creationId xmlns:a16="http://schemas.microsoft.com/office/drawing/2014/main" id="{9B264419-2800-0057-8A7F-4A6FD4489CEC}"/>
+              </a:ext>
+            </a:extLst>
+          </p:cNvPr>
+          <p:cNvSpPr txBox="1"/>
+          <p:nvPr/>
+        </p:nvSpPr>
+        <p:spPr>
+          <a:xfrm>
+            <a:off x="7575484" y="2750559"/>
+            <a:ext cx="3288828" cy="1208842"/>
+          </a:xfrm>
+          <a:prstGeom prst="roundRect">
+            <a:avLst/>
+          </a:prstGeom>
+          <a:solidFill>
+            <a:schemeClr val="accent5">
+              <a:lumMod val="25000"/>
+              <a:lumOff val="75000"/>
+            </a:schemeClr>
+          </a:solidFill>
+          <a:ln>
+            <a:solidFill>
+              <a:schemeClr val="bg1"/>
+            </a:solidFill>
+          </a:ln>
+        </p:spPr>
+        <p:txBody>
+          <a:bodyPr wrap="square">
+            <a:spAutoFit/>
+          </a:bodyPr>
+          <a:lstStyle/>
+          <a:p>
+            <a:pPr algn="just"/>
+            <a:r>
+              <a:rPr lang="es-ES" sz="1300" dirty="0"/>
+              <a:t>El p-valor es menor que 0.05 podemos rechazar la hipótesis nula, lo que sugiere que </a:t>
+            </a:r>
+            <a:r>
+              <a:rPr lang="es-ES" sz="1300" b="1" dirty="0"/>
+              <a:t>los rangos de saldo influyen significativamente en la probabilidad de incumplimiento.</a:t>
+            </a:r>
           </a:p>
         </p:txBody>
       </p:sp>
@@ -11715,7 +13201,7 @@
 </p:sld>
 </file>
 
-<file path=ppt/slides/slide8.xml><?xml version="1.0" encoding="utf-8"?>
+<file path=ppt/slides/slide9.xml><?xml version="1.0" encoding="utf-8"?>
 <p:sld xmlns:a="http://schemas.openxmlformats.org/drawingml/2006/main" xmlns:r="http://schemas.openxmlformats.org/officeDocument/2006/relationships" xmlns:p="http://schemas.openxmlformats.org/presentationml/2006/main">
   <p:cSld>
     <p:spTree>
@@ -11723,7 +13209,7 @@
         <p:cNvPr id="1" name="">
           <a:extLst>
             <a:ext uri="{FF2B5EF4-FFF2-40B4-BE49-F238E27FC236}">
-              <a16:creationId xmlns:a16="http://schemas.microsoft.com/office/drawing/2014/main" id="{AE19A732-23A2-928F-1707-5BE147632C57}"/>
+              <a16:creationId xmlns:a16="http://schemas.microsoft.com/office/drawing/2014/main" id="{F46FED4E-8055-39C3-C861-605733786EF8}"/>
             </a:ext>
           </a:extLst>
         </p:cNvPr>
@@ -11740,10 +13226,10 @@
       </p:grpSpPr>
       <p:sp>
         <p:nvSpPr>
-          <p:cNvPr id="3" name="Rectángulo 2">
-            <a:extLst>
-              <a:ext uri="{FF2B5EF4-FFF2-40B4-BE49-F238E27FC236}">
-                <a16:creationId xmlns:a16="http://schemas.microsoft.com/office/drawing/2014/main" id="{17EC3F3D-8106-CC52-2EA3-50800AC43833}"/>
+          <p:cNvPr id="19" name="Rectángulo: esquinas redondeadas 3">
+            <a:extLst>
+              <a:ext uri="{FF2B5EF4-FFF2-40B4-BE49-F238E27FC236}">
+                <a16:creationId xmlns:a16="http://schemas.microsoft.com/office/drawing/2014/main" id="{B179447A-CD7D-6453-25B4-04F5BD82410C}"/>
               </a:ext>
             </a:extLst>
           </p:cNvPr>
@@ -11752,16 +13238,16 @@
         </p:nvSpPr>
         <p:spPr>
           <a:xfrm>
-            <a:off x="0" y="6400800"/>
-            <a:ext cx="2557670" cy="457200"/>
-          </a:xfrm>
-          <a:prstGeom prst="rect">
-            <a:avLst/>
+            <a:off x="487878" y="1079210"/>
+            <a:ext cx="11476813" cy="1930941"/>
+          </a:xfrm>
+          <a:prstGeom prst="roundRect">
+            <a:avLst>
+              <a:gd name="adj" fmla="val 7845"/>
+            </a:avLst>
           </a:prstGeom>
           <a:solidFill>
-            <a:schemeClr val="bg1">
-              <a:lumMod val="95000"/>
-            </a:schemeClr>
+            <a:schemeClr val="bg1"/>
           </a:solidFill>
           <a:ln>
             <a:noFill/>
@@ -11787,2134 +13273,43 @@
           <a:bodyPr rtlCol="0" anchor="ctr"/>
           <a:lstStyle/>
           <a:p>
-            <a:pPr algn="ctr"/>
-            <a:endParaRPr lang="es-ES"/>
-          </a:p>
-        </p:txBody>
-      </p:sp>
-      <p:sp>
-        <p:nvSpPr>
-          <p:cNvPr id="8" name="QuadreDeText 3">
-            <a:extLst>
-              <a:ext uri="{FF2B5EF4-FFF2-40B4-BE49-F238E27FC236}">
-                <a16:creationId xmlns:a16="http://schemas.microsoft.com/office/drawing/2014/main" id="{0993D80F-3972-6FB3-DF7A-E234A6A536B0}"/>
-              </a:ext>
-            </a:extLst>
-          </p:cNvPr>
-          <p:cNvSpPr txBox="1"/>
+            <a:endParaRPr lang="es-ES" b="0" dirty="0">
+              <a:solidFill>
+                <a:srgbClr val="000000"/>
+              </a:solidFill>
+              <a:effectLst/>
+              <a:latin typeface="Consolas" panose="020B0609020204030204" pitchFamily="49" charset="0"/>
+            </a:endParaRPr>
+          </a:p>
+        </p:txBody>
+      </p:sp>
+      <p:sp>
+        <p:nvSpPr>
+          <p:cNvPr id="2" name="Rectángulo 1">
+            <a:extLst>
+              <a:ext uri="{FF2B5EF4-FFF2-40B4-BE49-F238E27FC236}">
+                <a16:creationId xmlns:a16="http://schemas.microsoft.com/office/drawing/2014/main" id="{CBB2261A-81E0-DF22-56B1-4B8B40689A2F}"/>
+              </a:ext>
+            </a:extLst>
+          </p:cNvPr>
+          <p:cNvSpPr/>
           <p:nvPr/>
         </p:nvSpPr>
         <p:spPr>
           <a:xfrm>
-            <a:off x="505958" y="250347"/>
-            <a:ext cx="11230211" cy="707886"/>
+            <a:off x="0" y="6400800"/>
+            <a:ext cx="2557670" cy="457200"/>
           </a:xfrm>
           <a:prstGeom prst="rect">
             <a:avLst/>
           </a:prstGeom>
-          <a:noFill/>
-        </p:spPr>
-        <p:txBody>
-          <a:bodyPr wrap="square">
-            <a:spAutoFit/>
-          </a:bodyPr>
-          <a:lstStyle/>
-          <a:p>
-            <a:r>
-              <a:rPr lang="es-ES" sz="2400" b="1" dirty="0">
-                <a:solidFill>
-                  <a:schemeClr val="accent3">
-                    <a:lumMod val="50000"/>
-                  </a:schemeClr>
-                </a:solidFill>
-                <a:effectLst/>
-                <a:latin typeface="+mj-lt"/>
-              </a:rPr>
-              <a:t>CUANTIFICACIÓN DE LA</a:t>
-            </a:r>
-            <a:r>
-              <a:rPr lang="es-ES" sz="2400" b="1" dirty="0">
-                <a:solidFill>
-                  <a:schemeClr val="accent3">
-                    <a:lumMod val="50000"/>
-                  </a:schemeClr>
-                </a:solidFill>
-                <a:latin typeface="+mj-lt"/>
-              </a:rPr>
-              <a:t>S</a:t>
-            </a:r>
-            <a:r>
-              <a:rPr lang="es-ES" sz="2400" b="1" dirty="0">
-                <a:solidFill>
-                  <a:schemeClr val="accent3">
-                    <a:lumMod val="50000"/>
-                  </a:schemeClr>
-                </a:solidFill>
-                <a:effectLst/>
-                <a:latin typeface="+mj-lt"/>
-              </a:rPr>
-              <a:t> RELACIONES ENTRE VARIABLES</a:t>
-            </a:r>
-          </a:p>
-          <a:p>
-            <a:r>
-              <a:rPr lang="es-ES" altLang="es-ES" sz="1600" b="1" dirty="0"/>
-              <a:t>¿Los clientes con préstamos e hipotecas tienden a tener un saldo medio más bajo o más riesgo de incumplimiento?</a:t>
-            </a:r>
-            <a:r>
-              <a:rPr lang="es-ES" altLang="es-ES" sz="1600" dirty="0"/>
-              <a:t> </a:t>
-            </a:r>
-          </a:p>
-        </p:txBody>
-      </p:sp>
-      <p:graphicFrame>
-        <p:nvGraphicFramePr>
-          <p:cNvPr id="7" name="Taula 6">
-            <a:extLst>
-              <a:ext uri="{FF2B5EF4-FFF2-40B4-BE49-F238E27FC236}">
-                <a16:creationId xmlns:a16="http://schemas.microsoft.com/office/drawing/2014/main" id="{6CC86CBB-F038-1700-F2FA-81797C03E4E3}"/>
-              </a:ext>
-            </a:extLst>
-          </p:cNvPr>
-          <p:cNvGraphicFramePr>
-            <a:graphicFrameLocks noGrp="1"/>
-          </p:cNvGraphicFramePr>
-          <p:nvPr>
-            <p:extLst>
-              <p:ext uri="{D42A27DB-BD31-4B8C-83A1-F6EECF244321}">
-                <p14:modId xmlns:p14="http://schemas.microsoft.com/office/powerpoint/2010/main" val="2721419558"/>
-              </p:ext>
-            </p:extLst>
-          </p:nvPr>
-        </p:nvGraphicFramePr>
-        <p:xfrm>
-          <a:off x="505958" y="1334673"/>
-          <a:ext cx="3420582" cy="1984560"/>
-        </p:xfrm>
-        <a:graphic>
-          <a:graphicData uri="http://schemas.openxmlformats.org/drawingml/2006/table">
-            <a:tbl>
-              <a:tblPr firstRow="1" bandRow="1">
-                <a:tableStyleId>{6E25E649-3F16-4E02-A733-19D2CDBF48F0}</a:tableStyleId>
-              </a:tblPr>
-              <a:tblGrid>
-                <a:gridCol w="1140194">
-                  <a:extLst>
-                    <a:ext uri="{9D8B030D-6E8A-4147-A177-3AD203B41FA5}">
-                      <a16:colId xmlns:a16="http://schemas.microsoft.com/office/drawing/2014/main" val="1184834251"/>
-                    </a:ext>
-                  </a:extLst>
-                </a:gridCol>
-                <a:gridCol w="1140194">
-                  <a:extLst>
-                    <a:ext uri="{9D8B030D-6E8A-4147-A177-3AD203B41FA5}">
-                      <a16:colId xmlns:a16="http://schemas.microsoft.com/office/drawing/2014/main" val="192274667"/>
-                    </a:ext>
-                  </a:extLst>
-                </a:gridCol>
-                <a:gridCol w="1140194">
-                  <a:extLst>
-                    <a:ext uri="{9D8B030D-6E8A-4147-A177-3AD203B41FA5}">
-                      <a16:colId xmlns:a16="http://schemas.microsoft.com/office/drawing/2014/main" val="3922078841"/>
-                    </a:ext>
-                  </a:extLst>
-                </a:gridCol>
-              </a:tblGrid>
-              <a:tr h="676837">
-                <a:tc>
-                  <a:txBody>
-                    <a:bodyPr/>
-                    <a:lstStyle/>
-                    <a:p>
-                      <a:pPr algn="ctr"/>
-                      <a:r>
-                        <a:rPr lang="ca-ES" sz="1100" dirty="0">
-                          <a:solidFill>
-                            <a:schemeClr val="tx1"/>
-                          </a:solidFill>
-                        </a:rPr>
-                        <a:t>Saldo </a:t>
-                      </a:r>
-                      <a:r>
-                        <a:rPr lang="ca-ES" sz="1100" dirty="0" err="1">
-                          <a:solidFill>
-                            <a:schemeClr val="tx1"/>
-                          </a:solidFill>
-                        </a:rPr>
-                        <a:t>Medio</a:t>
-                      </a:r>
-                      <a:endParaRPr lang="ca-ES" sz="1100" dirty="0">
-                        <a:solidFill>
-                          <a:schemeClr val="tx1"/>
-                        </a:solidFill>
-                      </a:endParaRPr>
-                    </a:p>
-                    <a:p>
-                      <a:pPr algn="ctr"/>
-                      <a:r>
-                        <a:rPr lang="ca-ES" sz="1100" dirty="0">
-                          <a:solidFill>
-                            <a:schemeClr val="tx1"/>
-                          </a:solidFill>
-                        </a:rPr>
-                        <a:t>vs.</a:t>
-                      </a:r>
-                    </a:p>
-                    <a:p>
-                      <a:pPr algn="ctr"/>
-                      <a:r>
-                        <a:rPr lang="ca-ES" sz="1100" dirty="0" err="1">
-                          <a:solidFill>
-                            <a:schemeClr val="tx1"/>
-                          </a:solidFill>
-                        </a:rPr>
-                        <a:t>Préstamo</a:t>
-                      </a:r>
-                      <a:r>
-                        <a:rPr lang="ca-ES" sz="1100" dirty="0">
-                          <a:solidFill>
-                            <a:schemeClr val="tx1"/>
-                          </a:solidFill>
-                        </a:rPr>
-                        <a:t> e Hipoteca</a:t>
-                      </a:r>
-                    </a:p>
-                  </a:txBody>
-                  <a:tcPr anchor="ctr">
-                    <a:lnL w="12700" cap="flat" cmpd="sng" algn="ctr">
-                      <a:noFill/>
-                      <a:prstDash val="solid"/>
-                      <a:round/>
-                      <a:headEnd type="none" w="med" len="med"/>
-                      <a:tailEnd type="none" w="med" len="med"/>
-                    </a:lnL>
-                    <a:lnR w="12700" cap="flat" cmpd="sng" algn="ctr">
-                      <a:solidFill>
-                        <a:schemeClr val="tx1"/>
-                      </a:solidFill>
-                      <a:prstDash val="solid"/>
-                      <a:round/>
-                      <a:headEnd type="none" w="med" len="med"/>
-                      <a:tailEnd type="none" w="med" len="med"/>
-                    </a:lnR>
-                    <a:lnT w="12700" cap="flat" cmpd="sng" algn="ctr">
-                      <a:noFill/>
-                      <a:prstDash val="solid"/>
-                      <a:round/>
-                      <a:headEnd type="none" w="med" len="med"/>
-                      <a:tailEnd type="none" w="med" len="med"/>
-                    </a:lnT>
-                    <a:lnB w="12700" cap="flat" cmpd="sng" algn="ctr">
-                      <a:solidFill>
-                        <a:schemeClr val="tx1"/>
-                      </a:solidFill>
-                      <a:prstDash val="solid"/>
-                      <a:round/>
-                      <a:headEnd type="none" w="med" len="med"/>
-                      <a:tailEnd type="none" w="med" len="med"/>
-                    </a:lnB>
-                    <a:lnTlToBr w="12700" cmpd="sng">
-                      <a:noFill/>
-                      <a:prstDash val="solid"/>
-                    </a:lnTlToBr>
-                    <a:lnBlToTr w="12700" cmpd="sng">
-                      <a:noFill/>
-                      <a:prstDash val="solid"/>
-                    </a:lnBlToTr>
-                    <a:noFill/>
-                  </a:tcPr>
-                </a:tc>
-                <a:tc>
-                  <a:txBody>
-                    <a:bodyPr/>
-                    <a:lstStyle/>
-                    <a:p>
-                      <a:pPr algn="ctr"/>
-                      <a:r>
-                        <a:rPr lang="ca-ES" sz="1200" dirty="0"/>
-                        <a:t>SIN </a:t>
-                      </a:r>
-                      <a:r>
-                        <a:rPr lang="es-ES" sz="1200" noProof="0" dirty="0"/>
-                        <a:t>Préstamo</a:t>
-                      </a:r>
-                    </a:p>
-                  </a:txBody>
-                  <a:tcPr anchor="ctr">
-                    <a:lnL w="12700" cap="flat" cmpd="sng" algn="ctr">
-                      <a:solidFill>
-                        <a:schemeClr val="tx1"/>
-                      </a:solidFill>
-                      <a:prstDash val="solid"/>
-                      <a:round/>
-                      <a:headEnd type="none" w="med" len="med"/>
-                      <a:tailEnd type="none" w="med" len="med"/>
-                    </a:lnL>
-                    <a:lnR w="12700" cap="flat" cmpd="sng" algn="ctr">
-                      <a:solidFill>
-                        <a:schemeClr val="tx1"/>
-                      </a:solidFill>
-                      <a:prstDash val="solid"/>
-                      <a:round/>
-                      <a:headEnd type="none" w="med" len="med"/>
-                      <a:tailEnd type="none" w="med" len="med"/>
-                    </a:lnR>
-                    <a:lnT w="12700" cap="flat" cmpd="sng" algn="ctr">
-                      <a:solidFill>
-                        <a:schemeClr val="tx1"/>
-                      </a:solidFill>
-                      <a:prstDash val="solid"/>
-                      <a:round/>
-                      <a:headEnd type="none" w="med" len="med"/>
-                      <a:tailEnd type="none" w="med" len="med"/>
-                    </a:lnT>
-                    <a:lnB w="12700" cap="flat" cmpd="sng" algn="ctr">
-                      <a:solidFill>
-                        <a:schemeClr val="tx1"/>
-                      </a:solidFill>
-                      <a:prstDash val="solid"/>
-                      <a:round/>
-                      <a:headEnd type="none" w="med" len="med"/>
-                      <a:tailEnd type="none" w="med" len="med"/>
-                    </a:lnB>
-                    <a:lnTlToBr w="12700" cmpd="sng">
-                      <a:noFill/>
-                      <a:prstDash val="solid"/>
-                    </a:lnTlToBr>
-                    <a:lnBlToTr w="12700" cmpd="sng">
-                      <a:noFill/>
-                      <a:prstDash val="solid"/>
-                    </a:lnBlToTr>
-                    <a:solidFill>
-                      <a:srgbClr val="00B050"/>
-                    </a:solidFill>
-                  </a:tcPr>
-                </a:tc>
-                <a:tc>
-                  <a:txBody>
-                    <a:bodyPr/>
-                    <a:lstStyle/>
-                    <a:p>
-                      <a:pPr algn="ctr"/>
-                      <a:r>
-                        <a:rPr lang="ca-ES" sz="1200" dirty="0"/>
-                        <a:t>CON </a:t>
-                      </a:r>
-                      <a:r>
-                        <a:rPr lang="ca-ES" sz="1200" dirty="0" err="1"/>
-                        <a:t>Préstamo</a:t>
-                      </a:r>
-                      <a:endParaRPr lang="ca-ES" sz="1200" dirty="0"/>
-                    </a:p>
-                  </a:txBody>
-                  <a:tcPr anchor="ctr">
-                    <a:lnL w="12700" cap="flat" cmpd="sng" algn="ctr">
-                      <a:solidFill>
-                        <a:schemeClr val="tx1"/>
-                      </a:solidFill>
-                      <a:prstDash val="solid"/>
-                      <a:round/>
-                      <a:headEnd type="none" w="med" len="med"/>
-                      <a:tailEnd type="none" w="med" len="med"/>
-                    </a:lnL>
-                    <a:lnR w="12700" cap="flat" cmpd="sng" algn="ctr">
-                      <a:solidFill>
-                        <a:schemeClr val="tx1"/>
-                      </a:solidFill>
-                      <a:prstDash val="solid"/>
-                      <a:round/>
-                      <a:headEnd type="none" w="med" len="med"/>
-                      <a:tailEnd type="none" w="med" len="med"/>
-                    </a:lnR>
-                    <a:lnT w="12700" cap="flat" cmpd="sng" algn="ctr">
-                      <a:solidFill>
-                        <a:schemeClr val="tx1"/>
-                      </a:solidFill>
-                      <a:prstDash val="solid"/>
-                      <a:round/>
-                      <a:headEnd type="none" w="med" len="med"/>
-                      <a:tailEnd type="none" w="med" len="med"/>
-                    </a:lnT>
-                    <a:lnB w="12700" cap="flat" cmpd="sng" algn="ctr">
-                      <a:solidFill>
-                        <a:schemeClr val="tx1"/>
-                      </a:solidFill>
-                      <a:prstDash val="solid"/>
-                      <a:round/>
-                      <a:headEnd type="none" w="med" len="med"/>
-                      <a:tailEnd type="none" w="med" len="med"/>
-                    </a:lnB>
-                    <a:lnTlToBr w="12700" cmpd="sng">
-                      <a:noFill/>
-                      <a:prstDash val="solid"/>
-                    </a:lnTlToBr>
-                    <a:lnBlToTr w="12700" cmpd="sng">
-                      <a:noFill/>
-                      <a:prstDash val="solid"/>
-                    </a:lnBlToTr>
-                    <a:solidFill>
-                      <a:srgbClr val="00B050"/>
-                    </a:solidFill>
-                  </a:tcPr>
-                </a:tc>
-                <a:extLst>
-                  <a:ext uri="{0D108BD9-81ED-4DB2-BD59-A6C34878D82A}">
-                    <a16:rowId xmlns:a16="http://schemas.microsoft.com/office/drawing/2014/main" val="343259582"/>
-                  </a:ext>
-                </a:extLst>
-              </a:tr>
-              <a:tr h="611280">
-                <a:tc>
-                  <a:txBody>
-                    <a:bodyPr/>
-                    <a:lstStyle/>
-                    <a:p>
-                      <a:pPr marL="0" algn="ctr" defTabSz="914400" rtl="0" eaLnBrk="1" latinLnBrk="0" hangingPunct="1"/>
-                      <a:r>
-                        <a:rPr lang="ca-ES" sz="1200" b="1" kern="1200" dirty="0">
-                          <a:solidFill>
-                            <a:schemeClr val="lt1"/>
-                          </a:solidFill>
-                          <a:latin typeface="+mn-lt"/>
-                          <a:ea typeface="+mn-ea"/>
-                          <a:cs typeface="+mn-cs"/>
-                        </a:rPr>
-                        <a:t>SIN Hipoteca</a:t>
-                      </a:r>
-                    </a:p>
-                  </a:txBody>
-                  <a:tcPr anchor="ctr">
-                    <a:lnL w="12700" cap="flat" cmpd="sng" algn="ctr">
-                      <a:solidFill>
-                        <a:schemeClr val="tx1"/>
-                      </a:solidFill>
-                      <a:prstDash val="solid"/>
-                      <a:round/>
-                      <a:headEnd type="none" w="med" len="med"/>
-                      <a:tailEnd type="none" w="med" len="med"/>
-                    </a:lnL>
-                    <a:lnR w="12700" cap="flat" cmpd="sng" algn="ctr">
-                      <a:solidFill>
-                        <a:schemeClr val="tx1"/>
-                      </a:solidFill>
-                      <a:prstDash val="solid"/>
-                      <a:round/>
-                      <a:headEnd type="none" w="med" len="med"/>
-                      <a:tailEnd type="none" w="med" len="med"/>
-                    </a:lnR>
-                    <a:lnT w="12700" cap="flat" cmpd="sng" algn="ctr">
-                      <a:solidFill>
-                        <a:schemeClr val="tx1"/>
-                      </a:solidFill>
-                      <a:prstDash val="solid"/>
-                      <a:round/>
-                      <a:headEnd type="none" w="med" len="med"/>
-                      <a:tailEnd type="none" w="med" len="med"/>
-                    </a:lnT>
-                    <a:lnB w="12700" cap="flat" cmpd="sng" algn="ctr">
-                      <a:solidFill>
-                        <a:schemeClr val="tx1"/>
-                      </a:solidFill>
-                      <a:prstDash val="solid"/>
-                      <a:round/>
-                      <a:headEnd type="none" w="med" len="med"/>
-                      <a:tailEnd type="none" w="med" len="med"/>
-                    </a:lnB>
-                    <a:lnTlToBr w="12700" cmpd="sng">
-                      <a:noFill/>
-                      <a:prstDash val="solid"/>
-                    </a:lnTlToBr>
-                    <a:lnBlToTr w="12700" cmpd="sng">
-                      <a:noFill/>
-                      <a:prstDash val="solid"/>
-                    </a:lnBlToTr>
-                    <a:solidFill>
-                      <a:schemeClr val="accent1"/>
-                    </a:solidFill>
-                  </a:tcPr>
-                </a:tc>
-                <a:tc>
-                  <a:txBody>
-                    <a:bodyPr/>
-                    <a:lstStyle/>
-                    <a:p>
-                      <a:pPr algn="ctr"/>
-                      <a:r>
-                        <a:rPr lang="ca-ES" sz="1400" b="1" dirty="0">
-                          <a:solidFill>
-                            <a:schemeClr val="tx1"/>
-                          </a:solidFill>
-                        </a:rPr>
-                        <a:t>1868,09</a:t>
-                      </a:r>
-                    </a:p>
-                  </a:txBody>
-                  <a:tcPr anchor="ctr">
-                    <a:lnL w="12700" cap="flat" cmpd="sng" algn="ctr">
-                      <a:solidFill>
-                        <a:schemeClr val="tx1"/>
-                      </a:solidFill>
-                      <a:prstDash val="solid"/>
-                      <a:round/>
-                      <a:headEnd type="none" w="med" len="med"/>
-                      <a:tailEnd type="none" w="med" len="med"/>
-                    </a:lnL>
-                    <a:lnR w="12700" cap="flat" cmpd="sng" algn="ctr">
-                      <a:solidFill>
-                        <a:schemeClr val="tx1"/>
-                      </a:solidFill>
-                      <a:prstDash val="solid"/>
-                      <a:round/>
-                      <a:headEnd type="none" w="med" len="med"/>
-                      <a:tailEnd type="none" w="med" len="med"/>
-                    </a:lnR>
-                    <a:lnT w="12700" cap="flat" cmpd="sng" algn="ctr">
-                      <a:solidFill>
-                        <a:schemeClr val="tx1"/>
-                      </a:solidFill>
-                      <a:prstDash val="solid"/>
-                      <a:round/>
-                      <a:headEnd type="none" w="med" len="med"/>
-                      <a:tailEnd type="none" w="med" len="med"/>
-                    </a:lnT>
-                    <a:lnB w="12700" cap="flat" cmpd="sng" algn="ctr">
-                      <a:solidFill>
-                        <a:schemeClr val="tx1"/>
-                      </a:solidFill>
-                      <a:prstDash val="solid"/>
-                      <a:round/>
-                      <a:headEnd type="none" w="med" len="med"/>
-                      <a:tailEnd type="none" w="med" len="med"/>
-                    </a:lnB>
-                    <a:lnTlToBr w="12700" cmpd="sng">
-                      <a:noFill/>
-                      <a:prstDash val="solid"/>
-                    </a:lnTlToBr>
-                    <a:lnBlToTr w="12700" cmpd="sng">
-                      <a:noFill/>
-                      <a:prstDash val="solid"/>
-                    </a:lnBlToTr>
-                    <a:solidFill>
-                      <a:schemeClr val="bg1"/>
-                    </a:solidFill>
-                  </a:tcPr>
-                </a:tc>
-                <a:tc>
-                  <a:txBody>
-                    <a:bodyPr/>
-                    <a:lstStyle/>
-                    <a:p>
-                      <a:pPr algn="ctr"/>
-                      <a:r>
-                        <a:rPr lang="ca-ES" sz="1400" b="1" dirty="0">
-                          <a:solidFill>
-                            <a:schemeClr val="tx1"/>
-                          </a:solidFill>
-                        </a:rPr>
-                        <a:t>877,98</a:t>
-                      </a:r>
-                    </a:p>
-                    <a:p>
-                      <a:pPr algn="ctr"/>
-                      <a:r>
-                        <a:rPr lang="ca-ES" sz="1200" b="1" dirty="0">
-                          <a:solidFill>
-                            <a:srgbClr val="FF0000"/>
-                          </a:solidFill>
-                        </a:rPr>
-                        <a:t>-53%</a:t>
-                      </a:r>
-                    </a:p>
-                  </a:txBody>
-                  <a:tcPr anchor="ctr">
-                    <a:lnL w="12700" cap="flat" cmpd="sng" algn="ctr">
-                      <a:solidFill>
-                        <a:schemeClr val="tx1"/>
-                      </a:solidFill>
-                      <a:prstDash val="solid"/>
-                      <a:round/>
-                      <a:headEnd type="none" w="med" len="med"/>
-                      <a:tailEnd type="none" w="med" len="med"/>
-                    </a:lnL>
-                    <a:lnR w="12700" cap="flat" cmpd="sng" algn="ctr">
-                      <a:solidFill>
-                        <a:schemeClr val="tx1"/>
-                      </a:solidFill>
-                      <a:prstDash val="solid"/>
-                      <a:round/>
-                      <a:headEnd type="none" w="med" len="med"/>
-                      <a:tailEnd type="none" w="med" len="med"/>
-                    </a:lnR>
-                    <a:lnT w="12700" cap="flat" cmpd="sng" algn="ctr">
-                      <a:solidFill>
-                        <a:schemeClr val="tx1"/>
-                      </a:solidFill>
-                      <a:prstDash val="solid"/>
-                      <a:round/>
-                      <a:headEnd type="none" w="med" len="med"/>
-                      <a:tailEnd type="none" w="med" len="med"/>
-                    </a:lnT>
-                    <a:lnB w="12700" cap="flat" cmpd="sng" algn="ctr">
-                      <a:solidFill>
-                        <a:schemeClr val="tx1"/>
-                      </a:solidFill>
-                      <a:prstDash val="solid"/>
-                      <a:round/>
-                      <a:headEnd type="none" w="med" len="med"/>
-                      <a:tailEnd type="none" w="med" len="med"/>
-                    </a:lnB>
-                    <a:lnTlToBr w="12700" cmpd="sng">
-                      <a:noFill/>
-                      <a:prstDash val="solid"/>
-                    </a:lnTlToBr>
-                    <a:lnBlToTr w="12700" cmpd="sng">
-                      <a:noFill/>
-                      <a:prstDash val="solid"/>
-                    </a:lnBlToTr>
-                    <a:solidFill>
-                      <a:schemeClr val="bg1"/>
-                    </a:solidFill>
-                  </a:tcPr>
-                </a:tc>
-                <a:extLst>
-                  <a:ext uri="{0D108BD9-81ED-4DB2-BD59-A6C34878D82A}">
-                    <a16:rowId xmlns:a16="http://schemas.microsoft.com/office/drawing/2014/main" val="1134799246"/>
-                  </a:ext>
-                </a:extLst>
-              </a:tr>
-              <a:tr h="611280">
-                <a:tc>
-                  <a:txBody>
-                    <a:bodyPr/>
-                    <a:lstStyle/>
-                    <a:p>
-                      <a:pPr marL="0" algn="ctr" defTabSz="914400" rtl="0" eaLnBrk="1" latinLnBrk="0" hangingPunct="1"/>
-                      <a:r>
-                        <a:rPr lang="ca-ES" sz="1200" b="1" kern="1200" dirty="0">
-                          <a:solidFill>
-                            <a:schemeClr val="lt1"/>
-                          </a:solidFill>
-                          <a:latin typeface="+mn-lt"/>
-                          <a:ea typeface="+mn-ea"/>
-                          <a:cs typeface="+mn-cs"/>
-                        </a:rPr>
-                        <a:t>CON Hipoteca</a:t>
-                      </a:r>
-                    </a:p>
-                  </a:txBody>
-                  <a:tcPr anchor="ctr">
-                    <a:lnL w="12700" cap="flat" cmpd="sng" algn="ctr">
-                      <a:solidFill>
-                        <a:schemeClr val="tx1"/>
-                      </a:solidFill>
-                      <a:prstDash val="solid"/>
-                      <a:round/>
-                      <a:headEnd type="none" w="med" len="med"/>
-                      <a:tailEnd type="none" w="med" len="med"/>
-                    </a:lnL>
-                    <a:lnR w="12700" cap="flat" cmpd="sng" algn="ctr">
-                      <a:solidFill>
-                        <a:schemeClr val="tx1"/>
-                      </a:solidFill>
-                      <a:prstDash val="solid"/>
-                      <a:round/>
-                      <a:headEnd type="none" w="med" len="med"/>
-                      <a:tailEnd type="none" w="med" len="med"/>
-                    </a:lnR>
-                    <a:lnT w="12700" cap="flat" cmpd="sng" algn="ctr">
-                      <a:solidFill>
-                        <a:schemeClr val="tx1"/>
-                      </a:solidFill>
-                      <a:prstDash val="solid"/>
-                      <a:round/>
-                      <a:headEnd type="none" w="med" len="med"/>
-                      <a:tailEnd type="none" w="med" len="med"/>
-                    </a:lnT>
-                    <a:lnB w="12700" cap="flat" cmpd="sng" algn="ctr">
-                      <a:solidFill>
-                        <a:schemeClr val="tx1"/>
-                      </a:solidFill>
-                      <a:prstDash val="solid"/>
-                      <a:round/>
-                      <a:headEnd type="none" w="med" len="med"/>
-                      <a:tailEnd type="none" w="med" len="med"/>
-                    </a:lnB>
-                    <a:lnTlToBr w="12700" cmpd="sng">
-                      <a:noFill/>
-                      <a:prstDash val="solid"/>
-                    </a:lnTlToBr>
-                    <a:lnBlToTr w="12700" cmpd="sng">
-                      <a:noFill/>
-                      <a:prstDash val="solid"/>
-                    </a:lnBlToTr>
-                    <a:solidFill>
-                      <a:schemeClr val="accent1"/>
-                    </a:solidFill>
-                  </a:tcPr>
-                </a:tc>
-                <a:tc>
-                  <a:txBody>
-                    <a:bodyPr/>
-                    <a:lstStyle/>
-                    <a:p>
-                      <a:pPr algn="ctr"/>
-                      <a:r>
-                        <a:rPr lang="ca-ES" sz="1400" b="1" dirty="0">
-                          <a:solidFill>
-                            <a:schemeClr val="tx1"/>
-                          </a:solidFill>
-                        </a:rPr>
-                        <a:t>1359,35</a:t>
-                      </a:r>
-                    </a:p>
-                    <a:p>
-                      <a:pPr algn="ctr"/>
-                      <a:r>
-                        <a:rPr lang="ca-ES" sz="1200" b="1" dirty="0">
-                          <a:solidFill>
-                            <a:srgbClr val="FF0000"/>
-                          </a:solidFill>
-                        </a:rPr>
-                        <a:t>-27,2%</a:t>
-                      </a:r>
-                    </a:p>
-                  </a:txBody>
-                  <a:tcPr anchor="ctr">
-                    <a:lnL w="12700" cap="flat" cmpd="sng" algn="ctr">
-                      <a:solidFill>
-                        <a:schemeClr val="tx1"/>
-                      </a:solidFill>
-                      <a:prstDash val="solid"/>
-                      <a:round/>
-                      <a:headEnd type="none" w="med" len="med"/>
-                      <a:tailEnd type="none" w="med" len="med"/>
-                    </a:lnL>
-                    <a:lnR w="12700" cap="flat" cmpd="sng" algn="ctr">
-                      <a:solidFill>
-                        <a:schemeClr val="tx1"/>
-                      </a:solidFill>
-                      <a:prstDash val="solid"/>
-                      <a:round/>
-                      <a:headEnd type="none" w="med" len="med"/>
-                      <a:tailEnd type="none" w="med" len="med"/>
-                    </a:lnR>
-                    <a:lnT w="12700" cap="flat" cmpd="sng" algn="ctr">
-                      <a:solidFill>
-                        <a:schemeClr val="tx1"/>
-                      </a:solidFill>
-                      <a:prstDash val="solid"/>
-                      <a:round/>
-                      <a:headEnd type="none" w="med" len="med"/>
-                      <a:tailEnd type="none" w="med" len="med"/>
-                    </a:lnT>
-                    <a:lnB w="12700" cap="flat" cmpd="sng" algn="ctr">
-                      <a:solidFill>
-                        <a:schemeClr val="tx1"/>
-                      </a:solidFill>
-                      <a:prstDash val="solid"/>
-                      <a:round/>
-                      <a:headEnd type="none" w="med" len="med"/>
-                      <a:tailEnd type="none" w="med" len="med"/>
-                    </a:lnB>
-                    <a:lnTlToBr w="12700" cmpd="sng">
-                      <a:noFill/>
-                      <a:prstDash val="solid"/>
-                    </a:lnTlToBr>
-                    <a:lnBlToTr w="12700" cmpd="sng">
-                      <a:noFill/>
-                      <a:prstDash val="solid"/>
-                    </a:lnBlToTr>
-                    <a:solidFill>
-                      <a:schemeClr val="bg1"/>
-                    </a:solidFill>
-                  </a:tcPr>
-                </a:tc>
-                <a:tc>
-                  <a:txBody>
-                    <a:bodyPr/>
-                    <a:lstStyle/>
-                    <a:p>
-                      <a:pPr algn="ctr"/>
-                      <a:r>
-                        <a:rPr lang="ca-ES" sz="1400" b="1" dirty="0">
-                          <a:solidFill>
-                            <a:schemeClr val="tx1"/>
-                          </a:solidFill>
-                        </a:rPr>
-                        <a:t>783,29</a:t>
-                      </a:r>
-                    </a:p>
-                    <a:p>
-                      <a:pPr algn="ctr"/>
-                      <a:r>
-                        <a:rPr lang="ca-ES" sz="1200" b="1" dirty="0">
-                          <a:solidFill>
-                            <a:srgbClr val="FF0000"/>
-                          </a:solidFill>
-                        </a:rPr>
-                        <a:t>-58,1%</a:t>
-                      </a:r>
-                    </a:p>
-                  </a:txBody>
-                  <a:tcPr anchor="ctr">
-                    <a:lnL w="12700" cap="flat" cmpd="sng" algn="ctr">
-                      <a:solidFill>
-                        <a:schemeClr val="tx1"/>
-                      </a:solidFill>
-                      <a:prstDash val="solid"/>
-                      <a:round/>
-                      <a:headEnd type="none" w="med" len="med"/>
-                      <a:tailEnd type="none" w="med" len="med"/>
-                    </a:lnL>
-                    <a:lnR w="12700" cap="flat" cmpd="sng" algn="ctr">
-                      <a:solidFill>
-                        <a:schemeClr val="tx1"/>
-                      </a:solidFill>
-                      <a:prstDash val="solid"/>
-                      <a:round/>
-                      <a:headEnd type="none" w="med" len="med"/>
-                      <a:tailEnd type="none" w="med" len="med"/>
-                    </a:lnR>
-                    <a:lnT w="12700" cap="flat" cmpd="sng" algn="ctr">
-                      <a:solidFill>
-                        <a:schemeClr val="tx1"/>
-                      </a:solidFill>
-                      <a:prstDash val="solid"/>
-                      <a:round/>
-                      <a:headEnd type="none" w="med" len="med"/>
-                      <a:tailEnd type="none" w="med" len="med"/>
-                    </a:lnT>
-                    <a:lnB w="12700" cap="flat" cmpd="sng" algn="ctr">
-                      <a:solidFill>
-                        <a:schemeClr val="tx1"/>
-                      </a:solidFill>
-                      <a:prstDash val="solid"/>
-                      <a:round/>
-                      <a:headEnd type="none" w="med" len="med"/>
-                      <a:tailEnd type="none" w="med" len="med"/>
-                    </a:lnB>
-                    <a:lnTlToBr w="12700" cmpd="sng">
-                      <a:noFill/>
-                      <a:prstDash val="solid"/>
-                    </a:lnTlToBr>
-                    <a:lnBlToTr w="12700" cmpd="sng">
-                      <a:noFill/>
-                      <a:prstDash val="solid"/>
-                    </a:lnBlToTr>
-                    <a:solidFill>
-                      <a:schemeClr val="bg1"/>
-                    </a:solidFill>
-                  </a:tcPr>
-                </a:tc>
-                <a:extLst>
-                  <a:ext uri="{0D108BD9-81ED-4DB2-BD59-A6C34878D82A}">
-                    <a16:rowId xmlns:a16="http://schemas.microsoft.com/office/drawing/2014/main" val="578657590"/>
-                  </a:ext>
-                </a:extLst>
-              </a:tr>
-            </a:tbl>
-          </a:graphicData>
-        </a:graphic>
-      </p:graphicFrame>
-      <p:graphicFrame>
-        <p:nvGraphicFramePr>
-          <p:cNvPr id="9" name="Taula 8">
-            <a:extLst>
-              <a:ext uri="{FF2B5EF4-FFF2-40B4-BE49-F238E27FC236}">
-                <a16:creationId xmlns:a16="http://schemas.microsoft.com/office/drawing/2014/main" id="{532A9336-A071-DC83-5B2A-2DC9E0C1BE49}"/>
-              </a:ext>
-            </a:extLst>
-          </p:cNvPr>
-          <p:cNvGraphicFramePr>
-            <a:graphicFrameLocks noGrp="1"/>
-          </p:cNvGraphicFramePr>
-          <p:nvPr>
-            <p:extLst>
-              <p:ext uri="{D42A27DB-BD31-4B8C-83A1-F6EECF244321}">
-                <p14:modId xmlns:p14="http://schemas.microsoft.com/office/powerpoint/2010/main" val="975278084"/>
-              </p:ext>
-            </p:extLst>
-          </p:nvPr>
-        </p:nvGraphicFramePr>
-        <p:xfrm>
-          <a:off x="505958" y="3990359"/>
-          <a:ext cx="3420582" cy="2193744"/>
-        </p:xfrm>
-        <a:graphic>
-          <a:graphicData uri="http://schemas.openxmlformats.org/drawingml/2006/table">
-            <a:tbl>
-              <a:tblPr firstRow="1" bandRow="1">
-                <a:tableStyleId>{6E25E649-3F16-4E02-A733-19D2CDBF48F0}</a:tableStyleId>
-              </a:tblPr>
-              <a:tblGrid>
-                <a:gridCol w="1140194">
-                  <a:extLst>
-                    <a:ext uri="{9D8B030D-6E8A-4147-A177-3AD203B41FA5}">
-                      <a16:colId xmlns:a16="http://schemas.microsoft.com/office/drawing/2014/main" val="1184834251"/>
-                    </a:ext>
-                  </a:extLst>
-                </a:gridCol>
-                <a:gridCol w="1140194">
-                  <a:extLst>
-                    <a:ext uri="{9D8B030D-6E8A-4147-A177-3AD203B41FA5}">
-                      <a16:colId xmlns:a16="http://schemas.microsoft.com/office/drawing/2014/main" val="192274667"/>
-                    </a:ext>
-                  </a:extLst>
-                </a:gridCol>
-                <a:gridCol w="1140194">
-                  <a:extLst>
-                    <a:ext uri="{9D8B030D-6E8A-4147-A177-3AD203B41FA5}">
-                      <a16:colId xmlns:a16="http://schemas.microsoft.com/office/drawing/2014/main" val="3922078841"/>
-                    </a:ext>
-                  </a:extLst>
-                </a:gridCol>
-              </a:tblGrid>
-              <a:tr h="770326">
-                <a:tc>
-                  <a:txBody>
-                    <a:bodyPr/>
-                    <a:lstStyle/>
-                    <a:p>
-                      <a:pPr algn="ctr"/>
-                      <a:r>
-                        <a:rPr lang="es-ES" sz="1100" noProof="0" dirty="0">
-                          <a:solidFill>
-                            <a:schemeClr val="tx1"/>
-                          </a:solidFill>
-                        </a:rPr>
-                        <a:t>Incumplimiento</a:t>
-                      </a:r>
-                    </a:p>
-                    <a:p>
-                      <a:pPr algn="ctr"/>
-                      <a:r>
-                        <a:rPr lang="es-ES" sz="1100" noProof="0" dirty="0">
-                          <a:solidFill>
-                            <a:schemeClr val="tx1"/>
-                          </a:solidFill>
-                        </a:rPr>
-                        <a:t>vs.</a:t>
-                      </a:r>
-                    </a:p>
-                    <a:p>
-                      <a:pPr algn="ctr"/>
-                      <a:r>
-                        <a:rPr lang="es-ES" sz="1100" noProof="0" dirty="0">
-                          <a:solidFill>
-                            <a:schemeClr val="tx1"/>
-                          </a:solidFill>
-                        </a:rPr>
-                        <a:t>Préstamo e Hipoteca</a:t>
-                      </a:r>
-                    </a:p>
-                  </a:txBody>
-                  <a:tcPr>
-                    <a:lnL w="12700" cap="flat" cmpd="sng" algn="ctr">
-                      <a:noFill/>
-                      <a:prstDash val="solid"/>
-                      <a:round/>
-                      <a:headEnd type="none" w="med" len="med"/>
-                      <a:tailEnd type="none" w="med" len="med"/>
-                    </a:lnL>
-                    <a:lnR w="12700" cap="flat" cmpd="sng" algn="ctr">
-                      <a:solidFill>
-                        <a:schemeClr val="tx1"/>
-                      </a:solidFill>
-                      <a:prstDash val="solid"/>
-                      <a:round/>
-                      <a:headEnd type="none" w="med" len="med"/>
-                      <a:tailEnd type="none" w="med" len="med"/>
-                    </a:lnR>
-                    <a:lnT w="12700" cap="flat" cmpd="sng" algn="ctr">
-                      <a:noFill/>
-                      <a:prstDash val="solid"/>
-                      <a:round/>
-                      <a:headEnd type="none" w="med" len="med"/>
-                      <a:tailEnd type="none" w="med" len="med"/>
-                    </a:lnT>
-                    <a:lnB w="12700" cap="flat" cmpd="sng" algn="ctr">
-                      <a:solidFill>
-                        <a:schemeClr val="tx1"/>
-                      </a:solidFill>
-                      <a:prstDash val="solid"/>
-                      <a:round/>
-                      <a:headEnd type="none" w="med" len="med"/>
-                      <a:tailEnd type="none" w="med" len="med"/>
-                    </a:lnB>
-                    <a:lnTlToBr w="12700" cmpd="sng">
-                      <a:noFill/>
-                      <a:prstDash val="solid"/>
-                    </a:lnTlToBr>
-                    <a:lnBlToTr w="12700" cmpd="sng">
-                      <a:noFill/>
-                      <a:prstDash val="solid"/>
-                    </a:lnBlToTr>
-                    <a:noFill/>
-                  </a:tcPr>
-                </a:tc>
-                <a:tc>
-                  <a:txBody>
-                    <a:bodyPr/>
-                    <a:lstStyle/>
-                    <a:p>
-                      <a:pPr algn="ctr"/>
-                      <a:r>
-                        <a:rPr lang="es-ES" sz="1200" noProof="0" dirty="0"/>
-                        <a:t>SIN Préstamo</a:t>
-                      </a:r>
-                    </a:p>
-                  </a:txBody>
-                  <a:tcPr anchor="ctr">
-                    <a:lnL w="12700" cap="flat" cmpd="sng" algn="ctr">
-                      <a:solidFill>
-                        <a:schemeClr val="tx1"/>
-                      </a:solidFill>
-                      <a:prstDash val="solid"/>
-                      <a:round/>
-                      <a:headEnd type="none" w="med" len="med"/>
-                      <a:tailEnd type="none" w="med" len="med"/>
-                    </a:lnL>
-                    <a:lnR w="12700" cap="flat" cmpd="sng" algn="ctr">
-                      <a:solidFill>
-                        <a:schemeClr val="tx1"/>
-                      </a:solidFill>
-                      <a:prstDash val="solid"/>
-                      <a:round/>
-                      <a:headEnd type="none" w="med" len="med"/>
-                      <a:tailEnd type="none" w="med" len="med"/>
-                    </a:lnR>
-                    <a:lnT w="12700" cap="flat" cmpd="sng" algn="ctr">
-                      <a:solidFill>
-                        <a:schemeClr val="tx1"/>
-                      </a:solidFill>
-                      <a:prstDash val="solid"/>
-                      <a:round/>
-                      <a:headEnd type="none" w="med" len="med"/>
-                      <a:tailEnd type="none" w="med" len="med"/>
-                    </a:lnT>
-                    <a:lnB w="12700" cap="flat" cmpd="sng" algn="ctr">
-                      <a:solidFill>
-                        <a:schemeClr val="tx1"/>
-                      </a:solidFill>
-                      <a:prstDash val="solid"/>
-                      <a:round/>
-                      <a:headEnd type="none" w="med" len="med"/>
-                      <a:tailEnd type="none" w="med" len="med"/>
-                    </a:lnB>
-                    <a:lnTlToBr w="12700" cmpd="sng">
-                      <a:noFill/>
-                      <a:prstDash val="solid"/>
-                    </a:lnTlToBr>
-                    <a:lnBlToTr w="12700" cmpd="sng">
-                      <a:noFill/>
-                      <a:prstDash val="solid"/>
-                    </a:lnBlToTr>
-                    <a:solidFill>
-                      <a:srgbClr val="00B050"/>
-                    </a:solidFill>
-                  </a:tcPr>
-                </a:tc>
-                <a:tc>
-                  <a:txBody>
-                    <a:bodyPr/>
-                    <a:lstStyle/>
-                    <a:p>
-                      <a:pPr algn="ctr"/>
-                      <a:r>
-                        <a:rPr lang="es-ES" sz="1200" noProof="0" dirty="0"/>
-                        <a:t>CON Préstamo</a:t>
-                      </a:r>
-                    </a:p>
-                  </a:txBody>
-                  <a:tcPr anchor="ctr">
-                    <a:lnL w="12700" cap="flat" cmpd="sng" algn="ctr">
-                      <a:solidFill>
-                        <a:schemeClr val="tx1"/>
-                      </a:solidFill>
-                      <a:prstDash val="solid"/>
-                      <a:round/>
-                      <a:headEnd type="none" w="med" len="med"/>
-                      <a:tailEnd type="none" w="med" len="med"/>
-                    </a:lnL>
-                    <a:lnR w="12700" cap="flat" cmpd="sng" algn="ctr">
-                      <a:solidFill>
-                        <a:schemeClr val="tx1"/>
-                      </a:solidFill>
-                      <a:prstDash val="solid"/>
-                      <a:round/>
-                      <a:headEnd type="none" w="med" len="med"/>
-                      <a:tailEnd type="none" w="med" len="med"/>
-                    </a:lnR>
-                    <a:lnT w="12700" cap="flat" cmpd="sng" algn="ctr">
-                      <a:solidFill>
-                        <a:schemeClr val="tx1"/>
-                      </a:solidFill>
-                      <a:prstDash val="solid"/>
-                      <a:round/>
-                      <a:headEnd type="none" w="med" len="med"/>
-                      <a:tailEnd type="none" w="med" len="med"/>
-                    </a:lnT>
-                    <a:lnB w="12700" cap="flat" cmpd="sng" algn="ctr">
-                      <a:solidFill>
-                        <a:schemeClr val="tx1"/>
-                      </a:solidFill>
-                      <a:prstDash val="solid"/>
-                      <a:round/>
-                      <a:headEnd type="none" w="med" len="med"/>
-                      <a:tailEnd type="none" w="med" len="med"/>
-                    </a:lnB>
-                    <a:lnTlToBr w="12700" cmpd="sng">
-                      <a:noFill/>
-                      <a:prstDash val="solid"/>
-                    </a:lnTlToBr>
-                    <a:lnBlToTr w="12700" cmpd="sng">
-                      <a:noFill/>
-                      <a:prstDash val="solid"/>
-                    </a:lnBlToTr>
-                    <a:solidFill>
-                      <a:srgbClr val="00B050"/>
-                    </a:solidFill>
-                  </a:tcPr>
-                </a:tc>
-                <a:extLst>
-                  <a:ext uri="{0D108BD9-81ED-4DB2-BD59-A6C34878D82A}">
-                    <a16:rowId xmlns:a16="http://schemas.microsoft.com/office/drawing/2014/main" val="343259582"/>
-                  </a:ext>
-                </a:extLst>
-              </a:tr>
-              <a:tr h="711709">
-                <a:tc>
-                  <a:txBody>
-                    <a:bodyPr/>
-                    <a:lstStyle/>
-                    <a:p>
-                      <a:pPr marL="0" algn="ctr" defTabSz="914400" rtl="0" eaLnBrk="1" latinLnBrk="0" hangingPunct="1"/>
-                      <a:r>
-                        <a:rPr lang="es-ES" sz="1200" b="1" kern="1200" noProof="0" dirty="0">
-                          <a:solidFill>
-                            <a:schemeClr val="lt1"/>
-                          </a:solidFill>
-                          <a:latin typeface="+mn-lt"/>
-                          <a:ea typeface="+mn-ea"/>
-                          <a:cs typeface="+mn-cs"/>
-                        </a:rPr>
-                        <a:t>SIN Hipoteca</a:t>
-                      </a:r>
-                    </a:p>
-                  </a:txBody>
-                  <a:tcPr anchor="ctr">
-                    <a:lnL w="12700" cap="flat" cmpd="sng" algn="ctr">
-                      <a:solidFill>
-                        <a:schemeClr val="tx1"/>
-                      </a:solidFill>
-                      <a:prstDash val="solid"/>
-                      <a:round/>
-                      <a:headEnd type="none" w="med" len="med"/>
-                      <a:tailEnd type="none" w="med" len="med"/>
-                    </a:lnL>
-                    <a:lnR w="12700" cap="flat" cmpd="sng" algn="ctr">
-                      <a:solidFill>
-                        <a:schemeClr val="tx1"/>
-                      </a:solidFill>
-                      <a:prstDash val="solid"/>
-                      <a:round/>
-                      <a:headEnd type="none" w="med" len="med"/>
-                      <a:tailEnd type="none" w="med" len="med"/>
-                    </a:lnR>
-                    <a:lnT w="12700" cap="flat" cmpd="sng" algn="ctr">
-                      <a:solidFill>
-                        <a:schemeClr val="tx1"/>
-                      </a:solidFill>
-                      <a:prstDash val="solid"/>
-                      <a:round/>
-                      <a:headEnd type="none" w="med" len="med"/>
-                      <a:tailEnd type="none" w="med" len="med"/>
-                    </a:lnT>
-                    <a:lnB w="12700" cap="flat" cmpd="sng" algn="ctr">
-                      <a:solidFill>
-                        <a:schemeClr val="tx1"/>
-                      </a:solidFill>
-                      <a:prstDash val="solid"/>
-                      <a:round/>
-                      <a:headEnd type="none" w="med" len="med"/>
-                      <a:tailEnd type="none" w="med" len="med"/>
-                    </a:lnB>
-                    <a:lnTlToBr w="12700" cmpd="sng">
-                      <a:noFill/>
-                      <a:prstDash val="solid"/>
-                    </a:lnTlToBr>
-                    <a:lnBlToTr w="12700" cmpd="sng">
-                      <a:noFill/>
-                      <a:prstDash val="solid"/>
-                    </a:lnBlToTr>
-                    <a:solidFill>
-                      <a:schemeClr val="accent1"/>
-                    </a:solidFill>
-                  </a:tcPr>
-                </a:tc>
-                <a:tc>
-                  <a:txBody>
-                    <a:bodyPr/>
-                    <a:lstStyle/>
-                    <a:p>
-                      <a:pPr algn="ctr"/>
-                      <a:r>
-                        <a:rPr lang="es-ES" sz="1400" b="1" noProof="0" dirty="0">
-                          <a:solidFill>
-                            <a:schemeClr val="tx1"/>
-                          </a:solidFill>
-                        </a:rPr>
-                        <a:t>0,92%</a:t>
-                      </a:r>
-                    </a:p>
-                  </a:txBody>
-                  <a:tcPr anchor="ctr">
-                    <a:lnL w="12700" cap="flat" cmpd="sng" algn="ctr">
-                      <a:solidFill>
-                        <a:schemeClr val="tx1"/>
-                      </a:solidFill>
-                      <a:prstDash val="solid"/>
-                      <a:round/>
-                      <a:headEnd type="none" w="med" len="med"/>
-                      <a:tailEnd type="none" w="med" len="med"/>
-                    </a:lnL>
-                    <a:lnR w="12700" cap="flat" cmpd="sng" algn="ctr">
-                      <a:solidFill>
-                        <a:schemeClr val="tx1"/>
-                      </a:solidFill>
-                      <a:prstDash val="solid"/>
-                      <a:round/>
-                      <a:headEnd type="none" w="med" len="med"/>
-                      <a:tailEnd type="none" w="med" len="med"/>
-                    </a:lnR>
-                    <a:lnT w="12700" cap="flat" cmpd="sng" algn="ctr">
-                      <a:solidFill>
-                        <a:schemeClr val="tx1"/>
-                      </a:solidFill>
-                      <a:prstDash val="solid"/>
-                      <a:round/>
-                      <a:headEnd type="none" w="med" len="med"/>
-                      <a:tailEnd type="none" w="med" len="med"/>
-                    </a:lnT>
-                    <a:lnB w="12700" cap="flat" cmpd="sng" algn="ctr">
-                      <a:solidFill>
-                        <a:schemeClr val="tx1"/>
-                      </a:solidFill>
-                      <a:prstDash val="solid"/>
-                      <a:round/>
-                      <a:headEnd type="none" w="med" len="med"/>
-                      <a:tailEnd type="none" w="med" len="med"/>
-                    </a:lnB>
-                    <a:lnTlToBr w="12700" cmpd="sng">
-                      <a:noFill/>
-                      <a:prstDash val="solid"/>
-                    </a:lnTlToBr>
-                    <a:lnBlToTr w="12700" cmpd="sng">
-                      <a:noFill/>
-                      <a:prstDash val="solid"/>
-                    </a:lnBlToTr>
-                    <a:solidFill>
-                      <a:schemeClr val="bg1"/>
-                    </a:solidFill>
-                  </a:tcPr>
-                </a:tc>
-                <a:tc>
-                  <a:txBody>
-                    <a:bodyPr/>
-                    <a:lstStyle/>
-                    <a:p>
-                      <a:pPr algn="ctr"/>
-                      <a:r>
-                        <a:rPr lang="es-ES" sz="1400" b="1" noProof="0" dirty="0">
-                          <a:solidFill>
-                            <a:schemeClr val="tx1"/>
-                          </a:solidFill>
-                        </a:rPr>
-                        <a:t>5,27%</a:t>
-                      </a:r>
-                    </a:p>
-                    <a:p>
-                      <a:pPr marL="0" marR="0" lvl="0" indent="0" algn="ctr" defTabSz="914400" rtl="0" eaLnBrk="1" fontAlgn="auto" latinLnBrk="0" hangingPunct="1">
-                        <a:lnSpc>
-                          <a:spcPct val="100000"/>
-                        </a:lnSpc>
-                        <a:spcBef>
-                          <a:spcPts val="0"/>
-                        </a:spcBef>
-                        <a:spcAft>
-                          <a:spcPts val="0"/>
-                        </a:spcAft>
-                        <a:buClrTx/>
-                        <a:buSzTx/>
-                        <a:buFontTx/>
-                        <a:buNone/>
-                        <a:tabLst/>
-                        <a:defRPr/>
-                      </a:pPr>
-                      <a:r>
-                        <a:rPr lang="es-ES" sz="1200" b="1" noProof="0" dirty="0">
-                          <a:solidFill>
-                            <a:srgbClr val="00B050"/>
-                          </a:solidFill>
-                        </a:rPr>
-                        <a:t>+472,8%</a:t>
-                      </a:r>
-                    </a:p>
-                  </a:txBody>
-                  <a:tcPr anchor="ctr">
-                    <a:lnL w="12700" cap="flat" cmpd="sng" algn="ctr">
-                      <a:solidFill>
-                        <a:schemeClr val="tx1"/>
-                      </a:solidFill>
-                      <a:prstDash val="solid"/>
-                      <a:round/>
-                      <a:headEnd type="none" w="med" len="med"/>
-                      <a:tailEnd type="none" w="med" len="med"/>
-                    </a:lnL>
-                    <a:lnR w="12700" cap="flat" cmpd="sng" algn="ctr">
-                      <a:solidFill>
-                        <a:schemeClr val="tx1"/>
-                      </a:solidFill>
-                      <a:prstDash val="solid"/>
-                      <a:round/>
-                      <a:headEnd type="none" w="med" len="med"/>
-                      <a:tailEnd type="none" w="med" len="med"/>
-                    </a:lnR>
-                    <a:lnT w="12700" cap="flat" cmpd="sng" algn="ctr">
-                      <a:solidFill>
-                        <a:schemeClr val="tx1"/>
-                      </a:solidFill>
-                      <a:prstDash val="solid"/>
-                      <a:round/>
-                      <a:headEnd type="none" w="med" len="med"/>
-                      <a:tailEnd type="none" w="med" len="med"/>
-                    </a:lnT>
-                    <a:lnB w="12700" cap="flat" cmpd="sng" algn="ctr">
-                      <a:solidFill>
-                        <a:schemeClr val="tx1"/>
-                      </a:solidFill>
-                      <a:prstDash val="solid"/>
-                      <a:round/>
-                      <a:headEnd type="none" w="med" len="med"/>
-                      <a:tailEnd type="none" w="med" len="med"/>
-                    </a:lnB>
-                    <a:lnTlToBr w="12700" cmpd="sng">
-                      <a:noFill/>
-                      <a:prstDash val="solid"/>
-                    </a:lnTlToBr>
-                    <a:lnBlToTr w="12700" cmpd="sng">
-                      <a:noFill/>
-                      <a:prstDash val="solid"/>
-                    </a:lnBlToTr>
-                    <a:solidFill>
-                      <a:schemeClr val="bg1"/>
-                    </a:solidFill>
-                  </a:tcPr>
-                </a:tc>
-                <a:extLst>
-                  <a:ext uri="{0D108BD9-81ED-4DB2-BD59-A6C34878D82A}">
-                    <a16:rowId xmlns:a16="http://schemas.microsoft.com/office/drawing/2014/main" val="1134799246"/>
-                  </a:ext>
-                </a:extLst>
-              </a:tr>
-              <a:tr h="711709">
-                <a:tc>
-                  <a:txBody>
-                    <a:bodyPr/>
-                    <a:lstStyle/>
-                    <a:p>
-                      <a:pPr marL="0" algn="ctr" defTabSz="914400" rtl="0" eaLnBrk="1" latinLnBrk="0" hangingPunct="1"/>
-                      <a:r>
-                        <a:rPr lang="es-ES" sz="1200" b="1" kern="1200" noProof="0" dirty="0">
-                          <a:solidFill>
-                            <a:schemeClr val="lt1"/>
-                          </a:solidFill>
-                          <a:latin typeface="+mn-lt"/>
-                          <a:ea typeface="+mn-ea"/>
-                          <a:cs typeface="+mn-cs"/>
-                        </a:rPr>
-                        <a:t>CON Hipoteca</a:t>
-                      </a:r>
-                    </a:p>
-                  </a:txBody>
-                  <a:tcPr anchor="ctr">
-                    <a:lnL w="12700" cap="flat" cmpd="sng" algn="ctr">
-                      <a:solidFill>
-                        <a:schemeClr val="tx1"/>
-                      </a:solidFill>
-                      <a:prstDash val="solid"/>
-                      <a:round/>
-                      <a:headEnd type="none" w="med" len="med"/>
-                      <a:tailEnd type="none" w="med" len="med"/>
-                    </a:lnL>
-                    <a:lnR w="12700" cap="flat" cmpd="sng" algn="ctr">
-                      <a:solidFill>
-                        <a:schemeClr val="tx1"/>
-                      </a:solidFill>
-                      <a:prstDash val="solid"/>
-                      <a:round/>
-                      <a:headEnd type="none" w="med" len="med"/>
-                      <a:tailEnd type="none" w="med" len="med"/>
-                    </a:lnR>
-                    <a:lnT w="12700" cap="flat" cmpd="sng" algn="ctr">
-                      <a:solidFill>
-                        <a:schemeClr val="tx1"/>
-                      </a:solidFill>
-                      <a:prstDash val="solid"/>
-                      <a:round/>
-                      <a:headEnd type="none" w="med" len="med"/>
-                      <a:tailEnd type="none" w="med" len="med"/>
-                    </a:lnT>
-                    <a:lnB w="12700" cap="flat" cmpd="sng" algn="ctr">
-                      <a:solidFill>
-                        <a:schemeClr val="tx1"/>
-                      </a:solidFill>
-                      <a:prstDash val="solid"/>
-                      <a:round/>
-                      <a:headEnd type="none" w="med" len="med"/>
-                      <a:tailEnd type="none" w="med" len="med"/>
-                    </a:lnB>
-                    <a:lnTlToBr w="12700" cmpd="sng">
-                      <a:noFill/>
-                      <a:prstDash val="solid"/>
-                    </a:lnTlToBr>
-                    <a:lnBlToTr w="12700" cmpd="sng">
-                      <a:noFill/>
-                      <a:prstDash val="solid"/>
-                    </a:lnBlToTr>
-                    <a:solidFill>
-                      <a:schemeClr val="accent1"/>
-                    </a:solidFill>
-                  </a:tcPr>
-                </a:tc>
-                <a:tc>
-                  <a:txBody>
-                    <a:bodyPr/>
-                    <a:lstStyle/>
-                    <a:p>
-                      <a:pPr algn="ctr"/>
-                      <a:r>
-                        <a:rPr lang="es-ES" sz="1400" b="1" noProof="0" dirty="0">
-                          <a:solidFill>
-                            <a:schemeClr val="tx1"/>
-                          </a:solidFill>
-                        </a:rPr>
-                        <a:t>1,37%</a:t>
-                      </a:r>
-                    </a:p>
-                    <a:p>
-                      <a:pPr marL="0" marR="0" lvl="0" indent="0" algn="ctr" defTabSz="914400" rtl="0" eaLnBrk="1" fontAlgn="auto" latinLnBrk="0" hangingPunct="1">
-                        <a:lnSpc>
-                          <a:spcPct val="100000"/>
-                        </a:lnSpc>
-                        <a:spcBef>
-                          <a:spcPts val="0"/>
-                        </a:spcBef>
-                        <a:spcAft>
-                          <a:spcPts val="0"/>
-                        </a:spcAft>
-                        <a:buClrTx/>
-                        <a:buSzTx/>
-                        <a:buFontTx/>
-                        <a:buNone/>
-                        <a:tabLst/>
-                        <a:defRPr/>
-                      </a:pPr>
-                      <a:r>
-                        <a:rPr lang="es-ES" sz="1200" b="1" noProof="0" dirty="0">
-                          <a:solidFill>
-                            <a:srgbClr val="00B050"/>
-                          </a:solidFill>
-                        </a:rPr>
-                        <a:t>+48,9%</a:t>
-                      </a:r>
-                    </a:p>
-                  </a:txBody>
-                  <a:tcPr anchor="ctr">
-                    <a:lnL w="12700" cap="flat" cmpd="sng" algn="ctr">
-                      <a:solidFill>
-                        <a:schemeClr val="tx1"/>
-                      </a:solidFill>
-                      <a:prstDash val="solid"/>
-                      <a:round/>
-                      <a:headEnd type="none" w="med" len="med"/>
-                      <a:tailEnd type="none" w="med" len="med"/>
-                    </a:lnL>
-                    <a:lnR w="12700" cap="flat" cmpd="sng" algn="ctr">
-                      <a:solidFill>
-                        <a:schemeClr val="tx1"/>
-                      </a:solidFill>
-                      <a:prstDash val="solid"/>
-                      <a:round/>
-                      <a:headEnd type="none" w="med" len="med"/>
-                      <a:tailEnd type="none" w="med" len="med"/>
-                    </a:lnR>
-                    <a:lnT w="12700" cap="flat" cmpd="sng" algn="ctr">
-                      <a:solidFill>
-                        <a:schemeClr val="tx1"/>
-                      </a:solidFill>
-                      <a:prstDash val="solid"/>
-                      <a:round/>
-                      <a:headEnd type="none" w="med" len="med"/>
-                      <a:tailEnd type="none" w="med" len="med"/>
-                    </a:lnT>
-                    <a:lnB w="12700" cap="flat" cmpd="sng" algn="ctr">
-                      <a:solidFill>
-                        <a:schemeClr val="tx1"/>
-                      </a:solidFill>
-                      <a:prstDash val="solid"/>
-                      <a:round/>
-                      <a:headEnd type="none" w="med" len="med"/>
-                      <a:tailEnd type="none" w="med" len="med"/>
-                    </a:lnB>
-                    <a:lnTlToBr w="12700" cmpd="sng">
-                      <a:noFill/>
-                      <a:prstDash val="solid"/>
-                    </a:lnTlToBr>
-                    <a:lnBlToTr w="12700" cmpd="sng">
-                      <a:noFill/>
-                      <a:prstDash val="solid"/>
-                    </a:lnBlToTr>
-                    <a:solidFill>
-                      <a:schemeClr val="bg1"/>
-                    </a:solidFill>
-                  </a:tcPr>
-                </a:tc>
-                <a:tc>
-                  <a:txBody>
-                    <a:bodyPr/>
-                    <a:lstStyle/>
-                    <a:p>
-                      <a:pPr algn="ctr"/>
-                      <a:r>
-                        <a:rPr lang="es-ES" sz="1400" b="1" noProof="0" dirty="0">
-                          <a:solidFill>
-                            <a:schemeClr val="tx1"/>
-                          </a:solidFill>
-                        </a:rPr>
-                        <a:t>2,79%</a:t>
-                      </a:r>
-                    </a:p>
-                    <a:p>
-                      <a:pPr algn="ctr"/>
-                      <a:r>
-                        <a:rPr lang="es-ES" sz="1200" b="1" noProof="0" dirty="0">
-                          <a:solidFill>
-                            <a:srgbClr val="00B050"/>
-                          </a:solidFill>
-                        </a:rPr>
-                        <a:t>+203,3%</a:t>
-                      </a:r>
-                    </a:p>
-                  </a:txBody>
-                  <a:tcPr anchor="ctr">
-                    <a:lnL w="12700" cap="flat" cmpd="sng" algn="ctr">
-                      <a:solidFill>
-                        <a:schemeClr val="tx1"/>
-                      </a:solidFill>
-                      <a:prstDash val="solid"/>
-                      <a:round/>
-                      <a:headEnd type="none" w="med" len="med"/>
-                      <a:tailEnd type="none" w="med" len="med"/>
-                    </a:lnL>
-                    <a:lnR w="12700" cap="flat" cmpd="sng" algn="ctr">
-                      <a:solidFill>
-                        <a:schemeClr val="tx1"/>
-                      </a:solidFill>
-                      <a:prstDash val="solid"/>
-                      <a:round/>
-                      <a:headEnd type="none" w="med" len="med"/>
-                      <a:tailEnd type="none" w="med" len="med"/>
-                    </a:lnR>
-                    <a:lnT w="12700" cap="flat" cmpd="sng" algn="ctr">
-                      <a:solidFill>
-                        <a:schemeClr val="tx1"/>
-                      </a:solidFill>
-                      <a:prstDash val="solid"/>
-                      <a:round/>
-                      <a:headEnd type="none" w="med" len="med"/>
-                      <a:tailEnd type="none" w="med" len="med"/>
-                    </a:lnT>
-                    <a:lnB w="12700" cap="flat" cmpd="sng" algn="ctr">
-                      <a:solidFill>
-                        <a:schemeClr val="tx1"/>
-                      </a:solidFill>
-                      <a:prstDash val="solid"/>
-                      <a:round/>
-                      <a:headEnd type="none" w="med" len="med"/>
-                      <a:tailEnd type="none" w="med" len="med"/>
-                    </a:lnB>
-                    <a:lnTlToBr w="12700" cmpd="sng">
-                      <a:noFill/>
-                      <a:prstDash val="solid"/>
-                    </a:lnTlToBr>
-                    <a:lnBlToTr w="12700" cmpd="sng">
-                      <a:noFill/>
-                      <a:prstDash val="solid"/>
-                    </a:lnBlToTr>
-                    <a:solidFill>
-                      <a:schemeClr val="bg1"/>
-                    </a:solidFill>
-                  </a:tcPr>
-                </a:tc>
-                <a:extLst>
-                  <a:ext uri="{0D108BD9-81ED-4DB2-BD59-A6C34878D82A}">
-                    <a16:rowId xmlns:a16="http://schemas.microsoft.com/office/drawing/2014/main" val="578657590"/>
-                  </a:ext>
-                </a:extLst>
-              </a:tr>
-            </a:tbl>
-          </a:graphicData>
-        </a:graphic>
-      </p:graphicFrame>
-      <p:sp>
-        <p:nvSpPr>
-          <p:cNvPr id="16" name="QuadreDeText 16">
-            <a:extLst>
-              <a:ext uri="{FF2B5EF4-FFF2-40B4-BE49-F238E27FC236}">
-                <a16:creationId xmlns:a16="http://schemas.microsoft.com/office/drawing/2014/main" id="{E527841E-EE94-3483-E33C-22B1D43C59A9}"/>
-              </a:ext>
-            </a:extLst>
-          </p:cNvPr>
-          <p:cNvSpPr txBox="1"/>
-          <p:nvPr/>
-        </p:nvSpPr>
-        <p:spPr>
-          <a:xfrm>
-            <a:off x="4194778" y="1249378"/>
-            <a:ext cx="2482302" cy="2094190"/>
-          </a:xfrm>
-          <a:prstGeom prst="roundRect">
-            <a:avLst/>
-          </a:prstGeom>
           <a:solidFill>
-            <a:schemeClr val="bg1"/>
+            <a:schemeClr val="bg1">
+              <a:lumMod val="95000"/>
+            </a:schemeClr>
           </a:solidFill>
           <a:ln>
             <a:noFill/>
-          </a:ln>
-        </p:spPr>
-        <p:txBody>
-          <a:bodyPr wrap="square">
-            <a:spAutoFit/>
-          </a:bodyPr>
-          <a:lstStyle/>
-          <a:p>
-            <a:pPr marL="285750" indent="-285750">
-              <a:buFont typeface="Wingdings" panose="05000000000000000000" pitchFamily="2" charset="2"/>
-              <a:buChar char="§"/>
-            </a:pPr>
-            <a:r>
-              <a:rPr lang="es-ES" sz="1300" dirty="0"/>
-              <a:t>Los clientes sin préstamo ni hipoteca son los que mayor saldo tienen</a:t>
-            </a:r>
-          </a:p>
-          <a:p>
-            <a:pPr marL="285750" indent="-285750">
-              <a:buFont typeface="Wingdings" panose="05000000000000000000" pitchFamily="2" charset="2"/>
-              <a:buChar char="§"/>
-            </a:pPr>
-            <a:r>
-              <a:rPr lang="es-ES" sz="1300" dirty="0"/>
-              <a:t>Le siguen con un -27,2% los que tienen hipoteca, pero no préstamo </a:t>
-            </a:r>
-          </a:p>
-          <a:p>
-            <a:pPr marL="285750" indent="-285750">
-              <a:buFont typeface="Wingdings" panose="05000000000000000000" pitchFamily="2" charset="2"/>
-              <a:buChar char="§"/>
-            </a:pPr>
-            <a:r>
-              <a:rPr lang="es-ES" sz="1300" dirty="0"/>
-              <a:t>Cierran, con menos de la mitad de saldo, las categorías con préstamo</a:t>
-            </a:r>
-          </a:p>
-        </p:txBody>
-      </p:sp>
-      <p:sp>
-        <p:nvSpPr>
-          <p:cNvPr id="19" name="QuadreDeText 16">
-            <a:extLst>
-              <a:ext uri="{FF2B5EF4-FFF2-40B4-BE49-F238E27FC236}">
-                <a16:creationId xmlns:a16="http://schemas.microsoft.com/office/drawing/2014/main" id="{8357148E-8755-3F47-94F0-1A7F261AD548}"/>
-              </a:ext>
-            </a:extLst>
-          </p:cNvPr>
-          <p:cNvSpPr txBox="1"/>
-          <p:nvPr/>
-        </p:nvSpPr>
-        <p:spPr>
-          <a:xfrm>
-            <a:off x="4194779" y="3732240"/>
-            <a:ext cx="2482302" cy="2734092"/>
-          </a:xfrm>
-          <a:prstGeom prst="roundRect">
-            <a:avLst/>
-          </a:prstGeom>
-          <a:solidFill>
-            <a:schemeClr val="bg1"/>
-          </a:solidFill>
-          <a:ln>
-            <a:noFill/>
-          </a:ln>
-        </p:spPr>
-        <p:txBody>
-          <a:bodyPr wrap="square">
-            <a:spAutoFit/>
-          </a:bodyPr>
-          <a:lstStyle/>
-          <a:p>
-            <a:pPr marL="285750" indent="-285750">
-              <a:buFont typeface="Wingdings" panose="05000000000000000000" pitchFamily="2" charset="2"/>
-              <a:buChar char="§"/>
-            </a:pPr>
-            <a:r>
-              <a:rPr lang="es-ES" sz="1300" dirty="0"/>
-              <a:t>Los clientes sin préstamo ni hipoteca son los que menor incumplimiento tienen</a:t>
-            </a:r>
-          </a:p>
-          <a:p>
-            <a:pPr marL="285750" indent="-285750">
-              <a:buFont typeface="Wingdings" panose="05000000000000000000" pitchFamily="2" charset="2"/>
-              <a:buChar char="§"/>
-            </a:pPr>
-            <a:r>
-              <a:rPr lang="es-ES" sz="1300" dirty="0"/>
-              <a:t>Le siguen con un +48,9% los que tienen hipoteca, pero no préstamo </a:t>
-            </a:r>
-          </a:p>
-          <a:p>
-            <a:pPr marL="285750" indent="-285750">
-              <a:buFont typeface="Wingdings" panose="05000000000000000000" pitchFamily="2" charset="2"/>
-              <a:buChar char="§"/>
-            </a:pPr>
-            <a:r>
-              <a:rPr lang="es-ES" sz="1300" dirty="0"/>
-              <a:t>Las categorías con préstamo incumplen 2 veces más (con hipoteca) y casi 5 veces más (sin hipoteca)</a:t>
-            </a:r>
-          </a:p>
-        </p:txBody>
-      </p:sp>
-      <p:sp>
-        <p:nvSpPr>
-          <p:cNvPr id="6" name="QuadreDeText 16">
-            <a:extLst>
-              <a:ext uri="{FF2B5EF4-FFF2-40B4-BE49-F238E27FC236}">
-                <a16:creationId xmlns:a16="http://schemas.microsoft.com/office/drawing/2014/main" id="{EF99FA2A-F60F-BE70-6E49-2ACDF671DFA1}"/>
-              </a:ext>
-            </a:extLst>
-          </p:cNvPr>
-          <p:cNvSpPr txBox="1"/>
-          <p:nvPr/>
-        </p:nvSpPr>
-        <p:spPr>
-          <a:xfrm>
-            <a:off x="7844824" y="1692052"/>
-            <a:ext cx="3891346" cy="1208842"/>
-          </a:xfrm>
-          <a:prstGeom prst="roundRect">
-            <a:avLst/>
-          </a:prstGeom>
-          <a:solidFill>
-            <a:schemeClr val="accent5">
-              <a:lumMod val="25000"/>
-              <a:lumOff val="75000"/>
-            </a:schemeClr>
-          </a:solidFill>
-          <a:ln>
-            <a:solidFill>
-              <a:schemeClr val="bg1"/>
-            </a:solidFill>
-          </a:ln>
-        </p:spPr>
-        <p:txBody>
-          <a:bodyPr wrap="square">
-            <a:spAutoFit/>
-          </a:bodyPr>
-          <a:lstStyle/>
-          <a:p>
-            <a:pPr marL="285750" indent="-285750">
-              <a:buFont typeface="Wingdings" panose="05000000000000000000" pitchFamily="2" charset="2"/>
-              <a:buChar char="§"/>
-            </a:pPr>
-            <a:r>
-              <a:rPr lang="es-ES" sz="1300" dirty="0"/>
-              <a:t>A mayor número de productos contratados, menor saldo medio</a:t>
-            </a:r>
-          </a:p>
-          <a:p>
-            <a:pPr marL="285750" indent="-285750">
-              <a:buFont typeface="Wingdings" panose="05000000000000000000" pitchFamily="2" charset="2"/>
-              <a:buChar char="§"/>
-            </a:pPr>
-            <a:r>
-              <a:rPr lang="es-ES" sz="1300" dirty="0"/>
-              <a:t>Los clientes </a:t>
-            </a:r>
-            <a:r>
-              <a:rPr lang="es-ES" sz="1300" b="1" dirty="0"/>
-              <a:t>sin préstamo </a:t>
-            </a:r>
-            <a:r>
-              <a:rPr lang="es-ES" sz="1300" dirty="0"/>
-              <a:t>tienen el </a:t>
-            </a:r>
-            <a:r>
-              <a:rPr lang="es-ES" sz="1300" b="1" dirty="0"/>
-              <a:t>doble de saldo </a:t>
-            </a:r>
-          </a:p>
-          <a:p>
-            <a:pPr marL="285750" indent="-285750">
-              <a:buFont typeface="Wingdings" panose="05000000000000000000" pitchFamily="2" charset="2"/>
-              <a:buChar char="§"/>
-            </a:pPr>
-            <a:r>
-              <a:rPr lang="es-ES" sz="1300" dirty="0"/>
-              <a:t>Los que tienen </a:t>
-            </a:r>
-            <a:r>
-              <a:rPr lang="es-ES" sz="1300" b="1" dirty="0"/>
-              <a:t>hipoteca</a:t>
-            </a:r>
-            <a:r>
-              <a:rPr lang="es-ES" sz="1300" dirty="0"/>
-              <a:t> también tienen </a:t>
-            </a:r>
-            <a:r>
-              <a:rPr lang="es-ES" sz="1300" b="1" dirty="0"/>
-              <a:t>menor saldo, </a:t>
-            </a:r>
-            <a:r>
-              <a:rPr lang="es-ES" sz="1300" dirty="0"/>
-              <a:t>pero en menor medida (-10,8% y -27,2%)</a:t>
-            </a:r>
-          </a:p>
-        </p:txBody>
-      </p:sp>
-      <p:sp>
-        <p:nvSpPr>
-          <p:cNvPr id="10" name="QuadreDeText 16">
-            <a:extLst>
-              <a:ext uri="{FF2B5EF4-FFF2-40B4-BE49-F238E27FC236}">
-                <a16:creationId xmlns:a16="http://schemas.microsoft.com/office/drawing/2014/main" id="{D713CB26-A822-A73F-B004-5F330F89EDD0}"/>
-              </a:ext>
-            </a:extLst>
-          </p:cNvPr>
-          <p:cNvSpPr txBox="1"/>
-          <p:nvPr/>
-        </p:nvSpPr>
-        <p:spPr>
-          <a:xfrm>
-            <a:off x="7844824" y="4482810"/>
-            <a:ext cx="3907902" cy="1208842"/>
-          </a:xfrm>
-          <a:prstGeom prst="roundRect">
-            <a:avLst/>
-          </a:prstGeom>
-          <a:solidFill>
-            <a:schemeClr val="accent5">
-              <a:lumMod val="25000"/>
-              <a:lumOff val="75000"/>
-            </a:schemeClr>
-          </a:solidFill>
-          <a:ln>
-            <a:solidFill>
-              <a:schemeClr val="bg1"/>
-            </a:solidFill>
-          </a:ln>
-        </p:spPr>
-        <p:txBody>
-          <a:bodyPr wrap="square">
-            <a:spAutoFit/>
-          </a:bodyPr>
-          <a:lstStyle/>
-          <a:p>
-            <a:pPr marL="285750" indent="-285750">
-              <a:buFont typeface="Wingdings" panose="05000000000000000000" pitchFamily="2" charset="2"/>
-              <a:buChar char="§"/>
-            </a:pPr>
-            <a:r>
-              <a:rPr lang="es-ES" sz="1300" dirty="0"/>
-              <a:t>Los clientes </a:t>
-            </a:r>
-            <a:r>
-              <a:rPr lang="es-ES" sz="1300" b="1" dirty="0"/>
-              <a:t>con préstamo incumplen</a:t>
-            </a:r>
-            <a:r>
-              <a:rPr lang="es-ES" sz="1300" dirty="0"/>
-              <a:t> entre un 50,9% y 472,8% </a:t>
-            </a:r>
-            <a:r>
-              <a:rPr lang="es-ES" sz="1300" b="1" dirty="0"/>
-              <a:t>más</a:t>
-            </a:r>
-          </a:p>
-          <a:p>
-            <a:pPr marL="285750" indent="-285750">
-              <a:buFont typeface="Wingdings" panose="05000000000000000000" pitchFamily="2" charset="2"/>
-              <a:buChar char="§"/>
-            </a:pPr>
-            <a:r>
-              <a:rPr lang="es-ES" sz="1300" dirty="0"/>
-              <a:t>El factor </a:t>
-            </a:r>
-            <a:r>
-              <a:rPr lang="es-ES" sz="1300" b="1" dirty="0"/>
-              <a:t>hipoteca aumenta </a:t>
-            </a:r>
-            <a:r>
-              <a:rPr lang="es-ES" sz="1300" dirty="0"/>
-              <a:t>el </a:t>
-            </a:r>
-            <a:r>
-              <a:rPr lang="es-ES" sz="1300" b="1" dirty="0"/>
-              <a:t>riesgo </a:t>
-            </a:r>
-            <a:r>
-              <a:rPr lang="es-ES" sz="1300" dirty="0"/>
-              <a:t>en un 48,9% en los </a:t>
-            </a:r>
-            <a:r>
-              <a:rPr lang="es-ES" sz="1300" b="1" dirty="0"/>
-              <a:t>sin préstamos,</a:t>
-            </a:r>
-            <a:r>
-              <a:rPr lang="es-ES" sz="1300" dirty="0"/>
-              <a:t>  pero </a:t>
-            </a:r>
-            <a:r>
-              <a:rPr lang="es-ES" sz="1300" b="1" dirty="0"/>
-              <a:t>lo decrece </a:t>
-            </a:r>
-            <a:r>
-              <a:rPr lang="es-ES" sz="1300" dirty="0"/>
-              <a:t>-47,1% </a:t>
-            </a:r>
-            <a:r>
-              <a:rPr lang="es-ES" sz="1300" b="1" dirty="0"/>
-              <a:t>en</a:t>
-            </a:r>
-            <a:r>
-              <a:rPr lang="es-ES" sz="1300" dirty="0"/>
-              <a:t> los que tienen </a:t>
-            </a:r>
-            <a:r>
-              <a:rPr lang="es-ES" sz="1300" b="1" dirty="0"/>
-              <a:t>préstamo</a:t>
-            </a:r>
-          </a:p>
-        </p:txBody>
-      </p:sp>
-      <p:sp>
-        <p:nvSpPr>
-          <p:cNvPr id="2" name="Clau de tancament 1">
-            <a:extLst>
-              <a:ext uri="{FF2B5EF4-FFF2-40B4-BE49-F238E27FC236}">
-                <a16:creationId xmlns:a16="http://schemas.microsoft.com/office/drawing/2014/main" id="{4E1D170D-4DA2-A2AE-48B7-FB8D00E60211}"/>
-              </a:ext>
-            </a:extLst>
-          </p:cNvPr>
-          <p:cNvSpPr/>
-          <p:nvPr/>
-        </p:nvSpPr>
-        <p:spPr>
-          <a:xfrm>
-            <a:off x="6945318" y="1249378"/>
-            <a:ext cx="638629" cy="2094190"/>
-          </a:xfrm>
-          <a:prstGeom prst="rightBrace">
-            <a:avLst>
-              <a:gd name="adj1" fmla="val 26556"/>
-              <a:gd name="adj2" fmla="val 50000"/>
-            </a:avLst>
-          </a:prstGeom>
-          <a:ln w="28575"/>
-        </p:spPr>
-        <p:style>
-          <a:lnRef idx="1">
-            <a:schemeClr val="accent1"/>
-          </a:lnRef>
-          <a:fillRef idx="0">
-            <a:schemeClr val="accent1"/>
-          </a:fillRef>
-          <a:effectRef idx="0">
-            <a:schemeClr val="accent1"/>
-          </a:effectRef>
-          <a:fontRef idx="minor">
-            <a:schemeClr val="tx1"/>
-          </a:fontRef>
-        </p:style>
-        <p:txBody>
-          <a:bodyPr rtlCol="0" anchor="ctr"/>
-          <a:lstStyle/>
-          <a:p>
-            <a:pPr algn="ctr"/>
-            <a:endParaRPr lang="ca-ES" b="1">
-              <a:ln w="22225">
-                <a:solidFill>
-                  <a:schemeClr val="accent2"/>
-                </a:solidFill>
-                <a:prstDash val="solid"/>
-              </a:ln>
-              <a:solidFill>
-                <a:schemeClr val="accent2">
-                  <a:lumMod val="40000"/>
-                  <a:lumOff val="60000"/>
-                </a:schemeClr>
-              </a:solidFill>
-            </a:endParaRPr>
-          </a:p>
-        </p:txBody>
-      </p:sp>
-      <p:sp>
-        <p:nvSpPr>
-          <p:cNvPr id="4" name="Clau de tancament 1">
-            <a:extLst>
-              <a:ext uri="{FF2B5EF4-FFF2-40B4-BE49-F238E27FC236}">
-                <a16:creationId xmlns:a16="http://schemas.microsoft.com/office/drawing/2014/main" id="{2EF53453-D9B5-EB57-21E2-3C1D6A58085E}"/>
-              </a:ext>
-            </a:extLst>
-          </p:cNvPr>
-          <p:cNvSpPr/>
-          <p:nvPr/>
-        </p:nvSpPr>
-        <p:spPr>
-          <a:xfrm>
-            <a:off x="6945318" y="3732240"/>
-            <a:ext cx="638629" cy="2709982"/>
-          </a:xfrm>
-          <a:prstGeom prst="rightBrace">
-            <a:avLst>
-              <a:gd name="adj1" fmla="val 26556"/>
-              <a:gd name="adj2" fmla="val 50000"/>
-            </a:avLst>
-          </a:prstGeom>
-          <a:ln w="28575"/>
-        </p:spPr>
-        <p:style>
-          <a:lnRef idx="1">
-            <a:schemeClr val="accent1"/>
-          </a:lnRef>
-          <a:fillRef idx="0">
-            <a:schemeClr val="accent1"/>
-          </a:fillRef>
-          <a:effectRef idx="0">
-            <a:schemeClr val="accent1"/>
-          </a:effectRef>
-          <a:fontRef idx="minor">
-            <a:schemeClr val="tx1"/>
-          </a:fontRef>
-        </p:style>
-        <p:txBody>
-          <a:bodyPr rtlCol="0" anchor="ctr"/>
-          <a:lstStyle/>
-          <a:p>
-            <a:pPr algn="ctr"/>
-            <a:endParaRPr lang="ca-ES" b="1">
-              <a:ln w="22225">
-                <a:solidFill>
-                  <a:schemeClr val="accent2"/>
-                </a:solidFill>
-                <a:prstDash val="solid"/>
-              </a:ln>
-              <a:solidFill>
-                <a:schemeClr val="accent2">
-                  <a:lumMod val="40000"/>
-                  <a:lumOff val="60000"/>
-                </a:schemeClr>
-              </a:solidFill>
-            </a:endParaRPr>
-          </a:p>
-        </p:txBody>
-      </p:sp>
-    </p:spTree>
-    <p:extLst>
-      <p:ext uri="{BB962C8B-B14F-4D97-AF65-F5344CB8AC3E}">
-        <p14:creationId xmlns:p14="http://schemas.microsoft.com/office/powerpoint/2010/main" val="3613401054"/>
-      </p:ext>
-    </p:extLst>
-  </p:cSld>
-  <p:clrMapOvr>
-    <a:masterClrMapping/>
-  </p:clrMapOvr>
-</p:sld>
-</file>
-
-<file path=ppt/slides/slide9.xml><?xml version="1.0" encoding="utf-8"?>
-<p:sld xmlns:a="http://schemas.openxmlformats.org/drawingml/2006/main" xmlns:r="http://schemas.openxmlformats.org/officeDocument/2006/relationships" xmlns:p="http://schemas.openxmlformats.org/presentationml/2006/main">
-  <p:cSld>
-    <p:bg>
-      <p:bgPr>
-        <a:blipFill dpi="0" rotWithShape="1">
-          <a:blip r:embed="rId3">
-            <a:alphaModFix amt="55000"/>
-            <a:lum/>
-          </a:blip>
-          <a:srcRect/>
-          <a:stretch>
-            <a:fillRect l="-1000" r="-1000"/>
-          </a:stretch>
-        </a:blipFill>
-        <a:effectLst/>
-      </p:bgPr>
-    </p:bg>
-    <p:spTree>
-      <p:nvGrpSpPr>
-        <p:cNvPr id="1" name="">
-          <a:extLst>
-            <a:ext uri="{FF2B5EF4-FFF2-40B4-BE49-F238E27FC236}">
-              <a16:creationId xmlns:a16="http://schemas.microsoft.com/office/drawing/2014/main" id="{6328BC4E-7759-9905-955A-26B25D46A5DA}"/>
-            </a:ext>
-          </a:extLst>
-        </p:cNvPr>
-        <p:cNvGrpSpPr/>
-        <p:nvPr/>
-      </p:nvGrpSpPr>
-      <p:grpSpPr>
-        <a:xfrm>
-          <a:off x="0" y="0"/>
-          <a:ext cx="0" cy="0"/>
-          <a:chOff x="0" y="0"/>
-          <a:chExt cx="0" cy="0"/>
-        </a:xfrm>
-      </p:grpSpPr>
-      <p:sp>
-        <p:nvSpPr>
-          <p:cNvPr id="4" name="Elipse 3">
-            <a:extLst>
-              <a:ext uri="{FF2B5EF4-FFF2-40B4-BE49-F238E27FC236}">
-                <a16:creationId xmlns:a16="http://schemas.microsoft.com/office/drawing/2014/main" id="{E3B3E10B-BE40-7FB4-64E3-01D4B99CC32F}"/>
-              </a:ext>
-              <a:ext uri="{C183D7F6-B498-43B3-948B-1728B52AA6E4}">
-                <adec:decorative xmlns:adec="http://schemas.microsoft.com/office/drawing/2017/decorative" val="1"/>
-              </a:ext>
-            </a:extLst>
-          </p:cNvPr>
-          <p:cNvSpPr/>
-          <p:nvPr/>
-        </p:nvSpPr>
-        <p:spPr>
-          <a:xfrm>
-            <a:off x="3338400" y="671564"/>
-            <a:ext cx="5515200" cy="5514872"/>
-          </a:xfrm>
-          <a:prstGeom prst="ellipse">
-            <a:avLst/>
-          </a:prstGeom>
-          <a:solidFill>
-            <a:schemeClr val="bg1">
-              <a:alpha val="87000"/>
-            </a:schemeClr>
-          </a:solidFill>
-          <a:ln w="63500">
-            <a:solidFill>
-              <a:schemeClr val="bg1">
-                <a:alpha val="95000"/>
-              </a:schemeClr>
-            </a:solidFill>
           </a:ln>
         </p:spPr>
         <p:style>
@@ -13937,211 +13332,17 @@
           <a:bodyPr rtlCol="0" anchor="ctr"/>
           <a:lstStyle/>
           <a:p>
-            <a:pPr algn="ctr" rtl="0"/>
-            <a:endParaRPr lang="es-ES" dirty="0"/>
-          </a:p>
-        </p:txBody>
-      </p:sp>
-      <p:sp>
-        <p:nvSpPr>
-          <p:cNvPr id="11" name="Marcador de texto 10">
-            <a:extLst>
-              <a:ext uri="{FF2B5EF4-FFF2-40B4-BE49-F238E27FC236}">
-                <a16:creationId xmlns:a16="http://schemas.microsoft.com/office/drawing/2014/main" id="{46718A37-9DF7-2026-66B5-3556F420B5AB}"/>
-              </a:ext>
-            </a:extLst>
-          </p:cNvPr>
-          <p:cNvSpPr>
-            <a:spLocks noGrp="1"/>
-          </p:cNvSpPr>
-          <p:nvPr>
-            <p:ph type="body" sz="quarter" idx="11"/>
-          </p:nvPr>
-        </p:nvSpPr>
-        <p:spPr>
-          <a:xfrm>
-            <a:off x="4503545" y="3433864"/>
-            <a:ext cx="3184910" cy="2411431"/>
-          </a:xfrm>
-        </p:spPr>
-        <p:txBody>
-          <a:bodyPr rtlCol="0"/>
-          <a:lstStyle/>
-          <a:p>
-            <a:pPr algn="ctr" rtl="0"/>
-            <a:r>
-              <a:rPr lang="es-ES" sz="2800" b="1" dirty="0">
-                <a:solidFill>
-                  <a:schemeClr val="accent4">
-                    <a:lumMod val="75000"/>
-                  </a:schemeClr>
-                </a:solidFill>
-                <a:latin typeface="Calibri" panose="020F0502020204030204" pitchFamily="34" charset="0"/>
-                <a:cs typeface="Calibri" panose="020F0502020204030204" pitchFamily="34" charset="0"/>
-              </a:rPr>
-              <a:t>Equipo B</a:t>
-            </a:r>
-          </a:p>
-          <a:p>
-            <a:pPr algn="ctr" rtl="0"/>
-            <a:r>
-              <a:rPr lang="es-ES" sz="1800" b="1" dirty="0">
-                <a:solidFill>
-                  <a:schemeClr val="accent4">
-                    <a:lumMod val="50000"/>
-                  </a:schemeClr>
-                </a:solidFill>
-              </a:rPr>
-              <a:t>Gorka </a:t>
-            </a:r>
-            <a:r>
-              <a:rPr lang="es-ES" sz="1800" b="1" dirty="0" err="1">
-                <a:solidFill>
-                  <a:schemeClr val="accent4">
-                    <a:lumMod val="50000"/>
-                  </a:schemeClr>
-                </a:solidFill>
-              </a:rPr>
-              <a:t>Bonals</a:t>
-            </a:r>
-            <a:r>
-              <a:rPr lang="es-ES" sz="1800" b="1" dirty="0">
-                <a:solidFill>
-                  <a:schemeClr val="accent4">
-                    <a:lumMod val="50000"/>
-                  </a:schemeClr>
-                </a:solidFill>
-              </a:rPr>
-              <a:t> Sastre</a:t>
-            </a:r>
-          </a:p>
-          <a:p>
-            <a:pPr algn="ctr" rtl="0"/>
-            <a:r>
-              <a:rPr lang="es-ES" sz="1800" b="1" dirty="0">
-                <a:solidFill>
-                  <a:schemeClr val="accent4">
-                    <a:lumMod val="50000"/>
-                  </a:schemeClr>
-                </a:solidFill>
-              </a:rPr>
-              <a:t>Pau Fernández Ripollès</a:t>
-            </a:r>
-          </a:p>
-          <a:p>
-            <a:pPr algn="ctr" rtl="0"/>
-            <a:r>
-              <a:rPr lang="es-ES" sz="1800" b="1" dirty="0">
-                <a:solidFill>
-                  <a:schemeClr val="accent4">
-                    <a:lumMod val="50000"/>
-                  </a:schemeClr>
-                </a:solidFill>
-              </a:rPr>
-              <a:t>German </a:t>
-            </a:r>
-            <a:r>
-              <a:rPr lang="es-ES" sz="1800" b="1" dirty="0" err="1">
-                <a:solidFill>
-                  <a:schemeClr val="accent4">
-                    <a:lumMod val="50000"/>
-                  </a:schemeClr>
-                </a:solidFill>
-              </a:rPr>
-              <a:t>Lizarraga</a:t>
-            </a:r>
-            <a:r>
-              <a:rPr lang="es-ES" sz="1800" b="1" dirty="0">
-                <a:solidFill>
-                  <a:schemeClr val="accent4">
-                    <a:lumMod val="50000"/>
-                  </a:schemeClr>
-                </a:solidFill>
-              </a:rPr>
-              <a:t> Pereira</a:t>
-            </a:r>
-          </a:p>
-          <a:p>
-            <a:pPr algn="ctr" rtl="0"/>
-            <a:r>
-              <a:rPr lang="es-ES" sz="1800" b="1" dirty="0">
-                <a:solidFill>
-                  <a:schemeClr val="accent4">
-                    <a:lumMod val="50000"/>
-                  </a:schemeClr>
-                </a:solidFill>
-              </a:rPr>
-              <a:t>Carla </a:t>
-            </a:r>
-            <a:r>
-              <a:rPr lang="es-ES" sz="1800" b="1" dirty="0" err="1">
-                <a:solidFill>
-                  <a:schemeClr val="accent4">
-                    <a:lumMod val="50000"/>
-                  </a:schemeClr>
-                </a:solidFill>
-              </a:rPr>
-              <a:t>Lupión</a:t>
-            </a:r>
-            <a:r>
-              <a:rPr lang="es-ES" sz="1800" b="1" dirty="0">
-                <a:solidFill>
-                  <a:schemeClr val="accent4">
-                    <a:lumMod val="50000"/>
-                  </a:schemeClr>
-                </a:solidFill>
-              </a:rPr>
-              <a:t> </a:t>
-            </a:r>
-            <a:r>
-              <a:rPr lang="es-ES" sz="1800" b="1" dirty="0" err="1">
-                <a:solidFill>
-                  <a:schemeClr val="accent4">
-                    <a:lumMod val="50000"/>
-                  </a:schemeClr>
-                </a:solidFill>
-              </a:rPr>
-              <a:t>Saez</a:t>
-            </a:r>
-            <a:endParaRPr lang="es-ES" sz="1800" b="1" dirty="0">
-              <a:solidFill>
-                <a:schemeClr val="accent4">
-                  <a:lumMod val="50000"/>
-                </a:schemeClr>
-              </a:solidFill>
-            </a:endParaRPr>
-          </a:p>
-          <a:p>
-            <a:pPr algn="ctr" rtl="0"/>
-            <a:r>
-              <a:rPr lang="es-ES" sz="1800" dirty="0">
-                <a:solidFill>
-                  <a:schemeClr val="accent4">
-                    <a:lumMod val="50000"/>
-                  </a:schemeClr>
-                </a:solidFill>
-              </a:rPr>
-              <a:t>Natalya Martyn</a:t>
-            </a:r>
-            <a:endParaRPr lang="es-ES" sz="1800" b="1" dirty="0">
-              <a:solidFill>
-                <a:schemeClr val="accent4">
-                  <a:lumMod val="50000"/>
-                </a:schemeClr>
-              </a:solidFill>
-            </a:endParaRPr>
-          </a:p>
-        </p:txBody>
-      </p:sp>
-      <p:sp>
-        <p:nvSpPr>
-          <p:cNvPr id="21" name="Hexágono 20">
-            <a:extLst>
-              <a:ext uri="{FF2B5EF4-FFF2-40B4-BE49-F238E27FC236}">
-                <a16:creationId xmlns:a16="http://schemas.microsoft.com/office/drawing/2014/main" id="{6F3DB436-FBEB-55AC-C5CC-9F7A17DC7191}"/>
-              </a:ext>
-              <a:ext uri="{C183D7F6-B498-43B3-948B-1728B52AA6E4}">
-                <adec:decorative xmlns:adec="http://schemas.microsoft.com/office/drawing/2017/decorative" val="1"/>
+            <a:pPr algn="ctr"/>
+            <a:endParaRPr lang="es-ES"/>
+          </a:p>
+        </p:txBody>
+      </p:sp>
+      <p:sp>
+        <p:nvSpPr>
+          <p:cNvPr id="4" name="Rectángulo: esquinas redondeadas 3">
+            <a:extLst>
+              <a:ext uri="{FF2B5EF4-FFF2-40B4-BE49-F238E27FC236}">
+                <a16:creationId xmlns:a16="http://schemas.microsoft.com/office/drawing/2014/main" id="{17C27A56-7CD0-5DE4-8AC0-A09AB119386A}"/>
               </a:ext>
             </a:extLst>
           </p:cNvPr>
@@ -14150,14 +13351,16 @@
         </p:nvSpPr>
         <p:spPr>
           <a:xfrm>
-            <a:off x="7974278" y="5753530"/>
-            <a:ext cx="651613" cy="561736"/>
-          </a:xfrm>
-          <a:prstGeom prst="hexagon">
-            <a:avLst/>
+            <a:off x="466166" y="3127337"/>
+            <a:ext cx="9778214" cy="3452875"/>
+          </a:xfrm>
+          <a:prstGeom prst="roundRect">
+            <a:avLst>
+              <a:gd name="adj" fmla="val 7845"/>
+            </a:avLst>
           </a:prstGeom>
           <a:solidFill>
-            <a:schemeClr val="accent2"/>
+            <a:schemeClr val="bg1"/>
           </a:solidFill>
           <a:ln>
             <a:noFill/>
@@ -14183,20 +13386,268 @@
           <a:bodyPr rtlCol="0" anchor="ctr"/>
           <a:lstStyle/>
           <a:p>
-            <a:pPr algn="ctr" rtl="0"/>
-            <a:endParaRPr lang="es-ES"/>
-          </a:p>
-        </p:txBody>
-      </p:sp>
-      <p:sp>
-        <p:nvSpPr>
-          <p:cNvPr id="16" name="Hexágono 15">
-            <a:extLst>
-              <a:ext uri="{FF2B5EF4-FFF2-40B4-BE49-F238E27FC236}">
-                <a16:creationId xmlns:a16="http://schemas.microsoft.com/office/drawing/2014/main" id="{17C8D1FA-2883-6EC6-566A-01779AB826C5}"/>
-              </a:ext>
-              <a:ext uri="{C183D7F6-B498-43B3-948B-1728B52AA6E4}">
-                <adec:decorative xmlns:adec="http://schemas.microsoft.com/office/drawing/2017/decorative" val="1"/>
+            <a:endParaRPr lang="es-ES" b="0" dirty="0">
+              <a:solidFill>
+                <a:srgbClr val="000000"/>
+              </a:solidFill>
+              <a:effectLst/>
+              <a:latin typeface="Consolas" panose="020B0609020204030204" pitchFamily="49" charset="0"/>
+            </a:endParaRPr>
+          </a:p>
+        </p:txBody>
+      </p:sp>
+      <p:sp>
+        <p:nvSpPr>
+          <p:cNvPr id="8" name="QuadreDeText 3">
+            <a:extLst>
+              <a:ext uri="{FF2B5EF4-FFF2-40B4-BE49-F238E27FC236}">
+                <a16:creationId xmlns:a16="http://schemas.microsoft.com/office/drawing/2014/main" id="{7A0CF3C7-7D13-89DE-E954-AADB4F953A34}"/>
+              </a:ext>
+            </a:extLst>
+          </p:cNvPr>
+          <p:cNvSpPr txBox="1"/>
+          <p:nvPr/>
+        </p:nvSpPr>
+        <p:spPr>
+          <a:xfrm>
+            <a:off x="466166" y="250347"/>
+            <a:ext cx="11270004" cy="830997"/>
+          </a:xfrm>
+          <a:prstGeom prst="rect">
+            <a:avLst/>
+          </a:prstGeom>
+          <a:noFill/>
+        </p:spPr>
+        <p:txBody>
+          <a:bodyPr wrap="square">
+            <a:spAutoFit/>
+          </a:bodyPr>
+          <a:lstStyle/>
+          <a:p>
+            <a:r>
+              <a:rPr lang="es-ES" sz="2400" b="1" dirty="0">
+                <a:solidFill>
+                  <a:schemeClr val="accent3">
+                    <a:lumMod val="50000"/>
+                  </a:schemeClr>
+                </a:solidFill>
+                <a:effectLst/>
+                <a:latin typeface="+mj-lt"/>
+              </a:rPr>
+              <a:t>RELACIÓN ENTRE VARIABLES:  ANALISIS VISUAL + MODELO PREDICTIVO</a:t>
+            </a:r>
+          </a:p>
+          <a:p>
+            <a:r>
+              <a:rPr lang="es-ES" sz="2400" b="1" dirty="0">
+                <a:solidFill>
+                  <a:schemeClr val="accent3">
+                    <a:lumMod val="50000"/>
+                  </a:schemeClr>
+                </a:solidFill>
+                <a:effectLst/>
+                <a:latin typeface="+mj-lt"/>
+              </a:rPr>
+              <a:t>CHANGE POINT DETECTION CON RUPTURES</a:t>
+            </a:r>
+          </a:p>
+        </p:txBody>
+      </p:sp>
+      <p:sp>
+        <p:nvSpPr>
+          <p:cNvPr id="6" name="QuadreDeText 16">
+            <a:extLst>
+              <a:ext uri="{FF2B5EF4-FFF2-40B4-BE49-F238E27FC236}">
+                <a16:creationId xmlns:a16="http://schemas.microsoft.com/office/drawing/2014/main" id="{721D025F-1AA5-2FB6-7D5B-9862E450B280}"/>
+              </a:ext>
+            </a:extLst>
+          </p:cNvPr>
+          <p:cNvSpPr txBox="1"/>
+          <p:nvPr/>
+        </p:nvSpPr>
+        <p:spPr>
+          <a:xfrm>
+            <a:off x="7423688" y="1286448"/>
+            <a:ext cx="4262352" cy="766167"/>
+          </a:xfrm>
+          <a:prstGeom prst="roundRect">
+            <a:avLst/>
+          </a:prstGeom>
+          <a:solidFill>
+            <a:schemeClr val="accent5">
+              <a:lumMod val="25000"/>
+              <a:lumOff val="75000"/>
+            </a:schemeClr>
+          </a:solidFill>
+          <a:ln>
+            <a:solidFill>
+              <a:schemeClr val="bg1"/>
+            </a:solidFill>
+          </a:ln>
+        </p:spPr>
+        <p:txBody>
+          <a:bodyPr wrap="square">
+            <a:spAutoFit/>
+          </a:bodyPr>
+          <a:lstStyle/>
+          <a:p>
+            <a:pPr algn="just"/>
+            <a:r>
+              <a:rPr lang="es-ES" sz="1300" dirty="0"/>
+              <a:t>Utilizamos un algoritmo de detección de puntos de cambio que identifica un cambio brusco en la tendencia de la probabilidad de incumplimiento en función del saldo</a:t>
+            </a:r>
+          </a:p>
+        </p:txBody>
+      </p:sp>
+      <p:pic>
+        <p:nvPicPr>
+          <p:cNvPr id="15" name="Imatge 14">
+            <a:extLst>
+              <a:ext uri="{FF2B5EF4-FFF2-40B4-BE49-F238E27FC236}">
+                <a16:creationId xmlns:a16="http://schemas.microsoft.com/office/drawing/2014/main" id="{7C723922-E288-EC81-256B-8240A0C3D082}"/>
+              </a:ext>
+            </a:extLst>
+          </p:cNvPr>
+          <p:cNvPicPr>
+            <a:picLocks noChangeAspect="1"/>
+          </p:cNvPicPr>
+          <p:nvPr/>
+        </p:nvPicPr>
+        <p:blipFill>
+          <a:blip r:embed="rId3"/>
+          <a:stretch>
+            <a:fillRect/>
+          </a:stretch>
+        </p:blipFill>
+        <p:spPr>
+          <a:xfrm>
+            <a:off x="7376868" y="2109806"/>
+            <a:ext cx="4309172" cy="648692"/>
+          </a:xfrm>
+          <a:prstGeom prst="rect">
+            <a:avLst/>
+          </a:prstGeom>
+        </p:spPr>
+      </p:pic>
+      <p:sp>
+        <p:nvSpPr>
+          <p:cNvPr id="16" name="QuadreDeText 16">
+            <a:extLst>
+              <a:ext uri="{FF2B5EF4-FFF2-40B4-BE49-F238E27FC236}">
+                <a16:creationId xmlns:a16="http://schemas.microsoft.com/office/drawing/2014/main" id="{35ECFC2C-7DBA-93EE-8858-A40A3CEB3514}"/>
+              </a:ext>
+            </a:extLst>
+          </p:cNvPr>
+          <p:cNvSpPr txBox="1"/>
+          <p:nvPr/>
+        </p:nvSpPr>
+        <p:spPr>
+          <a:xfrm>
+            <a:off x="7744320" y="3625851"/>
+            <a:ext cx="2164248" cy="2375416"/>
+          </a:xfrm>
+          <a:prstGeom prst="roundRect">
+            <a:avLst/>
+          </a:prstGeom>
+          <a:solidFill>
+            <a:schemeClr val="accent5">
+              <a:lumMod val="25000"/>
+              <a:lumOff val="75000"/>
+            </a:schemeClr>
+          </a:solidFill>
+          <a:ln>
+            <a:solidFill>
+              <a:schemeClr val="bg1"/>
+            </a:solidFill>
+          </a:ln>
+        </p:spPr>
+        <p:txBody>
+          <a:bodyPr wrap="square">
+            <a:spAutoFit/>
+          </a:bodyPr>
+          <a:lstStyle/>
+          <a:p>
+            <a:pPr algn="just"/>
+            <a:r>
+              <a:rPr lang="es-ES" sz="1300" dirty="0"/>
+              <a:t>Podemos confirmar el resultado del algoritmo con los modelos anteriormente utilizados y de manera más clara con esta visualización de barras. Entre 0 y 100 empieza la escalada en % de morosidad </a:t>
+            </a:r>
+            <a:r>
+              <a:rPr lang="es-ES" sz="1600" b="1" dirty="0"/>
+              <a:t>73 es el umbral propuesto</a:t>
+            </a:r>
+            <a:r>
+              <a:rPr lang="es-ES" sz="1300" dirty="0"/>
+              <a:t>.</a:t>
+            </a:r>
+          </a:p>
+        </p:txBody>
+      </p:sp>
+      <p:pic>
+        <p:nvPicPr>
+          <p:cNvPr id="18" name="Imatge 17">
+            <a:extLst>
+              <a:ext uri="{FF2B5EF4-FFF2-40B4-BE49-F238E27FC236}">
+                <a16:creationId xmlns:a16="http://schemas.microsoft.com/office/drawing/2014/main" id="{62E4B66E-6285-BE67-1A40-CD4AA357D70D}"/>
+              </a:ext>
+            </a:extLst>
+          </p:cNvPr>
+          <p:cNvPicPr>
+            <a:picLocks noChangeAspect="1"/>
+          </p:cNvPicPr>
+          <p:nvPr/>
+        </p:nvPicPr>
+        <p:blipFill>
+          <a:blip r:embed="rId4"/>
+          <a:srcRect t="2327"/>
+          <a:stretch/>
+        </p:blipFill>
+        <p:spPr>
+          <a:xfrm>
+            <a:off x="505960" y="1322514"/>
+            <a:ext cx="6416271" cy="1499844"/>
+          </a:xfrm>
+          <a:prstGeom prst="rect">
+            <a:avLst/>
+          </a:prstGeom>
+        </p:spPr>
+      </p:pic>
+      <p:pic>
+        <p:nvPicPr>
+          <p:cNvPr id="21" name="Imatge 20">
+            <a:extLst>
+              <a:ext uri="{FF2B5EF4-FFF2-40B4-BE49-F238E27FC236}">
+                <a16:creationId xmlns:a16="http://schemas.microsoft.com/office/drawing/2014/main" id="{37E2A172-B2C2-5AC3-44F3-C9B7AA6AEBE1}"/>
+              </a:ext>
+            </a:extLst>
+          </p:cNvPr>
+          <p:cNvPicPr>
+            <a:picLocks noChangeAspect="1"/>
+          </p:cNvPicPr>
+          <p:nvPr/>
+        </p:nvPicPr>
+        <p:blipFill>
+          <a:blip r:embed="rId5"/>
+          <a:stretch>
+            <a:fillRect/>
+          </a:stretch>
+        </p:blipFill>
+        <p:spPr>
+          <a:xfrm>
+            <a:off x="660587" y="3272333"/>
+            <a:ext cx="6763101" cy="3355954"/>
+          </a:xfrm>
+          <a:prstGeom prst="rect">
+            <a:avLst/>
+          </a:prstGeom>
+        </p:spPr>
+      </p:pic>
+      <p:sp>
+        <p:nvSpPr>
+          <p:cNvPr id="22" name="Fletxa: avall 21">
+            <a:extLst>
+              <a:ext uri="{FF2B5EF4-FFF2-40B4-BE49-F238E27FC236}">
+                <a16:creationId xmlns:a16="http://schemas.microsoft.com/office/drawing/2014/main" id="{F327A7D0-2298-49B7-8BDA-18E70C0A27D2}"/>
               </a:ext>
             </a:extLst>
           </p:cNvPr>
@@ -14204,15 +13655,15 @@
           <p:nvPr/>
         </p:nvSpPr>
         <p:spPr>
-          <a:xfrm>
-            <a:off x="2255521" y="2751804"/>
-            <a:ext cx="785546" cy="677196"/>
-          </a:xfrm>
-          <a:prstGeom prst="hexagon">
+          <a:xfrm rot="5400000">
+            <a:off x="1850105" y="5120144"/>
+            <a:ext cx="201478" cy="375834"/>
+          </a:xfrm>
+          <a:prstGeom prst="downArrow">
             <a:avLst/>
           </a:prstGeom>
           <a:solidFill>
-            <a:schemeClr val="accent1"/>
+            <a:srgbClr val="C00000"/>
           </a:solidFill>
           <a:ln>
             <a:noFill/>
@@ -14238,175 +13689,15 @@
           <a:bodyPr rtlCol="0" anchor="ctr"/>
           <a:lstStyle/>
           <a:p>
-            <a:pPr algn="ctr" rtl="0"/>
-            <a:endParaRPr lang="es-ES"/>
-          </a:p>
-        </p:txBody>
-      </p:sp>
-      <p:sp>
-        <p:nvSpPr>
-          <p:cNvPr id="18" name="Hexágono 17">
-            <a:extLst>
-              <a:ext uri="{FF2B5EF4-FFF2-40B4-BE49-F238E27FC236}">
-                <a16:creationId xmlns:a16="http://schemas.microsoft.com/office/drawing/2014/main" id="{B185CD2A-E082-D884-4D39-49A4C37046A2}"/>
-              </a:ext>
-              <a:ext uri="{C183D7F6-B498-43B3-948B-1728B52AA6E4}">
-                <adec:decorative xmlns:adec="http://schemas.microsoft.com/office/drawing/2017/decorative" val="1"/>
-              </a:ext>
-            </a:extLst>
-          </p:cNvPr>
-          <p:cNvSpPr/>
-          <p:nvPr/>
-        </p:nvSpPr>
-        <p:spPr>
-          <a:xfrm>
-            <a:off x="8021783" y="671564"/>
-            <a:ext cx="392774" cy="338599"/>
-          </a:xfrm>
-          <a:prstGeom prst="hexagon">
-            <a:avLst/>
-          </a:prstGeom>
-          <a:solidFill>
-            <a:schemeClr val="bg2"/>
-          </a:solidFill>
-          <a:ln>
-            <a:noFill/>
-          </a:ln>
-        </p:spPr>
-        <p:style>
-          <a:lnRef idx="2">
-            <a:schemeClr val="accent1">
-              <a:shade val="50000"/>
-            </a:schemeClr>
-          </a:lnRef>
-          <a:fillRef idx="1">
-            <a:schemeClr val="accent1"/>
-          </a:fillRef>
-          <a:effectRef idx="0">
-            <a:schemeClr val="accent1"/>
-          </a:effectRef>
-          <a:fontRef idx="minor">
-            <a:schemeClr val="lt1"/>
-          </a:fontRef>
-        </p:style>
-        <p:txBody>
-          <a:bodyPr rtlCol="0" anchor="ctr"/>
-          <a:lstStyle/>
-          <a:p>
-            <a:pPr algn="ctr" rtl="0"/>
-            <a:endParaRPr lang="es-ES"/>
-          </a:p>
-        </p:txBody>
-      </p:sp>
-      <p:sp>
-        <p:nvSpPr>
-          <p:cNvPr id="2" name="Hexágono 1">
-            <a:extLst>
-              <a:ext uri="{FF2B5EF4-FFF2-40B4-BE49-F238E27FC236}">
-                <a16:creationId xmlns:a16="http://schemas.microsoft.com/office/drawing/2014/main" id="{0E86CC62-03FB-901F-2CF9-338DFBD20986}"/>
-              </a:ext>
-              <a:ext uri="{C183D7F6-B498-43B3-948B-1728B52AA6E4}">
-                <adec:decorative xmlns:adec="http://schemas.microsoft.com/office/drawing/2017/decorative" val="1"/>
-              </a:ext>
-            </a:extLst>
-          </p:cNvPr>
-          <p:cNvSpPr/>
-          <p:nvPr/>
-        </p:nvSpPr>
-        <p:spPr>
-          <a:xfrm>
-            <a:off x="2035398" y="3344350"/>
-            <a:ext cx="196388" cy="169300"/>
-          </a:xfrm>
-          <a:prstGeom prst="hexagon">
-            <a:avLst/>
-          </a:prstGeom>
-          <a:solidFill>
-            <a:schemeClr val="accent4"/>
-          </a:solidFill>
-          <a:ln>
-            <a:noFill/>
-          </a:ln>
-        </p:spPr>
-        <p:style>
-          <a:lnRef idx="2">
-            <a:schemeClr val="accent1">
-              <a:shade val="50000"/>
-            </a:schemeClr>
-          </a:lnRef>
-          <a:fillRef idx="1">
-            <a:schemeClr val="accent1"/>
-          </a:fillRef>
-          <a:effectRef idx="0">
-            <a:schemeClr val="accent1"/>
-          </a:effectRef>
-          <a:fontRef idx="minor">
-            <a:schemeClr val="lt1"/>
-          </a:fontRef>
-        </p:style>
-        <p:txBody>
-          <a:bodyPr rtlCol="0" anchor="ctr"/>
-          <a:lstStyle/>
-          <a:p>
-            <a:pPr algn="ctr" rtl="0"/>
-            <a:endParaRPr lang="es-ES"/>
-          </a:p>
-        </p:txBody>
-      </p:sp>
-      <p:sp>
-        <p:nvSpPr>
-          <p:cNvPr id="5" name="Título 6">
-            <a:extLst>
-              <a:ext uri="{FF2B5EF4-FFF2-40B4-BE49-F238E27FC236}">
-                <a16:creationId xmlns:a16="http://schemas.microsoft.com/office/drawing/2014/main" id="{CBB28900-0BB1-AA00-1977-8D9EF3376E65}"/>
-              </a:ext>
-            </a:extLst>
-          </p:cNvPr>
-          <p:cNvSpPr>
-            <a:spLocks noGrp="1"/>
-          </p:cNvSpPr>
-          <p:nvPr>
-            <p:ph type="title"/>
-          </p:nvPr>
-        </p:nvSpPr>
-        <p:spPr>
-          <a:xfrm>
-            <a:off x="3825528" y="1705316"/>
-            <a:ext cx="4540944" cy="1627235"/>
-          </a:xfrm>
-          <a:noFill/>
-        </p:spPr>
-        <p:txBody>
-          <a:bodyPr rtlCol="0"/>
-          <a:lstStyle/>
-          <a:p>
-            <a:pPr algn="ctr" rtl="0"/>
-            <a:r>
-              <a:rPr lang="es-ES" sz="5400" b="1" dirty="0">
-                <a:solidFill>
-                  <a:schemeClr val="accent5">
-                    <a:lumMod val="90000"/>
-                    <a:lumOff val="10000"/>
-                  </a:schemeClr>
-                </a:solidFill>
-                <a:effectLst>
-                  <a:outerShdw blurRad="38100" dist="38100" dir="2700000" algn="tl">
-                    <a:srgbClr val="000000">
-                      <a:alpha val="43137"/>
-                    </a:srgbClr>
-                  </a:outerShdw>
-                </a:effectLst>
-                <a:latin typeface="+mj-lt"/>
-              </a:rPr>
-              <a:t>¡MUCHAS GRACIAS!</a:t>
-            </a:r>
+            <a:pPr algn="ctr"/>
+            <a:endParaRPr lang="ca-ES"/>
           </a:p>
         </p:txBody>
       </p:sp>
     </p:spTree>
     <p:extLst>
       <p:ext uri="{BB962C8B-B14F-4D97-AF65-F5344CB8AC3E}">
-        <p14:creationId xmlns:p14="http://schemas.microsoft.com/office/powerpoint/2010/main" val="2673088943"/>
+        <p14:creationId xmlns:p14="http://schemas.microsoft.com/office/powerpoint/2010/main" val="1994589480"/>
       </p:ext>
     </p:extLst>
   </p:cSld>

--- a/Equip_B/results/S3_Presentacion_Finanzas.pptx
+++ b/Equip_B/results/S3_Presentacion_Finanzas.pptx
@@ -252,7 +252,7 @@
             <a:pPr rtl="0"/>
             <a:fld id="{75725A15-8D86-497D-8EAD-2EB1176C54F6}" type="datetime1">
               <a:rPr lang="es-ES" smtClean="0"/>
-              <a:t>24/10/2024</a:t>
+              <a:t>25/10/2024</a:t>
             </a:fld>
             <a:endParaRPr lang="es-ES"/>
           </a:p>
@@ -434,7 +434,7 @@
             <a:fld id="{B958D509-07EE-4A09-900B-403023880868}" type="datetime1">
               <a:rPr lang="es-ES" smtClean="0"/>
               <a:pPr/>
-              <a:t>24/10/2024</a:t>
+              <a:t>25/10/2024</a:t>
             </a:fld>
             <a:endParaRPr lang="es-ES" dirty="0"/>
           </a:p>
@@ -8323,7 +8323,7 @@
                   <a:schemeClr val="accent2"/>
                 </a:solidFill>
               </a:rPr>
-              <a:t>24/10/2024</a:t>
+              <a:t>25/10/2024</a:t>
             </a:fld>
             <a:endParaRPr lang="es-ES" sz="1100" noProof="0" dirty="0">
               <a:solidFill>
@@ -10831,8 +10831,8 @@
         </p:nvSpPr>
         <p:spPr>
           <a:xfrm>
-            <a:off x="7600802" y="4548543"/>
-            <a:ext cx="1862281" cy="1208842"/>
+            <a:off x="7520599" y="4251423"/>
+            <a:ext cx="1862281" cy="2254806"/>
           </a:xfrm>
           <a:prstGeom prst="roundRect">
             <a:avLst/>
@@ -10861,15 +10861,15 @@
             </a:pPr>
             <a:r>
               <a:rPr lang="es-ES" sz="1300" dirty="0"/>
-              <a:t>Distribución </a:t>
+              <a:t>Ambas presentan </a:t>
             </a:r>
             <a:r>
               <a:rPr lang="es-ES" sz="1300" b="1" dirty="0"/>
-              <a:t>asimétrica</a:t>
+              <a:t>distribuciones normales</a:t>
             </a:r>
             <a:r>
               <a:rPr lang="es-ES" sz="1300" dirty="0"/>
-              <a:t> con cola a la derecha</a:t>
+              <a:t>.</a:t>
             </a:r>
           </a:p>
           <a:p>
@@ -10879,27 +10879,45 @@
             </a:pPr>
             <a:r>
               <a:rPr lang="es-ES" sz="1300" dirty="0"/>
-              <a:t>Con un gran </a:t>
+              <a:t>La distribución de </a:t>
             </a:r>
             <a:r>
               <a:rPr lang="es-ES" sz="1300" b="1" dirty="0"/>
-              <a:t>pico</a:t>
+              <a:t>morosos</a:t>
             </a:r>
             <a:r>
               <a:rPr lang="es-ES" sz="1300" dirty="0"/>
-              <a:t> entre </a:t>
+              <a:t> tiene un mayor </a:t>
             </a:r>
             <a:r>
               <a:rPr lang="es-ES" sz="1300" b="1" dirty="0"/>
-              <a:t>0</a:t>
+              <a:t>pico </a:t>
             </a:r>
             <a:r>
               <a:rPr lang="es-ES" sz="1300" dirty="0"/>
-              <a:t> y </a:t>
+              <a:t> cerca del </a:t>
             </a:r>
             <a:r>
               <a:rPr lang="es-ES" sz="1300" b="1" dirty="0"/>
-              <a:t>1000</a:t>
+              <a:t>0.</a:t>
+            </a:r>
+          </a:p>
+          <a:p>
+            <a:pPr marL="285750" indent="-285750">
+              <a:buFont typeface="Wingdings" panose="05000000000000000000" pitchFamily="2" charset="2"/>
+              <a:buChar char="§"/>
+            </a:pPr>
+            <a:r>
+              <a:rPr lang="es-ES" sz="1300" b="1" dirty="0"/>
+              <a:t>No </a:t>
+            </a:r>
+            <a:r>
+              <a:rPr lang="es-ES" sz="1300" dirty="0"/>
+              <a:t>morosos tiene una </a:t>
+            </a:r>
+            <a:r>
+              <a:rPr lang="es-ES" sz="1300" b="1" dirty="0"/>
+              <a:t>cola más larga.</a:t>
             </a:r>
           </a:p>
         </p:txBody>
@@ -11838,7 +11856,27 @@
             </a:r>
             <a:r>
               <a:rPr lang="es-ES" sz="1300" dirty="0"/>
-              <a:t> aplicando el método  IQR*1.5. Así podremos centrarnos en la parte de la muestra donde se producen los cambios de tendencia para buscar el umbral.</a:t>
+              <a:t> aplicando el método  IQR*1.5. Así podremos </a:t>
+            </a:r>
+            <a:r>
+              <a:rPr lang="es-ES" sz="1300" b="1" dirty="0"/>
+              <a:t>centrarnos en la parte </a:t>
+            </a:r>
+            <a:r>
+              <a:rPr lang="es-ES" sz="1300" dirty="0"/>
+              <a:t>de la muestra </a:t>
+            </a:r>
+            <a:r>
+              <a:rPr lang="es-ES" sz="1300" b="1" dirty="0"/>
+              <a:t>donde se producen los cambios </a:t>
+            </a:r>
+            <a:r>
+              <a:rPr lang="es-ES" sz="1300" dirty="0"/>
+              <a:t>de tendencia para buscar el </a:t>
+            </a:r>
+            <a:r>
+              <a:rPr lang="es-ES" sz="1300" b="1" dirty="0"/>
+              <a:t>umbral.</a:t>
             </a:r>
           </a:p>
         </p:txBody>
@@ -12220,8 +12258,8 @@
         </p:nvSpPr>
         <p:spPr>
           <a:xfrm>
-            <a:off x="8126277" y="2220158"/>
-            <a:ext cx="3040041" cy="1208842"/>
+            <a:off x="8343253" y="2075696"/>
+            <a:ext cx="3040041" cy="1430179"/>
           </a:xfrm>
           <a:prstGeom prst="roundRect">
             <a:avLst/>
@@ -12244,9 +12282,47 @@
           </a:bodyPr>
           <a:lstStyle/>
           <a:p>
+            <a:pPr marL="285750" indent="-285750">
+              <a:buFont typeface="Wingdings" panose="05000000000000000000" pitchFamily="2" charset="2"/>
+              <a:buChar char="§"/>
+            </a:pPr>
             <a:r>
               <a:rPr lang="es-ES" sz="1300" dirty="0"/>
-              <a:t>Vemos que la tendencia es bastante progresiva y que hay varios puntos susceptibles de ser considerados como un umbral a partir del que aumenta la morosidad</a:t>
+              <a:t>Vemos que la tendencia es bastante </a:t>
+            </a:r>
+            <a:r>
+              <a:rPr lang="es-ES" sz="1300" b="1" dirty="0"/>
+              <a:t>progresiva</a:t>
+            </a:r>
+            <a:r>
+              <a:rPr lang="es-ES" sz="1300" dirty="0"/>
+              <a:t> , pero no es del todo lineal. </a:t>
+            </a:r>
+          </a:p>
+          <a:p>
+            <a:pPr marL="285750" indent="-285750">
+              <a:buFont typeface="Wingdings" panose="05000000000000000000" pitchFamily="2" charset="2"/>
+              <a:buChar char="§"/>
+            </a:pPr>
+            <a:r>
+              <a:rPr lang="es-ES" sz="1300" dirty="0"/>
+              <a:t>Hay </a:t>
+            </a:r>
+            <a:r>
+              <a:rPr lang="es-ES" sz="1300" b="1" dirty="0"/>
+              <a:t>varios puntos </a:t>
+            </a:r>
+            <a:r>
+              <a:rPr lang="es-ES" sz="1300" dirty="0"/>
+              <a:t>susceptibles de ser considerados como un </a:t>
+            </a:r>
+            <a:r>
+              <a:rPr lang="es-ES" sz="1300" b="1" dirty="0"/>
+              <a:t>umbral</a:t>
+            </a:r>
+            <a:r>
+              <a:rPr lang="es-ES" sz="1300" dirty="0"/>
+              <a:t> a partir del que aumenta la morosidad</a:t>
             </a:r>
           </a:p>
         </p:txBody>
@@ -12465,7 +12541,7 @@
         <p:spPr>
           <a:xfrm>
             <a:off x="8693602" y="2099710"/>
-            <a:ext cx="1906502" cy="2470339"/>
+            <a:ext cx="1906502" cy="1872853"/>
           </a:xfrm>
           <a:prstGeom prst="roundRect">
             <a:avLst/>
@@ -12490,13 +12566,21 @@
           <a:p>
             <a:r>
               <a:rPr lang="es-ES" sz="1300" dirty="0"/>
-              <a:t>Con este modelo de clasificación detectamos</a:t>
-            </a:r>
-          </a:p>
-          <a:p>
+              <a:t>Según este modelo de clasificación,</a:t>
+            </a:r>
+          </a:p>
+          <a:p>
+            <a:r>
+              <a:rPr lang="es-ES" sz="1300" b="1" dirty="0"/>
+              <a:t>el punto donde más fácil es separar los clientes morosos </a:t>
+            </a:r>
             <a:r>
               <a:rPr lang="es-ES" sz="1300" dirty="0"/>
-              <a:t>Que el punto donde más fácil es separar los clientes morosos de los que no lo son , mediante un modelo predictivo es en  los que tienen un saldo de &gt;= -364,5</a:t>
+              <a:t>de los que no lo son , es en  los que tienen un </a:t>
+            </a:r>
+            <a:r>
+              <a:rPr lang="es-ES" sz="1300" b="1" dirty="0"/>
+              <a:t>saldo de &gt;= -364,5</a:t>
             </a:r>
           </a:p>
         </p:txBody>
@@ -12530,6 +12614,110 @@
           </a:prstGeom>
         </p:spPr>
       </p:pic>
+      <p:sp>
+        <p:nvSpPr>
+          <p:cNvPr id="4" name="Oval 3">
+            <a:extLst>
+              <a:ext uri="{FF2B5EF4-FFF2-40B4-BE49-F238E27FC236}">
+                <a16:creationId xmlns:a16="http://schemas.microsoft.com/office/drawing/2014/main" id="{EB58C3AD-1E34-C324-F8A8-352EFEBB5FC2}"/>
+              </a:ext>
+            </a:extLst>
+          </p:cNvPr>
+          <p:cNvSpPr/>
+          <p:nvPr/>
+        </p:nvSpPr>
+        <p:spPr>
+          <a:xfrm>
+            <a:off x="2619662" y="3429000"/>
+            <a:ext cx="1256536" cy="957020"/>
+          </a:xfrm>
+          <a:prstGeom prst="ellipse">
+            <a:avLst/>
+          </a:prstGeom>
+          <a:noFill/>
+          <a:ln>
+            <a:solidFill>
+              <a:srgbClr val="C00000"/>
+            </a:solidFill>
+          </a:ln>
+        </p:spPr>
+        <p:style>
+          <a:lnRef idx="2">
+            <a:schemeClr val="accent1">
+              <a:shade val="50000"/>
+            </a:schemeClr>
+          </a:lnRef>
+          <a:fillRef idx="1">
+            <a:schemeClr val="accent1"/>
+          </a:fillRef>
+          <a:effectRef idx="0">
+            <a:schemeClr val="accent1"/>
+          </a:effectRef>
+          <a:fontRef idx="minor">
+            <a:schemeClr val="lt1"/>
+          </a:fontRef>
+        </p:style>
+        <p:txBody>
+          <a:bodyPr rtlCol="0" anchor="ctr"/>
+          <a:lstStyle/>
+          <a:p>
+            <a:pPr algn="ctr"/>
+            <a:endParaRPr lang="ca-ES"/>
+          </a:p>
+        </p:txBody>
+      </p:sp>
+      <p:sp>
+        <p:nvSpPr>
+          <p:cNvPr id="9" name="Oval 8">
+            <a:extLst>
+              <a:ext uri="{FF2B5EF4-FFF2-40B4-BE49-F238E27FC236}">
+                <a16:creationId xmlns:a16="http://schemas.microsoft.com/office/drawing/2014/main" id="{3DD5E48D-2AD3-EB4B-D5AA-ADB24555FD45}"/>
+              </a:ext>
+            </a:extLst>
+          </p:cNvPr>
+          <p:cNvSpPr/>
+          <p:nvPr/>
+        </p:nvSpPr>
+        <p:spPr>
+          <a:xfrm>
+            <a:off x="963628" y="3494053"/>
+            <a:ext cx="1256536" cy="957020"/>
+          </a:xfrm>
+          <a:prstGeom prst="ellipse">
+            <a:avLst/>
+          </a:prstGeom>
+          <a:noFill/>
+          <a:ln>
+            <a:solidFill>
+              <a:srgbClr val="C00000"/>
+            </a:solidFill>
+          </a:ln>
+        </p:spPr>
+        <p:style>
+          <a:lnRef idx="2">
+            <a:schemeClr val="accent1">
+              <a:shade val="50000"/>
+            </a:schemeClr>
+          </a:lnRef>
+          <a:fillRef idx="1">
+            <a:schemeClr val="accent1"/>
+          </a:fillRef>
+          <a:effectRef idx="0">
+            <a:schemeClr val="accent1"/>
+          </a:effectRef>
+          <a:fontRef idx="minor">
+            <a:schemeClr val="lt1"/>
+          </a:fontRef>
+        </p:style>
+        <p:txBody>
+          <a:bodyPr rtlCol="0" anchor="ctr"/>
+          <a:lstStyle/>
+          <a:p>
+            <a:pPr algn="ctr"/>
+            <a:endParaRPr lang="ca-ES"/>
+          </a:p>
+        </p:txBody>
+      </p:sp>
     </p:spTree>
     <p:extLst>
       <p:ext uri="{BB962C8B-B14F-4D97-AF65-F5344CB8AC3E}">
@@ -12769,7 +12957,35 @@
           <a:p>
             <a:r>
               <a:rPr lang="es-ES" sz="1300" dirty="0"/>
-              <a:t>Este modelo muestra que el punto de inflexión en el que la probabilidad empieza a crecer y ya casi no dejará de hacerlo es la categoría entre 0 y 100</a:t>
+              <a:t>Este modelo muestra que </a:t>
+            </a:r>
+            <a:r>
+              <a:rPr lang="es-ES" sz="1300" b="1" dirty="0"/>
+              <a:t>el punto de inflexión </a:t>
+            </a:r>
+            <a:r>
+              <a:rPr lang="es-ES" sz="1300" dirty="0"/>
+              <a:t>en el que la </a:t>
+            </a:r>
+            <a:r>
+              <a:rPr lang="es-ES" sz="1300" b="1" dirty="0"/>
+              <a:t>probabilidad</a:t>
+            </a:r>
+            <a:r>
+              <a:rPr lang="es-ES" sz="1300" dirty="0"/>
+              <a:t> empieza a </a:t>
+            </a:r>
+            <a:r>
+              <a:rPr lang="es-ES" sz="1300" b="1" dirty="0"/>
+              <a:t>crecer </a:t>
+            </a:r>
+            <a:r>
+              <a:rPr lang="es-ES" sz="1300" dirty="0"/>
+              <a:t>y ya casi no dejará de hacerlo, es la categoría </a:t>
+            </a:r>
+            <a:r>
+              <a:rPr lang="es-ES" sz="1300" b="1" dirty="0"/>
+              <a:t>entre 0 y 100</a:t>
             </a:r>
           </a:p>
         </p:txBody>
@@ -13027,7 +13243,7 @@
                 <a:effectLst/>
                 <a:latin typeface="+mj-lt"/>
               </a:rPr>
-              <a:t>PRUEBA DE PROPORCIONES Z-TEST</a:t>
+              <a:t>RANDOM FOREST: PRUEBA DE PROPORCIONES Z-TEST</a:t>
             </a:r>
           </a:p>
         </p:txBody>
@@ -13073,7 +13289,43 @@
             <a:pPr algn="just"/>
             <a:r>
               <a:rPr lang="es-ES" sz="1300" dirty="0"/>
-              <a:t>Vemos  que los puntos donde se concentran  P-Valores más bajos de entre -100 y -100 y entre -500 y -200. Por tanto en estos rangos es donde la prueba indica que se producen mayores cambios de probabilidad.</a:t>
+              <a:t>Vemos  que los puntos donde se concentran  </a:t>
+            </a:r>
+            <a:r>
+              <a:rPr lang="es-ES" sz="1300" b="1" dirty="0"/>
+              <a:t>P-Valores más bajos </a:t>
+            </a:r>
+            <a:r>
+              <a:rPr lang="es-ES" sz="1300" dirty="0"/>
+              <a:t>de entre </a:t>
+            </a:r>
+            <a:r>
+              <a:rPr lang="es-ES" sz="1300" b="1" dirty="0"/>
+              <a:t>-100 y 100</a:t>
+            </a:r>
+            <a:r>
+              <a:rPr lang="es-ES" sz="1300" dirty="0"/>
+              <a:t> y entre </a:t>
+            </a:r>
+            <a:r>
+              <a:rPr lang="es-ES" sz="1300" b="1" dirty="0"/>
+              <a:t>-500 y -200</a:t>
+            </a:r>
+            <a:r>
+              <a:rPr lang="es-ES" sz="1300" dirty="0"/>
+              <a:t>. Por tanto en estos rangos es </a:t>
+            </a:r>
+            <a:r>
+              <a:rPr lang="es-ES" sz="1300" b="1" dirty="0"/>
+              <a:t>donde</a:t>
+            </a:r>
+            <a:r>
+              <a:rPr lang="es-ES" sz="1300" dirty="0"/>
+              <a:t> la prueba indica que </a:t>
+            </a:r>
+            <a:r>
+              <a:rPr lang="es-ES" sz="1300" b="1" dirty="0"/>
+              <a:t>se producen mayores cambios de probabilidad.</a:t>
             </a:r>
           </a:p>
         </p:txBody>
@@ -13351,7 +13603,7 @@
         </p:nvSpPr>
         <p:spPr>
           <a:xfrm>
-            <a:off x="466166" y="3127337"/>
+            <a:off x="466166" y="3111839"/>
             <a:ext cx="9778214" cy="3452875"/>
           </a:xfrm>
           <a:prstGeom prst="roundRect">
@@ -13434,7 +13686,7 @@
                 <a:effectLst/>
                 <a:latin typeface="+mj-lt"/>
               </a:rPr>
-              <a:t>RELACIÓN ENTRE VARIABLES:  ANALISIS VISUAL + MODELO PREDICTIVO</a:t>
+              <a:t>CONCLUSIÓN:  ANALISIS VISUAL + MODELO PREDICTIVO</a:t>
             </a:r>
           </a:p>
           <a:p>
@@ -13494,7 +13746,19 @@
             <a:pPr algn="just"/>
             <a:r>
               <a:rPr lang="es-ES" sz="1300" dirty="0"/>
-              <a:t>Utilizamos un algoritmo de detección de puntos de cambio que identifica un cambio brusco en la tendencia de la probabilidad de incumplimiento en función del saldo</a:t>
+              <a:t>Utilizamos un algoritmo de detección de puntos de cambio que identifica un </a:t>
+            </a:r>
+            <a:r>
+              <a:rPr lang="es-ES" sz="1300" b="1" dirty="0"/>
+              <a:t>cambio brusco en la tendencia </a:t>
+            </a:r>
+            <a:r>
+              <a:rPr lang="es-ES" sz="1300" dirty="0"/>
+              <a:t>de la </a:t>
+            </a:r>
+            <a:r>
+              <a:rPr lang="es-ES" sz="1300" b="1" dirty="0"/>
+              <a:t>probabilidad de incumplimiento en función del saldo</a:t>
             </a:r>
           </a:p>
         </p:txBody>
@@ -13543,7 +13807,7 @@
         </p:nvSpPr>
         <p:spPr>
           <a:xfrm>
-            <a:off x="7744320" y="3625851"/>
+            <a:off x="6983114" y="3344781"/>
             <a:ext cx="2164248" cy="2375416"/>
           </a:xfrm>
           <a:prstGeom prst="roundRect">
@@ -13634,8 +13898,8 @@
         </p:blipFill>
         <p:spPr>
           <a:xfrm>
-            <a:off x="660587" y="3272333"/>
-            <a:ext cx="6763101" cy="3355954"/>
+            <a:off x="804890" y="3296487"/>
+            <a:ext cx="5569732" cy="2763786"/>
           </a:xfrm>
           <a:prstGeom prst="rect">
             <a:avLst/>
@@ -13656,8 +13920,8 @@
         </p:nvSpPr>
         <p:spPr>
           <a:xfrm rot="5400000">
-            <a:off x="1850105" y="5120144"/>
-            <a:ext cx="201478" cy="375834"/>
+            <a:off x="1790867" y="4782930"/>
+            <a:ext cx="170590" cy="375839"/>
           </a:xfrm>
           <a:prstGeom prst="downArrow">
             <a:avLst/>
@@ -13691,6 +13955,98 @@
           <a:p>
             <a:pPr algn="ctr"/>
             <a:endParaRPr lang="ca-ES"/>
+          </a:p>
+        </p:txBody>
+      </p:sp>
+      <p:sp>
+        <p:nvSpPr>
+          <p:cNvPr id="3" name="Oval 2">
+            <a:extLst>
+              <a:ext uri="{FF2B5EF4-FFF2-40B4-BE49-F238E27FC236}">
+                <a16:creationId xmlns:a16="http://schemas.microsoft.com/office/drawing/2014/main" id="{50F3781F-9139-8352-E8CE-D2048C50FBA4}"/>
+              </a:ext>
+            </a:extLst>
+          </p:cNvPr>
+          <p:cNvSpPr/>
+          <p:nvPr/>
+        </p:nvSpPr>
+        <p:spPr>
+          <a:xfrm>
+            <a:off x="11251770" y="2553145"/>
+            <a:ext cx="681925" cy="205353"/>
+          </a:xfrm>
+          <a:prstGeom prst="ellipse">
+            <a:avLst/>
+          </a:prstGeom>
+          <a:noFill/>
+          <a:ln>
+            <a:solidFill>
+              <a:srgbClr val="C00000"/>
+            </a:solidFill>
+          </a:ln>
+        </p:spPr>
+        <p:style>
+          <a:lnRef idx="2">
+            <a:schemeClr val="accent1">
+              <a:shade val="50000"/>
+            </a:schemeClr>
+          </a:lnRef>
+          <a:fillRef idx="1">
+            <a:schemeClr val="accent1"/>
+          </a:fillRef>
+          <a:effectRef idx="0">
+            <a:schemeClr val="accent1"/>
+          </a:effectRef>
+          <a:fontRef idx="minor">
+            <a:schemeClr val="lt1"/>
+          </a:fontRef>
+        </p:style>
+        <p:txBody>
+          <a:bodyPr rtlCol="0" anchor="ctr"/>
+          <a:lstStyle/>
+          <a:p>
+            <a:pPr algn="ctr"/>
+            <a:endParaRPr lang="ca-ES"/>
+          </a:p>
+        </p:txBody>
+      </p:sp>
+      <p:sp>
+        <p:nvSpPr>
+          <p:cNvPr id="7" name="QuadreDeText 6">
+            <a:extLst>
+              <a:ext uri="{FF2B5EF4-FFF2-40B4-BE49-F238E27FC236}">
+                <a16:creationId xmlns:a16="http://schemas.microsoft.com/office/drawing/2014/main" id="{8E8B6212-48D9-356D-1285-04259D1E17B8}"/>
+              </a:ext>
+            </a:extLst>
+          </p:cNvPr>
+          <p:cNvSpPr txBox="1"/>
+          <p:nvPr/>
+        </p:nvSpPr>
+        <p:spPr>
+          <a:xfrm>
+            <a:off x="804890" y="6100671"/>
+            <a:ext cx="8819557" cy="461665"/>
+          </a:xfrm>
+          <a:prstGeom prst="rect">
+            <a:avLst/>
+          </a:prstGeom>
+          <a:noFill/>
+        </p:spPr>
+        <p:txBody>
+          <a:bodyPr wrap="square">
+            <a:spAutoFit/>
+          </a:bodyPr>
+          <a:lstStyle/>
+          <a:p>
+            <a:r>
+              <a:rPr lang="es-ES" altLang="es-ES" dirty="0"/>
+              <a:t>¿Qué umbrales de saldo podrían indicar mayor riesgo de morosidad?    </a:t>
+            </a:r>
+            <a:r>
+              <a:rPr lang="es-ES" altLang="es-ES" sz="2400" b="1" dirty="0"/>
+              <a:t>A PARTIR DE  73</a:t>
+            </a:r>
+            <a:endParaRPr lang="es-ES" b="1" dirty="0"/>
           </a:p>
         </p:txBody>
       </p:sp>
